--- a/Lectures/(3) Extracting & Storing Data.pptx
+++ b/Lectures/(3) Extracting & Storing Data.pptx
@@ -5,7 +5,7 @@
     <p:sldMasterId id="2147483672" r:id="rId1"/>
   </p:sldMasterIdLst>
   <p:notesMasterIdLst>
-    <p:notesMasterId r:id="rId14"/>
+    <p:notesMasterId r:id="rId16"/>
   </p:notesMasterIdLst>
   <p:sldIdLst>
     <p:sldId id="256" r:id="rId2"/>
@@ -20,37 +20,39 @@
     <p:sldId id="267" r:id="rId11"/>
     <p:sldId id="268" r:id="rId12"/>
     <p:sldId id="269" r:id="rId13"/>
+    <p:sldId id="271" r:id="rId14"/>
+    <p:sldId id="272" r:id="rId15"/>
   </p:sldIdLst>
   <p:sldSz cx="12192000" cy="6858000"/>
   <p:notesSz cx="6858000" cy="9144000"/>
   <p:embeddedFontLst>
     <p:embeddedFont>
       <p:font typeface="Calibri" panose="020F0502020204030204" pitchFamily="34" charset="0"/>
-      <p:regular r:id="rId15"/>
-      <p:bold r:id="rId16"/>
-      <p:italic r:id="rId17"/>
-      <p:boldItalic r:id="rId18"/>
+      <p:regular r:id="rId17"/>
+      <p:bold r:id="rId18"/>
+      <p:italic r:id="rId19"/>
+      <p:boldItalic r:id="rId20"/>
     </p:embeddedFont>
     <p:embeddedFont>
       <p:font typeface="Lato" panose="020B0604020202020204" charset="0"/>
-      <p:regular r:id="rId19"/>
-      <p:bold r:id="rId20"/>
-      <p:italic r:id="rId21"/>
-      <p:boldItalic r:id="rId22"/>
+      <p:regular r:id="rId21"/>
+      <p:bold r:id="rId22"/>
+      <p:italic r:id="rId23"/>
+      <p:boldItalic r:id="rId24"/>
     </p:embeddedFont>
     <p:embeddedFont>
       <p:font typeface="Raleway" panose="020B0604020202020204" charset="0"/>
-      <p:regular r:id="rId23"/>
-      <p:bold r:id="rId24"/>
-      <p:italic r:id="rId25"/>
-      <p:boldItalic r:id="rId26"/>
+      <p:regular r:id="rId25"/>
+      <p:bold r:id="rId26"/>
+      <p:italic r:id="rId27"/>
+      <p:boldItalic r:id="rId28"/>
     </p:embeddedFont>
     <p:embeddedFont>
       <p:font typeface="Verdana" panose="020B0604030504040204" pitchFamily="34" charset="0"/>
-      <p:regular r:id="rId27"/>
-      <p:bold r:id="rId28"/>
-      <p:italic r:id="rId29"/>
-      <p:boldItalic r:id="rId30"/>
+      <p:regular r:id="rId29"/>
+      <p:bold r:id="rId30"/>
+      <p:italic r:id="rId31"/>
+      <p:boldItalic r:id="rId32"/>
     </p:embeddedFont>
   </p:embeddedFontLst>
   <p:defaultTextStyle>
@@ -2359,7 +2361,7 @@
                   <a:srgbClr val="000000"/>
                 </a:solidFill>
               </a:rPr>
-              <a:t> = 'Asia’)</a:t>
+              <a:t> = 'Asia’); </a:t>
             </a:r>
           </a:p>
           <a:p>
@@ -2394,7 +2396,7 @@
                   <a:srgbClr val="000000"/>
                 </a:solidFill>
               </a:rPr>
-              <a:t> SELECT  country  FROM </a:t>
+              <a:t>;SELECT  country  FROM </a:t>
             </a:r>
             <a:r>
               <a:rPr lang="en-US" dirty="0" err="1">
@@ -2410,7 +2412,7 @@
                   <a:srgbClr val="000000"/>
                 </a:solidFill>
               </a:rPr>
-              <a:t>  WHERE  Country IN ('India', 'China', 'Nepal')</a:t>
+              <a:t>  WHERE  Country IN ('India', 'China', 'Nepal');</a:t>
             </a:r>
             <a:endParaRPr dirty="0">
               <a:solidFill>
@@ -2690,6 +2692,316 @@
 </p:notes>
 </file>
 
+<file path=ppt/notesSlides/notesSlide13.xml><?xml version="1.0" encoding="utf-8"?>
+<p:notes xmlns:a="http://schemas.openxmlformats.org/drawingml/2006/main" xmlns:r="http://schemas.openxmlformats.org/officeDocument/2006/relationships" xmlns:p="http://schemas.openxmlformats.org/presentationml/2006/main" showMasterSp="0" showMasterPhAnim="0">
+  <p:cSld>
+    <p:spTree>
+      <p:nvGrpSpPr>
+        <p:cNvPr id="1" name="Shape 277"/>
+        <p:cNvGrpSpPr/>
+        <p:nvPr/>
+      </p:nvGrpSpPr>
+      <p:grpSpPr>
+        <a:xfrm>
+          <a:off x="0" y="0"/>
+          <a:ext cx="0" cy="0"/>
+          <a:chOff x="0" y="0"/>
+          <a:chExt cx="0" cy="0"/>
+        </a:xfrm>
+      </p:grpSpPr>
+      <p:sp>
+        <p:nvSpPr>
+          <p:cNvPr id="278" name="Google Shape;278;g509d03fa30_2_6:notes"/>
+          <p:cNvSpPr>
+            <a:spLocks noGrp="1" noRot="1" noChangeAspect="1"/>
+          </p:cNvSpPr>
+          <p:nvPr>
+            <p:ph type="sldImg" idx="2"/>
+          </p:nvPr>
+        </p:nvSpPr>
+        <p:spPr>
+          <a:xfrm>
+            <a:off x="685800" y="1143000"/>
+            <a:ext cx="5486400" cy="3086100"/>
+          </a:xfrm>
+          <a:custGeom>
+            <a:avLst/>
+            <a:gdLst/>
+            <a:ahLst/>
+            <a:cxnLst/>
+            <a:rect l="l" t="t" r="r" b="b"/>
+            <a:pathLst>
+              <a:path w="120000" h="120000" extrusionOk="0">
+                <a:moveTo>
+                  <a:pt x="0" y="0"/>
+                </a:moveTo>
+                <a:lnTo>
+                  <a:pt x="120000" y="0"/>
+                </a:lnTo>
+                <a:lnTo>
+                  <a:pt x="120000" y="120000"/>
+                </a:lnTo>
+                <a:lnTo>
+                  <a:pt x="0" y="120000"/>
+                </a:lnTo>
+                <a:close/>
+              </a:path>
+            </a:pathLst>
+          </a:custGeom>
+        </p:spPr>
+      </p:sp>
+      <p:sp>
+        <p:nvSpPr>
+          <p:cNvPr id="279" name="Google Shape;279;g509d03fa30_2_6:notes"/>
+          <p:cNvSpPr txBox="1">
+            <a:spLocks noGrp="1"/>
+          </p:cNvSpPr>
+          <p:nvPr>
+            <p:ph type="body" idx="1"/>
+          </p:nvPr>
+        </p:nvSpPr>
+        <p:spPr>
+          <a:xfrm>
+            <a:off x="685800" y="4400550"/>
+            <a:ext cx="5486400" cy="3600600"/>
+          </a:xfrm>
+          <a:prstGeom prst="rect">
+            <a:avLst/>
+          </a:prstGeom>
+        </p:spPr>
+        <p:txBody>
+          <a:bodyPr spcFirstLastPara="1" wrap="square" lIns="91425" tIns="45700" rIns="91425" bIns="45700" anchor="t" anchorCtr="0">
+            <a:noAutofit/>
+          </a:bodyPr>
+          <a:lstStyle/>
+          <a:p>
+            <a:pPr marL="0" lvl="0" indent="0" algn="l" rtl="0">
+              <a:spcBef>
+                <a:spcPts val="1100"/>
+              </a:spcBef>
+              <a:spcAft>
+                <a:spcPts val="0"/>
+              </a:spcAft>
+              <a:buNone/>
+            </a:pPr>
+            <a:endParaRPr dirty="0"/>
+          </a:p>
+        </p:txBody>
+      </p:sp>
+      <p:sp>
+        <p:nvSpPr>
+          <p:cNvPr id="280" name="Google Shape;280;g509d03fa30_2_6:notes"/>
+          <p:cNvSpPr txBox="1">
+            <a:spLocks noGrp="1"/>
+          </p:cNvSpPr>
+          <p:nvPr>
+            <p:ph type="sldNum" idx="12"/>
+          </p:nvPr>
+        </p:nvSpPr>
+        <p:spPr>
+          <a:xfrm>
+            <a:off x="3884613" y="8685213"/>
+            <a:ext cx="2971800" cy="458700"/>
+          </a:xfrm>
+          <a:prstGeom prst="rect">
+            <a:avLst/>
+          </a:prstGeom>
+        </p:spPr>
+        <p:txBody>
+          <a:bodyPr spcFirstLastPara="1" wrap="square" lIns="91425" tIns="45700" rIns="91425" bIns="45700" anchor="b" anchorCtr="0">
+            <a:noAutofit/>
+          </a:bodyPr>
+          <a:lstStyle/>
+          <a:p>
+            <a:pPr marL="0" lvl="0" indent="0" algn="r" rtl="0">
+              <a:spcBef>
+                <a:spcPts val="0"/>
+              </a:spcBef>
+              <a:spcAft>
+                <a:spcPts val="0"/>
+              </a:spcAft>
+              <a:buClr>
+                <a:srgbClr val="000000"/>
+              </a:buClr>
+              <a:buFont typeface="Arial"/>
+              <a:buNone/>
+            </a:pPr>
+            <a:fld id="{00000000-1234-1234-1234-123412341234}" type="slidenum">
+              <a:rPr lang="en-US"/>
+              <a:t>13</a:t>
+            </a:fld>
+            <a:endParaRPr/>
+          </a:p>
+        </p:txBody>
+      </p:sp>
+    </p:spTree>
+    <p:extLst>
+      <p:ext uri="{BB962C8B-B14F-4D97-AF65-F5344CB8AC3E}">
+        <p14:creationId xmlns:p14="http://schemas.microsoft.com/office/powerpoint/2010/main" val="1498149205"/>
+      </p:ext>
+    </p:extLst>
+  </p:cSld>
+  <p:clrMapOvr>
+    <a:masterClrMapping/>
+  </p:clrMapOvr>
+</p:notes>
+</file>
+
+<file path=ppt/notesSlides/notesSlide14.xml><?xml version="1.0" encoding="utf-8"?>
+<p:notes xmlns:a="http://schemas.openxmlformats.org/drawingml/2006/main" xmlns:r="http://schemas.openxmlformats.org/officeDocument/2006/relationships" xmlns:p="http://schemas.openxmlformats.org/presentationml/2006/main" showMasterSp="0" showMasterPhAnim="0">
+  <p:cSld>
+    <p:spTree>
+      <p:nvGrpSpPr>
+        <p:cNvPr id="1" name="Shape 277"/>
+        <p:cNvGrpSpPr/>
+        <p:nvPr/>
+      </p:nvGrpSpPr>
+      <p:grpSpPr>
+        <a:xfrm>
+          <a:off x="0" y="0"/>
+          <a:ext cx="0" cy="0"/>
+          <a:chOff x="0" y="0"/>
+          <a:chExt cx="0" cy="0"/>
+        </a:xfrm>
+      </p:grpSpPr>
+      <p:sp>
+        <p:nvSpPr>
+          <p:cNvPr id="278" name="Google Shape;278;g509d03fa30_2_6:notes"/>
+          <p:cNvSpPr>
+            <a:spLocks noGrp="1" noRot="1" noChangeAspect="1"/>
+          </p:cNvSpPr>
+          <p:nvPr>
+            <p:ph type="sldImg" idx="2"/>
+          </p:nvPr>
+        </p:nvSpPr>
+        <p:spPr>
+          <a:xfrm>
+            <a:off x="685800" y="1143000"/>
+            <a:ext cx="5486400" cy="3086100"/>
+          </a:xfrm>
+          <a:custGeom>
+            <a:avLst/>
+            <a:gdLst/>
+            <a:ahLst/>
+            <a:cxnLst/>
+            <a:rect l="l" t="t" r="r" b="b"/>
+            <a:pathLst>
+              <a:path w="120000" h="120000" extrusionOk="0">
+                <a:moveTo>
+                  <a:pt x="0" y="0"/>
+                </a:moveTo>
+                <a:lnTo>
+                  <a:pt x="120000" y="0"/>
+                </a:lnTo>
+                <a:lnTo>
+                  <a:pt x="120000" y="120000"/>
+                </a:lnTo>
+                <a:lnTo>
+                  <a:pt x="0" y="120000"/>
+                </a:lnTo>
+                <a:close/>
+              </a:path>
+            </a:pathLst>
+          </a:custGeom>
+        </p:spPr>
+      </p:sp>
+      <p:sp>
+        <p:nvSpPr>
+          <p:cNvPr id="279" name="Google Shape;279;g509d03fa30_2_6:notes"/>
+          <p:cNvSpPr txBox="1">
+            <a:spLocks noGrp="1"/>
+          </p:cNvSpPr>
+          <p:nvPr>
+            <p:ph type="body" idx="1"/>
+          </p:nvPr>
+        </p:nvSpPr>
+        <p:spPr>
+          <a:xfrm>
+            <a:off x="685800" y="4400550"/>
+            <a:ext cx="5486400" cy="3600600"/>
+          </a:xfrm>
+          <a:prstGeom prst="rect">
+            <a:avLst/>
+          </a:prstGeom>
+        </p:spPr>
+        <p:txBody>
+          <a:bodyPr spcFirstLastPara="1" wrap="square" lIns="91425" tIns="45700" rIns="91425" bIns="45700" anchor="t" anchorCtr="0">
+            <a:noAutofit/>
+          </a:bodyPr>
+          <a:lstStyle/>
+          <a:p>
+            <a:pPr marL="0" lvl="0" indent="0" algn="l" rtl="0">
+              <a:spcBef>
+                <a:spcPts val="1100"/>
+              </a:spcBef>
+              <a:spcAft>
+                <a:spcPts val="0"/>
+              </a:spcAft>
+              <a:buNone/>
+            </a:pPr>
+            <a:endParaRPr dirty="0"/>
+          </a:p>
+        </p:txBody>
+      </p:sp>
+      <p:sp>
+        <p:nvSpPr>
+          <p:cNvPr id="280" name="Google Shape;280;g509d03fa30_2_6:notes"/>
+          <p:cNvSpPr txBox="1">
+            <a:spLocks noGrp="1"/>
+          </p:cNvSpPr>
+          <p:nvPr>
+            <p:ph type="sldNum" idx="12"/>
+          </p:nvPr>
+        </p:nvSpPr>
+        <p:spPr>
+          <a:xfrm>
+            <a:off x="3884613" y="8685213"/>
+            <a:ext cx="2971800" cy="458700"/>
+          </a:xfrm>
+          <a:prstGeom prst="rect">
+            <a:avLst/>
+          </a:prstGeom>
+        </p:spPr>
+        <p:txBody>
+          <a:bodyPr spcFirstLastPara="1" wrap="square" lIns="91425" tIns="45700" rIns="91425" bIns="45700" anchor="b" anchorCtr="0">
+            <a:noAutofit/>
+          </a:bodyPr>
+          <a:lstStyle/>
+          <a:p>
+            <a:pPr marL="0" lvl="0" indent="0" algn="r" rtl="0">
+              <a:spcBef>
+                <a:spcPts val="0"/>
+              </a:spcBef>
+              <a:spcAft>
+                <a:spcPts val="0"/>
+              </a:spcAft>
+              <a:buClr>
+                <a:srgbClr val="000000"/>
+              </a:buClr>
+              <a:buFont typeface="Arial"/>
+              <a:buNone/>
+            </a:pPr>
+            <a:fld id="{00000000-1234-1234-1234-123412341234}" type="slidenum">
+              <a:rPr lang="en-US"/>
+              <a:t>14</a:t>
+            </a:fld>
+            <a:endParaRPr/>
+          </a:p>
+        </p:txBody>
+      </p:sp>
+    </p:spTree>
+    <p:extLst>
+      <p:ext uri="{BB962C8B-B14F-4D97-AF65-F5344CB8AC3E}">
+        <p14:creationId xmlns:p14="http://schemas.microsoft.com/office/powerpoint/2010/main" val="3271899087"/>
+      </p:ext>
+    </p:extLst>
+  </p:cSld>
+  <p:clrMapOvr>
+    <a:masterClrMapping/>
+  </p:clrMapOvr>
+</p:notes>
+</file>
+
 <file path=ppt/notesSlides/notesSlide2.xml><?xml version="1.0" encoding="utf-8"?>
 <p:notes xmlns:a="http://schemas.openxmlformats.org/drawingml/2006/main" xmlns:r="http://schemas.openxmlformats.org/officeDocument/2006/relationships" xmlns:p="http://schemas.openxmlformats.org/presentationml/2006/main" showMasterSp="0" showMasterPhAnim="0">
   <p:cSld>
@@ -3688,7 +4000,7 @@
                 <a:cs typeface="Lato"/>
                 <a:sym typeface="Lato"/>
               </a:rPr>
-              <a:t>use </a:t>
+              <a:t>USE </a:t>
             </a:r>
             <a:r>
               <a:rPr lang="en-US" b="1" dirty="0" err="1">
@@ -3761,7 +4073,7 @@
                 <a:cs typeface="Lato"/>
                 <a:sym typeface="Lato"/>
               </a:rPr>
-              <a:t> INT(11) NOT NULL,	</a:t>
+              <a:t> INT NOT NULL UNIQUE,	</a:t>
             </a:r>
           </a:p>
           <a:p>
@@ -3903,7 +4215,7 @@
                 <a:cs typeface="Lato"/>
                 <a:sym typeface="Lato"/>
               </a:rPr>
-              <a:t>addressline1 VARCHAR(50) NOT NULL,    </a:t>
+              <a:t>addressline1 VARCHAR(50) NOT NULL,   </a:t>
             </a:r>
           </a:p>
           <a:p>
@@ -3926,7 +4238,7 @@
                 <a:cs typeface="Lato"/>
                 <a:sym typeface="Lato"/>
               </a:rPr>
-              <a:t>addressline2 VARCHAR(50) DEFAULT NULL,    </a:t>
+              <a:t> addressline2 VARCHAR(50) DEFAULT NULL,    </a:t>
             </a:r>
           </a:p>
           <a:p>
@@ -3972,7 +4284,7 @@
                 <a:cs typeface="Lato"/>
                 <a:sym typeface="Lato"/>
               </a:rPr>
-              <a:t>state VARCHAR(50) DEFAULT NULL,    </a:t>
+              <a:t>state CHAR(2) DEFAULT NULL,    </a:t>
             </a:r>
           </a:p>
           <a:p>
@@ -4027,7 +4339,7 @@
                 <a:cs typeface="Lato"/>
                 <a:sym typeface="Lato"/>
               </a:rPr>
-              <a:t>country VARCHAR(50) NOT NULL,    </a:t>
+              <a:t>country CHAR(3) NOT NULL DEFAULT 'USA',    </a:t>
             </a:r>
           </a:p>
           <a:p>
@@ -4059,7 +4371,7 @@
                 <a:cs typeface="Lato"/>
                 <a:sym typeface="Lato"/>
               </a:rPr>
-              <a:t> INT(11) DEFAULT NULL,    </a:t>
+              <a:t> INT DEFAULT NULL,    </a:t>
             </a:r>
           </a:p>
           <a:p>
@@ -4091,7 +4403,25 @@
                 <a:cs typeface="Lato"/>
                 <a:sym typeface="Lato"/>
               </a:rPr>
-              <a:t> DECIMAL(10,2) DEFAULT NULL,    </a:t>
+              <a:t> DECIMAL(10,2) CHECK (</a:t>
+            </a:r>
+            <a:r>
+              <a:rPr lang="en-US" b="1" dirty="0" err="1">
+                <a:latin typeface="Lato"/>
+                <a:ea typeface="Lato"/>
+                <a:cs typeface="Lato"/>
+                <a:sym typeface="Lato"/>
+              </a:rPr>
+              <a:t>creditlimit</a:t>
+            </a:r>
+            <a:r>
+              <a:rPr lang="en-US" b="1" dirty="0">
+                <a:latin typeface="Lato"/>
+                <a:ea typeface="Lato"/>
+                <a:cs typeface="Lato"/>
+                <a:sym typeface="Lato"/>
+              </a:rPr>
+              <a:t> &lt; 1000000),   </a:t>
             </a:r>
           </a:p>
           <a:p>
@@ -4114,7 +4444,7 @@
                 <a:cs typeface="Lato"/>
                 <a:sym typeface="Lato"/>
               </a:rPr>
-              <a:t>PRIMARY KEY (</a:t>
+              <a:t> PRIMARY KEY (</a:t>
             </a:r>
             <a:r>
               <a:rPr lang="en-US" b="1" dirty="0" err="1">
@@ -4132,12 +4462,46 @@
                 <a:cs typeface="Lato"/>
                 <a:sym typeface="Lato"/>
               </a:rPr>
-              <a:t>));</a:t>
-            </a:r>
+              <a:t>)</a:t>
+            </a:r>
+          </a:p>
+          <a:p>
+            <a:pPr marL="457200" lvl="0" indent="0" algn="l" rtl="0">
+              <a:lnSpc>
+                <a:spcPct val="115000"/>
+              </a:lnSpc>
+              <a:spcBef>
+                <a:spcPts val="0"/>
+              </a:spcBef>
+              <a:spcAft>
+                <a:spcPts val="0"/>
+              </a:spcAft>
+              <a:buNone/>
+            </a:pPr>
+            <a:r>
+              <a:rPr lang="en-US" b="1" dirty="0">
+                <a:latin typeface="Lato"/>
+                <a:ea typeface="Lato"/>
+                <a:cs typeface="Lato"/>
+                <a:sym typeface="Lato"/>
+              </a:rPr>
+              <a:t>);</a:t>
+            </a:r>
+          </a:p>
+          <a:p>
+            <a:pPr marL="457200" lvl="0" indent="0" algn="l" rtl="0">
+              <a:lnSpc>
+                <a:spcPct val="115000"/>
+              </a:lnSpc>
+              <a:spcBef>
+                <a:spcPts val="0"/>
+              </a:spcBef>
+              <a:spcAft>
+                <a:spcPts val="0"/>
+              </a:spcAft>
+              <a:buNone/>
+            </a:pPr>
             <a:endParaRPr lang="en-US" b="1" dirty="0">
-              <a:solidFill>
-                <a:srgbClr val="FF9900"/>
-              </a:solidFill>
               <a:latin typeface="Lato"/>
               <a:ea typeface="Lato"/>
               <a:cs typeface="Lato"/>
@@ -4157,15 +4521,15 @@
               </a:spcAft>
               <a:buNone/>
             </a:pPr>
-            <a:endParaRPr lang="en-US" b="1" dirty="0">
-              <a:solidFill>
-                <a:srgbClr val="FF9900"/>
-              </a:solidFill>
-              <a:latin typeface="Lato"/>
-              <a:ea typeface="Lato"/>
-              <a:cs typeface="Lato"/>
-              <a:sym typeface="Lato"/>
-            </a:endParaRPr>
+            <a:r>
+              <a:rPr lang="en-US" b="1" dirty="0">
+                <a:latin typeface="Lato"/>
+                <a:ea typeface="Lato"/>
+                <a:cs typeface="Lato"/>
+                <a:sym typeface="Lato"/>
+              </a:rPr>
+              <a:t>/* Constraints are the rules enforced on the data columns of a table.</a:t>
+            </a:r>
           </a:p>
           <a:p>
             <a:pPr marL="457200" lvl="0" indent="0" algn="l" rtl="0">
@@ -4181,89 +4545,13 @@
               <a:buNone/>
             </a:pPr>
             <a:r>
-              <a:rPr lang="en-US" sz="1200" b="1" i="0" u="none" strike="noStrike" cap="none" dirty="0" err="1">
-                <a:solidFill>
-                  <a:schemeClr val="dk1"/>
-                </a:solidFill>
-                <a:effectLst/>
-                <a:latin typeface="Calibri"/>
-                <a:ea typeface="Calibri"/>
-                <a:cs typeface="Calibri"/>
-                <a:sym typeface="Calibri"/>
-              </a:rPr>
-              <a:t>ConstraINTs</a:t>
-            </a:r>
-            <a:r>
-              <a:rPr lang="en-US" sz="1200" b="0" i="0" u="none" strike="noStrike" cap="none" dirty="0">
-                <a:solidFill>
-                  <a:schemeClr val="dk1"/>
-                </a:solidFill>
-                <a:effectLst/>
-                <a:latin typeface="Calibri"/>
-                <a:ea typeface="Calibri"/>
-                <a:cs typeface="Calibri"/>
-                <a:sym typeface="Calibri"/>
-              </a:rPr>
-              <a:t> are the rules enforced on the data columns of a table. –</a:t>
-            </a:r>
-          </a:p>
-          <a:p>
-            <a:pPr marL="457200" lvl="0" indent="0" algn="l" rtl="0">
-              <a:lnSpc>
-                <a:spcPct val="115000"/>
-              </a:lnSpc>
-              <a:spcBef>
-                <a:spcPts val="0"/>
-              </a:spcBef>
-              <a:spcAft>
-                <a:spcPts val="0"/>
-              </a:spcAft>
-              <a:buNone/>
-            </a:pPr>
-            <a:r>
-              <a:rPr lang="en-US" sz="1200" b="0" i="0" u="none" strike="noStrike" cap="none" dirty="0">
-                <a:solidFill>
-                  <a:schemeClr val="dk1"/>
-                </a:solidFill>
-                <a:effectLst/>
-                <a:latin typeface="Calibri"/>
-                <a:ea typeface="Lato"/>
-                <a:cs typeface="Calibri"/>
-                <a:sym typeface="Calibri"/>
-              </a:rPr>
-              <a:t>Types of </a:t>
-            </a:r>
-            <a:r>
-              <a:rPr lang="en-US" sz="1200" b="0" i="0" u="none" strike="noStrike" cap="none" dirty="0" err="1">
-                <a:solidFill>
-                  <a:schemeClr val="dk1"/>
-                </a:solidFill>
-                <a:effectLst/>
-                <a:latin typeface="Calibri"/>
-                <a:ea typeface="Lato"/>
-                <a:cs typeface="Calibri"/>
-                <a:sym typeface="Calibri"/>
-              </a:rPr>
-              <a:t>ConstraINTs</a:t>
-            </a:r>
-            <a:r>
-              <a:rPr lang="en-US" sz="1200" b="0" i="0" u="none" strike="noStrike" cap="none" dirty="0">
-                <a:solidFill>
-                  <a:schemeClr val="dk1"/>
-                </a:solidFill>
-                <a:effectLst/>
-                <a:latin typeface="Calibri"/>
-                <a:ea typeface="Lato"/>
-                <a:cs typeface="Calibri"/>
-                <a:sym typeface="Calibri"/>
-              </a:rPr>
-              <a:t>:  </a:t>
-            </a:r>
-            <a:r>
-              <a:rPr lang="en-US" dirty="0">
-                <a:hlinkClick r:id="rId3"/>
-              </a:rPr>
-              <a:t>https://www.tutorialspoINT.com/sql/sql-constraINTs.htm</a:t>
+              <a:rPr lang="en-US" b="1" dirty="0">
+                <a:latin typeface="Lato"/>
+                <a:ea typeface="Lato"/>
+                <a:cs typeface="Lato"/>
+                <a:sym typeface="Lato"/>
+              </a:rPr>
+              <a:t>Types of Constraints:  https://www.tutorialspoINT.com/sql/sql-constraINTs.htm */</a:t>
             </a:r>
             <a:endParaRPr dirty="0"/>
           </a:p>
@@ -4482,15 +4770,7 @@
             </a:pPr>
             <a:r>
               <a:rPr lang="en-US" sz="1200" dirty="0"/>
-              <a:t>DROP </a:t>
-            </a:r>
-            <a:r>
-              <a:rPr lang="en-US" sz="1200" dirty="0" err="1"/>
-              <a:t>constraINT</a:t>
-            </a:r>
-            <a:r>
-              <a:rPr lang="en-US" sz="1200" dirty="0"/>
-              <a:t> customers_ibfk_1;</a:t>
+              <a:t>DROP CONSTRAINT customers_ibfk_1;</a:t>
             </a:r>
           </a:p>
           <a:p>
@@ -4864,7 +5144,7 @@
               <a:buNone/>
             </a:pPr>
             <a:r>
-              <a:rPr lang="en-US" sz="1200" u="sng" dirty="0">
+              <a:rPr lang="en-US" sz="1200" u="none" dirty="0">
                 <a:solidFill>
                   <a:schemeClr val="accent1"/>
                 </a:solidFill>
@@ -4873,10 +5153,10 @@
                 <a:cs typeface="Lato"/>
                 <a:sym typeface="Lato"/>
               </a:rPr>
-              <a:t>UPDATE</a:t>
-            </a:r>
-            <a:r>
-              <a:rPr lang="en-US" sz="1200" dirty="0">
+              <a:t>UPDATE  </a:t>
+            </a:r>
+            <a:r>
+              <a:rPr lang="en-US" sz="1200" u="none" dirty="0" err="1">
                 <a:solidFill>
                   <a:schemeClr val="accent1"/>
                 </a:solidFill>
@@ -4885,22 +5165,10 @@
                 <a:cs typeface="Lato"/>
                 <a:sym typeface="Lato"/>
               </a:rPr>
-              <a:t>  </a:t>
-            </a:r>
-            <a:r>
-              <a:rPr lang="en-US" sz="1200" dirty="0" err="1">
-                <a:solidFill>
-                  <a:schemeClr val="accent1"/>
-                </a:solidFill>
-                <a:latin typeface="Lato"/>
-                <a:ea typeface="Lato"/>
-                <a:cs typeface="Lato"/>
-                <a:sym typeface="Lato"/>
-              </a:rPr>
               <a:t>classicmodels.customers</a:t>
             </a:r>
             <a:r>
-              <a:rPr lang="en-US" sz="1200" u="sng" dirty="0">
+              <a:rPr lang="en-US" sz="1200" u="none" dirty="0">
                 <a:solidFill>
                   <a:schemeClr val="accent1"/>
                 </a:solidFill>
@@ -4931,7 +5199,7 @@
               <a:buNone/>
             </a:pPr>
             <a:r>
-              <a:rPr lang="en-US" sz="1200" dirty="0">
+              <a:rPr lang="en-US" sz="1200" u="none" dirty="0">
                 <a:solidFill>
                   <a:schemeClr val="accent1"/>
                 </a:solidFill>
@@ -4940,7 +5208,7 @@
                 <a:cs typeface="Lato"/>
                 <a:sym typeface="Lato"/>
               </a:rPr>
-              <a:t>SET city = 'Omaha’</a:t>
+              <a:t>SET city = 'Omaha', state = 'NE’</a:t>
             </a:r>
           </a:p>
           <a:p>
@@ -4962,7 +5230,7 @@
               <a:buNone/>
             </a:pPr>
             <a:r>
-              <a:rPr lang="en-US" sz="1200" dirty="0">
+              <a:rPr lang="en-US" sz="1200" u="none" dirty="0">
                 <a:solidFill>
                   <a:schemeClr val="accent1"/>
                 </a:solidFill>
@@ -4974,7 +5242,7 @@
               <a:t>WHERE </a:t>
             </a:r>
             <a:r>
-              <a:rPr lang="en-US" sz="1200" dirty="0" err="1">
+              <a:rPr lang="en-US" sz="1200" u="none" dirty="0" err="1">
                 <a:solidFill>
                   <a:schemeClr val="accent1"/>
                 </a:solidFill>
@@ -4986,7 +5254,7 @@
               <a:t>customer_number</a:t>
             </a:r>
             <a:r>
-              <a:rPr lang="en-US" sz="1200" dirty="0">
+              <a:rPr lang="en-US" sz="1200" u="none" dirty="0">
                 <a:solidFill>
                   <a:schemeClr val="accent1"/>
                 </a:solidFill>
@@ -4997,18 +5265,7 @@
               </a:rPr>
               <a:t> = 103;</a:t>
             </a:r>
-          </a:p>
-          <a:p>
-            <a:pPr marL="0" lvl="0" indent="0" algn="l" rtl="0">
-              <a:spcBef>
-                <a:spcPts val="0"/>
-              </a:spcBef>
-              <a:spcAft>
-                <a:spcPts val="0"/>
-              </a:spcAft>
-              <a:buNone/>
-            </a:pPr>
-            <a:endParaRPr dirty="0"/>
+            <a:endParaRPr u="none" dirty="0"/>
           </a:p>
         </p:txBody>
       </p:sp>
@@ -6389,690 +6646,6 @@
 </p:sldLayout>
 </file>
 
-<file path=ppt/slideLayouts/slideLayout12.xml><?xml version="1.0" encoding="utf-8"?>
-<p:sldLayout xmlns:a="http://schemas.openxmlformats.org/drawingml/2006/main" xmlns:r="http://schemas.openxmlformats.org/officeDocument/2006/relationships" xmlns:p="http://schemas.openxmlformats.org/presentationml/2006/main" matchingName="Title and Content" type="obj">
-  <p:cSld name="OBJECT">
-    <p:spTree>
-      <p:nvGrpSpPr>
-        <p:cNvPr id="1" name="Shape 86"/>
-        <p:cNvGrpSpPr/>
-        <p:nvPr/>
-      </p:nvGrpSpPr>
-      <p:grpSpPr>
-        <a:xfrm>
-          <a:off x="0" y="0"/>
-          <a:ext cx="0" cy="0"/>
-          <a:chOff x="0" y="0"/>
-          <a:chExt cx="0" cy="0"/>
-        </a:xfrm>
-      </p:grpSpPr>
-      <p:sp>
-        <p:nvSpPr>
-          <p:cNvPr id="87" name="Google Shape;87;p13"/>
-          <p:cNvSpPr txBox="1">
-            <a:spLocks noGrp="1"/>
-          </p:cNvSpPr>
-          <p:nvPr>
-            <p:ph type="title"/>
-          </p:nvPr>
-        </p:nvSpPr>
-        <p:spPr>
-          <a:xfrm>
-            <a:off x="913795" y="609600"/>
-            <a:ext cx="10353900" cy="970500"/>
-          </a:xfrm>
-          <a:prstGeom prst="rect">
-            <a:avLst/>
-          </a:prstGeom>
-          <a:noFill/>
-          <a:ln>
-            <a:noFill/>
-          </a:ln>
-          <a:effectLst>
-            <a:outerShdw blurRad="25400">
-              <a:srgbClr val="000000">
-                <a:alpha val="45880"/>
-              </a:srgbClr>
-            </a:outerShdw>
-          </a:effectLst>
-        </p:spPr>
-        <p:txBody>
-          <a:bodyPr spcFirstLastPara="1" wrap="square" lIns="91425" tIns="45700" rIns="91425" bIns="45700" anchor="ctr" anchorCtr="0">
-            <a:noAutofit/>
-          </a:bodyPr>
-          <a:lstStyle>
-            <a:lvl1pPr lvl="0" algn="ctr" rtl="0">
-              <a:spcBef>
-                <a:spcPts val="0"/>
-              </a:spcBef>
-              <a:spcAft>
-                <a:spcPts val="0"/>
-              </a:spcAft>
-              <a:buClr>
-                <a:schemeClr val="lt2"/>
-              </a:buClr>
-              <a:buSzPts val="1800"/>
-              <a:buNone/>
-              <a:defRPr/>
-            </a:lvl1pPr>
-            <a:lvl2pPr lvl="1" algn="l" rtl="0">
-              <a:spcBef>
-                <a:spcPts val="0"/>
-              </a:spcBef>
-              <a:spcAft>
-                <a:spcPts val="0"/>
-              </a:spcAft>
-              <a:buSzPts val="3700"/>
-              <a:buNone/>
-              <a:defRPr/>
-            </a:lvl2pPr>
-            <a:lvl3pPr lvl="2" algn="l" rtl="0">
-              <a:spcBef>
-                <a:spcPts val="0"/>
-              </a:spcBef>
-              <a:spcAft>
-                <a:spcPts val="0"/>
-              </a:spcAft>
-              <a:buSzPts val="3700"/>
-              <a:buNone/>
-              <a:defRPr/>
-            </a:lvl3pPr>
-            <a:lvl4pPr lvl="3" algn="l" rtl="0">
-              <a:spcBef>
-                <a:spcPts val="0"/>
-              </a:spcBef>
-              <a:spcAft>
-                <a:spcPts val="0"/>
-              </a:spcAft>
-              <a:buSzPts val="3700"/>
-              <a:buNone/>
-              <a:defRPr/>
-            </a:lvl4pPr>
-            <a:lvl5pPr lvl="4" algn="l" rtl="0">
-              <a:spcBef>
-                <a:spcPts val="0"/>
-              </a:spcBef>
-              <a:spcAft>
-                <a:spcPts val="0"/>
-              </a:spcAft>
-              <a:buSzPts val="3700"/>
-              <a:buNone/>
-              <a:defRPr/>
-            </a:lvl5pPr>
-            <a:lvl6pPr lvl="5" algn="l" rtl="0">
-              <a:spcBef>
-                <a:spcPts val="0"/>
-              </a:spcBef>
-              <a:spcAft>
-                <a:spcPts val="0"/>
-              </a:spcAft>
-              <a:buSzPts val="3700"/>
-              <a:buNone/>
-              <a:defRPr/>
-            </a:lvl6pPr>
-            <a:lvl7pPr lvl="6" algn="l" rtl="0">
-              <a:spcBef>
-                <a:spcPts val="0"/>
-              </a:spcBef>
-              <a:spcAft>
-                <a:spcPts val="0"/>
-              </a:spcAft>
-              <a:buSzPts val="3700"/>
-              <a:buNone/>
-              <a:defRPr/>
-            </a:lvl7pPr>
-            <a:lvl8pPr lvl="7" algn="l" rtl="0">
-              <a:spcBef>
-                <a:spcPts val="0"/>
-              </a:spcBef>
-              <a:spcAft>
-                <a:spcPts val="0"/>
-              </a:spcAft>
-              <a:buSzPts val="3700"/>
-              <a:buNone/>
-              <a:defRPr/>
-            </a:lvl8pPr>
-            <a:lvl9pPr lvl="8" algn="l" rtl="0">
-              <a:spcBef>
-                <a:spcPts val="0"/>
-              </a:spcBef>
-              <a:spcAft>
-                <a:spcPts val="0"/>
-              </a:spcAft>
-              <a:buSzPts val="3700"/>
-              <a:buNone/>
-              <a:defRPr/>
-            </a:lvl9pPr>
-          </a:lstStyle>
-          <a:p>
-            <a:endParaRPr/>
-          </a:p>
-        </p:txBody>
-      </p:sp>
-      <p:sp>
-        <p:nvSpPr>
-          <p:cNvPr id="88" name="Google Shape;88;p13"/>
-          <p:cNvSpPr txBox="1">
-            <a:spLocks noGrp="1"/>
-          </p:cNvSpPr>
-          <p:nvPr>
-            <p:ph type="body" idx="1"/>
-          </p:nvPr>
-        </p:nvSpPr>
-        <p:spPr>
-          <a:xfrm>
-            <a:off x="913795" y="1732449"/>
-            <a:ext cx="10353900" cy="4058700"/>
-          </a:xfrm>
-          <a:prstGeom prst="rect">
-            <a:avLst/>
-          </a:prstGeom>
-          <a:noFill/>
-          <a:ln>
-            <a:noFill/>
-          </a:ln>
-          <a:effectLst>
-            <a:outerShdw blurRad="25400">
-              <a:srgbClr val="000000">
-                <a:alpha val="45880"/>
-              </a:srgbClr>
-            </a:outerShdw>
-          </a:effectLst>
-        </p:spPr>
-        <p:txBody>
-          <a:bodyPr spcFirstLastPara="1" wrap="square" lIns="91425" tIns="45700" rIns="91425" bIns="45700" anchor="t" anchorCtr="0">
-            <a:noAutofit/>
-          </a:bodyPr>
-          <a:lstStyle>
-            <a:lvl1pPr marL="457200" lvl="0" indent="-308610" algn="l" rtl="0">
-              <a:spcBef>
-                <a:spcPts val="360"/>
-              </a:spcBef>
-              <a:spcAft>
-                <a:spcPts val="0"/>
-              </a:spcAft>
-              <a:buSzPts val="1260"/>
-              <a:buChar char="●"/>
-              <a:defRPr/>
-            </a:lvl1pPr>
-            <a:lvl2pPr marL="914400" lvl="1" indent="-308610" algn="l" rtl="0">
-              <a:spcBef>
-                <a:spcPts val="600"/>
-              </a:spcBef>
-              <a:spcAft>
-                <a:spcPts val="0"/>
-              </a:spcAft>
-              <a:buSzPts val="1260"/>
-              <a:buChar char="○"/>
-              <a:defRPr/>
-            </a:lvl2pPr>
-            <a:lvl3pPr marL="1371600" lvl="2" indent="-308610" algn="l" rtl="0">
-              <a:spcBef>
-                <a:spcPts val="600"/>
-              </a:spcBef>
-              <a:spcAft>
-                <a:spcPts val="0"/>
-              </a:spcAft>
-              <a:buSzPts val="1260"/>
-              <a:buChar char="■"/>
-              <a:defRPr/>
-            </a:lvl3pPr>
-            <a:lvl4pPr marL="1828800" lvl="3" indent="-308610" algn="l" rtl="0">
-              <a:spcBef>
-                <a:spcPts val="600"/>
-              </a:spcBef>
-              <a:spcAft>
-                <a:spcPts val="0"/>
-              </a:spcAft>
-              <a:buSzPts val="1260"/>
-              <a:buChar char="●"/>
-              <a:defRPr/>
-            </a:lvl4pPr>
-            <a:lvl5pPr marL="2286000" lvl="4" indent="-308610" algn="l" rtl="0">
-              <a:spcBef>
-                <a:spcPts val="600"/>
-              </a:spcBef>
-              <a:spcAft>
-                <a:spcPts val="0"/>
-              </a:spcAft>
-              <a:buSzPts val="1260"/>
-              <a:buChar char="○"/>
-              <a:defRPr/>
-            </a:lvl5pPr>
-            <a:lvl6pPr marL="2743200" lvl="5" indent="-308610" algn="l" rtl="0">
-              <a:spcBef>
-                <a:spcPts val="600"/>
-              </a:spcBef>
-              <a:spcAft>
-                <a:spcPts val="0"/>
-              </a:spcAft>
-              <a:buSzPts val="1260"/>
-              <a:buChar char="■"/>
-              <a:defRPr/>
-            </a:lvl6pPr>
-            <a:lvl7pPr marL="3200400" lvl="6" indent="-308610" algn="l" rtl="0">
-              <a:spcBef>
-                <a:spcPts val="600"/>
-              </a:spcBef>
-              <a:spcAft>
-                <a:spcPts val="0"/>
-              </a:spcAft>
-              <a:buSzPts val="1260"/>
-              <a:buChar char="●"/>
-              <a:defRPr/>
-            </a:lvl7pPr>
-            <a:lvl8pPr marL="3657600" lvl="7" indent="-308609" algn="l" rtl="0">
-              <a:spcBef>
-                <a:spcPts val="600"/>
-              </a:spcBef>
-              <a:spcAft>
-                <a:spcPts val="0"/>
-              </a:spcAft>
-              <a:buSzPts val="1260"/>
-              <a:buChar char="○"/>
-              <a:defRPr/>
-            </a:lvl8pPr>
-            <a:lvl9pPr marL="4114800" lvl="8" indent="-308609" algn="l" rtl="0">
-              <a:spcBef>
-                <a:spcPts val="600"/>
-              </a:spcBef>
-              <a:spcAft>
-                <a:spcPts val="600"/>
-              </a:spcAft>
-              <a:buSzPts val="1260"/>
-              <a:buChar char="■"/>
-              <a:defRPr/>
-            </a:lvl9pPr>
-          </a:lstStyle>
-          <a:p>
-            <a:endParaRPr/>
-          </a:p>
-        </p:txBody>
-      </p:sp>
-      <p:sp>
-        <p:nvSpPr>
-          <p:cNvPr id="89" name="Google Shape;89;p13"/>
-          <p:cNvSpPr txBox="1">
-            <a:spLocks noGrp="1"/>
-          </p:cNvSpPr>
-          <p:nvPr>
-            <p:ph type="dt" idx="10"/>
-          </p:nvPr>
-        </p:nvSpPr>
-        <p:spPr>
-          <a:xfrm>
-            <a:off x="7678736" y="5883275"/>
-            <a:ext cx="2743200" cy="365100"/>
-          </a:xfrm>
-          <a:prstGeom prst="rect">
-            <a:avLst/>
-          </a:prstGeom>
-          <a:noFill/>
-          <a:ln>
-            <a:noFill/>
-          </a:ln>
-        </p:spPr>
-        <p:txBody>
-          <a:bodyPr spcFirstLastPara="1" wrap="square" lIns="91425" tIns="45700" rIns="91425" bIns="45700" anchor="ctr" anchorCtr="0">
-            <a:noAutofit/>
-          </a:bodyPr>
-          <a:lstStyle>
-            <a:lvl1pPr lvl="0" algn="r" rtl="0">
-              <a:spcBef>
-                <a:spcPts val="0"/>
-              </a:spcBef>
-              <a:spcAft>
-                <a:spcPts val="0"/>
-              </a:spcAft>
-              <a:buSzPts val="1400"/>
-              <a:buNone/>
-              <a:defRPr/>
-            </a:lvl1pPr>
-            <a:lvl2pPr lvl="1" algn="l" rtl="0">
-              <a:spcBef>
-                <a:spcPts val="0"/>
-              </a:spcBef>
-              <a:spcAft>
-                <a:spcPts val="0"/>
-              </a:spcAft>
-              <a:buSzPts val="1400"/>
-              <a:buNone/>
-              <a:defRPr/>
-            </a:lvl2pPr>
-            <a:lvl3pPr lvl="2" algn="l" rtl="0">
-              <a:spcBef>
-                <a:spcPts val="0"/>
-              </a:spcBef>
-              <a:spcAft>
-                <a:spcPts val="0"/>
-              </a:spcAft>
-              <a:buSzPts val="1400"/>
-              <a:buNone/>
-              <a:defRPr/>
-            </a:lvl3pPr>
-            <a:lvl4pPr lvl="3" algn="l" rtl="0">
-              <a:spcBef>
-                <a:spcPts val="0"/>
-              </a:spcBef>
-              <a:spcAft>
-                <a:spcPts val="0"/>
-              </a:spcAft>
-              <a:buSzPts val="1400"/>
-              <a:buNone/>
-              <a:defRPr/>
-            </a:lvl4pPr>
-            <a:lvl5pPr lvl="4" algn="l" rtl="0">
-              <a:spcBef>
-                <a:spcPts val="0"/>
-              </a:spcBef>
-              <a:spcAft>
-                <a:spcPts val="0"/>
-              </a:spcAft>
-              <a:buSzPts val="1400"/>
-              <a:buNone/>
-              <a:defRPr/>
-            </a:lvl5pPr>
-            <a:lvl6pPr lvl="5" algn="l" rtl="0">
-              <a:spcBef>
-                <a:spcPts val="0"/>
-              </a:spcBef>
-              <a:spcAft>
-                <a:spcPts val="0"/>
-              </a:spcAft>
-              <a:buSzPts val="1400"/>
-              <a:buNone/>
-              <a:defRPr/>
-            </a:lvl6pPr>
-            <a:lvl7pPr lvl="6" algn="l" rtl="0">
-              <a:spcBef>
-                <a:spcPts val="0"/>
-              </a:spcBef>
-              <a:spcAft>
-                <a:spcPts val="0"/>
-              </a:spcAft>
-              <a:buSzPts val="1400"/>
-              <a:buNone/>
-              <a:defRPr/>
-            </a:lvl7pPr>
-            <a:lvl8pPr lvl="7" algn="l" rtl="0">
-              <a:spcBef>
-                <a:spcPts val="0"/>
-              </a:spcBef>
-              <a:spcAft>
-                <a:spcPts val="0"/>
-              </a:spcAft>
-              <a:buSzPts val="1400"/>
-              <a:buNone/>
-              <a:defRPr/>
-            </a:lvl8pPr>
-            <a:lvl9pPr lvl="8" algn="l" rtl="0">
-              <a:spcBef>
-                <a:spcPts val="0"/>
-              </a:spcBef>
-              <a:spcAft>
-                <a:spcPts val="0"/>
-              </a:spcAft>
-              <a:buSzPts val="1400"/>
-              <a:buNone/>
-              <a:defRPr/>
-            </a:lvl9pPr>
-          </a:lstStyle>
-          <a:p>
-            <a:endParaRPr/>
-          </a:p>
-        </p:txBody>
-      </p:sp>
-      <p:sp>
-        <p:nvSpPr>
-          <p:cNvPr id="90" name="Google Shape;90;p13"/>
-          <p:cNvSpPr txBox="1">
-            <a:spLocks noGrp="1"/>
-          </p:cNvSpPr>
-          <p:nvPr>
-            <p:ph type="ftr" idx="11"/>
-          </p:nvPr>
-        </p:nvSpPr>
-        <p:spPr>
-          <a:xfrm>
-            <a:off x="913795" y="5883275"/>
-            <a:ext cx="6672900" cy="365100"/>
-          </a:xfrm>
-          <a:prstGeom prst="rect">
-            <a:avLst/>
-          </a:prstGeom>
-          <a:noFill/>
-          <a:ln>
-            <a:noFill/>
-          </a:ln>
-        </p:spPr>
-        <p:txBody>
-          <a:bodyPr spcFirstLastPara="1" wrap="square" lIns="91425" tIns="45700" rIns="91425" bIns="45700" anchor="ctr" anchorCtr="0">
-            <a:noAutofit/>
-          </a:bodyPr>
-          <a:lstStyle>
-            <a:lvl1pPr lvl="0" algn="l" rtl="0">
-              <a:spcBef>
-                <a:spcPts val="0"/>
-              </a:spcBef>
-              <a:spcAft>
-                <a:spcPts val="0"/>
-              </a:spcAft>
-              <a:buSzPts val="1400"/>
-              <a:buNone/>
-              <a:defRPr/>
-            </a:lvl1pPr>
-            <a:lvl2pPr lvl="1" algn="l" rtl="0">
-              <a:spcBef>
-                <a:spcPts val="0"/>
-              </a:spcBef>
-              <a:spcAft>
-                <a:spcPts val="0"/>
-              </a:spcAft>
-              <a:buSzPts val="1400"/>
-              <a:buNone/>
-              <a:defRPr/>
-            </a:lvl2pPr>
-            <a:lvl3pPr lvl="2" algn="l" rtl="0">
-              <a:spcBef>
-                <a:spcPts val="0"/>
-              </a:spcBef>
-              <a:spcAft>
-                <a:spcPts val="0"/>
-              </a:spcAft>
-              <a:buSzPts val="1400"/>
-              <a:buNone/>
-              <a:defRPr/>
-            </a:lvl3pPr>
-            <a:lvl4pPr lvl="3" algn="l" rtl="0">
-              <a:spcBef>
-                <a:spcPts val="0"/>
-              </a:spcBef>
-              <a:spcAft>
-                <a:spcPts val="0"/>
-              </a:spcAft>
-              <a:buSzPts val="1400"/>
-              <a:buNone/>
-              <a:defRPr/>
-            </a:lvl4pPr>
-            <a:lvl5pPr lvl="4" algn="l" rtl="0">
-              <a:spcBef>
-                <a:spcPts val="0"/>
-              </a:spcBef>
-              <a:spcAft>
-                <a:spcPts val="0"/>
-              </a:spcAft>
-              <a:buSzPts val="1400"/>
-              <a:buNone/>
-              <a:defRPr/>
-            </a:lvl5pPr>
-            <a:lvl6pPr lvl="5" algn="l" rtl="0">
-              <a:spcBef>
-                <a:spcPts val="0"/>
-              </a:spcBef>
-              <a:spcAft>
-                <a:spcPts val="0"/>
-              </a:spcAft>
-              <a:buSzPts val="1400"/>
-              <a:buNone/>
-              <a:defRPr/>
-            </a:lvl6pPr>
-            <a:lvl7pPr lvl="6" algn="l" rtl="0">
-              <a:spcBef>
-                <a:spcPts val="0"/>
-              </a:spcBef>
-              <a:spcAft>
-                <a:spcPts val="0"/>
-              </a:spcAft>
-              <a:buSzPts val="1400"/>
-              <a:buNone/>
-              <a:defRPr/>
-            </a:lvl7pPr>
-            <a:lvl8pPr lvl="7" algn="l" rtl="0">
-              <a:spcBef>
-                <a:spcPts val="0"/>
-              </a:spcBef>
-              <a:spcAft>
-                <a:spcPts val="0"/>
-              </a:spcAft>
-              <a:buSzPts val="1400"/>
-              <a:buNone/>
-              <a:defRPr/>
-            </a:lvl8pPr>
-            <a:lvl9pPr lvl="8" algn="l" rtl="0">
-              <a:spcBef>
-                <a:spcPts val="0"/>
-              </a:spcBef>
-              <a:spcAft>
-                <a:spcPts val="0"/>
-              </a:spcAft>
-              <a:buSzPts val="1400"/>
-              <a:buNone/>
-              <a:defRPr/>
-            </a:lvl9pPr>
-          </a:lstStyle>
-          <a:p>
-            <a:endParaRPr/>
-          </a:p>
-        </p:txBody>
-      </p:sp>
-      <p:sp>
-        <p:nvSpPr>
-          <p:cNvPr id="91" name="Google Shape;91;p13"/>
-          <p:cNvSpPr txBox="1">
-            <a:spLocks noGrp="1"/>
-          </p:cNvSpPr>
-          <p:nvPr>
-            <p:ph type="sldNum" idx="12"/>
-          </p:nvPr>
-        </p:nvSpPr>
-        <p:spPr>
-          <a:xfrm>
-            <a:off x="10514011" y="5883275"/>
-            <a:ext cx="753600" cy="365100"/>
-          </a:xfrm>
-          <a:prstGeom prst="rect">
-            <a:avLst/>
-          </a:prstGeom>
-          <a:noFill/>
-          <a:ln>
-            <a:noFill/>
-          </a:ln>
-        </p:spPr>
-        <p:txBody>
-          <a:bodyPr spcFirstLastPara="1" wrap="square" lIns="91425" tIns="45700" rIns="91425" bIns="45700" anchor="ctr" anchorCtr="0">
-            <a:noAutofit/>
-          </a:bodyPr>
-          <a:lstStyle>
-            <a:lvl1pPr marL="0" lvl="0" indent="0" algn="r" rtl="0">
-              <a:spcBef>
-                <a:spcPts val="0"/>
-              </a:spcBef>
-              <a:buNone/>
-              <a:defRPr/>
-            </a:lvl1pPr>
-            <a:lvl2pPr marL="0" lvl="1" indent="0" algn="r" rtl="0">
-              <a:spcBef>
-                <a:spcPts val="0"/>
-              </a:spcBef>
-              <a:buNone/>
-              <a:defRPr/>
-            </a:lvl2pPr>
-            <a:lvl3pPr marL="0" lvl="2" indent="0" algn="r" rtl="0">
-              <a:spcBef>
-                <a:spcPts val="0"/>
-              </a:spcBef>
-              <a:buNone/>
-              <a:defRPr/>
-            </a:lvl3pPr>
-            <a:lvl4pPr marL="0" lvl="3" indent="0" algn="r" rtl="0">
-              <a:spcBef>
-                <a:spcPts val="0"/>
-              </a:spcBef>
-              <a:buNone/>
-              <a:defRPr/>
-            </a:lvl4pPr>
-            <a:lvl5pPr marL="0" lvl="4" indent="0" algn="r" rtl="0">
-              <a:spcBef>
-                <a:spcPts val="0"/>
-              </a:spcBef>
-              <a:buNone/>
-              <a:defRPr/>
-            </a:lvl5pPr>
-            <a:lvl6pPr marL="0" lvl="5" indent="0" algn="r" rtl="0">
-              <a:spcBef>
-                <a:spcPts val="0"/>
-              </a:spcBef>
-              <a:buNone/>
-              <a:defRPr/>
-            </a:lvl6pPr>
-            <a:lvl7pPr marL="0" lvl="6" indent="0" algn="r" rtl="0">
-              <a:spcBef>
-                <a:spcPts val="0"/>
-              </a:spcBef>
-              <a:buNone/>
-              <a:defRPr/>
-            </a:lvl7pPr>
-            <a:lvl8pPr marL="0" lvl="7" indent="0" algn="r" rtl="0">
-              <a:spcBef>
-                <a:spcPts val="0"/>
-              </a:spcBef>
-              <a:buNone/>
-              <a:defRPr/>
-            </a:lvl8pPr>
-            <a:lvl9pPr marL="0" lvl="8" indent="0" algn="r" rtl="0">
-              <a:spcBef>
-                <a:spcPts val="0"/>
-              </a:spcBef>
-              <a:buNone/>
-              <a:defRPr/>
-            </a:lvl9pPr>
-          </a:lstStyle>
-          <a:p>
-            <a:pPr marL="0" lvl="0" indent="0" algn="r" rtl="0">
-              <a:spcBef>
-                <a:spcPts val="0"/>
-              </a:spcBef>
-              <a:spcAft>
-                <a:spcPts val="0"/>
-              </a:spcAft>
-              <a:buNone/>
-            </a:pPr>
-            <a:fld id="{00000000-1234-1234-1234-123412341234}" type="slidenum">
-              <a:rPr lang="en-US"/>
-              <a:t>‹#›</a:t>
-            </a:fld>
-            <a:endParaRPr/>
-          </a:p>
-        </p:txBody>
-      </p:sp>
-    </p:spTree>
-  </p:cSld>
-  <p:clrMapOvr>
-    <a:masterClrMapping/>
-  </p:clrMapOvr>
-</p:sldLayout>
-</file>
-
 <file path=ppt/slideLayouts/slideLayout2.xml><?xml version="1.0" encoding="utf-8"?>
 <p:sldLayout xmlns:a="http://schemas.openxmlformats.org/drawingml/2006/main" xmlns:r="http://schemas.openxmlformats.org/officeDocument/2006/relationships" xmlns:p="http://schemas.openxmlformats.org/presentationml/2006/main" matchingName="Section header" type="secHead">
   <p:cSld name="SECTION_HEADER">
@@ -11697,7 +11270,6 @@
     <p:sldLayoutId id="2147483656" r:id="rId9"/>
     <p:sldLayoutId id="2147483657" r:id="rId10"/>
     <p:sldLayoutId id="2147483658" r:id="rId11"/>
-    <p:sldLayoutId id="2147483659" r:id="rId12"/>
   </p:sldLayoutIdLst>
   <p:hf sldNum="0" hdr="0" ftr="0" dt="0"/>
   <p:txStyles>
@@ -13672,7 +13244,7 @@
                 <a:cs typeface="Lato"/>
                 <a:sym typeface="Lato"/>
               </a:rPr>
-              <a:t>world.vw_countries_asia</a:t>
+              <a:t>world.countries_asia</a:t>
             </a:r>
             <a:r>
               <a:rPr lang="en-US" sz="2000" b="1" dirty="0">
@@ -13740,7 +13312,7 @@
                 <a:cs typeface="Lato"/>
                 <a:sym typeface="Lato"/>
               </a:rPr>
-              <a:t>tbl.Name</a:t>
+              <a:t>tbl</a:t>
             </a:r>
             <a:r>
               <a:rPr lang="en-US" sz="2000" dirty="0">
@@ -13752,7 +13324,7 @@
                 <a:cs typeface="Lato"/>
                 <a:sym typeface="Lato"/>
               </a:rPr>
-              <a:t> AS country</a:t>
+              <a:t>.`name` AS country</a:t>
             </a:r>
             <a:endParaRPr sz="2000" dirty="0">
               <a:solidFill>
@@ -13836,17 +13408,10 @@
             </a:endParaRPr>
           </a:p>
           <a:p>
-            <a:pPr marL="0" lvl="0" indent="0" algn="l" rtl="0">
+            <a:pPr lvl="0">
               <a:lnSpc>
                 <a:spcPct val="115000"/>
               </a:lnSpc>
-              <a:spcBef>
-                <a:spcPts val="0"/>
-              </a:spcBef>
-              <a:spcAft>
-                <a:spcPts val="0"/>
-              </a:spcAft>
-              <a:buNone/>
             </a:pPr>
             <a:r>
               <a:rPr lang="en-US" sz="2000" dirty="0">
@@ -14054,7 +13619,7 @@
                 <a:cs typeface="Lato"/>
                 <a:sym typeface="Lato"/>
               </a:rPr>
-              <a:t>  WHERE  Country IN ('India', 'China', 'Nepal')</a:t>
+              <a:t>  WHERE country IN ('India', 'China', 'Nepal')</a:t>
             </a:r>
             <a:endParaRPr sz="2000" dirty="0">
               <a:latin typeface="Lato"/>
@@ -14625,6 +14190,1104 @@
         </p:txBody>
       </p:sp>
     </p:spTree>
+  </p:cSld>
+  <p:clrMapOvr>
+    <a:masterClrMapping/>
+  </p:clrMapOvr>
+</p:sld>
+</file>
+
+<file path=ppt/slides/slide13.xml><?xml version="1.0" encoding="utf-8"?>
+<p:sld xmlns:a="http://schemas.openxmlformats.org/drawingml/2006/main" xmlns:r="http://schemas.openxmlformats.org/officeDocument/2006/relationships" xmlns:p="http://schemas.openxmlformats.org/presentationml/2006/main">
+  <p:cSld>
+    <p:spTree>
+      <p:nvGrpSpPr>
+        <p:cNvPr id="1" name="Shape 281"/>
+        <p:cNvGrpSpPr/>
+        <p:nvPr/>
+      </p:nvGrpSpPr>
+      <p:grpSpPr>
+        <a:xfrm>
+          <a:off x="0" y="0"/>
+          <a:ext cx="0" cy="0"/>
+          <a:chOff x="0" y="0"/>
+          <a:chExt cx="0" cy="0"/>
+        </a:xfrm>
+      </p:grpSpPr>
+      <p:sp>
+        <p:nvSpPr>
+          <p:cNvPr id="282" name="Google Shape;282;p40"/>
+          <p:cNvSpPr txBox="1">
+            <a:spLocks noGrp="1"/>
+          </p:cNvSpPr>
+          <p:nvPr>
+            <p:ph type="ctrTitle"/>
+          </p:nvPr>
+        </p:nvSpPr>
+        <p:spPr>
+          <a:xfrm>
+            <a:off x="972825" y="697317"/>
+            <a:ext cx="10250700" cy="2219700"/>
+          </a:xfrm>
+          <a:prstGeom prst="rect">
+            <a:avLst/>
+          </a:prstGeom>
+        </p:spPr>
+        <p:txBody>
+          <a:bodyPr spcFirstLastPara="1" wrap="square" lIns="121900" tIns="121900" rIns="121900" bIns="121900" anchor="t" anchorCtr="0">
+            <a:noAutofit/>
+          </a:bodyPr>
+          <a:lstStyle/>
+          <a:p>
+            <a:pPr marL="0" lvl="0" indent="0" algn="l" rtl="0">
+              <a:spcBef>
+                <a:spcPts val="0"/>
+              </a:spcBef>
+              <a:spcAft>
+                <a:spcPts val="0"/>
+              </a:spcAft>
+              <a:buNone/>
+            </a:pPr>
+            <a:r>
+              <a:rPr lang="en-US" sz="4800" dirty="0"/>
+              <a:t>Appendix A – Stored Procedures</a:t>
+            </a:r>
+            <a:endParaRPr sz="4800" dirty="0"/>
+          </a:p>
+        </p:txBody>
+      </p:sp>
+      <p:sp>
+        <p:nvSpPr>
+          <p:cNvPr id="2" name="Rectangle 1">
+            <a:extLst>
+              <a:ext uri="{FF2B5EF4-FFF2-40B4-BE49-F238E27FC236}">
+                <a16:creationId xmlns:a16="http://schemas.microsoft.com/office/drawing/2014/main" id="{BCB4BAF3-50DB-4C6B-8297-FDD3A9D2D227}"/>
+              </a:ext>
+            </a:extLst>
+          </p:cNvPr>
+          <p:cNvSpPr/>
+          <p:nvPr/>
+        </p:nvSpPr>
+        <p:spPr>
+          <a:xfrm>
+            <a:off x="360608" y="1807167"/>
+            <a:ext cx="11552350" cy="4117281"/>
+          </a:xfrm>
+          <a:prstGeom prst="rect">
+            <a:avLst/>
+          </a:prstGeom>
+        </p:spPr>
+        <p:txBody>
+          <a:bodyPr wrap="square">
+            <a:spAutoFit/>
+          </a:bodyPr>
+          <a:lstStyle/>
+          <a:p>
+            <a:pPr>
+              <a:lnSpc>
+                <a:spcPct val="120000"/>
+              </a:lnSpc>
+            </a:pPr>
+            <a:r>
+              <a:rPr lang="en-US" altLang="en-US" sz="2000" b="1" dirty="0">
+                <a:latin typeface="Lato" panose="020B0604020202020204" charset="0"/>
+              </a:rPr>
+              <a:t>Definition:</a:t>
+            </a:r>
+            <a:r>
+              <a:rPr lang="en-US" altLang="en-US" sz="2000" dirty="0">
+                <a:latin typeface="Lato" panose="020B0604020202020204" charset="0"/>
+              </a:rPr>
+              <a:t> routines that do not return values and can take input or output parameters; called explicitly</a:t>
+            </a:r>
+          </a:p>
+          <a:p>
+            <a:pPr>
+              <a:lnSpc>
+                <a:spcPct val="120000"/>
+              </a:lnSpc>
+            </a:pPr>
+            <a:endParaRPr lang="en-US" altLang="en-US" sz="2000" dirty="0">
+              <a:solidFill>
+                <a:srgbClr val="383DBA"/>
+              </a:solidFill>
+              <a:latin typeface="Lato" panose="020B0604020202020204" charset="0"/>
+              <a:ea typeface="ヒラギノ角ゴ Pro W3" pitchFamily="-105" charset="-128"/>
+              <a:cs typeface="Courier New" panose="02070309020205020404" pitchFamily="49" charset="0"/>
+            </a:endParaRPr>
+          </a:p>
+          <a:p>
+            <a:pPr>
+              <a:lnSpc>
+                <a:spcPct val="120000"/>
+              </a:lnSpc>
+            </a:pPr>
+            <a:r>
+              <a:rPr lang="en-US" altLang="en-US" sz="2000" dirty="0">
+                <a:solidFill>
+                  <a:srgbClr val="383DBA"/>
+                </a:solidFill>
+                <a:latin typeface="Lato" panose="020B0604020202020204" charset="0"/>
+                <a:ea typeface="ヒラギノ角ゴ Pro W3" pitchFamily="-105" charset="-128"/>
+                <a:cs typeface="Courier New" panose="02070309020205020404" pitchFamily="49" charset="0"/>
+              </a:rPr>
+              <a:t>CREATE</a:t>
+            </a:r>
+            <a:r>
+              <a:rPr lang="en-US" altLang="en-US" sz="2000" dirty="0">
+                <a:latin typeface="Lato" panose="020B0604020202020204" charset="0"/>
+                <a:cs typeface="Courier New" panose="02070309020205020404" pitchFamily="49" charset="0"/>
+              </a:rPr>
+              <a:t> </a:t>
+            </a:r>
+            <a:r>
+              <a:rPr lang="en-US" altLang="en-US" sz="2000" dirty="0">
+                <a:solidFill>
+                  <a:srgbClr val="383DBA"/>
+                </a:solidFill>
+                <a:latin typeface="Lato" panose="020B0604020202020204" charset="0"/>
+                <a:ea typeface="ヒラギノ角ゴ Pro W3" pitchFamily="-105" charset="-128"/>
+                <a:cs typeface="Courier New" panose="02070309020205020404" pitchFamily="49" charset="0"/>
+              </a:rPr>
+              <a:t>PROCEDURE</a:t>
+            </a:r>
+            <a:r>
+              <a:rPr lang="en-US" altLang="en-US" sz="2000" dirty="0">
+                <a:latin typeface="Lato" panose="020B0604020202020204" charset="0"/>
+                <a:cs typeface="Courier New" panose="02070309020205020404" pitchFamily="49" charset="0"/>
+              </a:rPr>
+              <a:t> </a:t>
+            </a:r>
+            <a:r>
+              <a:rPr lang="en-US" altLang="en-US" sz="2000" dirty="0" err="1">
+                <a:solidFill>
+                  <a:srgbClr val="555555"/>
+                </a:solidFill>
+                <a:latin typeface="Lato" panose="020B0604020202020204" charset="0"/>
+                <a:cs typeface="Courier New" panose="02070309020205020404" pitchFamily="49" charset="0"/>
+              </a:rPr>
+              <a:t>procedure_name</a:t>
+            </a:r>
+            <a:r>
+              <a:rPr lang="en-US" altLang="en-US" sz="2000" dirty="0">
+                <a:solidFill>
+                  <a:srgbClr val="555555"/>
+                </a:solidFill>
+                <a:latin typeface="Lato" panose="020B0604020202020204" charset="0"/>
+                <a:cs typeface="Courier New" panose="02070309020205020404" pitchFamily="49" charset="0"/>
+              </a:rPr>
+              <a:t>(</a:t>
+            </a:r>
+            <a:r>
+              <a:rPr lang="en-US" altLang="en-US" sz="2000" dirty="0">
+                <a:solidFill>
+                  <a:srgbClr val="383DBA"/>
+                </a:solidFill>
+                <a:latin typeface="Lato" panose="020B0604020202020204" charset="0"/>
+                <a:ea typeface="ヒラギノ角ゴ Pro W3" pitchFamily="-105" charset="-128"/>
+                <a:cs typeface="Courier New" panose="02070309020205020404" pitchFamily="49" charset="0"/>
+              </a:rPr>
+              <a:t>IN</a:t>
+            </a:r>
+            <a:r>
+              <a:rPr lang="en-US" altLang="en-US" sz="2000" dirty="0">
+                <a:solidFill>
+                  <a:srgbClr val="555555"/>
+                </a:solidFill>
+                <a:latin typeface="Lato" panose="020B0604020202020204" charset="0"/>
+                <a:cs typeface="Courier New" panose="02070309020205020404" pitchFamily="49" charset="0"/>
+              </a:rPr>
+              <a:t>|</a:t>
+            </a:r>
+            <a:r>
+              <a:rPr lang="en-US" altLang="en-US" sz="2000" dirty="0">
+                <a:solidFill>
+                  <a:srgbClr val="383DBA"/>
+                </a:solidFill>
+                <a:latin typeface="Lato" panose="020B0604020202020204" charset="0"/>
+                <a:ea typeface="ヒラギノ角ゴ Pro W3" pitchFamily="-105" charset="-128"/>
+                <a:cs typeface="Courier New" panose="02070309020205020404" pitchFamily="49" charset="0"/>
+              </a:rPr>
+              <a:t>OUT</a:t>
+            </a:r>
+            <a:r>
+              <a:rPr lang="en-US" altLang="en-US" sz="2000" dirty="0">
+                <a:solidFill>
+                  <a:srgbClr val="555555"/>
+                </a:solidFill>
+                <a:latin typeface="Lato" panose="020B0604020202020204" charset="0"/>
+                <a:cs typeface="Courier New" panose="02070309020205020404" pitchFamily="49" charset="0"/>
+              </a:rPr>
+              <a:t>|</a:t>
+            </a:r>
+            <a:r>
+              <a:rPr lang="en-US" altLang="en-US" sz="2000" dirty="0">
+                <a:solidFill>
+                  <a:srgbClr val="383DBA"/>
+                </a:solidFill>
+                <a:latin typeface="Lato" panose="020B0604020202020204" charset="0"/>
+                <a:ea typeface="ヒラギノ角ゴ Pro W3" pitchFamily="-105" charset="-128"/>
+                <a:cs typeface="Courier New" panose="02070309020205020404" pitchFamily="49" charset="0"/>
+              </a:rPr>
+              <a:t>INOUT</a:t>
+            </a:r>
+            <a:r>
+              <a:rPr lang="en-US" altLang="en-US" sz="2000" dirty="0">
+                <a:latin typeface="Lato" panose="020B0604020202020204" charset="0"/>
+                <a:cs typeface="Courier New" panose="02070309020205020404" pitchFamily="49" charset="0"/>
+              </a:rPr>
+              <a:t> </a:t>
+            </a:r>
+            <a:r>
+              <a:rPr lang="en-US" altLang="en-US" sz="2000" dirty="0" err="1">
+                <a:solidFill>
+                  <a:srgbClr val="555555"/>
+                </a:solidFill>
+                <a:latin typeface="Lato" panose="020B0604020202020204" charset="0"/>
+                <a:cs typeface="Courier New" panose="02070309020205020404" pitchFamily="49" charset="0"/>
+              </a:rPr>
+              <a:t>variable_name</a:t>
+            </a:r>
+            <a:r>
+              <a:rPr lang="en-US" altLang="en-US" sz="2000" dirty="0">
+                <a:solidFill>
+                  <a:srgbClr val="555555"/>
+                </a:solidFill>
+                <a:latin typeface="Lato" panose="020B0604020202020204" charset="0"/>
+                <a:cs typeface="Courier New" panose="02070309020205020404" pitchFamily="49" charset="0"/>
+              </a:rPr>
+              <a:t> </a:t>
+            </a:r>
+            <a:r>
+              <a:rPr lang="en-US" altLang="en-US" sz="2000" dirty="0" err="1">
+                <a:solidFill>
+                  <a:srgbClr val="383DBA"/>
+                </a:solidFill>
+                <a:latin typeface="Lato" panose="020B0604020202020204" charset="0"/>
+                <a:ea typeface="ヒラギノ角ゴ Pro W3" pitchFamily="-105" charset="-128"/>
+                <a:cs typeface="Courier New" panose="02070309020205020404" pitchFamily="49" charset="0"/>
+              </a:rPr>
+              <a:t>data_type</a:t>
+            </a:r>
+            <a:r>
+              <a:rPr lang="en-US" altLang="en-US" sz="2000" dirty="0">
+                <a:solidFill>
+                  <a:srgbClr val="555555"/>
+                </a:solidFill>
+                <a:latin typeface="Lato" panose="020B0604020202020204" charset="0"/>
+                <a:cs typeface="Courier New" panose="02070309020205020404" pitchFamily="49" charset="0"/>
+              </a:rPr>
+              <a:t>, ...)</a:t>
+            </a:r>
+          </a:p>
+          <a:p>
+            <a:pPr>
+              <a:lnSpc>
+                <a:spcPct val="120000"/>
+              </a:lnSpc>
+            </a:pPr>
+            <a:r>
+              <a:rPr lang="en-US" altLang="en-US" sz="2000" dirty="0">
+                <a:solidFill>
+                  <a:srgbClr val="383DBA"/>
+                </a:solidFill>
+                <a:latin typeface="Lato" panose="020B0604020202020204" charset="0"/>
+                <a:ea typeface="ヒラギノ角ゴ Pro W3" pitchFamily="-105" charset="-128"/>
+                <a:cs typeface="Courier New" panose="02070309020205020404" pitchFamily="49" charset="0"/>
+              </a:rPr>
+              <a:t>BEGIN</a:t>
+            </a:r>
+            <a:r>
+              <a:rPr lang="en-US" altLang="en-US" sz="2000" dirty="0">
+                <a:latin typeface="Lato" panose="020B0604020202020204" charset="0"/>
+                <a:cs typeface="Courier New" panose="02070309020205020404" pitchFamily="49" charset="0"/>
+              </a:rPr>
+              <a:t> </a:t>
+            </a:r>
+          </a:p>
+          <a:p>
+            <a:pPr>
+              <a:lnSpc>
+                <a:spcPct val="120000"/>
+              </a:lnSpc>
+            </a:pPr>
+            <a:r>
+              <a:rPr lang="en-US" altLang="en-US" sz="2000" dirty="0">
+                <a:latin typeface="Lato" panose="020B0604020202020204" charset="0"/>
+                <a:cs typeface="Courier New" panose="02070309020205020404" pitchFamily="49" charset="0"/>
+              </a:rPr>
+              <a:t>  </a:t>
+            </a:r>
+            <a:r>
+              <a:rPr lang="en-US" altLang="en-US" sz="2000" dirty="0">
+                <a:solidFill>
+                  <a:srgbClr val="383DBA"/>
+                </a:solidFill>
+                <a:latin typeface="Lato" panose="020B0604020202020204" charset="0"/>
+                <a:ea typeface="ヒラギノ角ゴ Pro W3" pitchFamily="-105" charset="-128"/>
+                <a:cs typeface="Courier New" panose="02070309020205020404" pitchFamily="49" charset="0"/>
+              </a:rPr>
+              <a:t>DECLARE</a:t>
+            </a:r>
+            <a:r>
+              <a:rPr lang="en-US" altLang="en-US" sz="2000" dirty="0">
+                <a:latin typeface="Lato" panose="020B0604020202020204" charset="0"/>
+                <a:cs typeface="Courier New" panose="02070309020205020404" pitchFamily="49" charset="0"/>
+              </a:rPr>
+              <a:t> </a:t>
+            </a:r>
+            <a:r>
+              <a:rPr lang="en-US" altLang="en-US" sz="2000" dirty="0" err="1">
+                <a:solidFill>
+                  <a:srgbClr val="555555"/>
+                </a:solidFill>
+                <a:latin typeface="Lato" panose="020B0604020202020204" charset="0"/>
+                <a:cs typeface="Courier New" panose="02070309020205020404" pitchFamily="49" charset="0"/>
+              </a:rPr>
+              <a:t>variables|cursors|constants</a:t>
+            </a:r>
+            <a:r>
+              <a:rPr lang="en-US" altLang="en-US" sz="2000" dirty="0">
+                <a:solidFill>
+                  <a:srgbClr val="555555"/>
+                </a:solidFill>
+                <a:latin typeface="Lato" panose="020B0604020202020204" charset="0"/>
+                <a:cs typeface="Courier New" panose="02070309020205020404" pitchFamily="49" charset="0"/>
+              </a:rPr>
+              <a:t>;</a:t>
+            </a:r>
+          </a:p>
+          <a:p>
+            <a:pPr>
+              <a:lnSpc>
+                <a:spcPct val="120000"/>
+              </a:lnSpc>
+            </a:pPr>
+            <a:r>
+              <a:rPr lang="en-US" altLang="en-US" sz="2000" dirty="0">
+                <a:latin typeface="Lato" panose="020B0604020202020204" charset="0"/>
+                <a:cs typeface="Courier New" panose="02070309020205020404" pitchFamily="49" charset="0"/>
+              </a:rPr>
+              <a:t>  </a:t>
+            </a:r>
+            <a:r>
+              <a:rPr lang="en-US" altLang="en-US" sz="2000" dirty="0">
+                <a:solidFill>
+                  <a:srgbClr val="555555"/>
+                </a:solidFill>
+                <a:latin typeface="Lato" panose="020B0604020202020204" charset="0"/>
+                <a:cs typeface="Courier New" panose="02070309020205020404" pitchFamily="49" charset="0"/>
+              </a:rPr>
+              <a:t>... Add SQL code here</a:t>
+            </a:r>
+          </a:p>
+          <a:p>
+            <a:pPr>
+              <a:lnSpc>
+                <a:spcPct val="120000"/>
+              </a:lnSpc>
+            </a:pPr>
+            <a:r>
+              <a:rPr lang="en-US" altLang="en-US" sz="2000" dirty="0">
+                <a:solidFill>
+                  <a:srgbClr val="383DBA"/>
+                </a:solidFill>
+                <a:latin typeface="Lato" panose="020B0604020202020204" charset="0"/>
+                <a:ea typeface="ヒラギノ角ゴ Pro W3" pitchFamily="-105" charset="-128"/>
+                <a:cs typeface="Courier New" panose="02070309020205020404" pitchFamily="49" charset="0"/>
+              </a:rPr>
+              <a:t>END</a:t>
+            </a:r>
+            <a:r>
+              <a:rPr lang="en-US" altLang="en-US" sz="2000" dirty="0">
+                <a:solidFill>
+                  <a:srgbClr val="555555"/>
+                </a:solidFill>
+                <a:latin typeface="Lato" panose="020B0604020202020204" charset="0"/>
+                <a:cs typeface="Courier New" panose="02070309020205020404" pitchFamily="49" charset="0"/>
+              </a:rPr>
+              <a:t>$$</a:t>
+            </a:r>
+          </a:p>
+          <a:p>
+            <a:pPr>
+              <a:lnSpc>
+                <a:spcPct val="120000"/>
+              </a:lnSpc>
+            </a:pPr>
+            <a:r>
+              <a:rPr lang="en-US" sz="2000" dirty="0">
+                <a:solidFill>
+                  <a:srgbClr val="383DBA"/>
+                </a:solidFill>
+                <a:latin typeface="Lato" panose="020B0604020202020204" charset="0"/>
+                <a:ea typeface="ヒラギノ角ゴ Pro W3" pitchFamily="-105" charset="-128"/>
+                <a:cs typeface="Courier New" panose="02070309020205020404" pitchFamily="49" charset="0"/>
+              </a:rPr>
+              <a:t>DELIMITER</a:t>
+            </a:r>
+            <a:r>
+              <a:rPr lang="en-US" sz="2000" dirty="0">
+                <a:solidFill>
+                  <a:srgbClr val="555555"/>
+                </a:solidFill>
+                <a:latin typeface="Lato" panose="020B0604020202020204" charset="0"/>
+                <a:cs typeface="Courier New" panose="02070309020205020404" pitchFamily="49" charset="0"/>
+              </a:rPr>
+              <a:t> ;</a:t>
+            </a:r>
+            <a:endParaRPr lang="en-US" altLang="en-US" sz="2000" dirty="0">
+              <a:solidFill>
+                <a:srgbClr val="555555"/>
+              </a:solidFill>
+              <a:latin typeface="Lato" panose="020B0604020202020204" charset="0"/>
+              <a:cs typeface="Courier New" panose="02070309020205020404" pitchFamily="49" charset="0"/>
+            </a:endParaRPr>
+          </a:p>
+          <a:p>
+            <a:pPr>
+              <a:lnSpc>
+                <a:spcPct val="120000"/>
+              </a:lnSpc>
+            </a:pPr>
+            <a:endParaRPr lang="en-US" sz="2000" dirty="0">
+              <a:latin typeface="Lato" panose="020B0604020202020204" charset="0"/>
+              <a:cs typeface="Courier New" panose="02070309020205020404" pitchFamily="49" charset="0"/>
+            </a:endParaRPr>
+          </a:p>
+          <a:p>
+            <a:pPr>
+              <a:lnSpc>
+                <a:spcPct val="120000"/>
+              </a:lnSpc>
+            </a:pPr>
+            <a:r>
+              <a:rPr lang="en-US" altLang="en-US" sz="2000" dirty="0">
+                <a:latin typeface="Lato" panose="020B0604020202020204" charset="0"/>
+              </a:rPr>
+              <a:t>Call the procedure: </a:t>
+            </a:r>
+          </a:p>
+          <a:p>
+            <a:pPr>
+              <a:lnSpc>
+                <a:spcPct val="120000"/>
+              </a:lnSpc>
+            </a:pPr>
+            <a:r>
+              <a:rPr lang="en-US" sz="2000" dirty="0">
+                <a:solidFill>
+                  <a:srgbClr val="383DBA"/>
+                </a:solidFill>
+                <a:latin typeface="Lato" panose="020B0604020202020204" charset="0"/>
+                <a:ea typeface="ヒラギノ角ゴ Pro W3" pitchFamily="-105" charset="-128"/>
+                <a:cs typeface="Courier New" panose="02070309020205020404" pitchFamily="49" charset="0"/>
+              </a:rPr>
+              <a:t>CALL</a:t>
+            </a:r>
+            <a:r>
+              <a:rPr lang="en-US" altLang="en-US" sz="2000" dirty="0">
+                <a:latin typeface="Lato" panose="020B0604020202020204" charset="0"/>
+                <a:cs typeface="Courier New" panose="02070309020205020404" pitchFamily="49" charset="0"/>
+              </a:rPr>
+              <a:t> </a:t>
+            </a:r>
+            <a:r>
+              <a:rPr lang="en-US" altLang="en-US" sz="2000" dirty="0" err="1">
+                <a:solidFill>
+                  <a:srgbClr val="555555"/>
+                </a:solidFill>
+                <a:latin typeface="Lato" panose="020B0604020202020204" charset="0"/>
+                <a:cs typeface="Courier New" panose="02070309020205020404" pitchFamily="49" charset="0"/>
+              </a:rPr>
+              <a:t>procedure_name</a:t>
+            </a:r>
+            <a:r>
+              <a:rPr lang="en-US" altLang="en-US" sz="2000" dirty="0">
+                <a:solidFill>
+                  <a:srgbClr val="555555"/>
+                </a:solidFill>
+                <a:latin typeface="Lato" panose="020B0604020202020204" charset="0"/>
+                <a:cs typeface="Courier New" panose="02070309020205020404" pitchFamily="49" charset="0"/>
+              </a:rPr>
+              <a:t>(variable1, variable2, ...);</a:t>
+            </a:r>
+            <a:endParaRPr lang="en-US" sz="2000" dirty="0">
+              <a:latin typeface="Lato" panose="020B0604020202020204" charset="0"/>
+            </a:endParaRPr>
+          </a:p>
+        </p:txBody>
+      </p:sp>
+    </p:spTree>
+    <p:extLst>
+      <p:ext uri="{BB962C8B-B14F-4D97-AF65-F5344CB8AC3E}">
+        <p14:creationId xmlns:p14="http://schemas.microsoft.com/office/powerpoint/2010/main" val="1042471324"/>
+      </p:ext>
+    </p:extLst>
+  </p:cSld>
+  <p:clrMapOvr>
+    <a:masterClrMapping/>
+  </p:clrMapOvr>
+</p:sld>
+</file>
+
+<file path=ppt/slides/slide14.xml><?xml version="1.0" encoding="utf-8"?>
+<p:sld xmlns:a="http://schemas.openxmlformats.org/drawingml/2006/main" xmlns:r="http://schemas.openxmlformats.org/officeDocument/2006/relationships" xmlns:p="http://schemas.openxmlformats.org/presentationml/2006/main">
+  <p:cSld>
+    <p:spTree>
+      <p:nvGrpSpPr>
+        <p:cNvPr id="1" name="Shape 281"/>
+        <p:cNvGrpSpPr/>
+        <p:nvPr/>
+      </p:nvGrpSpPr>
+      <p:grpSpPr>
+        <a:xfrm>
+          <a:off x="0" y="0"/>
+          <a:ext cx="0" cy="0"/>
+          <a:chOff x="0" y="0"/>
+          <a:chExt cx="0" cy="0"/>
+        </a:xfrm>
+      </p:grpSpPr>
+      <p:sp>
+        <p:nvSpPr>
+          <p:cNvPr id="282" name="Google Shape;282;p40"/>
+          <p:cNvSpPr txBox="1">
+            <a:spLocks noGrp="1"/>
+          </p:cNvSpPr>
+          <p:nvPr>
+            <p:ph type="ctrTitle"/>
+          </p:nvPr>
+        </p:nvSpPr>
+        <p:spPr>
+          <a:xfrm>
+            <a:off x="972825" y="697317"/>
+            <a:ext cx="10250700" cy="2219700"/>
+          </a:xfrm>
+          <a:prstGeom prst="rect">
+            <a:avLst/>
+          </a:prstGeom>
+        </p:spPr>
+        <p:txBody>
+          <a:bodyPr spcFirstLastPara="1" wrap="square" lIns="121900" tIns="121900" rIns="121900" bIns="121900" anchor="t" anchorCtr="0">
+            <a:noAutofit/>
+          </a:bodyPr>
+          <a:lstStyle/>
+          <a:p>
+            <a:pPr marL="0" lvl="0" indent="0" algn="l" rtl="0">
+              <a:spcBef>
+                <a:spcPts val="0"/>
+              </a:spcBef>
+              <a:spcAft>
+                <a:spcPts val="0"/>
+              </a:spcAft>
+              <a:buNone/>
+            </a:pPr>
+            <a:r>
+              <a:rPr lang="en-US" sz="4800" dirty="0"/>
+              <a:t>Appendix B – Functions</a:t>
+            </a:r>
+            <a:endParaRPr sz="4800" dirty="0"/>
+          </a:p>
+        </p:txBody>
+      </p:sp>
+      <p:sp>
+        <p:nvSpPr>
+          <p:cNvPr id="2" name="Rectangle 1">
+            <a:extLst>
+              <a:ext uri="{FF2B5EF4-FFF2-40B4-BE49-F238E27FC236}">
+                <a16:creationId xmlns:a16="http://schemas.microsoft.com/office/drawing/2014/main" id="{BCB4BAF3-50DB-4C6B-8297-FDD3A9D2D227}"/>
+              </a:ext>
+            </a:extLst>
+          </p:cNvPr>
+          <p:cNvSpPr/>
+          <p:nvPr/>
+        </p:nvSpPr>
+        <p:spPr>
+          <a:xfrm>
+            <a:off x="360608" y="1807167"/>
+            <a:ext cx="11552350" cy="4855945"/>
+          </a:xfrm>
+          <a:prstGeom prst="rect">
+            <a:avLst/>
+          </a:prstGeom>
+        </p:spPr>
+        <p:txBody>
+          <a:bodyPr wrap="square">
+            <a:spAutoFit/>
+          </a:bodyPr>
+          <a:lstStyle/>
+          <a:p>
+            <a:pPr>
+              <a:lnSpc>
+                <a:spcPct val="120000"/>
+              </a:lnSpc>
+            </a:pPr>
+            <a:r>
+              <a:rPr lang="en-US" altLang="en-US" sz="2000" b="1" dirty="0">
+                <a:latin typeface="Lato" panose="020B0604020202020204" charset="0"/>
+              </a:rPr>
+              <a:t>Definition:</a:t>
+            </a:r>
+            <a:r>
+              <a:rPr lang="en-US" altLang="en-US" sz="2000" dirty="0">
+                <a:latin typeface="Lato" panose="020B0604020202020204" charset="0"/>
+              </a:rPr>
+              <a:t> routines that return values (usually in select statement) and may take input parameters, called explicitly.</a:t>
+            </a:r>
+          </a:p>
+          <a:p>
+            <a:pPr>
+              <a:lnSpc>
+                <a:spcPct val="120000"/>
+              </a:lnSpc>
+            </a:pPr>
+            <a:endParaRPr lang="en-US" altLang="en-US" sz="2000" dirty="0">
+              <a:latin typeface="Lato" panose="020B0604020202020204" charset="0"/>
+            </a:endParaRPr>
+          </a:p>
+          <a:p>
+            <a:pPr>
+              <a:lnSpc>
+                <a:spcPct val="120000"/>
+              </a:lnSpc>
+            </a:pPr>
+            <a:r>
+              <a:rPr lang="en-US" altLang="en-US" sz="2000" dirty="0">
+                <a:solidFill>
+                  <a:srgbClr val="383DBA"/>
+                </a:solidFill>
+                <a:latin typeface="Lato" panose="020B0604020202020204" charset="0"/>
+                <a:ea typeface="ヒラギノ角ゴ Pro W3" pitchFamily="-105" charset="-128"/>
+                <a:cs typeface="Courier New" panose="02070309020205020404" pitchFamily="49" charset="0"/>
+              </a:rPr>
+              <a:t>CREATE</a:t>
+            </a:r>
+            <a:r>
+              <a:rPr lang="en-US" altLang="en-US" sz="2000" dirty="0">
+                <a:latin typeface="Lato" panose="020B0604020202020204" charset="0"/>
+                <a:cs typeface="Courier New" panose="02070309020205020404" pitchFamily="49" charset="0"/>
+              </a:rPr>
+              <a:t> </a:t>
+            </a:r>
+            <a:r>
+              <a:rPr lang="en-US" altLang="en-US" sz="2000" dirty="0">
+                <a:solidFill>
+                  <a:srgbClr val="383DBA"/>
+                </a:solidFill>
+                <a:latin typeface="Lato" panose="020B0604020202020204" charset="0"/>
+                <a:ea typeface="ヒラギノ角ゴ Pro W3" pitchFamily="-105" charset="-128"/>
+                <a:cs typeface="Courier New" panose="02070309020205020404" pitchFamily="49" charset="0"/>
+              </a:rPr>
+              <a:t>FUNCTION</a:t>
+            </a:r>
+            <a:r>
+              <a:rPr lang="en-US" altLang="en-US" sz="2000" dirty="0">
+                <a:solidFill>
+                  <a:srgbClr val="555555"/>
+                </a:solidFill>
+                <a:latin typeface="Lato" panose="020B0604020202020204" charset="0"/>
+                <a:cs typeface="Courier New" panose="02070309020205020404" pitchFamily="49" charset="0"/>
+              </a:rPr>
+              <a:t> </a:t>
+            </a:r>
+            <a:r>
+              <a:rPr lang="en-US" altLang="en-US" sz="2000" dirty="0" err="1">
+                <a:solidFill>
+                  <a:srgbClr val="555555"/>
+                </a:solidFill>
+                <a:latin typeface="Lato" panose="020B0604020202020204" charset="0"/>
+                <a:cs typeface="Courier New" panose="02070309020205020404" pitchFamily="49" charset="0"/>
+              </a:rPr>
+              <a:t>function_name</a:t>
+            </a:r>
+            <a:r>
+              <a:rPr lang="en-US" altLang="en-US" sz="2000" dirty="0">
+                <a:solidFill>
+                  <a:srgbClr val="555555"/>
+                </a:solidFill>
+                <a:latin typeface="Lato" panose="020B0604020202020204" charset="0"/>
+                <a:cs typeface="Courier New" panose="02070309020205020404" pitchFamily="49" charset="0"/>
+              </a:rPr>
+              <a:t>(</a:t>
+            </a:r>
+            <a:r>
+              <a:rPr lang="en-US" altLang="en-US" sz="2000" dirty="0" err="1">
+                <a:solidFill>
+                  <a:srgbClr val="555555"/>
+                </a:solidFill>
+                <a:latin typeface="Lato" panose="020B0604020202020204" charset="0"/>
+                <a:cs typeface="Courier New" panose="02070309020205020404" pitchFamily="49" charset="0"/>
+              </a:rPr>
+              <a:t>variable_name</a:t>
+            </a:r>
+            <a:r>
+              <a:rPr lang="en-US" altLang="en-US" sz="2000" dirty="0">
+                <a:solidFill>
+                  <a:srgbClr val="555555"/>
+                </a:solidFill>
+                <a:latin typeface="Lato" panose="020B0604020202020204" charset="0"/>
+                <a:cs typeface="Courier New" panose="02070309020205020404" pitchFamily="49" charset="0"/>
+              </a:rPr>
+              <a:t> </a:t>
+            </a:r>
+            <a:r>
+              <a:rPr lang="en-US" altLang="en-US" sz="2000" dirty="0" err="1">
+                <a:solidFill>
+                  <a:srgbClr val="383DBA"/>
+                </a:solidFill>
+                <a:latin typeface="Lato" panose="020B0604020202020204" charset="0"/>
+                <a:ea typeface="ヒラギノ角ゴ Pro W3" pitchFamily="-105" charset="-128"/>
+                <a:cs typeface="Courier New" panose="02070309020205020404" pitchFamily="49" charset="0"/>
+              </a:rPr>
+              <a:t>data_type</a:t>
+            </a:r>
+            <a:r>
+              <a:rPr lang="en-US" altLang="en-US" sz="2000" dirty="0">
+                <a:solidFill>
+                  <a:srgbClr val="555555"/>
+                </a:solidFill>
+                <a:latin typeface="Lato" panose="020B0604020202020204" charset="0"/>
+                <a:cs typeface="Courier New" panose="02070309020205020404" pitchFamily="49" charset="0"/>
+              </a:rPr>
+              <a:t>, ...) </a:t>
+            </a:r>
+            <a:r>
+              <a:rPr lang="en-US" altLang="en-US" sz="2000" dirty="0">
+                <a:solidFill>
+                  <a:srgbClr val="383DBA"/>
+                </a:solidFill>
+                <a:latin typeface="Lato" panose="020B0604020202020204" charset="0"/>
+                <a:ea typeface="ヒラギノ角ゴ Pro W3" pitchFamily="-105" charset="-128"/>
+                <a:cs typeface="Courier New" panose="02070309020205020404" pitchFamily="49" charset="0"/>
+              </a:rPr>
+              <a:t>RETURNS</a:t>
+            </a:r>
+            <a:r>
+              <a:rPr lang="en-US" altLang="en-US" sz="2000" dirty="0">
+                <a:latin typeface="Lato" panose="020B0604020202020204" charset="0"/>
+                <a:cs typeface="Courier New" panose="02070309020205020404" pitchFamily="49" charset="0"/>
+              </a:rPr>
+              <a:t> </a:t>
+            </a:r>
+            <a:r>
+              <a:rPr lang="en-US" altLang="en-US" sz="2000" dirty="0" err="1">
+                <a:solidFill>
+                  <a:srgbClr val="383DBA"/>
+                </a:solidFill>
+                <a:latin typeface="Lato" panose="020B0604020202020204" charset="0"/>
+                <a:ea typeface="ヒラギノ角ゴ Pro W3" pitchFamily="-105" charset="-128"/>
+                <a:cs typeface="Courier New" panose="02070309020205020404" pitchFamily="49" charset="0"/>
+              </a:rPr>
+              <a:t>data_type</a:t>
+            </a:r>
+            <a:endParaRPr lang="en-US" altLang="en-US" sz="2000" dirty="0">
+              <a:solidFill>
+                <a:srgbClr val="383DBA"/>
+              </a:solidFill>
+              <a:latin typeface="Lato" panose="020B0604020202020204" charset="0"/>
+              <a:ea typeface="ヒラギノ角ゴ Pro W3" pitchFamily="-105" charset="-128"/>
+              <a:cs typeface="Courier New" panose="02070309020205020404" pitchFamily="49" charset="0"/>
+            </a:endParaRPr>
+          </a:p>
+          <a:p>
+            <a:pPr>
+              <a:lnSpc>
+                <a:spcPct val="120000"/>
+              </a:lnSpc>
+            </a:pPr>
+            <a:r>
+              <a:rPr lang="en-US" altLang="en-US" sz="2000" dirty="0">
+                <a:solidFill>
+                  <a:srgbClr val="383DBA"/>
+                </a:solidFill>
+                <a:latin typeface="Lato" panose="020B0604020202020204" charset="0"/>
+                <a:ea typeface="ヒラギノ角ゴ Pro W3" pitchFamily="-105" charset="-128"/>
+                <a:cs typeface="Courier New" panose="02070309020205020404" pitchFamily="49" charset="0"/>
+              </a:rPr>
+              <a:t>BEGIN</a:t>
+            </a:r>
+          </a:p>
+          <a:p>
+            <a:pPr>
+              <a:lnSpc>
+                <a:spcPct val="120000"/>
+              </a:lnSpc>
+            </a:pPr>
+            <a:r>
+              <a:rPr lang="en-US" altLang="en-US" sz="2000" dirty="0">
+                <a:latin typeface="Lato" panose="020B0604020202020204" charset="0"/>
+                <a:cs typeface="Courier New" panose="02070309020205020404" pitchFamily="49" charset="0"/>
+              </a:rPr>
+              <a:t>  </a:t>
+            </a:r>
+            <a:r>
+              <a:rPr lang="en-US" altLang="en-US" sz="2000" dirty="0">
+                <a:solidFill>
+                  <a:srgbClr val="383DBA"/>
+                </a:solidFill>
+                <a:latin typeface="Lato" panose="020B0604020202020204" charset="0"/>
+                <a:ea typeface="ヒラギノ角ゴ Pro W3" pitchFamily="-105" charset="-128"/>
+                <a:cs typeface="Courier New" panose="02070309020205020404" pitchFamily="49" charset="0"/>
+              </a:rPr>
+              <a:t>DECLARE</a:t>
+            </a:r>
+            <a:r>
+              <a:rPr lang="en-US" altLang="en-US" sz="2000" dirty="0">
+                <a:latin typeface="Lato" panose="020B0604020202020204" charset="0"/>
+                <a:cs typeface="Courier New" panose="02070309020205020404" pitchFamily="49" charset="0"/>
+              </a:rPr>
+              <a:t> </a:t>
+            </a:r>
+            <a:r>
+              <a:rPr lang="en-US" altLang="en-US" sz="2000" dirty="0" err="1">
+                <a:solidFill>
+                  <a:srgbClr val="555555"/>
+                </a:solidFill>
+                <a:latin typeface="Lato" panose="020B0604020202020204" charset="0"/>
+                <a:cs typeface="Courier New" panose="02070309020205020404" pitchFamily="49" charset="0"/>
+              </a:rPr>
+              <a:t>variables|cursors|constants</a:t>
+            </a:r>
+            <a:r>
+              <a:rPr lang="en-US" altLang="en-US" sz="2000" dirty="0">
+                <a:solidFill>
+                  <a:srgbClr val="555555"/>
+                </a:solidFill>
+                <a:latin typeface="Lato" panose="020B0604020202020204" charset="0"/>
+                <a:cs typeface="Courier New" panose="02070309020205020404" pitchFamily="49" charset="0"/>
+              </a:rPr>
+              <a:t>;</a:t>
+            </a:r>
+          </a:p>
+          <a:p>
+            <a:pPr>
+              <a:lnSpc>
+                <a:spcPct val="120000"/>
+              </a:lnSpc>
+            </a:pPr>
+            <a:r>
+              <a:rPr lang="en-US" altLang="en-US" sz="2000" dirty="0">
+                <a:solidFill>
+                  <a:srgbClr val="555555"/>
+                </a:solidFill>
+                <a:latin typeface="Lato" panose="020B0604020202020204" charset="0"/>
+                <a:cs typeface="Courier New" panose="02070309020205020404" pitchFamily="49" charset="0"/>
+              </a:rPr>
+              <a:t>  ... Insert your code here</a:t>
+            </a:r>
+          </a:p>
+          <a:p>
+            <a:pPr>
+              <a:lnSpc>
+                <a:spcPct val="120000"/>
+              </a:lnSpc>
+            </a:pPr>
+            <a:r>
+              <a:rPr lang="en-US" altLang="en-US" sz="2000" dirty="0">
+                <a:latin typeface="Lato" panose="020B0604020202020204" charset="0"/>
+                <a:cs typeface="Courier New" panose="02070309020205020404" pitchFamily="49" charset="0"/>
+              </a:rPr>
+              <a:t>  </a:t>
+            </a:r>
+            <a:r>
+              <a:rPr lang="en-US" altLang="en-US" sz="2000" dirty="0">
+                <a:solidFill>
+                  <a:srgbClr val="383DBA"/>
+                </a:solidFill>
+                <a:latin typeface="Lato" panose="020B0604020202020204" charset="0"/>
+                <a:ea typeface="ヒラギノ角ゴ Pro W3" pitchFamily="-105" charset="-128"/>
+                <a:cs typeface="Courier New" panose="02070309020205020404" pitchFamily="49" charset="0"/>
+              </a:rPr>
+              <a:t>RETURN</a:t>
+            </a:r>
+            <a:r>
+              <a:rPr lang="en-US" altLang="en-US" sz="2000" dirty="0">
+                <a:solidFill>
+                  <a:srgbClr val="555555"/>
+                </a:solidFill>
+                <a:latin typeface="Lato" panose="020B0604020202020204" charset="0"/>
+                <a:cs typeface="Courier New" panose="02070309020205020404" pitchFamily="49" charset="0"/>
+              </a:rPr>
+              <a:t> (variable);</a:t>
+            </a:r>
+          </a:p>
+          <a:p>
+            <a:pPr>
+              <a:lnSpc>
+                <a:spcPct val="120000"/>
+              </a:lnSpc>
+            </a:pPr>
+            <a:r>
+              <a:rPr lang="en-US" altLang="en-US" sz="2000" dirty="0">
+                <a:solidFill>
+                  <a:srgbClr val="383DBA"/>
+                </a:solidFill>
+                <a:latin typeface="Lato" panose="020B0604020202020204" charset="0"/>
+                <a:ea typeface="ヒラギノ角ゴ Pro W3" pitchFamily="-105" charset="-128"/>
+                <a:cs typeface="Courier New" panose="02070309020205020404" pitchFamily="49" charset="0"/>
+              </a:rPr>
+              <a:t>END</a:t>
+            </a:r>
+            <a:r>
+              <a:rPr lang="en-US" altLang="en-US" sz="2000" dirty="0">
+                <a:solidFill>
+                  <a:srgbClr val="555555"/>
+                </a:solidFill>
+                <a:latin typeface="Lato" panose="020B0604020202020204" charset="0"/>
+                <a:cs typeface="Courier New" panose="02070309020205020404" pitchFamily="49" charset="0"/>
+              </a:rPr>
+              <a:t>$$</a:t>
+            </a:r>
+          </a:p>
+          <a:p>
+            <a:pPr>
+              <a:lnSpc>
+                <a:spcPct val="120000"/>
+              </a:lnSpc>
+            </a:pPr>
+            <a:r>
+              <a:rPr lang="en-US" sz="2000" dirty="0">
+                <a:solidFill>
+                  <a:srgbClr val="383DBA"/>
+                </a:solidFill>
+                <a:latin typeface="Lato" panose="020B0604020202020204" charset="0"/>
+                <a:ea typeface="ヒラギノ角ゴ Pro W3" pitchFamily="-105" charset="-128"/>
+                <a:cs typeface="Courier New" panose="02070309020205020404" pitchFamily="49" charset="0"/>
+              </a:rPr>
+              <a:t>DELIMITER</a:t>
+            </a:r>
+            <a:r>
+              <a:rPr lang="en-US" sz="2000" dirty="0">
+                <a:solidFill>
+                  <a:srgbClr val="555555"/>
+                </a:solidFill>
+                <a:latin typeface="Lato" panose="020B0604020202020204" charset="0"/>
+                <a:cs typeface="Courier New" panose="02070309020205020404" pitchFamily="49" charset="0"/>
+              </a:rPr>
+              <a:t> ;</a:t>
+            </a:r>
+            <a:endParaRPr lang="en-US" altLang="en-US" sz="2000" dirty="0">
+              <a:solidFill>
+                <a:srgbClr val="555555"/>
+              </a:solidFill>
+              <a:latin typeface="Lato" panose="020B0604020202020204" charset="0"/>
+              <a:cs typeface="Courier New" panose="02070309020205020404" pitchFamily="49" charset="0"/>
+            </a:endParaRPr>
+          </a:p>
+          <a:p>
+            <a:pPr>
+              <a:lnSpc>
+                <a:spcPct val="120000"/>
+              </a:lnSpc>
+            </a:pPr>
+            <a:endParaRPr lang="en-US" sz="2000" dirty="0">
+              <a:latin typeface="Lato" panose="020B0604020202020204" charset="0"/>
+              <a:cs typeface="Courier New" panose="02070309020205020404" pitchFamily="49" charset="0"/>
+            </a:endParaRPr>
+          </a:p>
+          <a:p>
+            <a:pPr>
+              <a:lnSpc>
+                <a:spcPct val="120000"/>
+              </a:lnSpc>
+            </a:pPr>
+            <a:r>
+              <a:rPr lang="en-US" altLang="en-US" sz="2000" dirty="0">
+                <a:latin typeface="Lato" panose="020B0604020202020204" charset="0"/>
+              </a:rPr>
+              <a:t>Call the function:</a:t>
+            </a:r>
+            <a:r>
+              <a:rPr lang="en-US" altLang="en-US" sz="2000" i="1" dirty="0">
+                <a:latin typeface="Lato" panose="020B0604020202020204" charset="0"/>
+              </a:rPr>
+              <a:t> </a:t>
+            </a:r>
+          </a:p>
+          <a:p>
+            <a:pPr>
+              <a:lnSpc>
+                <a:spcPct val="120000"/>
+              </a:lnSpc>
+            </a:pPr>
+            <a:r>
+              <a:rPr lang="en-US" sz="2000" dirty="0">
+                <a:solidFill>
+                  <a:srgbClr val="383DBA"/>
+                </a:solidFill>
+                <a:latin typeface="Lato" panose="020B0604020202020204" charset="0"/>
+                <a:ea typeface="ヒラギノ角ゴ Pro W3" pitchFamily="-105" charset="-128"/>
+                <a:cs typeface="Courier New" panose="02070309020205020404" pitchFamily="49" charset="0"/>
+              </a:rPr>
+              <a:t>SELECT</a:t>
+            </a:r>
+            <a:r>
+              <a:rPr lang="en-US" sz="2000" dirty="0">
+                <a:latin typeface="Lato" panose="020B0604020202020204" charset="0"/>
+                <a:cs typeface="Courier New" panose="02070309020205020404" pitchFamily="49" charset="0"/>
+              </a:rPr>
+              <a:t> </a:t>
+            </a:r>
+            <a:r>
+              <a:rPr lang="en-US" sz="2000" dirty="0" err="1">
+                <a:solidFill>
+                  <a:srgbClr val="555555"/>
+                </a:solidFill>
+                <a:latin typeface="Lato" panose="020B0604020202020204" charset="0"/>
+                <a:cs typeface="Courier New" panose="02070309020205020404" pitchFamily="49" charset="0"/>
+              </a:rPr>
+              <a:t>function_name</a:t>
+            </a:r>
+            <a:r>
+              <a:rPr lang="en-US" sz="2000" dirty="0">
+                <a:solidFill>
+                  <a:srgbClr val="555555"/>
+                </a:solidFill>
+                <a:latin typeface="Lato" panose="020B0604020202020204" charset="0"/>
+                <a:cs typeface="Courier New" panose="02070309020205020404" pitchFamily="49" charset="0"/>
+              </a:rPr>
+              <a:t>(variable</a:t>
+            </a:r>
+            <a:r>
+              <a:rPr lang="en-US" altLang="en-US" sz="2000" dirty="0">
+                <a:solidFill>
+                  <a:srgbClr val="555555"/>
+                </a:solidFill>
+                <a:latin typeface="Lato" panose="020B0604020202020204" charset="0"/>
+                <a:cs typeface="Courier New" panose="02070309020205020404" pitchFamily="49" charset="0"/>
+              </a:rPr>
+              <a:t>) </a:t>
+            </a:r>
+            <a:r>
+              <a:rPr lang="en-US" altLang="en-US" sz="2000" dirty="0">
+                <a:solidFill>
+                  <a:srgbClr val="383DBA"/>
+                </a:solidFill>
+                <a:latin typeface="Lato" panose="020B0604020202020204" charset="0"/>
+                <a:ea typeface="ヒラギノ角ゴ Pro W3" pitchFamily="-105" charset="-128"/>
+                <a:cs typeface="Courier New" panose="02070309020205020404" pitchFamily="49" charset="0"/>
+              </a:rPr>
+              <a:t>FROM DUAL</a:t>
+            </a:r>
+            <a:r>
+              <a:rPr lang="en-US" altLang="en-US" sz="2000" dirty="0">
+                <a:solidFill>
+                  <a:srgbClr val="555555"/>
+                </a:solidFill>
+                <a:latin typeface="Lato" panose="020B0604020202020204" charset="0"/>
+                <a:cs typeface="Courier New" panose="02070309020205020404" pitchFamily="49" charset="0"/>
+              </a:rPr>
+              <a:t>;</a:t>
+            </a:r>
+          </a:p>
+        </p:txBody>
+      </p:sp>
+    </p:spTree>
+    <p:extLst>
+      <p:ext uri="{BB962C8B-B14F-4D97-AF65-F5344CB8AC3E}">
+        <p14:creationId xmlns:p14="http://schemas.microsoft.com/office/powerpoint/2010/main" val="1464790433"/>
+      </p:ext>
+    </p:extLst>
   </p:cSld>
   <p:clrMapOvr>
     <a:masterClrMapping/>
@@ -16528,7 +17191,7 @@
                 <a:cs typeface="Lato"/>
                 <a:sym typeface="Lato"/>
               </a:rPr>
-              <a:t> INT(11) </a:t>
+              <a:t> INT </a:t>
             </a:r>
             <a:r>
               <a:rPr lang="en-US" b="1" dirty="0">
@@ -16880,7 +17543,7 @@
                 <a:cs typeface="Lato"/>
                 <a:sym typeface="Lato"/>
               </a:rPr>
-              <a:t>  state VARCHAR(50) </a:t>
+              <a:t>  state CHAR(2) </a:t>
             </a:r>
             <a:r>
               <a:rPr lang="en-US" b="1" dirty="0">
@@ -16892,7 +17555,7 @@
                 <a:cs typeface="Lato"/>
                 <a:sym typeface="Lato"/>
               </a:rPr>
-              <a:t>DEFAULT NULL,</a:t>
+              <a:t>DEFAULT ‘NE’,</a:t>
             </a:r>
             <a:br>
               <a:rPr lang="en-US" b="1" dirty="0">
@@ -16974,7 +17637,7 @@
                 <a:cs typeface="Lato"/>
                 <a:sym typeface="Lato"/>
               </a:rPr>
-              <a:t>  country VARCHAR(50) </a:t>
+              <a:t>  country CHAR(3)</a:t>
             </a:r>
             <a:r>
               <a:rPr lang="en-US" b="1" dirty="0">
@@ -16986,7 +17649,7 @@
                 <a:cs typeface="Lato"/>
                 <a:sym typeface="Lato"/>
               </a:rPr>
-              <a:t>NOT NULL,</a:t>
+              <a:t>NOT NULL DEFAULT 'USA', </a:t>
             </a:r>
             <a:br>
               <a:rPr lang="en-US" b="1" dirty="0">
@@ -17033,7 +17696,7 @@
                 <a:cs typeface="Lato"/>
                 <a:sym typeface="Lato"/>
               </a:rPr>
-              <a:t> INT(11) </a:t>
+              <a:t> INT </a:t>
             </a:r>
             <a:r>
               <a:rPr lang="en-US" b="1" dirty="0">
@@ -17104,7 +17767,31 @@
                 <a:cs typeface="Lato"/>
                 <a:sym typeface="Lato"/>
               </a:rPr>
-              <a:t>DEFAULT NULL,</a:t>
+              <a:t>CHECK (</a:t>
+            </a:r>
+            <a:r>
+              <a:rPr lang="en-US" b="1" dirty="0" err="1">
+                <a:solidFill>
+                  <a:srgbClr val="3D85C6"/>
+                </a:solidFill>
+                <a:latin typeface="Lato"/>
+                <a:ea typeface="Lato"/>
+                <a:cs typeface="Lato"/>
+                <a:sym typeface="Lato"/>
+              </a:rPr>
+              <a:t>creditlimit</a:t>
+            </a:r>
+            <a:r>
+              <a:rPr lang="en-US" b="1" dirty="0">
+                <a:solidFill>
+                  <a:srgbClr val="3D85C6"/>
+                </a:solidFill>
+                <a:latin typeface="Lato"/>
+                <a:ea typeface="Lato"/>
+                <a:cs typeface="Lato"/>
+                <a:sym typeface="Lato"/>
+              </a:rPr>
+              <a:t> &lt; 1000000), </a:t>
             </a:r>
             <a:br>
               <a:rPr lang="en-US" b="1" dirty="0">
@@ -17333,7 +18020,7 @@
               <a:buNone/>
             </a:pPr>
             <a:r>
-              <a:rPr lang="en-US" sz="1500" b="1" dirty="0" err="1">
+              <a:rPr lang="en-US" sz="1500" b="1" dirty="0">
                 <a:solidFill>
                   <a:srgbClr val="3D85C6"/>
                 </a:solidFill>
@@ -17342,7 +18029,7 @@
                 <a:cs typeface="Lato"/>
                 <a:sym typeface="Lato"/>
               </a:rPr>
-              <a:t>ConstraINTs</a:t>
+              <a:t>Constraints</a:t>
             </a:r>
             <a:endParaRPr sz="1500" b="1" dirty="0">
               <a:solidFill>
@@ -17601,7 +18288,7 @@
         </p:blipFill>
         <p:spPr>
           <a:xfrm>
-            <a:off x="7339397" y="2349437"/>
+            <a:off x="7468186" y="2349436"/>
             <a:ext cx="2774852" cy="3629464"/>
           </a:xfrm>
           <a:prstGeom prst="rect">

--- a/Lectures/(3) Extracting & Storing Data.pptx
+++ b/Lectures/(3) Extracting & Storing Data.pptx
@@ -5,7 +5,7 @@
     <p:sldMasterId id="2147483672" r:id="rId1"/>
   </p:sldMasterIdLst>
   <p:notesMasterIdLst>
-    <p:notesMasterId r:id="rId16"/>
+    <p:notesMasterId r:id="rId17"/>
   </p:notesMasterIdLst>
   <p:sldIdLst>
     <p:sldId id="256" r:id="rId2"/>
@@ -13,46 +13,47 @@
     <p:sldId id="259" r:id="rId4"/>
     <p:sldId id="260" r:id="rId5"/>
     <p:sldId id="262" r:id="rId6"/>
-    <p:sldId id="263" r:id="rId7"/>
-    <p:sldId id="264" r:id="rId8"/>
-    <p:sldId id="265" r:id="rId9"/>
-    <p:sldId id="266" r:id="rId10"/>
-    <p:sldId id="267" r:id="rId11"/>
-    <p:sldId id="268" r:id="rId12"/>
-    <p:sldId id="269" r:id="rId13"/>
-    <p:sldId id="271" r:id="rId14"/>
-    <p:sldId id="272" r:id="rId15"/>
+    <p:sldId id="273" r:id="rId7"/>
+    <p:sldId id="263" r:id="rId8"/>
+    <p:sldId id="264" r:id="rId9"/>
+    <p:sldId id="265" r:id="rId10"/>
+    <p:sldId id="266" r:id="rId11"/>
+    <p:sldId id="267" r:id="rId12"/>
+    <p:sldId id="268" r:id="rId13"/>
+    <p:sldId id="269" r:id="rId14"/>
+    <p:sldId id="271" r:id="rId15"/>
+    <p:sldId id="272" r:id="rId16"/>
   </p:sldIdLst>
   <p:sldSz cx="12192000" cy="6858000"/>
   <p:notesSz cx="6858000" cy="9144000"/>
   <p:embeddedFontLst>
     <p:embeddedFont>
       <p:font typeface="Calibri" panose="020F0502020204030204" pitchFamily="34" charset="0"/>
-      <p:regular r:id="rId17"/>
-      <p:bold r:id="rId18"/>
-      <p:italic r:id="rId19"/>
-      <p:boldItalic r:id="rId20"/>
+      <p:regular r:id="rId18"/>
+      <p:bold r:id="rId19"/>
+      <p:italic r:id="rId20"/>
+      <p:boldItalic r:id="rId21"/>
     </p:embeddedFont>
     <p:embeddedFont>
       <p:font typeface="Lato" panose="020B0604020202020204" charset="0"/>
-      <p:regular r:id="rId21"/>
-      <p:bold r:id="rId22"/>
-      <p:italic r:id="rId23"/>
-      <p:boldItalic r:id="rId24"/>
+      <p:regular r:id="rId22"/>
+      <p:bold r:id="rId23"/>
+      <p:italic r:id="rId24"/>
+      <p:boldItalic r:id="rId25"/>
     </p:embeddedFont>
     <p:embeddedFont>
       <p:font typeface="Raleway" panose="020B0604020202020204" charset="0"/>
-      <p:regular r:id="rId25"/>
-      <p:bold r:id="rId26"/>
-      <p:italic r:id="rId27"/>
-      <p:boldItalic r:id="rId28"/>
+      <p:regular r:id="rId26"/>
+      <p:bold r:id="rId27"/>
+      <p:italic r:id="rId28"/>
+      <p:boldItalic r:id="rId29"/>
     </p:embeddedFont>
     <p:embeddedFont>
       <p:font typeface="Verdana" panose="020B0604030504040204" pitchFamily="34" charset="0"/>
-      <p:regular r:id="rId29"/>
-      <p:bold r:id="rId30"/>
-      <p:italic r:id="rId31"/>
-      <p:boldItalic r:id="rId32"/>
+      <p:regular r:id="rId30"/>
+      <p:bold r:id="rId31"/>
+      <p:italic r:id="rId32"/>
+      <p:boldItalic r:id="rId33"/>
     </p:embeddedFont>
   </p:embeddedFontLst>
   <p:defaultTextStyle>
@@ -1928,6 +1929,240 @@
   <p:cSld>
     <p:spTree>
       <p:nvGrpSpPr>
+        <p:cNvPr id="1" name="Shape 255"/>
+        <p:cNvGrpSpPr/>
+        <p:nvPr/>
+      </p:nvGrpSpPr>
+      <p:grpSpPr>
+        <a:xfrm>
+          <a:off x="0" y="0"/>
+          <a:ext cx="0" cy="0"/>
+          <a:chOff x="0" y="0"/>
+          <a:chExt cx="0" cy="0"/>
+        </a:xfrm>
+      </p:grpSpPr>
+      <p:sp>
+        <p:nvSpPr>
+          <p:cNvPr id="256" name="Google Shape;256;g500896a7f1_1_104:notes"/>
+          <p:cNvSpPr txBox="1">
+            <a:spLocks noGrp="1"/>
+          </p:cNvSpPr>
+          <p:nvPr>
+            <p:ph type="body" idx="1"/>
+          </p:nvPr>
+        </p:nvSpPr>
+        <p:spPr>
+          <a:xfrm>
+            <a:off x="685800" y="4400550"/>
+            <a:ext cx="5486400" cy="3600600"/>
+          </a:xfrm>
+          <a:prstGeom prst="rect">
+            <a:avLst/>
+          </a:prstGeom>
+        </p:spPr>
+        <p:txBody>
+          <a:bodyPr spcFirstLastPara="1" wrap="square" lIns="91425" tIns="45700" rIns="91425" bIns="45700" anchor="t" anchorCtr="0">
+            <a:noAutofit/>
+          </a:bodyPr>
+          <a:lstStyle/>
+          <a:p>
+            <a:pPr marL="0" lvl="0" indent="0" algn="l" rtl="0">
+              <a:lnSpc>
+                <a:spcPct val="115000"/>
+              </a:lnSpc>
+              <a:spcBef>
+                <a:spcPts val="0"/>
+              </a:spcBef>
+              <a:spcAft>
+                <a:spcPts val="0"/>
+              </a:spcAft>
+              <a:buClr>
+                <a:srgbClr val="000000"/>
+              </a:buClr>
+              <a:buSzPts val="1100"/>
+              <a:buFont typeface="Arial"/>
+              <a:buNone/>
+            </a:pPr>
+            <a:r>
+              <a:rPr lang="en-US" sz="1200" u="none" dirty="0">
+                <a:solidFill>
+                  <a:schemeClr val="accent1"/>
+                </a:solidFill>
+                <a:latin typeface="Lato"/>
+                <a:ea typeface="Lato"/>
+                <a:cs typeface="Lato"/>
+                <a:sym typeface="Lato"/>
+              </a:rPr>
+              <a:t>UPDATE  </a:t>
+            </a:r>
+            <a:r>
+              <a:rPr lang="en-US" sz="1200" u="none" dirty="0" err="1">
+                <a:solidFill>
+                  <a:schemeClr val="accent1"/>
+                </a:solidFill>
+                <a:latin typeface="Lato"/>
+                <a:ea typeface="Lato"/>
+                <a:cs typeface="Lato"/>
+                <a:sym typeface="Lato"/>
+              </a:rPr>
+              <a:t>classicmodels.customers</a:t>
+            </a:r>
+            <a:r>
+              <a:rPr lang="en-US" sz="1200" u="none" dirty="0">
+                <a:solidFill>
+                  <a:schemeClr val="accent1"/>
+                </a:solidFill>
+                <a:latin typeface="Lato"/>
+                <a:ea typeface="Lato"/>
+                <a:cs typeface="Lato"/>
+                <a:sym typeface="Lato"/>
+              </a:rPr>
+              <a:t> </a:t>
+            </a:r>
+          </a:p>
+          <a:p>
+            <a:pPr marL="0" lvl="0" indent="0" algn="l" rtl="0">
+              <a:lnSpc>
+                <a:spcPct val="115000"/>
+              </a:lnSpc>
+              <a:spcBef>
+                <a:spcPts val="0"/>
+              </a:spcBef>
+              <a:spcAft>
+                <a:spcPts val="0"/>
+              </a:spcAft>
+              <a:buClr>
+                <a:srgbClr val="000000"/>
+              </a:buClr>
+              <a:buSzPts val="1100"/>
+              <a:buFont typeface="Arial"/>
+              <a:buNone/>
+            </a:pPr>
+            <a:r>
+              <a:rPr lang="en-US" sz="1200" u="none" dirty="0">
+                <a:solidFill>
+                  <a:schemeClr val="accent1"/>
+                </a:solidFill>
+                <a:latin typeface="Lato"/>
+                <a:ea typeface="Lato"/>
+                <a:cs typeface="Lato"/>
+                <a:sym typeface="Lato"/>
+              </a:rPr>
+              <a:t>SET city = 'Omaha', state = 'NE’</a:t>
+            </a:r>
+          </a:p>
+          <a:p>
+            <a:pPr marL="0" lvl="0" indent="0" algn="l" rtl="0">
+              <a:lnSpc>
+                <a:spcPct val="115000"/>
+              </a:lnSpc>
+              <a:spcBef>
+                <a:spcPts val="0"/>
+              </a:spcBef>
+              <a:spcAft>
+                <a:spcPts val="0"/>
+              </a:spcAft>
+              <a:buClr>
+                <a:srgbClr val="000000"/>
+              </a:buClr>
+              <a:buSzPts val="1100"/>
+              <a:buFont typeface="Arial"/>
+              <a:buNone/>
+            </a:pPr>
+            <a:r>
+              <a:rPr lang="en-US" sz="1200" u="none" dirty="0">
+                <a:solidFill>
+                  <a:schemeClr val="accent1"/>
+                </a:solidFill>
+                <a:latin typeface="Lato"/>
+                <a:ea typeface="Lato"/>
+                <a:cs typeface="Lato"/>
+                <a:sym typeface="Lato"/>
+              </a:rPr>
+              <a:t>WHERE </a:t>
+            </a:r>
+            <a:r>
+              <a:rPr lang="en-US" sz="1200" u="none" dirty="0" err="1">
+                <a:solidFill>
+                  <a:schemeClr val="accent1"/>
+                </a:solidFill>
+                <a:latin typeface="Lato"/>
+                <a:ea typeface="Lato"/>
+                <a:cs typeface="Lato"/>
+                <a:sym typeface="Lato"/>
+              </a:rPr>
+              <a:t>customer_number</a:t>
+            </a:r>
+            <a:r>
+              <a:rPr lang="en-US" sz="1200" u="none" dirty="0">
+                <a:solidFill>
+                  <a:schemeClr val="accent1"/>
+                </a:solidFill>
+                <a:latin typeface="Lato"/>
+                <a:ea typeface="Lato"/>
+                <a:cs typeface="Lato"/>
+                <a:sym typeface="Lato"/>
+              </a:rPr>
+              <a:t> = 103;</a:t>
+            </a:r>
+            <a:endParaRPr u="none" dirty="0"/>
+          </a:p>
+        </p:txBody>
+      </p:sp>
+      <p:sp>
+        <p:nvSpPr>
+          <p:cNvPr id="257" name="Google Shape;257;g500896a7f1_1_104:notes"/>
+          <p:cNvSpPr>
+            <a:spLocks noGrp="1" noRot="1" noChangeAspect="1"/>
+          </p:cNvSpPr>
+          <p:nvPr>
+            <p:ph type="sldImg" idx="2"/>
+          </p:nvPr>
+        </p:nvSpPr>
+        <p:spPr>
+          <a:xfrm>
+            <a:off x="685800" y="1143000"/>
+            <a:ext cx="5486400" cy="3086100"/>
+          </a:xfrm>
+          <a:custGeom>
+            <a:avLst/>
+            <a:gdLst/>
+            <a:ahLst/>
+            <a:cxnLst/>
+            <a:rect l="l" t="t" r="r" b="b"/>
+            <a:pathLst>
+              <a:path w="120000" h="120000" extrusionOk="0">
+                <a:moveTo>
+                  <a:pt x="0" y="0"/>
+                </a:moveTo>
+                <a:lnTo>
+                  <a:pt x="120000" y="0"/>
+                </a:lnTo>
+                <a:lnTo>
+                  <a:pt x="120000" y="120000"/>
+                </a:lnTo>
+                <a:lnTo>
+                  <a:pt x="0" y="120000"/>
+                </a:lnTo>
+                <a:close/>
+              </a:path>
+            </a:pathLst>
+          </a:custGeom>
+        </p:spPr>
+      </p:sp>
+    </p:spTree>
+  </p:cSld>
+  <p:clrMapOvr>
+    <a:masterClrMapping/>
+  </p:clrMapOvr>
+</p:notes>
+</file>
+
+<file path=ppt/notesSlides/notesSlide11.xml><?xml version="1.0" encoding="utf-8"?>
+<p:notes xmlns:a="http://schemas.openxmlformats.org/drawingml/2006/main" xmlns:r="http://schemas.openxmlformats.org/officeDocument/2006/relationships" xmlns:p="http://schemas.openxmlformats.org/presentationml/2006/main" showMasterSp="0" showMasterPhAnim="0">
+  <p:cSld>
+    <p:spTree>
+      <p:nvGrpSpPr>
         <p:cNvPr id="1" name="Shape 262"/>
         <p:cNvGrpSpPr/>
         <p:nvPr/>
@@ -2167,7 +2402,7 @@
 </p:notes>
 </file>
 
-<file path=ppt/notesSlides/notesSlide11.xml><?xml version="1.0" encoding="utf-8"?>
+<file path=ppt/notesSlides/notesSlide12.xml><?xml version="1.0" encoding="utf-8"?>
 <p:notes xmlns:a="http://schemas.openxmlformats.org/drawingml/2006/main" xmlns:r="http://schemas.openxmlformats.org/officeDocument/2006/relationships" xmlns:p="http://schemas.openxmlformats.org/presentationml/2006/main" showMasterSp="0" showMasterPhAnim="0">
   <p:cSld>
     <p:spTree>
@@ -2462,227 +2697,6 @@
             </a:pathLst>
           </a:custGeom>
         </p:spPr>
-      </p:sp>
-    </p:spTree>
-  </p:cSld>
-  <p:clrMapOvr>
-    <a:masterClrMapping/>
-  </p:clrMapOvr>
-</p:notes>
-</file>
-
-<file path=ppt/notesSlides/notesSlide12.xml><?xml version="1.0" encoding="utf-8"?>
-<p:notes xmlns:a="http://schemas.openxmlformats.org/drawingml/2006/main" xmlns:r="http://schemas.openxmlformats.org/officeDocument/2006/relationships" xmlns:p="http://schemas.openxmlformats.org/presentationml/2006/main" showMasterSp="0" showMasterPhAnim="0">
-  <p:cSld>
-    <p:spTree>
-      <p:nvGrpSpPr>
-        <p:cNvPr id="1" name="Shape 277"/>
-        <p:cNvGrpSpPr/>
-        <p:nvPr/>
-      </p:nvGrpSpPr>
-      <p:grpSpPr>
-        <a:xfrm>
-          <a:off x="0" y="0"/>
-          <a:ext cx="0" cy="0"/>
-          <a:chOff x="0" y="0"/>
-          <a:chExt cx="0" cy="0"/>
-        </a:xfrm>
-      </p:grpSpPr>
-      <p:sp>
-        <p:nvSpPr>
-          <p:cNvPr id="278" name="Google Shape;278;g509d03fa30_2_6:notes"/>
-          <p:cNvSpPr>
-            <a:spLocks noGrp="1" noRot="1" noChangeAspect="1"/>
-          </p:cNvSpPr>
-          <p:nvPr>
-            <p:ph type="sldImg" idx="2"/>
-          </p:nvPr>
-        </p:nvSpPr>
-        <p:spPr>
-          <a:xfrm>
-            <a:off x="685800" y="1143000"/>
-            <a:ext cx="5486400" cy="3086100"/>
-          </a:xfrm>
-          <a:custGeom>
-            <a:avLst/>
-            <a:gdLst/>
-            <a:ahLst/>
-            <a:cxnLst/>
-            <a:rect l="l" t="t" r="r" b="b"/>
-            <a:pathLst>
-              <a:path w="120000" h="120000" extrusionOk="0">
-                <a:moveTo>
-                  <a:pt x="0" y="0"/>
-                </a:moveTo>
-                <a:lnTo>
-                  <a:pt x="120000" y="0"/>
-                </a:lnTo>
-                <a:lnTo>
-                  <a:pt x="120000" y="120000"/>
-                </a:lnTo>
-                <a:lnTo>
-                  <a:pt x="0" y="120000"/>
-                </a:lnTo>
-                <a:close/>
-              </a:path>
-            </a:pathLst>
-          </a:custGeom>
-        </p:spPr>
-      </p:sp>
-      <p:sp>
-        <p:nvSpPr>
-          <p:cNvPr id="279" name="Google Shape;279;g509d03fa30_2_6:notes"/>
-          <p:cNvSpPr txBox="1">
-            <a:spLocks noGrp="1"/>
-          </p:cNvSpPr>
-          <p:nvPr>
-            <p:ph type="body" idx="1"/>
-          </p:nvPr>
-        </p:nvSpPr>
-        <p:spPr>
-          <a:xfrm>
-            <a:off x="685800" y="4400550"/>
-            <a:ext cx="5486400" cy="3600600"/>
-          </a:xfrm>
-          <a:prstGeom prst="rect">
-            <a:avLst/>
-          </a:prstGeom>
-        </p:spPr>
-        <p:txBody>
-          <a:bodyPr spcFirstLastPara="1" wrap="square" lIns="91425" tIns="45700" rIns="91425" bIns="45700" anchor="t" anchorCtr="0">
-            <a:noAutofit/>
-          </a:bodyPr>
-          <a:lstStyle/>
-          <a:p>
-            <a:pPr marL="76200" marR="76200" lvl="0" indent="0" algn="l" rtl="0">
-              <a:lnSpc>
-                <a:spcPct val="115000"/>
-              </a:lnSpc>
-              <a:spcBef>
-                <a:spcPts val="0"/>
-              </a:spcBef>
-              <a:spcAft>
-                <a:spcPts val="0"/>
-              </a:spcAft>
-              <a:buNone/>
-            </a:pPr>
-            <a:r>
-              <a:rPr lang="en-US" sz="1000" dirty="0">
-                <a:solidFill>
-                  <a:srgbClr val="101094"/>
-                </a:solidFill>
-                <a:highlight>
-                  <a:srgbClr val="EFF0F1"/>
-                </a:highlight>
-                <a:latin typeface="Courier New"/>
-                <a:ea typeface="Courier New"/>
-                <a:cs typeface="Courier New"/>
-                <a:sym typeface="Courier New"/>
-              </a:rPr>
-              <a:t>Solutions: “Exercises/Class 3 Exercise – Extracting &amp; Storing </a:t>
-            </a:r>
-            <a:r>
-              <a:rPr lang="en-US" sz="1000" dirty="0" err="1">
-                <a:solidFill>
-                  <a:srgbClr val="101094"/>
-                </a:solidFill>
-                <a:highlight>
-                  <a:srgbClr val="EFF0F1"/>
-                </a:highlight>
-                <a:latin typeface="Courier New"/>
-                <a:ea typeface="Courier New"/>
-                <a:cs typeface="Courier New"/>
-                <a:sym typeface="Courier New"/>
-              </a:rPr>
-              <a:t>Data.sql</a:t>
-            </a:r>
-            <a:r>
-              <a:rPr lang="en-US" sz="1000" dirty="0">
-                <a:solidFill>
-                  <a:srgbClr val="101094"/>
-                </a:solidFill>
-                <a:highlight>
-                  <a:srgbClr val="EFF0F1"/>
-                </a:highlight>
-                <a:latin typeface="Courier New"/>
-                <a:ea typeface="Courier New"/>
-                <a:cs typeface="Courier New"/>
-                <a:sym typeface="Courier New"/>
-              </a:rPr>
-              <a:t>”</a:t>
-            </a:r>
-            <a:endParaRPr sz="1000" dirty="0">
-              <a:solidFill>
-                <a:srgbClr val="303336"/>
-              </a:solidFill>
-              <a:highlight>
-                <a:srgbClr val="EFF0F1"/>
-              </a:highlight>
-              <a:latin typeface="Courier New"/>
-              <a:ea typeface="Courier New"/>
-              <a:cs typeface="Courier New"/>
-              <a:sym typeface="Courier New"/>
-            </a:endParaRPr>
-          </a:p>
-          <a:p>
-            <a:pPr marL="0" lvl="0" indent="0" algn="l" rtl="0">
-              <a:spcBef>
-                <a:spcPts val="1100"/>
-              </a:spcBef>
-              <a:spcAft>
-                <a:spcPts val="0"/>
-              </a:spcAft>
-              <a:buNone/>
-            </a:pPr>
-            <a:endParaRPr dirty="0"/>
-          </a:p>
-        </p:txBody>
-      </p:sp>
-      <p:sp>
-        <p:nvSpPr>
-          <p:cNvPr id="280" name="Google Shape;280;g509d03fa30_2_6:notes"/>
-          <p:cNvSpPr txBox="1">
-            <a:spLocks noGrp="1"/>
-          </p:cNvSpPr>
-          <p:nvPr>
-            <p:ph type="sldNum" idx="12"/>
-          </p:nvPr>
-        </p:nvSpPr>
-        <p:spPr>
-          <a:xfrm>
-            <a:off x="3884613" y="8685213"/>
-            <a:ext cx="2971800" cy="458700"/>
-          </a:xfrm>
-          <a:prstGeom prst="rect">
-            <a:avLst/>
-          </a:prstGeom>
-        </p:spPr>
-        <p:txBody>
-          <a:bodyPr spcFirstLastPara="1" wrap="square" lIns="91425" tIns="45700" rIns="91425" bIns="45700" anchor="b" anchorCtr="0">
-            <a:noAutofit/>
-          </a:bodyPr>
-          <a:lstStyle/>
-          <a:p>
-            <a:pPr marL="0" lvl="0" indent="0" algn="r" rtl="0">
-              <a:spcBef>
-                <a:spcPts val="0"/>
-              </a:spcBef>
-              <a:spcAft>
-                <a:spcPts val="0"/>
-              </a:spcAft>
-              <a:buClr>
-                <a:srgbClr val="000000"/>
-              </a:buClr>
-              <a:buFont typeface="Arial"/>
-              <a:buNone/>
-            </a:pPr>
-            <a:fld id="{00000000-1234-1234-1234-123412341234}" type="slidenum">
-              <a:rPr lang="en-US"/>
-              <a:t>12</a:t>
-            </a:fld>
-            <a:endParaRPr/>
-          </a:p>
-        </p:txBody>
       </p:sp>
     </p:spTree>
   </p:cSld>
@@ -2775,6 +2789,77 @@
           </a:bodyPr>
           <a:lstStyle/>
           <a:p>
+            <a:pPr marL="76200" marR="76200" lvl="0" indent="0" algn="l" rtl="0">
+              <a:lnSpc>
+                <a:spcPct val="115000"/>
+              </a:lnSpc>
+              <a:spcBef>
+                <a:spcPts val="0"/>
+              </a:spcBef>
+              <a:spcAft>
+                <a:spcPts val="0"/>
+              </a:spcAft>
+              <a:buNone/>
+            </a:pPr>
+            <a:r>
+              <a:rPr lang="en-US" sz="1000" dirty="0">
+                <a:solidFill>
+                  <a:srgbClr val="101094"/>
+                </a:solidFill>
+                <a:highlight>
+                  <a:srgbClr val="EFF0F1"/>
+                </a:highlight>
+                <a:latin typeface="Courier New"/>
+                <a:ea typeface="Courier New"/>
+                <a:cs typeface="Courier New"/>
+                <a:sym typeface="Courier New"/>
+              </a:rPr>
+              <a:t>Solutions: “Exercises/Class 3 Exercise – Extracting &amp; Storing </a:t>
+            </a:r>
+            <a:r>
+              <a:rPr lang="en-US" sz="1000" dirty="0" err="1">
+                <a:solidFill>
+                  <a:srgbClr val="101094"/>
+                </a:solidFill>
+                <a:highlight>
+                  <a:srgbClr val="EFF0F1"/>
+                </a:highlight>
+                <a:latin typeface="Courier New"/>
+                <a:ea typeface="Courier New"/>
+                <a:cs typeface="Courier New"/>
+                <a:sym typeface="Courier New"/>
+              </a:rPr>
+              <a:t>Data.sql</a:t>
+            </a:r>
+            <a:r>
+              <a:rPr lang="en-US" sz="1000" dirty="0">
+                <a:solidFill>
+                  <a:srgbClr val="101094"/>
+                </a:solidFill>
+                <a:highlight>
+                  <a:srgbClr val="EFF0F1"/>
+                </a:highlight>
+                <a:latin typeface="Courier New"/>
+                <a:ea typeface="Courier New"/>
+                <a:cs typeface="Courier New"/>
+                <a:sym typeface="Courier New"/>
+              </a:rPr>
+              <a:t>”</a:t>
+            </a:r>
+            <a:endParaRPr sz="1000" dirty="0">
+              <a:solidFill>
+                <a:srgbClr val="303336"/>
+              </a:solidFill>
+              <a:highlight>
+                <a:srgbClr val="EFF0F1"/>
+              </a:highlight>
+              <a:latin typeface="Courier New"/>
+              <a:ea typeface="Courier New"/>
+              <a:cs typeface="Courier New"/>
+              <a:sym typeface="Courier New"/>
+            </a:endParaRPr>
+          </a:p>
+          <a:p>
             <a:pPr marL="0" lvl="0" indent="0" algn="l" rtl="0">
               <a:spcBef>
                 <a:spcPts val="1100"/>
@@ -2835,11 +2920,6 @@
         </p:txBody>
       </p:sp>
     </p:spTree>
-    <p:extLst>
-      <p:ext uri="{BB962C8B-B14F-4D97-AF65-F5344CB8AC3E}">
-        <p14:creationId xmlns:p14="http://schemas.microsoft.com/office/powerpoint/2010/main" val="1498149205"/>
-      </p:ext>
-    </p:extLst>
   </p:cSld>
   <p:clrMapOvr>
     <a:masterClrMapping/>
@@ -2984,6 +3064,161 @@
             <a:fld id="{00000000-1234-1234-1234-123412341234}" type="slidenum">
               <a:rPr lang="en-US"/>
               <a:t>14</a:t>
+            </a:fld>
+            <a:endParaRPr/>
+          </a:p>
+        </p:txBody>
+      </p:sp>
+    </p:spTree>
+    <p:extLst>
+      <p:ext uri="{BB962C8B-B14F-4D97-AF65-F5344CB8AC3E}">
+        <p14:creationId xmlns:p14="http://schemas.microsoft.com/office/powerpoint/2010/main" val="1498149205"/>
+      </p:ext>
+    </p:extLst>
+  </p:cSld>
+  <p:clrMapOvr>
+    <a:masterClrMapping/>
+  </p:clrMapOvr>
+</p:notes>
+</file>
+
+<file path=ppt/notesSlides/notesSlide15.xml><?xml version="1.0" encoding="utf-8"?>
+<p:notes xmlns:a="http://schemas.openxmlformats.org/drawingml/2006/main" xmlns:r="http://schemas.openxmlformats.org/officeDocument/2006/relationships" xmlns:p="http://schemas.openxmlformats.org/presentationml/2006/main" showMasterSp="0" showMasterPhAnim="0">
+  <p:cSld>
+    <p:spTree>
+      <p:nvGrpSpPr>
+        <p:cNvPr id="1" name="Shape 277"/>
+        <p:cNvGrpSpPr/>
+        <p:nvPr/>
+      </p:nvGrpSpPr>
+      <p:grpSpPr>
+        <a:xfrm>
+          <a:off x="0" y="0"/>
+          <a:ext cx="0" cy="0"/>
+          <a:chOff x="0" y="0"/>
+          <a:chExt cx="0" cy="0"/>
+        </a:xfrm>
+      </p:grpSpPr>
+      <p:sp>
+        <p:nvSpPr>
+          <p:cNvPr id="278" name="Google Shape;278;g509d03fa30_2_6:notes"/>
+          <p:cNvSpPr>
+            <a:spLocks noGrp="1" noRot="1" noChangeAspect="1"/>
+          </p:cNvSpPr>
+          <p:nvPr>
+            <p:ph type="sldImg" idx="2"/>
+          </p:nvPr>
+        </p:nvSpPr>
+        <p:spPr>
+          <a:xfrm>
+            <a:off x="685800" y="1143000"/>
+            <a:ext cx="5486400" cy="3086100"/>
+          </a:xfrm>
+          <a:custGeom>
+            <a:avLst/>
+            <a:gdLst/>
+            <a:ahLst/>
+            <a:cxnLst/>
+            <a:rect l="l" t="t" r="r" b="b"/>
+            <a:pathLst>
+              <a:path w="120000" h="120000" extrusionOk="0">
+                <a:moveTo>
+                  <a:pt x="0" y="0"/>
+                </a:moveTo>
+                <a:lnTo>
+                  <a:pt x="120000" y="0"/>
+                </a:lnTo>
+                <a:lnTo>
+                  <a:pt x="120000" y="120000"/>
+                </a:lnTo>
+                <a:lnTo>
+                  <a:pt x="0" y="120000"/>
+                </a:lnTo>
+                <a:close/>
+              </a:path>
+            </a:pathLst>
+          </a:custGeom>
+        </p:spPr>
+      </p:sp>
+      <p:sp>
+        <p:nvSpPr>
+          <p:cNvPr id="279" name="Google Shape;279;g509d03fa30_2_6:notes"/>
+          <p:cNvSpPr txBox="1">
+            <a:spLocks noGrp="1"/>
+          </p:cNvSpPr>
+          <p:nvPr>
+            <p:ph type="body" idx="1"/>
+          </p:nvPr>
+        </p:nvSpPr>
+        <p:spPr>
+          <a:xfrm>
+            <a:off x="685800" y="4400550"/>
+            <a:ext cx="5486400" cy="3600600"/>
+          </a:xfrm>
+          <a:prstGeom prst="rect">
+            <a:avLst/>
+          </a:prstGeom>
+        </p:spPr>
+        <p:txBody>
+          <a:bodyPr spcFirstLastPara="1" wrap="square" lIns="91425" tIns="45700" rIns="91425" bIns="45700" anchor="t" anchorCtr="0">
+            <a:noAutofit/>
+          </a:bodyPr>
+          <a:lstStyle/>
+          <a:p>
+            <a:pPr marL="0" lvl="0" indent="0" algn="l" rtl="0">
+              <a:spcBef>
+                <a:spcPts val="1100"/>
+              </a:spcBef>
+              <a:spcAft>
+                <a:spcPts val="0"/>
+              </a:spcAft>
+              <a:buNone/>
+            </a:pPr>
+            <a:endParaRPr dirty="0"/>
+          </a:p>
+        </p:txBody>
+      </p:sp>
+      <p:sp>
+        <p:nvSpPr>
+          <p:cNvPr id="280" name="Google Shape;280;g509d03fa30_2_6:notes"/>
+          <p:cNvSpPr txBox="1">
+            <a:spLocks noGrp="1"/>
+          </p:cNvSpPr>
+          <p:nvPr>
+            <p:ph type="sldNum" idx="12"/>
+          </p:nvPr>
+        </p:nvSpPr>
+        <p:spPr>
+          <a:xfrm>
+            <a:off x="3884613" y="8685213"/>
+            <a:ext cx="2971800" cy="458700"/>
+          </a:xfrm>
+          <a:prstGeom prst="rect">
+            <a:avLst/>
+          </a:prstGeom>
+        </p:spPr>
+        <p:txBody>
+          <a:bodyPr spcFirstLastPara="1" wrap="square" lIns="91425" tIns="45700" rIns="91425" bIns="45700" anchor="b" anchorCtr="0">
+            <a:noAutofit/>
+          </a:bodyPr>
+          <a:lstStyle/>
+          <a:p>
+            <a:pPr marL="0" lvl="0" indent="0" algn="r" rtl="0">
+              <a:spcBef>
+                <a:spcPts val="0"/>
+              </a:spcBef>
+              <a:spcAft>
+                <a:spcPts val="0"/>
+              </a:spcAft>
+              <a:buClr>
+                <a:srgbClr val="000000"/>
+              </a:buClr>
+              <a:buFont typeface="Arial"/>
+              <a:buNone/>
+            </a:pPr>
+            <a:fld id="{00000000-1234-1234-1234-123412341234}" type="slidenum">
+              <a:rPr lang="en-US"/>
+              <a:t>15</a:t>
             </a:fld>
             <a:endParaRPr/>
           </a:p>
@@ -3944,6 +4179,121 @@
   <p:cSld>
     <p:spTree>
       <p:nvGrpSpPr>
+        <p:cNvPr id="1" name="Shape 231"/>
+        <p:cNvGrpSpPr/>
+        <p:nvPr/>
+      </p:nvGrpSpPr>
+      <p:grpSpPr>
+        <a:xfrm>
+          <a:off x="0" y="0"/>
+          <a:ext cx="0" cy="0"/>
+          <a:chOff x="0" y="0"/>
+          <a:chExt cx="0" cy="0"/>
+        </a:xfrm>
+      </p:grpSpPr>
+      <p:sp>
+        <p:nvSpPr>
+          <p:cNvPr id="232" name="Google Shape;232;g527c8617b6_0_0:notes"/>
+          <p:cNvSpPr txBox="1">
+            <a:spLocks noGrp="1"/>
+          </p:cNvSpPr>
+          <p:nvPr>
+            <p:ph type="body" idx="1"/>
+          </p:nvPr>
+        </p:nvSpPr>
+        <p:spPr>
+          <a:xfrm>
+            <a:off x="685800" y="4400550"/>
+            <a:ext cx="5486400" cy="3600600"/>
+          </a:xfrm>
+          <a:prstGeom prst="rect">
+            <a:avLst/>
+          </a:prstGeom>
+        </p:spPr>
+        <p:txBody>
+          <a:bodyPr spcFirstLastPara="1" wrap="square" lIns="91425" tIns="45700" rIns="91425" bIns="45700" anchor="t" anchorCtr="0">
+            <a:noAutofit/>
+          </a:bodyPr>
+          <a:lstStyle/>
+          <a:p>
+            <a:pPr marL="0" lvl="0" indent="0" algn="l" rtl="0">
+              <a:lnSpc>
+                <a:spcPct val="115000"/>
+              </a:lnSpc>
+              <a:spcBef>
+                <a:spcPts val="0"/>
+              </a:spcBef>
+              <a:spcAft>
+                <a:spcPts val="0"/>
+              </a:spcAft>
+              <a:buNone/>
+            </a:pPr>
+            <a:endParaRPr sz="1400">
+              <a:solidFill>
+                <a:srgbClr val="000000"/>
+              </a:solidFill>
+              <a:latin typeface="Arial"/>
+              <a:ea typeface="Arial"/>
+              <a:cs typeface="Arial"/>
+              <a:sym typeface="Arial"/>
+            </a:endParaRPr>
+          </a:p>
+        </p:txBody>
+      </p:sp>
+      <p:sp>
+        <p:nvSpPr>
+          <p:cNvPr id="233" name="Google Shape;233;g527c8617b6_0_0:notes"/>
+          <p:cNvSpPr>
+            <a:spLocks noGrp="1" noRot="1" noChangeAspect="1"/>
+          </p:cNvSpPr>
+          <p:nvPr>
+            <p:ph type="sldImg" idx="2"/>
+          </p:nvPr>
+        </p:nvSpPr>
+        <p:spPr>
+          <a:xfrm>
+            <a:off x="685800" y="1143000"/>
+            <a:ext cx="5486400" cy="3086100"/>
+          </a:xfrm>
+          <a:custGeom>
+            <a:avLst/>
+            <a:gdLst/>
+            <a:ahLst/>
+            <a:cxnLst/>
+            <a:rect l="l" t="t" r="r" b="b"/>
+            <a:pathLst>
+              <a:path w="120000" h="120000" extrusionOk="0">
+                <a:moveTo>
+                  <a:pt x="0" y="0"/>
+                </a:moveTo>
+                <a:lnTo>
+                  <a:pt x="120000" y="0"/>
+                </a:lnTo>
+                <a:lnTo>
+                  <a:pt x="120000" y="120000"/>
+                </a:lnTo>
+                <a:lnTo>
+                  <a:pt x="0" y="120000"/>
+                </a:lnTo>
+                <a:close/>
+              </a:path>
+            </a:pathLst>
+          </a:custGeom>
+        </p:spPr>
+      </p:sp>
+    </p:spTree>
+  </p:cSld>
+  <p:clrMapOvr>
+    <a:masterClrMapping/>
+  </p:clrMapOvr>
+</p:notes>
+</file>
+
+<file path=ppt/notesSlides/notesSlide7.xml><?xml version="1.0" encoding="utf-8"?>
+<p:notes xmlns:a="http://schemas.openxmlformats.org/drawingml/2006/main" xmlns:r="http://schemas.openxmlformats.org/officeDocument/2006/relationships" xmlns:p="http://schemas.openxmlformats.org/presentationml/2006/main" showMasterSp="0" showMasterPhAnim="0">
+  <p:cSld>
+    <p:spTree>
+      <p:nvGrpSpPr>
         <p:cNvPr id="1" name="Shape 230"/>
         <p:cNvGrpSpPr/>
         <p:nvPr/>
@@ -4606,7 +4956,7 @@
 </p:notes>
 </file>
 
-<file path=ppt/notesSlides/notesSlide7.xml><?xml version="1.0" encoding="utf-8"?>
+<file path=ppt/notesSlides/notesSlide8.xml><?xml version="1.0" encoding="utf-8"?>
 <p:notes xmlns:a="http://schemas.openxmlformats.org/drawingml/2006/main" xmlns:r="http://schemas.openxmlformats.org/officeDocument/2006/relationships" xmlns:p="http://schemas.openxmlformats.org/presentationml/2006/main" showMasterSp="0" showMasterPhAnim="0">
   <p:cSld>
     <p:spTree>
@@ -4873,7 +5223,7 @@
 </p:notes>
 </file>
 
-<file path=ppt/notesSlides/notesSlide8.xml><?xml version="1.0" encoding="utf-8"?>
+<file path=ppt/notesSlides/notesSlide9.xml><?xml version="1.0" encoding="utf-8"?>
 <p:notes xmlns:a="http://schemas.openxmlformats.org/drawingml/2006/main" xmlns:r="http://schemas.openxmlformats.org/officeDocument/2006/relationships" xmlns:p="http://schemas.openxmlformats.org/presentationml/2006/main" showMasterSp="0" showMasterPhAnim="0">
   <p:cSld>
     <p:spTree>
@@ -5038,240 +5388,6 @@
       <p:sp>
         <p:nvSpPr>
           <p:cNvPr id="250" name="Google Shape;250;g5076864104_0_148:notes"/>
-          <p:cNvSpPr>
-            <a:spLocks noGrp="1" noRot="1" noChangeAspect="1"/>
-          </p:cNvSpPr>
-          <p:nvPr>
-            <p:ph type="sldImg" idx="2"/>
-          </p:nvPr>
-        </p:nvSpPr>
-        <p:spPr>
-          <a:xfrm>
-            <a:off x="685800" y="1143000"/>
-            <a:ext cx="5486400" cy="3086100"/>
-          </a:xfrm>
-          <a:custGeom>
-            <a:avLst/>
-            <a:gdLst/>
-            <a:ahLst/>
-            <a:cxnLst/>
-            <a:rect l="l" t="t" r="r" b="b"/>
-            <a:pathLst>
-              <a:path w="120000" h="120000" extrusionOk="0">
-                <a:moveTo>
-                  <a:pt x="0" y="0"/>
-                </a:moveTo>
-                <a:lnTo>
-                  <a:pt x="120000" y="0"/>
-                </a:lnTo>
-                <a:lnTo>
-                  <a:pt x="120000" y="120000"/>
-                </a:lnTo>
-                <a:lnTo>
-                  <a:pt x="0" y="120000"/>
-                </a:lnTo>
-                <a:close/>
-              </a:path>
-            </a:pathLst>
-          </a:custGeom>
-        </p:spPr>
-      </p:sp>
-    </p:spTree>
-  </p:cSld>
-  <p:clrMapOvr>
-    <a:masterClrMapping/>
-  </p:clrMapOvr>
-</p:notes>
-</file>
-
-<file path=ppt/notesSlides/notesSlide9.xml><?xml version="1.0" encoding="utf-8"?>
-<p:notes xmlns:a="http://schemas.openxmlformats.org/drawingml/2006/main" xmlns:r="http://schemas.openxmlformats.org/officeDocument/2006/relationships" xmlns:p="http://schemas.openxmlformats.org/presentationml/2006/main" showMasterSp="0" showMasterPhAnim="0">
-  <p:cSld>
-    <p:spTree>
-      <p:nvGrpSpPr>
-        <p:cNvPr id="1" name="Shape 255"/>
-        <p:cNvGrpSpPr/>
-        <p:nvPr/>
-      </p:nvGrpSpPr>
-      <p:grpSpPr>
-        <a:xfrm>
-          <a:off x="0" y="0"/>
-          <a:ext cx="0" cy="0"/>
-          <a:chOff x="0" y="0"/>
-          <a:chExt cx="0" cy="0"/>
-        </a:xfrm>
-      </p:grpSpPr>
-      <p:sp>
-        <p:nvSpPr>
-          <p:cNvPr id="256" name="Google Shape;256;g500896a7f1_1_104:notes"/>
-          <p:cNvSpPr txBox="1">
-            <a:spLocks noGrp="1"/>
-          </p:cNvSpPr>
-          <p:nvPr>
-            <p:ph type="body" idx="1"/>
-          </p:nvPr>
-        </p:nvSpPr>
-        <p:spPr>
-          <a:xfrm>
-            <a:off x="685800" y="4400550"/>
-            <a:ext cx="5486400" cy="3600600"/>
-          </a:xfrm>
-          <a:prstGeom prst="rect">
-            <a:avLst/>
-          </a:prstGeom>
-        </p:spPr>
-        <p:txBody>
-          <a:bodyPr spcFirstLastPara="1" wrap="square" lIns="91425" tIns="45700" rIns="91425" bIns="45700" anchor="t" anchorCtr="0">
-            <a:noAutofit/>
-          </a:bodyPr>
-          <a:lstStyle/>
-          <a:p>
-            <a:pPr marL="0" lvl="0" indent="0" algn="l" rtl="0">
-              <a:lnSpc>
-                <a:spcPct val="115000"/>
-              </a:lnSpc>
-              <a:spcBef>
-                <a:spcPts val="0"/>
-              </a:spcBef>
-              <a:spcAft>
-                <a:spcPts val="0"/>
-              </a:spcAft>
-              <a:buClr>
-                <a:srgbClr val="000000"/>
-              </a:buClr>
-              <a:buSzPts val="1100"/>
-              <a:buFont typeface="Arial"/>
-              <a:buNone/>
-            </a:pPr>
-            <a:r>
-              <a:rPr lang="en-US" sz="1200" u="none" dirty="0">
-                <a:solidFill>
-                  <a:schemeClr val="accent1"/>
-                </a:solidFill>
-                <a:latin typeface="Lato"/>
-                <a:ea typeface="Lato"/>
-                <a:cs typeface="Lato"/>
-                <a:sym typeface="Lato"/>
-              </a:rPr>
-              <a:t>UPDATE  </a:t>
-            </a:r>
-            <a:r>
-              <a:rPr lang="en-US" sz="1200" u="none" dirty="0" err="1">
-                <a:solidFill>
-                  <a:schemeClr val="accent1"/>
-                </a:solidFill>
-                <a:latin typeface="Lato"/>
-                <a:ea typeface="Lato"/>
-                <a:cs typeface="Lato"/>
-                <a:sym typeface="Lato"/>
-              </a:rPr>
-              <a:t>classicmodels.customers</a:t>
-            </a:r>
-            <a:r>
-              <a:rPr lang="en-US" sz="1200" u="none" dirty="0">
-                <a:solidFill>
-                  <a:schemeClr val="accent1"/>
-                </a:solidFill>
-                <a:latin typeface="Lato"/>
-                <a:ea typeface="Lato"/>
-                <a:cs typeface="Lato"/>
-                <a:sym typeface="Lato"/>
-              </a:rPr>
-              <a:t> </a:t>
-            </a:r>
-          </a:p>
-          <a:p>
-            <a:pPr marL="0" lvl="0" indent="0" algn="l" rtl="0">
-              <a:lnSpc>
-                <a:spcPct val="115000"/>
-              </a:lnSpc>
-              <a:spcBef>
-                <a:spcPts val="0"/>
-              </a:spcBef>
-              <a:spcAft>
-                <a:spcPts val="0"/>
-              </a:spcAft>
-              <a:buClr>
-                <a:srgbClr val="000000"/>
-              </a:buClr>
-              <a:buSzPts val="1100"/>
-              <a:buFont typeface="Arial"/>
-              <a:buNone/>
-            </a:pPr>
-            <a:r>
-              <a:rPr lang="en-US" sz="1200" u="none" dirty="0">
-                <a:solidFill>
-                  <a:schemeClr val="accent1"/>
-                </a:solidFill>
-                <a:latin typeface="Lato"/>
-                <a:ea typeface="Lato"/>
-                <a:cs typeface="Lato"/>
-                <a:sym typeface="Lato"/>
-              </a:rPr>
-              <a:t>SET city = 'Omaha', state = 'NE’</a:t>
-            </a:r>
-          </a:p>
-          <a:p>
-            <a:pPr marL="0" lvl="0" indent="0" algn="l" rtl="0">
-              <a:lnSpc>
-                <a:spcPct val="115000"/>
-              </a:lnSpc>
-              <a:spcBef>
-                <a:spcPts val="0"/>
-              </a:spcBef>
-              <a:spcAft>
-                <a:spcPts val="0"/>
-              </a:spcAft>
-              <a:buClr>
-                <a:srgbClr val="000000"/>
-              </a:buClr>
-              <a:buSzPts val="1100"/>
-              <a:buFont typeface="Arial"/>
-              <a:buNone/>
-            </a:pPr>
-            <a:r>
-              <a:rPr lang="en-US" sz="1200" u="none" dirty="0">
-                <a:solidFill>
-                  <a:schemeClr val="accent1"/>
-                </a:solidFill>
-                <a:latin typeface="Lato"/>
-                <a:ea typeface="Lato"/>
-                <a:cs typeface="Lato"/>
-                <a:sym typeface="Lato"/>
-              </a:rPr>
-              <a:t>WHERE </a:t>
-            </a:r>
-            <a:r>
-              <a:rPr lang="en-US" sz="1200" u="none" dirty="0" err="1">
-                <a:solidFill>
-                  <a:schemeClr val="accent1"/>
-                </a:solidFill>
-                <a:latin typeface="Lato"/>
-                <a:ea typeface="Lato"/>
-                <a:cs typeface="Lato"/>
-                <a:sym typeface="Lato"/>
-              </a:rPr>
-              <a:t>customer_number</a:t>
-            </a:r>
-            <a:r>
-              <a:rPr lang="en-US" sz="1200" u="none" dirty="0">
-                <a:solidFill>
-                  <a:schemeClr val="accent1"/>
-                </a:solidFill>
-                <a:latin typeface="Lato"/>
-                <a:ea typeface="Lato"/>
-                <a:cs typeface="Lato"/>
-                <a:sym typeface="Lato"/>
-              </a:rPr>
-              <a:t> = 103;</a:t>
-            </a:r>
-            <a:endParaRPr u="none" dirty="0"/>
-          </a:p>
-        </p:txBody>
-      </p:sp>
-      <p:sp>
-        <p:nvSpPr>
-          <p:cNvPr id="257" name="Google Shape;257;g500896a7f1_1_104:notes"/>
           <p:cNvSpPr>
             <a:spLocks noGrp="1" noRot="1" noChangeAspect="1"/>
           </p:cNvSpPr>
@@ -12127,6 +12243,638 @@
   <p:cSld>
     <p:spTree>
       <p:nvGrpSpPr>
+        <p:cNvPr id="1" name="Shape 258"/>
+        <p:cNvGrpSpPr/>
+        <p:nvPr/>
+      </p:nvGrpSpPr>
+      <p:grpSpPr>
+        <a:xfrm>
+          <a:off x="0" y="0"/>
+          <a:ext cx="0" cy="0"/>
+          <a:chOff x="0" y="0"/>
+          <a:chExt cx="0" cy="0"/>
+        </a:xfrm>
+      </p:grpSpPr>
+      <p:sp>
+        <p:nvSpPr>
+          <p:cNvPr id="259" name="Google Shape;259;p37"/>
+          <p:cNvSpPr txBox="1">
+            <a:spLocks noGrp="1"/>
+          </p:cNvSpPr>
+          <p:nvPr>
+            <p:ph type="ctrTitle"/>
+          </p:nvPr>
+        </p:nvSpPr>
+        <p:spPr>
+          <a:xfrm>
+            <a:off x="913795" y="609600"/>
+            <a:ext cx="10353900" cy="970500"/>
+          </a:xfrm>
+          <a:prstGeom prst="rect">
+            <a:avLst/>
+          </a:prstGeom>
+          <a:noFill/>
+          <a:ln>
+            <a:noFill/>
+          </a:ln>
+          <a:effectLst>
+            <a:outerShdw blurRad="25400">
+              <a:srgbClr val="000000">
+                <a:alpha val="45880"/>
+              </a:srgbClr>
+            </a:outerShdw>
+          </a:effectLst>
+        </p:spPr>
+        <p:txBody>
+          <a:bodyPr spcFirstLastPara="1" wrap="square" lIns="91425" tIns="45700" rIns="91425" bIns="45700" anchor="ctr" anchorCtr="0">
+            <a:noAutofit/>
+          </a:bodyPr>
+          <a:lstStyle/>
+          <a:p>
+            <a:pPr marL="0" lvl="0" indent="0" algn="l" rtl="0">
+              <a:spcBef>
+                <a:spcPts val="0"/>
+              </a:spcBef>
+              <a:spcAft>
+                <a:spcPts val="0"/>
+              </a:spcAft>
+              <a:buClr>
+                <a:schemeClr val="lt2"/>
+              </a:buClr>
+              <a:buSzPts val="4000"/>
+              <a:buFont typeface="Lustria"/>
+              <a:buNone/>
+            </a:pPr>
+            <a:r>
+              <a:rPr lang="en-US" sz="3600"/>
+              <a:t>Update Existing Values in Table</a:t>
+            </a:r>
+            <a:endParaRPr sz="3600"/>
+          </a:p>
+        </p:txBody>
+      </p:sp>
+      <p:sp>
+        <p:nvSpPr>
+          <p:cNvPr id="260" name="Google Shape;260;p37"/>
+          <p:cNvSpPr txBox="1"/>
+          <p:nvPr/>
+        </p:nvSpPr>
+        <p:spPr>
+          <a:xfrm>
+            <a:off x="1026625" y="1775209"/>
+            <a:ext cx="10715700" cy="3000000"/>
+          </a:xfrm>
+          <a:prstGeom prst="rect">
+            <a:avLst/>
+          </a:prstGeom>
+          <a:noFill/>
+          <a:ln>
+            <a:noFill/>
+          </a:ln>
+        </p:spPr>
+        <p:txBody>
+          <a:bodyPr spcFirstLastPara="1" wrap="square" lIns="91425" tIns="91425" rIns="91425" bIns="91425" anchor="t" anchorCtr="0">
+            <a:noAutofit/>
+          </a:bodyPr>
+          <a:lstStyle/>
+          <a:p>
+            <a:pPr marL="0" lvl="0" indent="0" algn="l" rtl="0">
+              <a:lnSpc>
+                <a:spcPct val="115000"/>
+              </a:lnSpc>
+              <a:spcBef>
+                <a:spcPts val="0"/>
+              </a:spcBef>
+              <a:spcAft>
+                <a:spcPts val="0"/>
+              </a:spcAft>
+              <a:buNone/>
+            </a:pPr>
+            <a:r>
+              <a:rPr lang="en-US" sz="2000" dirty="0">
+                <a:solidFill>
+                  <a:schemeClr val="accent1"/>
+                </a:solidFill>
+                <a:latin typeface="Lato"/>
+                <a:ea typeface="Lato"/>
+                <a:cs typeface="Lato"/>
+                <a:sym typeface="Lato"/>
+              </a:rPr>
+              <a:t>Purpose -  Update existing (or missing) values based on known changes to the data set/profile.  </a:t>
+            </a:r>
+            <a:endParaRPr dirty="0">
+              <a:solidFill>
+                <a:schemeClr val="accent1"/>
+              </a:solidFill>
+              <a:latin typeface="Lato"/>
+              <a:ea typeface="Lato"/>
+              <a:cs typeface="Lato"/>
+              <a:sym typeface="Lato"/>
+            </a:endParaRPr>
+          </a:p>
+          <a:p>
+            <a:pPr marL="0" lvl="0" indent="0" algn="l" rtl="0">
+              <a:lnSpc>
+                <a:spcPct val="115000"/>
+              </a:lnSpc>
+              <a:spcBef>
+                <a:spcPts val="0"/>
+              </a:spcBef>
+              <a:spcAft>
+                <a:spcPts val="0"/>
+              </a:spcAft>
+              <a:buNone/>
+            </a:pPr>
+            <a:endParaRPr sz="2000" dirty="0">
+              <a:solidFill>
+                <a:schemeClr val="accent1"/>
+              </a:solidFill>
+              <a:latin typeface="Lato"/>
+              <a:ea typeface="Lato"/>
+              <a:cs typeface="Lato"/>
+              <a:sym typeface="Lato"/>
+            </a:endParaRPr>
+          </a:p>
+          <a:p>
+            <a:pPr marL="0" lvl="0" indent="0" algn="l" rtl="0">
+              <a:lnSpc>
+                <a:spcPct val="115000"/>
+              </a:lnSpc>
+              <a:spcBef>
+                <a:spcPts val="0"/>
+              </a:spcBef>
+              <a:spcAft>
+                <a:spcPts val="0"/>
+              </a:spcAft>
+              <a:buClr>
+                <a:srgbClr val="000000"/>
+              </a:buClr>
+              <a:buSzPts val="1100"/>
+              <a:buFont typeface="Arial"/>
+              <a:buNone/>
+            </a:pPr>
+            <a:r>
+              <a:rPr lang="en-US" sz="2000" u="sng" dirty="0">
+                <a:solidFill>
+                  <a:schemeClr val="accent1"/>
+                </a:solidFill>
+                <a:latin typeface="Lato"/>
+                <a:ea typeface="Lato"/>
+                <a:cs typeface="Lato"/>
+                <a:sym typeface="Lato"/>
+              </a:rPr>
+              <a:t>UPDATE</a:t>
+            </a:r>
+            <a:r>
+              <a:rPr lang="en-US" sz="2000" dirty="0">
+                <a:solidFill>
+                  <a:schemeClr val="accent1"/>
+                </a:solidFill>
+                <a:latin typeface="Lato"/>
+                <a:ea typeface="Lato"/>
+                <a:cs typeface="Lato"/>
+                <a:sym typeface="Lato"/>
+              </a:rPr>
+              <a:t>  </a:t>
+            </a:r>
+            <a:r>
+              <a:rPr lang="en-US" sz="2000" dirty="0" err="1">
+                <a:solidFill>
+                  <a:schemeClr val="accent1"/>
+                </a:solidFill>
+                <a:latin typeface="Lato"/>
+                <a:ea typeface="Lato"/>
+                <a:cs typeface="Lato"/>
+                <a:sym typeface="Lato"/>
+              </a:rPr>
+              <a:t>classicmodels.customers</a:t>
+            </a:r>
+            <a:r>
+              <a:rPr lang="en-US" sz="2000" u="sng" dirty="0">
+                <a:solidFill>
+                  <a:schemeClr val="accent1"/>
+                </a:solidFill>
+                <a:latin typeface="Lato"/>
+                <a:ea typeface="Lato"/>
+                <a:cs typeface="Lato"/>
+                <a:sym typeface="Lato"/>
+              </a:rPr>
+              <a:t> </a:t>
+            </a:r>
+            <a:endParaRPr sz="2000" u="sng" dirty="0">
+              <a:solidFill>
+                <a:schemeClr val="accent1"/>
+              </a:solidFill>
+              <a:latin typeface="Lato"/>
+              <a:ea typeface="Lato"/>
+              <a:cs typeface="Lato"/>
+              <a:sym typeface="Lato"/>
+            </a:endParaRPr>
+          </a:p>
+          <a:p>
+            <a:pPr marL="0" lvl="0" indent="0" algn="l" rtl="0">
+              <a:lnSpc>
+                <a:spcPct val="115000"/>
+              </a:lnSpc>
+              <a:spcBef>
+                <a:spcPts val="0"/>
+              </a:spcBef>
+              <a:spcAft>
+                <a:spcPts val="0"/>
+              </a:spcAft>
+              <a:buClr>
+                <a:srgbClr val="000000"/>
+              </a:buClr>
+              <a:buSzPts val="1100"/>
+              <a:buFont typeface="Arial"/>
+              <a:buNone/>
+            </a:pPr>
+            <a:r>
+              <a:rPr lang="en-US" sz="2000" b="1" dirty="0">
+                <a:solidFill>
+                  <a:schemeClr val="accent3">
+                    <a:lumMod val="60000"/>
+                    <a:lumOff val="40000"/>
+                  </a:schemeClr>
+                </a:solidFill>
+                <a:latin typeface="Lato"/>
+                <a:ea typeface="Lato"/>
+                <a:cs typeface="Lato"/>
+                <a:sym typeface="Lato"/>
+              </a:rPr>
+              <a:t>SET city = 'Omaha’</a:t>
+            </a:r>
+            <a:endParaRPr sz="2000" b="1" dirty="0">
+              <a:solidFill>
+                <a:schemeClr val="accent3">
+                  <a:lumMod val="60000"/>
+                  <a:lumOff val="40000"/>
+                </a:schemeClr>
+              </a:solidFill>
+              <a:latin typeface="Lato"/>
+              <a:ea typeface="Lato"/>
+              <a:cs typeface="Lato"/>
+              <a:sym typeface="Lato"/>
+            </a:endParaRPr>
+          </a:p>
+          <a:p>
+            <a:pPr marL="0" lvl="0" indent="0" algn="l" rtl="0">
+              <a:lnSpc>
+                <a:spcPct val="115000"/>
+              </a:lnSpc>
+              <a:spcBef>
+                <a:spcPts val="0"/>
+              </a:spcBef>
+              <a:spcAft>
+                <a:spcPts val="0"/>
+              </a:spcAft>
+              <a:buClr>
+                <a:srgbClr val="000000"/>
+              </a:buClr>
+              <a:buSzPts val="1100"/>
+              <a:buFont typeface="Arial"/>
+              <a:buNone/>
+            </a:pPr>
+            <a:r>
+              <a:rPr lang="en-US" sz="2000" dirty="0">
+                <a:solidFill>
+                  <a:schemeClr val="accent1"/>
+                </a:solidFill>
+                <a:latin typeface="Lato"/>
+                <a:ea typeface="Lato"/>
+                <a:cs typeface="Lato"/>
+                <a:sym typeface="Lato"/>
+              </a:rPr>
+              <a:t>WHERE </a:t>
+            </a:r>
+            <a:r>
+              <a:rPr lang="en-US" sz="2000" dirty="0" err="1">
+                <a:solidFill>
+                  <a:schemeClr val="accent1"/>
+                </a:solidFill>
+                <a:latin typeface="Lato"/>
+                <a:ea typeface="Lato"/>
+                <a:cs typeface="Lato"/>
+                <a:sym typeface="Lato"/>
+              </a:rPr>
+              <a:t>customer_number</a:t>
+            </a:r>
+            <a:r>
+              <a:rPr lang="en-US" sz="2000" dirty="0">
+                <a:solidFill>
+                  <a:schemeClr val="accent1"/>
+                </a:solidFill>
+                <a:latin typeface="Lato"/>
+                <a:ea typeface="Lato"/>
+                <a:cs typeface="Lato"/>
+                <a:sym typeface="Lato"/>
+              </a:rPr>
+              <a:t> = 103;</a:t>
+            </a:r>
+            <a:endParaRPr sz="2000" dirty="0">
+              <a:solidFill>
+                <a:schemeClr val="accent1"/>
+              </a:solidFill>
+              <a:latin typeface="Lato"/>
+              <a:ea typeface="Lato"/>
+              <a:cs typeface="Lato"/>
+              <a:sym typeface="Lato"/>
+            </a:endParaRPr>
+          </a:p>
+          <a:p>
+            <a:pPr marL="0" lvl="0" indent="0" algn="l" rtl="0">
+              <a:lnSpc>
+                <a:spcPct val="115000"/>
+              </a:lnSpc>
+              <a:spcBef>
+                <a:spcPts val="0"/>
+              </a:spcBef>
+              <a:spcAft>
+                <a:spcPts val="0"/>
+              </a:spcAft>
+              <a:buClr>
+                <a:srgbClr val="000000"/>
+              </a:buClr>
+              <a:buSzPts val="1100"/>
+              <a:buFont typeface="Arial"/>
+              <a:buNone/>
+            </a:pPr>
+            <a:endParaRPr lang="en-US" sz="2000" dirty="0">
+              <a:solidFill>
+                <a:schemeClr val="accent1"/>
+              </a:solidFill>
+              <a:latin typeface="Lato"/>
+              <a:ea typeface="Lato"/>
+              <a:cs typeface="Lato"/>
+              <a:sym typeface="Lato"/>
+            </a:endParaRPr>
+          </a:p>
+          <a:p>
+            <a:pPr marL="0" lvl="0" indent="0" algn="l" rtl="0">
+              <a:lnSpc>
+                <a:spcPct val="115000"/>
+              </a:lnSpc>
+              <a:spcBef>
+                <a:spcPts val="0"/>
+              </a:spcBef>
+              <a:spcAft>
+                <a:spcPts val="0"/>
+              </a:spcAft>
+              <a:buClr>
+                <a:srgbClr val="000000"/>
+              </a:buClr>
+              <a:buSzPts val="1100"/>
+              <a:buFont typeface="Arial"/>
+              <a:buNone/>
+            </a:pPr>
+            <a:endParaRPr sz="2000" dirty="0">
+              <a:solidFill>
+                <a:schemeClr val="accent1"/>
+              </a:solidFill>
+              <a:latin typeface="Lato"/>
+              <a:ea typeface="Lato"/>
+              <a:cs typeface="Lato"/>
+              <a:sym typeface="Lato"/>
+            </a:endParaRPr>
+          </a:p>
+          <a:p>
+            <a:pPr marL="0" lvl="0" indent="0" algn="l" rtl="0">
+              <a:lnSpc>
+                <a:spcPct val="115000"/>
+              </a:lnSpc>
+              <a:spcBef>
+                <a:spcPts val="0"/>
+              </a:spcBef>
+              <a:spcAft>
+                <a:spcPts val="0"/>
+              </a:spcAft>
+              <a:buNone/>
+            </a:pPr>
+            <a:r>
+              <a:rPr lang="en-US" sz="2000" u="sng" dirty="0">
+                <a:solidFill>
+                  <a:schemeClr val="accent1"/>
+                </a:solidFill>
+                <a:latin typeface="Lato"/>
+                <a:ea typeface="Lato"/>
+                <a:cs typeface="Lato"/>
+                <a:sym typeface="Lato"/>
+              </a:rPr>
+              <a:t>Result</a:t>
+            </a:r>
+            <a:r>
+              <a:rPr lang="en-US" sz="2000" dirty="0">
+                <a:solidFill>
+                  <a:schemeClr val="accent1"/>
+                </a:solidFill>
+                <a:latin typeface="Lato"/>
+                <a:ea typeface="Lato"/>
+                <a:cs typeface="Lato"/>
+                <a:sym typeface="Lato"/>
+              </a:rPr>
+              <a:t>:  Changes the top (Old) record value to bottom (New) values specified in “SET” keyword</a:t>
+            </a:r>
+            <a:endParaRPr sz="2000" dirty="0">
+              <a:solidFill>
+                <a:schemeClr val="accent1"/>
+              </a:solidFill>
+              <a:latin typeface="Lato"/>
+              <a:ea typeface="Lato"/>
+              <a:cs typeface="Lato"/>
+              <a:sym typeface="Lato"/>
+            </a:endParaRPr>
+          </a:p>
+          <a:p>
+            <a:pPr marL="0" lvl="0" indent="0" algn="l" rtl="0">
+              <a:lnSpc>
+                <a:spcPct val="115000"/>
+              </a:lnSpc>
+              <a:spcBef>
+                <a:spcPts val="0"/>
+              </a:spcBef>
+              <a:spcAft>
+                <a:spcPts val="0"/>
+              </a:spcAft>
+              <a:buNone/>
+            </a:pPr>
+            <a:endParaRPr sz="2000" dirty="0">
+              <a:solidFill>
+                <a:schemeClr val="accent1"/>
+              </a:solidFill>
+              <a:latin typeface="Lato"/>
+              <a:ea typeface="Lato"/>
+              <a:cs typeface="Lato"/>
+              <a:sym typeface="Lato"/>
+            </a:endParaRPr>
+          </a:p>
+          <a:p>
+            <a:pPr marL="0" lvl="0" indent="0" algn="l" rtl="0">
+              <a:lnSpc>
+                <a:spcPct val="115000"/>
+              </a:lnSpc>
+              <a:spcBef>
+                <a:spcPts val="0"/>
+              </a:spcBef>
+              <a:spcAft>
+                <a:spcPts val="0"/>
+              </a:spcAft>
+              <a:buNone/>
+            </a:pPr>
+            <a:endParaRPr sz="2000" dirty="0">
+              <a:solidFill>
+                <a:schemeClr val="accent1"/>
+              </a:solidFill>
+              <a:latin typeface="Lato"/>
+              <a:ea typeface="Lato"/>
+              <a:cs typeface="Lato"/>
+              <a:sym typeface="Lato"/>
+            </a:endParaRPr>
+          </a:p>
+          <a:p>
+            <a:pPr marL="0" lvl="0" indent="0" algn="l" rtl="0">
+              <a:lnSpc>
+                <a:spcPct val="115000"/>
+              </a:lnSpc>
+              <a:spcBef>
+                <a:spcPts val="0"/>
+              </a:spcBef>
+              <a:spcAft>
+                <a:spcPts val="0"/>
+              </a:spcAft>
+              <a:buNone/>
+            </a:pPr>
+            <a:endParaRPr sz="2000" dirty="0">
+              <a:solidFill>
+                <a:schemeClr val="accent1"/>
+              </a:solidFill>
+              <a:latin typeface="Lato"/>
+              <a:ea typeface="Lato"/>
+              <a:cs typeface="Lato"/>
+              <a:sym typeface="Lato"/>
+            </a:endParaRPr>
+          </a:p>
+          <a:p>
+            <a:pPr marL="0" lvl="0" indent="0" algn="l" rtl="0">
+              <a:lnSpc>
+                <a:spcPct val="115000"/>
+              </a:lnSpc>
+              <a:spcBef>
+                <a:spcPts val="0"/>
+              </a:spcBef>
+              <a:spcAft>
+                <a:spcPts val="0"/>
+              </a:spcAft>
+              <a:buNone/>
+            </a:pPr>
+            <a:endParaRPr sz="2000" dirty="0">
+              <a:solidFill>
+                <a:schemeClr val="accent1"/>
+              </a:solidFill>
+              <a:latin typeface="Lato"/>
+              <a:ea typeface="Lato"/>
+              <a:cs typeface="Lato"/>
+              <a:sym typeface="Lato"/>
+            </a:endParaRPr>
+          </a:p>
+        </p:txBody>
+      </p:sp>
+      <p:pic>
+        <p:nvPicPr>
+          <p:cNvPr id="2" name="Picture 1">
+            <a:extLst>
+              <a:ext uri="{FF2B5EF4-FFF2-40B4-BE49-F238E27FC236}">
+                <a16:creationId xmlns:a16="http://schemas.microsoft.com/office/drawing/2014/main" id="{EC5C9753-9A4D-463C-8055-4031FF715E06}"/>
+              </a:ext>
+            </a:extLst>
+          </p:cNvPr>
+          <p:cNvPicPr>
+            <a:picLocks noChangeAspect="1"/>
+          </p:cNvPicPr>
+          <p:nvPr/>
+        </p:nvPicPr>
+        <p:blipFill>
+          <a:blip r:embed="rId3"/>
+          <a:stretch>
+            <a:fillRect/>
+          </a:stretch>
+        </p:blipFill>
+        <p:spPr>
+          <a:xfrm>
+            <a:off x="93044" y="4872607"/>
+            <a:ext cx="12098956" cy="806300"/>
+          </a:xfrm>
+          <a:prstGeom prst="rect">
+            <a:avLst/>
+          </a:prstGeom>
+        </p:spPr>
+      </p:pic>
+      <p:sp>
+        <p:nvSpPr>
+          <p:cNvPr id="3" name="Rectangle 2">
+            <a:extLst>
+              <a:ext uri="{FF2B5EF4-FFF2-40B4-BE49-F238E27FC236}">
+                <a16:creationId xmlns:a16="http://schemas.microsoft.com/office/drawing/2014/main" id="{44E59095-7B45-4ED2-8ED0-C52B4B8132E1}"/>
+              </a:ext>
+            </a:extLst>
+          </p:cNvPr>
+          <p:cNvSpPr/>
+          <p:nvPr/>
+        </p:nvSpPr>
+        <p:spPr>
+          <a:xfrm>
+            <a:off x="7315200" y="5112091"/>
+            <a:ext cx="721895" cy="229934"/>
+          </a:xfrm>
+          <a:prstGeom prst="rect">
+            <a:avLst/>
+          </a:prstGeom>
+          <a:noFill/>
+          <a:ln>
+            <a:solidFill>
+              <a:srgbClr val="FFC000"/>
+            </a:solidFill>
+          </a:ln>
+        </p:spPr>
+        <p:style>
+          <a:lnRef idx="2">
+            <a:schemeClr val="accent1">
+              <a:shade val="50000"/>
+            </a:schemeClr>
+          </a:lnRef>
+          <a:fillRef idx="1">
+            <a:schemeClr val="accent1"/>
+          </a:fillRef>
+          <a:effectRef idx="0">
+            <a:schemeClr val="accent1"/>
+          </a:effectRef>
+          <a:fontRef idx="minor">
+            <a:schemeClr val="lt1"/>
+          </a:fontRef>
+        </p:style>
+        <p:txBody>
+          <a:bodyPr rtlCol="0" anchor="ctr"/>
+          <a:lstStyle/>
+          <a:p>
+            <a:pPr algn="ctr"/>
+            <a:endParaRPr lang="en-US">
+              <a:noFill/>
+            </a:endParaRPr>
+          </a:p>
+        </p:txBody>
+      </p:sp>
+    </p:spTree>
+  </p:cSld>
+  <p:clrMapOvr>
+    <a:masterClrMapping/>
+  </p:clrMapOvr>
+</p:sld>
+</file>
+
+<file path=ppt/slides/slide11.xml><?xml version="1.0" encoding="utf-8"?>
+<p:sld xmlns:a="http://schemas.openxmlformats.org/drawingml/2006/main" xmlns:r="http://schemas.openxmlformats.org/officeDocument/2006/relationships" xmlns:p="http://schemas.openxmlformats.org/presentationml/2006/main">
+  <p:cSld>
+    <p:spTree>
+      <p:nvGrpSpPr>
         <p:cNvPr id="1" name="Shape 265"/>
         <p:cNvGrpSpPr/>
         <p:nvPr/>
@@ -12784,7 +13532,7 @@
 </p:sld>
 </file>
 
-<file path=ppt/slides/slide11.xml><?xml version="1.0" encoding="utf-8"?>
+<file path=ppt/slides/slide12.xml><?xml version="1.0" encoding="utf-8"?>
 <p:sld xmlns:a="http://schemas.openxmlformats.org/drawingml/2006/main" xmlns:r="http://schemas.openxmlformats.org/officeDocument/2006/relationships" xmlns:p="http://schemas.openxmlformats.org/presentationml/2006/main">
   <p:cSld>
     <p:spTree>
@@ -13658,7 +14406,7 @@
 </p:sld>
 </file>
 
-<file path=ppt/slides/slide12.xml><?xml version="1.0" encoding="utf-8"?>
+<file path=ppt/slides/slide13.xml><?xml version="1.0" encoding="utf-8"?>
 <p:sld xmlns:a="http://schemas.openxmlformats.org/drawingml/2006/main" xmlns:r="http://schemas.openxmlformats.org/officeDocument/2006/relationships" xmlns:p="http://schemas.openxmlformats.org/presentationml/2006/main">
   <p:cSld>
     <p:spTree>
@@ -14197,7 +14945,7 @@
 </p:sld>
 </file>
 
-<file path=ppt/slides/slide13.xml><?xml version="1.0" encoding="utf-8"?>
+<file path=ppt/slides/slide14.xml><?xml version="1.0" encoding="utf-8"?>
 <p:sld xmlns:a="http://schemas.openxmlformats.org/drawingml/2006/main" xmlns:r="http://schemas.openxmlformats.org/officeDocument/2006/relationships" xmlns:p="http://schemas.openxmlformats.org/presentationml/2006/main">
   <p:cSld>
     <p:spTree>
@@ -14731,7 +15479,7 @@
 </p:sld>
 </file>
 
-<file path=ppt/slides/slide14.xml><?xml version="1.0" encoding="utf-8"?>
+<file path=ppt/slides/slide15.xml><?xml version="1.0" encoding="utf-8"?>
 <p:sld xmlns:a="http://schemas.openxmlformats.org/drawingml/2006/main" xmlns:r="http://schemas.openxmlformats.org/officeDocument/2006/relationships" xmlns:p="http://schemas.openxmlformats.org/presentationml/2006/main">
   <p:cSld>
     <p:spTree>
@@ -16952,6 +17700,364 @@
   <p:cSld>
     <p:spTree>
       <p:nvGrpSpPr>
+        <p:cNvPr id="1" name="Shape 234"/>
+        <p:cNvGrpSpPr/>
+        <p:nvPr/>
+      </p:nvGrpSpPr>
+      <p:grpSpPr>
+        <a:xfrm>
+          <a:off x="0" y="0"/>
+          <a:ext cx="0" cy="0"/>
+          <a:chOff x="0" y="0"/>
+          <a:chExt cx="0" cy="0"/>
+        </a:xfrm>
+      </p:grpSpPr>
+      <p:sp>
+        <p:nvSpPr>
+          <p:cNvPr id="235" name="Google Shape;235;p35"/>
+          <p:cNvSpPr txBox="1">
+            <a:spLocks noGrp="1"/>
+          </p:cNvSpPr>
+          <p:nvPr>
+            <p:ph type="ctrTitle"/>
+          </p:nvPr>
+        </p:nvSpPr>
+        <p:spPr>
+          <a:xfrm>
+            <a:off x="913800" y="609600"/>
+            <a:ext cx="10680000" cy="970500"/>
+          </a:xfrm>
+          <a:prstGeom prst="rect">
+            <a:avLst/>
+          </a:prstGeom>
+          <a:noFill/>
+          <a:ln>
+            <a:noFill/>
+          </a:ln>
+          <a:effectLst>
+            <a:outerShdw blurRad="25400">
+              <a:srgbClr val="000000">
+                <a:alpha val="45880"/>
+              </a:srgbClr>
+            </a:outerShdw>
+          </a:effectLst>
+        </p:spPr>
+        <p:txBody>
+          <a:bodyPr spcFirstLastPara="1" wrap="square" lIns="91425" tIns="45700" rIns="91425" bIns="45700" anchor="ctr" anchorCtr="0">
+            <a:noAutofit/>
+          </a:bodyPr>
+          <a:lstStyle/>
+          <a:p>
+            <a:pPr marL="0" lvl="0" indent="0" algn="l" rtl="0">
+              <a:spcBef>
+                <a:spcPts val="0"/>
+              </a:spcBef>
+              <a:spcAft>
+                <a:spcPts val="0"/>
+              </a:spcAft>
+              <a:buClr>
+                <a:schemeClr val="lt2"/>
+              </a:buClr>
+              <a:buSzPts val="4000"/>
+              <a:buFont typeface="Lustria"/>
+              <a:buNone/>
+            </a:pPr>
+            <a:r>
+              <a:rPr lang="en-US" sz="4800"/>
+              <a:t>SQL Constraints</a:t>
+            </a:r>
+            <a:endParaRPr sz="4800"/>
+          </a:p>
+        </p:txBody>
+      </p:sp>
+      <p:sp>
+        <p:nvSpPr>
+          <p:cNvPr id="236" name="Google Shape;236;p35"/>
+          <p:cNvSpPr txBox="1"/>
+          <p:nvPr/>
+        </p:nvSpPr>
+        <p:spPr>
+          <a:xfrm>
+            <a:off x="548400" y="3421725"/>
+            <a:ext cx="5704800" cy="3131400"/>
+          </a:xfrm>
+          <a:prstGeom prst="rect">
+            <a:avLst/>
+          </a:prstGeom>
+          <a:noFill/>
+          <a:ln>
+            <a:noFill/>
+          </a:ln>
+        </p:spPr>
+        <p:txBody>
+          <a:bodyPr spcFirstLastPara="1" wrap="square" lIns="91425" tIns="91425" rIns="91425" bIns="91425" anchor="ctr" anchorCtr="0">
+            <a:noAutofit/>
+          </a:bodyPr>
+          <a:lstStyle/>
+          <a:p>
+            <a:pPr marL="0" lvl="0" indent="0" algn="l" rtl="0">
+              <a:lnSpc>
+                <a:spcPct val="115000"/>
+              </a:lnSpc>
+              <a:spcBef>
+                <a:spcPts val="0"/>
+              </a:spcBef>
+              <a:spcAft>
+                <a:spcPts val="0"/>
+              </a:spcAft>
+              <a:buNone/>
+            </a:pPr>
+            <a:r>
+              <a:rPr lang="en-US" sz="1800" b="1"/>
+              <a:t> </a:t>
+            </a:r>
+            <a:endParaRPr sz="1800" b="1"/>
+          </a:p>
+          <a:p>
+            <a:pPr marL="0" lvl="0" indent="0" algn="l" rtl="0">
+              <a:lnSpc>
+                <a:spcPct val="100000"/>
+              </a:lnSpc>
+              <a:spcBef>
+                <a:spcPts val="1000"/>
+              </a:spcBef>
+              <a:spcAft>
+                <a:spcPts val="0"/>
+              </a:spcAft>
+              <a:buNone/>
+            </a:pPr>
+            <a:r>
+              <a:rPr lang="en-US" sz="1800" b="1"/>
+              <a:t>NOT NULL Constraint − Ensures that a column cannot have NULL value.</a:t>
+            </a:r>
+            <a:br>
+              <a:rPr lang="en-US" sz="1800" b="1"/>
+            </a:br>
+            <a:br>
+              <a:rPr lang="en-US" sz="1800" b="1"/>
+            </a:br>
+            <a:r>
+              <a:rPr lang="en-US" sz="1800" b="1"/>
+              <a:t>DEFAULT Constraint − Provides a default value for a column when none is specified.</a:t>
+            </a:r>
+            <a:br>
+              <a:rPr lang="en-US" sz="1800" b="1"/>
+            </a:br>
+            <a:br>
+              <a:rPr lang="en-US" sz="1800" b="1"/>
+            </a:br>
+            <a:r>
+              <a:rPr lang="en-US" sz="1800" b="1"/>
+              <a:t>UNIQUE Constraint − Ensures that all values in a column are different.</a:t>
+            </a:r>
+            <a:endParaRPr sz="1800" b="1"/>
+          </a:p>
+          <a:p>
+            <a:pPr marL="0" lvl="0" indent="0" algn="l" rtl="0">
+              <a:lnSpc>
+                <a:spcPct val="100000"/>
+              </a:lnSpc>
+              <a:spcBef>
+                <a:spcPts val="1000"/>
+              </a:spcBef>
+              <a:spcAft>
+                <a:spcPts val="0"/>
+              </a:spcAft>
+              <a:buNone/>
+            </a:pPr>
+            <a:endParaRPr sz="1800" b="1"/>
+          </a:p>
+          <a:p>
+            <a:pPr marL="0" lvl="0" indent="0" algn="l" rtl="0">
+              <a:lnSpc>
+                <a:spcPct val="100000"/>
+              </a:lnSpc>
+              <a:spcBef>
+                <a:spcPts val="1000"/>
+              </a:spcBef>
+              <a:spcAft>
+                <a:spcPts val="0"/>
+              </a:spcAft>
+              <a:buClr>
+                <a:srgbClr val="000000"/>
+              </a:buClr>
+              <a:buSzPts val="1100"/>
+              <a:buFont typeface="Arial"/>
+              <a:buNone/>
+            </a:pPr>
+            <a:r>
+              <a:rPr lang="en-US" sz="1800" b="1"/>
+              <a:t>INDEX − Used to create and retrieve data from the database very quickly.</a:t>
+            </a:r>
+            <a:endParaRPr sz="1800"/>
+          </a:p>
+          <a:p>
+            <a:pPr marL="0" lvl="0" indent="0" algn="l" rtl="0">
+              <a:lnSpc>
+                <a:spcPct val="115000"/>
+              </a:lnSpc>
+              <a:spcBef>
+                <a:spcPts val="1000"/>
+              </a:spcBef>
+              <a:spcAft>
+                <a:spcPts val="0"/>
+              </a:spcAft>
+              <a:buNone/>
+            </a:pPr>
+            <a:br>
+              <a:rPr lang="en-US" sz="1800" b="1"/>
+            </a:br>
+            <a:br>
+              <a:rPr lang="en-US" sz="1800" b="1"/>
+            </a:br>
+            <a:endParaRPr/>
+          </a:p>
+          <a:p>
+            <a:pPr marL="0" lvl="0" indent="0" algn="l" rtl="0">
+              <a:lnSpc>
+                <a:spcPct val="115000"/>
+              </a:lnSpc>
+              <a:spcBef>
+                <a:spcPts val="1000"/>
+              </a:spcBef>
+              <a:spcAft>
+                <a:spcPts val="0"/>
+              </a:spcAft>
+              <a:buNone/>
+            </a:pPr>
+            <a:endParaRPr sz="1000">
+              <a:solidFill>
+                <a:srgbClr val="777777"/>
+              </a:solidFill>
+            </a:endParaRPr>
+          </a:p>
+        </p:txBody>
+      </p:sp>
+      <p:sp>
+        <p:nvSpPr>
+          <p:cNvPr id="237" name="Google Shape;237;p35"/>
+          <p:cNvSpPr txBox="1"/>
+          <p:nvPr/>
+        </p:nvSpPr>
+        <p:spPr>
+          <a:xfrm>
+            <a:off x="548400" y="1866925"/>
+            <a:ext cx="11095200" cy="3000000"/>
+          </a:xfrm>
+          <a:prstGeom prst="rect">
+            <a:avLst/>
+          </a:prstGeom>
+          <a:noFill/>
+          <a:ln>
+            <a:noFill/>
+          </a:ln>
+        </p:spPr>
+        <p:txBody>
+          <a:bodyPr spcFirstLastPara="1" wrap="square" lIns="91425" tIns="91425" rIns="91425" bIns="91425" anchor="t" anchorCtr="0">
+            <a:noAutofit/>
+          </a:bodyPr>
+          <a:lstStyle/>
+          <a:p>
+            <a:pPr marL="0" lvl="0" indent="0" algn="l" rtl="0">
+              <a:spcBef>
+                <a:spcPts val="0"/>
+              </a:spcBef>
+              <a:spcAft>
+                <a:spcPts val="0"/>
+              </a:spcAft>
+              <a:buNone/>
+            </a:pPr>
+            <a:r>
+              <a:rPr lang="en-US" sz="2000">
+                <a:latin typeface="Lato"/>
+                <a:ea typeface="Lato"/>
+                <a:cs typeface="Lato"/>
+                <a:sym typeface="Lato"/>
+              </a:rPr>
+              <a:t>Constraints are the rules enforced on the data columns of a table. These are used to limit the type of data that can go into a table. This ensures the accuracy and reliability of the data in the database. </a:t>
+            </a:r>
+            <a:endParaRPr sz="2000"/>
+          </a:p>
+        </p:txBody>
+      </p:sp>
+      <p:sp>
+        <p:nvSpPr>
+          <p:cNvPr id="238" name="Google Shape;238;p35"/>
+          <p:cNvSpPr txBox="1"/>
+          <p:nvPr/>
+        </p:nvSpPr>
+        <p:spPr>
+          <a:xfrm>
+            <a:off x="5939575" y="2878650"/>
+            <a:ext cx="5976900" cy="3000000"/>
+          </a:xfrm>
+          <a:prstGeom prst="rect">
+            <a:avLst/>
+          </a:prstGeom>
+          <a:noFill/>
+          <a:ln>
+            <a:noFill/>
+          </a:ln>
+        </p:spPr>
+        <p:txBody>
+          <a:bodyPr spcFirstLastPara="1" wrap="square" lIns="91425" tIns="91425" rIns="91425" bIns="91425" anchor="t" anchorCtr="0">
+            <a:noAutofit/>
+          </a:bodyPr>
+          <a:lstStyle/>
+          <a:p>
+            <a:pPr marL="457200" lvl="0" indent="0" algn="l" rtl="0">
+              <a:lnSpc>
+                <a:spcPct val="115000"/>
+              </a:lnSpc>
+              <a:spcBef>
+                <a:spcPts val="0"/>
+              </a:spcBef>
+              <a:spcAft>
+                <a:spcPts val="1000"/>
+              </a:spcAft>
+              <a:buNone/>
+            </a:pPr>
+            <a:r>
+              <a:rPr lang="en-US" sz="1800" b="1"/>
+              <a:t>PRIMARY Key − Uniquely identifies each row/record in a database table.</a:t>
+            </a:r>
+            <a:br>
+              <a:rPr lang="en-US" sz="1800" b="1"/>
+            </a:br>
+            <a:br>
+              <a:rPr lang="en-US" sz="1800" b="1"/>
+            </a:br>
+            <a:r>
+              <a:rPr lang="en-US" sz="1800" b="1"/>
+              <a:t>FOREIGN Key − Uniquely identifies a row/record in any of the given database table.</a:t>
+            </a:r>
+            <a:br>
+              <a:rPr lang="en-US" sz="1800" b="1"/>
+            </a:br>
+            <a:br>
+              <a:rPr lang="en-US" sz="1800" b="1"/>
+            </a:br>
+            <a:r>
+              <a:rPr lang="en-US" sz="1800" b="1"/>
+              <a:t>CHECK Constraint - The CHECK constraint ensures that all the values in a column satisfies certain conditions.</a:t>
+            </a:r>
+            <a:endParaRPr sz="1800"/>
+          </a:p>
+        </p:txBody>
+      </p:sp>
+    </p:spTree>
+  </p:cSld>
+  <p:clrMapOvr>
+    <a:masterClrMapping/>
+  </p:clrMapOvr>
+</p:sld>
+</file>
+
+<file path=ppt/slides/slide7.xml><?xml version="1.0" encoding="utf-8"?>
+<p:sld xmlns:a="http://schemas.openxmlformats.org/drawingml/2006/main" xmlns:r="http://schemas.openxmlformats.org/officeDocument/2006/relationships" xmlns:p="http://schemas.openxmlformats.org/presentationml/2006/main">
+  <p:cSld>
+    <p:spTree>
+      <p:nvGrpSpPr>
         <p:cNvPr id="1" name="Shape 233"/>
         <p:cNvGrpSpPr/>
         <p:nvPr/>
@@ -18304,7 +19410,7 @@
 </p:sld>
 </file>
 
-<file path=ppt/slides/slide7.xml><?xml version="1.0" encoding="utf-8"?>
+<file path=ppt/slides/slide8.xml><?xml version="1.0" encoding="utf-8"?>
 <p:sld xmlns:a="http://schemas.openxmlformats.org/drawingml/2006/main" xmlns:r="http://schemas.openxmlformats.org/officeDocument/2006/relationships" xmlns:p="http://schemas.openxmlformats.org/presentationml/2006/main">
   <p:cSld>
     <p:spTree>
@@ -18818,7 +19924,7 @@
 </p:sld>
 </file>
 
-<file path=ppt/slides/slide8.xml><?xml version="1.0" encoding="utf-8"?>
+<file path=ppt/slides/slide9.xml><?xml version="1.0" encoding="utf-8"?>
 <p:sld xmlns:a="http://schemas.openxmlformats.org/drawingml/2006/main" xmlns:r="http://schemas.openxmlformats.org/officeDocument/2006/relationships" xmlns:p="http://schemas.openxmlformats.org/presentationml/2006/main">
   <p:cSld>
     <p:spTree>
@@ -19629,638 +20735,6 @@
           </a:prstGeom>
         </p:spPr>
       </p:pic>
-    </p:spTree>
-  </p:cSld>
-  <p:clrMapOvr>
-    <a:masterClrMapping/>
-  </p:clrMapOvr>
-</p:sld>
-</file>
-
-<file path=ppt/slides/slide9.xml><?xml version="1.0" encoding="utf-8"?>
-<p:sld xmlns:a="http://schemas.openxmlformats.org/drawingml/2006/main" xmlns:r="http://schemas.openxmlformats.org/officeDocument/2006/relationships" xmlns:p="http://schemas.openxmlformats.org/presentationml/2006/main">
-  <p:cSld>
-    <p:spTree>
-      <p:nvGrpSpPr>
-        <p:cNvPr id="1" name="Shape 258"/>
-        <p:cNvGrpSpPr/>
-        <p:nvPr/>
-      </p:nvGrpSpPr>
-      <p:grpSpPr>
-        <a:xfrm>
-          <a:off x="0" y="0"/>
-          <a:ext cx="0" cy="0"/>
-          <a:chOff x="0" y="0"/>
-          <a:chExt cx="0" cy="0"/>
-        </a:xfrm>
-      </p:grpSpPr>
-      <p:sp>
-        <p:nvSpPr>
-          <p:cNvPr id="259" name="Google Shape;259;p37"/>
-          <p:cNvSpPr txBox="1">
-            <a:spLocks noGrp="1"/>
-          </p:cNvSpPr>
-          <p:nvPr>
-            <p:ph type="ctrTitle"/>
-          </p:nvPr>
-        </p:nvSpPr>
-        <p:spPr>
-          <a:xfrm>
-            <a:off x="913795" y="609600"/>
-            <a:ext cx="10353900" cy="970500"/>
-          </a:xfrm>
-          <a:prstGeom prst="rect">
-            <a:avLst/>
-          </a:prstGeom>
-          <a:noFill/>
-          <a:ln>
-            <a:noFill/>
-          </a:ln>
-          <a:effectLst>
-            <a:outerShdw blurRad="25400">
-              <a:srgbClr val="000000">
-                <a:alpha val="45880"/>
-              </a:srgbClr>
-            </a:outerShdw>
-          </a:effectLst>
-        </p:spPr>
-        <p:txBody>
-          <a:bodyPr spcFirstLastPara="1" wrap="square" lIns="91425" tIns="45700" rIns="91425" bIns="45700" anchor="ctr" anchorCtr="0">
-            <a:noAutofit/>
-          </a:bodyPr>
-          <a:lstStyle/>
-          <a:p>
-            <a:pPr marL="0" lvl="0" indent="0" algn="l" rtl="0">
-              <a:spcBef>
-                <a:spcPts val="0"/>
-              </a:spcBef>
-              <a:spcAft>
-                <a:spcPts val="0"/>
-              </a:spcAft>
-              <a:buClr>
-                <a:schemeClr val="lt2"/>
-              </a:buClr>
-              <a:buSzPts val="4000"/>
-              <a:buFont typeface="Lustria"/>
-              <a:buNone/>
-            </a:pPr>
-            <a:r>
-              <a:rPr lang="en-US" sz="3600"/>
-              <a:t>Update Existing Values in Table</a:t>
-            </a:r>
-            <a:endParaRPr sz="3600"/>
-          </a:p>
-        </p:txBody>
-      </p:sp>
-      <p:sp>
-        <p:nvSpPr>
-          <p:cNvPr id="260" name="Google Shape;260;p37"/>
-          <p:cNvSpPr txBox="1"/>
-          <p:nvPr/>
-        </p:nvSpPr>
-        <p:spPr>
-          <a:xfrm>
-            <a:off x="1026625" y="1775209"/>
-            <a:ext cx="10715700" cy="3000000"/>
-          </a:xfrm>
-          <a:prstGeom prst="rect">
-            <a:avLst/>
-          </a:prstGeom>
-          <a:noFill/>
-          <a:ln>
-            <a:noFill/>
-          </a:ln>
-        </p:spPr>
-        <p:txBody>
-          <a:bodyPr spcFirstLastPara="1" wrap="square" lIns="91425" tIns="91425" rIns="91425" bIns="91425" anchor="t" anchorCtr="0">
-            <a:noAutofit/>
-          </a:bodyPr>
-          <a:lstStyle/>
-          <a:p>
-            <a:pPr marL="0" lvl="0" indent="0" algn="l" rtl="0">
-              <a:lnSpc>
-                <a:spcPct val="115000"/>
-              </a:lnSpc>
-              <a:spcBef>
-                <a:spcPts val="0"/>
-              </a:spcBef>
-              <a:spcAft>
-                <a:spcPts val="0"/>
-              </a:spcAft>
-              <a:buNone/>
-            </a:pPr>
-            <a:r>
-              <a:rPr lang="en-US" sz="2000" dirty="0">
-                <a:solidFill>
-                  <a:schemeClr val="accent1"/>
-                </a:solidFill>
-                <a:latin typeface="Lato"/>
-                <a:ea typeface="Lato"/>
-                <a:cs typeface="Lato"/>
-                <a:sym typeface="Lato"/>
-              </a:rPr>
-              <a:t>Purpose -  Update existing (or missing) values based on known changes to the data set/profile.  </a:t>
-            </a:r>
-            <a:endParaRPr dirty="0">
-              <a:solidFill>
-                <a:schemeClr val="accent1"/>
-              </a:solidFill>
-              <a:latin typeface="Lato"/>
-              <a:ea typeface="Lato"/>
-              <a:cs typeface="Lato"/>
-              <a:sym typeface="Lato"/>
-            </a:endParaRPr>
-          </a:p>
-          <a:p>
-            <a:pPr marL="0" lvl="0" indent="0" algn="l" rtl="0">
-              <a:lnSpc>
-                <a:spcPct val="115000"/>
-              </a:lnSpc>
-              <a:spcBef>
-                <a:spcPts val="0"/>
-              </a:spcBef>
-              <a:spcAft>
-                <a:spcPts val="0"/>
-              </a:spcAft>
-              <a:buNone/>
-            </a:pPr>
-            <a:endParaRPr sz="2000" dirty="0">
-              <a:solidFill>
-                <a:schemeClr val="accent1"/>
-              </a:solidFill>
-              <a:latin typeface="Lato"/>
-              <a:ea typeface="Lato"/>
-              <a:cs typeface="Lato"/>
-              <a:sym typeface="Lato"/>
-            </a:endParaRPr>
-          </a:p>
-          <a:p>
-            <a:pPr marL="0" lvl="0" indent="0" algn="l" rtl="0">
-              <a:lnSpc>
-                <a:spcPct val="115000"/>
-              </a:lnSpc>
-              <a:spcBef>
-                <a:spcPts val="0"/>
-              </a:spcBef>
-              <a:spcAft>
-                <a:spcPts val="0"/>
-              </a:spcAft>
-              <a:buClr>
-                <a:srgbClr val="000000"/>
-              </a:buClr>
-              <a:buSzPts val="1100"/>
-              <a:buFont typeface="Arial"/>
-              <a:buNone/>
-            </a:pPr>
-            <a:r>
-              <a:rPr lang="en-US" sz="2000" u="sng" dirty="0">
-                <a:solidFill>
-                  <a:schemeClr val="accent1"/>
-                </a:solidFill>
-                <a:latin typeface="Lato"/>
-                <a:ea typeface="Lato"/>
-                <a:cs typeface="Lato"/>
-                <a:sym typeface="Lato"/>
-              </a:rPr>
-              <a:t>UPDATE</a:t>
-            </a:r>
-            <a:r>
-              <a:rPr lang="en-US" sz="2000" dirty="0">
-                <a:solidFill>
-                  <a:schemeClr val="accent1"/>
-                </a:solidFill>
-                <a:latin typeface="Lato"/>
-                <a:ea typeface="Lato"/>
-                <a:cs typeface="Lato"/>
-                <a:sym typeface="Lato"/>
-              </a:rPr>
-              <a:t>  </a:t>
-            </a:r>
-            <a:r>
-              <a:rPr lang="en-US" sz="2000" dirty="0" err="1">
-                <a:solidFill>
-                  <a:schemeClr val="accent1"/>
-                </a:solidFill>
-                <a:latin typeface="Lato"/>
-                <a:ea typeface="Lato"/>
-                <a:cs typeface="Lato"/>
-                <a:sym typeface="Lato"/>
-              </a:rPr>
-              <a:t>classicmodels.customers</a:t>
-            </a:r>
-            <a:r>
-              <a:rPr lang="en-US" sz="2000" u="sng" dirty="0">
-                <a:solidFill>
-                  <a:schemeClr val="accent1"/>
-                </a:solidFill>
-                <a:latin typeface="Lato"/>
-                <a:ea typeface="Lato"/>
-                <a:cs typeface="Lato"/>
-                <a:sym typeface="Lato"/>
-              </a:rPr>
-              <a:t> </a:t>
-            </a:r>
-            <a:endParaRPr sz="2000" u="sng" dirty="0">
-              <a:solidFill>
-                <a:schemeClr val="accent1"/>
-              </a:solidFill>
-              <a:latin typeface="Lato"/>
-              <a:ea typeface="Lato"/>
-              <a:cs typeface="Lato"/>
-              <a:sym typeface="Lato"/>
-            </a:endParaRPr>
-          </a:p>
-          <a:p>
-            <a:pPr marL="0" lvl="0" indent="0" algn="l" rtl="0">
-              <a:lnSpc>
-                <a:spcPct val="115000"/>
-              </a:lnSpc>
-              <a:spcBef>
-                <a:spcPts val="0"/>
-              </a:spcBef>
-              <a:spcAft>
-                <a:spcPts val="0"/>
-              </a:spcAft>
-              <a:buClr>
-                <a:srgbClr val="000000"/>
-              </a:buClr>
-              <a:buSzPts val="1100"/>
-              <a:buFont typeface="Arial"/>
-              <a:buNone/>
-            </a:pPr>
-            <a:r>
-              <a:rPr lang="en-US" sz="2000" b="1" dirty="0">
-                <a:solidFill>
-                  <a:schemeClr val="accent3">
-                    <a:lumMod val="60000"/>
-                    <a:lumOff val="40000"/>
-                  </a:schemeClr>
-                </a:solidFill>
-                <a:latin typeface="Lato"/>
-                <a:ea typeface="Lato"/>
-                <a:cs typeface="Lato"/>
-                <a:sym typeface="Lato"/>
-              </a:rPr>
-              <a:t>SET city = 'Omaha’</a:t>
-            </a:r>
-            <a:endParaRPr sz="2000" b="1" dirty="0">
-              <a:solidFill>
-                <a:schemeClr val="accent3">
-                  <a:lumMod val="60000"/>
-                  <a:lumOff val="40000"/>
-                </a:schemeClr>
-              </a:solidFill>
-              <a:latin typeface="Lato"/>
-              <a:ea typeface="Lato"/>
-              <a:cs typeface="Lato"/>
-              <a:sym typeface="Lato"/>
-            </a:endParaRPr>
-          </a:p>
-          <a:p>
-            <a:pPr marL="0" lvl="0" indent="0" algn="l" rtl="0">
-              <a:lnSpc>
-                <a:spcPct val="115000"/>
-              </a:lnSpc>
-              <a:spcBef>
-                <a:spcPts val="0"/>
-              </a:spcBef>
-              <a:spcAft>
-                <a:spcPts val="0"/>
-              </a:spcAft>
-              <a:buClr>
-                <a:srgbClr val="000000"/>
-              </a:buClr>
-              <a:buSzPts val="1100"/>
-              <a:buFont typeface="Arial"/>
-              <a:buNone/>
-            </a:pPr>
-            <a:r>
-              <a:rPr lang="en-US" sz="2000" dirty="0">
-                <a:solidFill>
-                  <a:schemeClr val="accent1"/>
-                </a:solidFill>
-                <a:latin typeface="Lato"/>
-                <a:ea typeface="Lato"/>
-                <a:cs typeface="Lato"/>
-                <a:sym typeface="Lato"/>
-              </a:rPr>
-              <a:t>WHERE </a:t>
-            </a:r>
-            <a:r>
-              <a:rPr lang="en-US" sz="2000" dirty="0" err="1">
-                <a:solidFill>
-                  <a:schemeClr val="accent1"/>
-                </a:solidFill>
-                <a:latin typeface="Lato"/>
-                <a:ea typeface="Lato"/>
-                <a:cs typeface="Lato"/>
-                <a:sym typeface="Lato"/>
-              </a:rPr>
-              <a:t>customer_number</a:t>
-            </a:r>
-            <a:r>
-              <a:rPr lang="en-US" sz="2000" dirty="0">
-                <a:solidFill>
-                  <a:schemeClr val="accent1"/>
-                </a:solidFill>
-                <a:latin typeface="Lato"/>
-                <a:ea typeface="Lato"/>
-                <a:cs typeface="Lato"/>
-                <a:sym typeface="Lato"/>
-              </a:rPr>
-              <a:t> = 103;</a:t>
-            </a:r>
-            <a:endParaRPr sz="2000" dirty="0">
-              <a:solidFill>
-                <a:schemeClr val="accent1"/>
-              </a:solidFill>
-              <a:latin typeface="Lato"/>
-              <a:ea typeface="Lato"/>
-              <a:cs typeface="Lato"/>
-              <a:sym typeface="Lato"/>
-            </a:endParaRPr>
-          </a:p>
-          <a:p>
-            <a:pPr marL="0" lvl="0" indent="0" algn="l" rtl="0">
-              <a:lnSpc>
-                <a:spcPct val="115000"/>
-              </a:lnSpc>
-              <a:spcBef>
-                <a:spcPts val="0"/>
-              </a:spcBef>
-              <a:spcAft>
-                <a:spcPts val="0"/>
-              </a:spcAft>
-              <a:buClr>
-                <a:srgbClr val="000000"/>
-              </a:buClr>
-              <a:buSzPts val="1100"/>
-              <a:buFont typeface="Arial"/>
-              <a:buNone/>
-            </a:pPr>
-            <a:endParaRPr lang="en-US" sz="2000" dirty="0">
-              <a:solidFill>
-                <a:schemeClr val="accent1"/>
-              </a:solidFill>
-              <a:latin typeface="Lato"/>
-              <a:ea typeface="Lato"/>
-              <a:cs typeface="Lato"/>
-              <a:sym typeface="Lato"/>
-            </a:endParaRPr>
-          </a:p>
-          <a:p>
-            <a:pPr marL="0" lvl="0" indent="0" algn="l" rtl="0">
-              <a:lnSpc>
-                <a:spcPct val="115000"/>
-              </a:lnSpc>
-              <a:spcBef>
-                <a:spcPts val="0"/>
-              </a:spcBef>
-              <a:spcAft>
-                <a:spcPts val="0"/>
-              </a:spcAft>
-              <a:buClr>
-                <a:srgbClr val="000000"/>
-              </a:buClr>
-              <a:buSzPts val="1100"/>
-              <a:buFont typeface="Arial"/>
-              <a:buNone/>
-            </a:pPr>
-            <a:endParaRPr sz="2000" dirty="0">
-              <a:solidFill>
-                <a:schemeClr val="accent1"/>
-              </a:solidFill>
-              <a:latin typeface="Lato"/>
-              <a:ea typeface="Lato"/>
-              <a:cs typeface="Lato"/>
-              <a:sym typeface="Lato"/>
-            </a:endParaRPr>
-          </a:p>
-          <a:p>
-            <a:pPr marL="0" lvl="0" indent="0" algn="l" rtl="0">
-              <a:lnSpc>
-                <a:spcPct val="115000"/>
-              </a:lnSpc>
-              <a:spcBef>
-                <a:spcPts val="0"/>
-              </a:spcBef>
-              <a:spcAft>
-                <a:spcPts val="0"/>
-              </a:spcAft>
-              <a:buNone/>
-            </a:pPr>
-            <a:r>
-              <a:rPr lang="en-US" sz="2000" u="sng" dirty="0">
-                <a:solidFill>
-                  <a:schemeClr val="accent1"/>
-                </a:solidFill>
-                <a:latin typeface="Lato"/>
-                <a:ea typeface="Lato"/>
-                <a:cs typeface="Lato"/>
-                <a:sym typeface="Lato"/>
-              </a:rPr>
-              <a:t>Result</a:t>
-            </a:r>
-            <a:r>
-              <a:rPr lang="en-US" sz="2000" dirty="0">
-                <a:solidFill>
-                  <a:schemeClr val="accent1"/>
-                </a:solidFill>
-                <a:latin typeface="Lato"/>
-                <a:ea typeface="Lato"/>
-                <a:cs typeface="Lato"/>
-                <a:sym typeface="Lato"/>
-              </a:rPr>
-              <a:t>:  Changes the top (Old) record value to bottom (New) values specified in “SET” keyword</a:t>
-            </a:r>
-            <a:endParaRPr sz="2000" dirty="0">
-              <a:solidFill>
-                <a:schemeClr val="accent1"/>
-              </a:solidFill>
-              <a:latin typeface="Lato"/>
-              <a:ea typeface="Lato"/>
-              <a:cs typeface="Lato"/>
-              <a:sym typeface="Lato"/>
-            </a:endParaRPr>
-          </a:p>
-          <a:p>
-            <a:pPr marL="0" lvl="0" indent="0" algn="l" rtl="0">
-              <a:lnSpc>
-                <a:spcPct val="115000"/>
-              </a:lnSpc>
-              <a:spcBef>
-                <a:spcPts val="0"/>
-              </a:spcBef>
-              <a:spcAft>
-                <a:spcPts val="0"/>
-              </a:spcAft>
-              <a:buNone/>
-            </a:pPr>
-            <a:endParaRPr sz="2000" dirty="0">
-              <a:solidFill>
-                <a:schemeClr val="accent1"/>
-              </a:solidFill>
-              <a:latin typeface="Lato"/>
-              <a:ea typeface="Lato"/>
-              <a:cs typeface="Lato"/>
-              <a:sym typeface="Lato"/>
-            </a:endParaRPr>
-          </a:p>
-          <a:p>
-            <a:pPr marL="0" lvl="0" indent="0" algn="l" rtl="0">
-              <a:lnSpc>
-                <a:spcPct val="115000"/>
-              </a:lnSpc>
-              <a:spcBef>
-                <a:spcPts val="0"/>
-              </a:spcBef>
-              <a:spcAft>
-                <a:spcPts val="0"/>
-              </a:spcAft>
-              <a:buNone/>
-            </a:pPr>
-            <a:endParaRPr sz="2000" dirty="0">
-              <a:solidFill>
-                <a:schemeClr val="accent1"/>
-              </a:solidFill>
-              <a:latin typeface="Lato"/>
-              <a:ea typeface="Lato"/>
-              <a:cs typeface="Lato"/>
-              <a:sym typeface="Lato"/>
-            </a:endParaRPr>
-          </a:p>
-          <a:p>
-            <a:pPr marL="0" lvl="0" indent="0" algn="l" rtl="0">
-              <a:lnSpc>
-                <a:spcPct val="115000"/>
-              </a:lnSpc>
-              <a:spcBef>
-                <a:spcPts val="0"/>
-              </a:spcBef>
-              <a:spcAft>
-                <a:spcPts val="0"/>
-              </a:spcAft>
-              <a:buNone/>
-            </a:pPr>
-            <a:endParaRPr sz="2000" dirty="0">
-              <a:solidFill>
-                <a:schemeClr val="accent1"/>
-              </a:solidFill>
-              <a:latin typeface="Lato"/>
-              <a:ea typeface="Lato"/>
-              <a:cs typeface="Lato"/>
-              <a:sym typeface="Lato"/>
-            </a:endParaRPr>
-          </a:p>
-          <a:p>
-            <a:pPr marL="0" lvl="0" indent="0" algn="l" rtl="0">
-              <a:lnSpc>
-                <a:spcPct val="115000"/>
-              </a:lnSpc>
-              <a:spcBef>
-                <a:spcPts val="0"/>
-              </a:spcBef>
-              <a:spcAft>
-                <a:spcPts val="0"/>
-              </a:spcAft>
-              <a:buNone/>
-            </a:pPr>
-            <a:endParaRPr sz="2000" dirty="0">
-              <a:solidFill>
-                <a:schemeClr val="accent1"/>
-              </a:solidFill>
-              <a:latin typeface="Lato"/>
-              <a:ea typeface="Lato"/>
-              <a:cs typeface="Lato"/>
-              <a:sym typeface="Lato"/>
-            </a:endParaRPr>
-          </a:p>
-        </p:txBody>
-      </p:sp>
-      <p:pic>
-        <p:nvPicPr>
-          <p:cNvPr id="2" name="Picture 1">
-            <a:extLst>
-              <a:ext uri="{FF2B5EF4-FFF2-40B4-BE49-F238E27FC236}">
-                <a16:creationId xmlns:a16="http://schemas.microsoft.com/office/drawing/2014/main" id="{EC5C9753-9A4D-463C-8055-4031FF715E06}"/>
-              </a:ext>
-            </a:extLst>
-          </p:cNvPr>
-          <p:cNvPicPr>
-            <a:picLocks noChangeAspect="1"/>
-          </p:cNvPicPr>
-          <p:nvPr/>
-        </p:nvPicPr>
-        <p:blipFill>
-          <a:blip r:embed="rId3"/>
-          <a:stretch>
-            <a:fillRect/>
-          </a:stretch>
-        </p:blipFill>
-        <p:spPr>
-          <a:xfrm>
-            <a:off x="93044" y="4872607"/>
-            <a:ext cx="12098956" cy="806300"/>
-          </a:xfrm>
-          <a:prstGeom prst="rect">
-            <a:avLst/>
-          </a:prstGeom>
-        </p:spPr>
-      </p:pic>
-      <p:sp>
-        <p:nvSpPr>
-          <p:cNvPr id="3" name="Rectangle 2">
-            <a:extLst>
-              <a:ext uri="{FF2B5EF4-FFF2-40B4-BE49-F238E27FC236}">
-                <a16:creationId xmlns:a16="http://schemas.microsoft.com/office/drawing/2014/main" id="{44E59095-7B45-4ED2-8ED0-C52B4B8132E1}"/>
-              </a:ext>
-            </a:extLst>
-          </p:cNvPr>
-          <p:cNvSpPr/>
-          <p:nvPr/>
-        </p:nvSpPr>
-        <p:spPr>
-          <a:xfrm>
-            <a:off x="7315200" y="5112091"/>
-            <a:ext cx="721895" cy="229934"/>
-          </a:xfrm>
-          <a:prstGeom prst="rect">
-            <a:avLst/>
-          </a:prstGeom>
-          <a:noFill/>
-          <a:ln>
-            <a:solidFill>
-              <a:srgbClr val="FFC000"/>
-            </a:solidFill>
-          </a:ln>
-        </p:spPr>
-        <p:style>
-          <a:lnRef idx="2">
-            <a:schemeClr val="accent1">
-              <a:shade val="50000"/>
-            </a:schemeClr>
-          </a:lnRef>
-          <a:fillRef idx="1">
-            <a:schemeClr val="accent1"/>
-          </a:fillRef>
-          <a:effectRef idx="0">
-            <a:schemeClr val="accent1"/>
-          </a:effectRef>
-          <a:fontRef idx="minor">
-            <a:schemeClr val="lt1"/>
-          </a:fontRef>
-        </p:style>
-        <p:txBody>
-          <a:bodyPr rtlCol="0" anchor="ctr"/>
-          <a:lstStyle/>
-          <a:p>
-            <a:pPr algn="ctr"/>
-            <a:endParaRPr lang="en-US">
-              <a:noFill/>
-            </a:endParaRPr>
-          </a:p>
-        </p:txBody>
-      </p:sp>
     </p:spTree>
   </p:cSld>
   <p:clrMapOvr>

--- a/Lectures/(3) Extracting & Storing Data.pptx
+++ b/Lectures/(3) Extracting & Storing Data.pptx
@@ -5,7 +5,7 @@
     <p:sldMasterId id="2147483672" r:id="rId1"/>
   </p:sldMasterIdLst>
   <p:notesMasterIdLst>
-    <p:notesMasterId r:id="rId17"/>
+    <p:notesMasterId r:id="rId16"/>
   </p:notesMasterIdLst>
   <p:sldIdLst>
     <p:sldId id="256" r:id="rId2"/>
@@ -21,39 +21,38 @@
     <p:sldId id="267" r:id="rId12"/>
     <p:sldId id="268" r:id="rId13"/>
     <p:sldId id="269" r:id="rId14"/>
-    <p:sldId id="271" r:id="rId15"/>
-    <p:sldId id="272" r:id="rId16"/>
+    <p:sldId id="298" r:id="rId15"/>
   </p:sldIdLst>
   <p:sldSz cx="12192000" cy="6858000"/>
   <p:notesSz cx="6858000" cy="9144000"/>
   <p:embeddedFontLst>
     <p:embeddedFont>
       <p:font typeface="Calibri" panose="020F0502020204030204" pitchFamily="34" charset="0"/>
-      <p:regular r:id="rId18"/>
-      <p:bold r:id="rId19"/>
-      <p:italic r:id="rId20"/>
-      <p:boldItalic r:id="rId21"/>
+      <p:regular r:id="rId17"/>
+      <p:bold r:id="rId18"/>
+      <p:italic r:id="rId19"/>
+      <p:boldItalic r:id="rId20"/>
     </p:embeddedFont>
     <p:embeddedFont>
-      <p:font typeface="Lato" panose="020B0604020202020204" charset="0"/>
-      <p:regular r:id="rId22"/>
-      <p:bold r:id="rId23"/>
-      <p:italic r:id="rId24"/>
-      <p:boldItalic r:id="rId25"/>
+      <p:font typeface="Lato" panose="020F0502020204030203" pitchFamily="34" charset="0"/>
+      <p:regular r:id="rId21"/>
+      <p:bold r:id="rId22"/>
+      <p:italic r:id="rId23"/>
+      <p:boldItalic r:id="rId24"/>
     </p:embeddedFont>
     <p:embeddedFont>
-      <p:font typeface="Raleway" panose="020B0604020202020204" charset="0"/>
-      <p:regular r:id="rId26"/>
-      <p:bold r:id="rId27"/>
-      <p:italic r:id="rId28"/>
-      <p:boldItalic r:id="rId29"/>
+      <p:font typeface="Raleway" pitchFamily="2" charset="0"/>
+      <p:regular r:id="rId25"/>
+      <p:bold r:id="rId26"/>
+      <p:italic r:id="rId27"/>
+      <p:boldItalic r:id="rId28"/>
     </p:embeddedFont>
     <p:embeddedFont>
       <p:font typeface="Verdana" panose="020B0604030504040204" pitchFamily="34" charset="0"/>
-      <p:regular r:id="rId30"/>
-      <p:bold r:id="rId31"/>
-      <p:italic r:id="rId32"/>
-      <p:boldItalic r:id="rId33"/>
+      <p:regular r:id="rId29"/>
+      <p:bold r:id="rId30"/>
+      <p:italic r:id="rId31"/>
+      <p:boldItalic r:id="rId32"/>
     </p:embeddedFont>
   </p:embeddedFontLst>
   <p:defaultTextStyle>
@@ -296,13 +295,43 @@
 <file path=ppt/revisionInfo.xml><?xml version="1.0" encoding="utf-8"?>
 <p1510:revInfo xmlns:a="http://schemas.openxmlformats.org/drawingml/2006/main" xmlns:r="http://schemas.openxmlformats.org/officeDocument/2006/relationships" xmlns:p1510="http://schemas.microsoft.com/office/powerpoint/2015/10/main">
   <p1510:revLst>
-    <p1510:client id="{DB850C8C-EF03-47EF-9891-38054A360123}" v="21" dt="2020-05-26T14:19:46.541"/>
+    <p1510:client id="{4E682352-887D-4C9C-ABA3-1D0EBE0E1B3B}" v="1" dt="2021-10-19T22:08:29.659"/>
   </p1510:revLst>
 </p1510:revInfo>
 </file>
 
 <file path=ppt/changesInfos/changesInfo1.xml><?xml version="1.0" encoding="utf-8"?>
 <pc:chgInfo xmlns:a="http://schemas.openxmlformats.org/drawingml/2006/main" xmlns:r="http://schemas.openxmlformats.org/officeDocument/2006/relationships" xmlns:ac="http://schemas.microsoft.com/office/drawing/2013/main/command" xmlns:pc="http://schemas.microsoft.com/office/powerpoint/2013/main/command">
+  <pc:docChgLst>
+    <pc:chgData name="Jeremy Bergmann" userId="2355ee0d-2b6e-4bfe-a235-383daf8df8e3" providerId="ADAL" clId="{4E682352-887D-4C9C-ABA3-1D0EBE0E1B3B}"/>
+    <pc:docChg chg="addSld delSld modSld">
+      <pc:chgData name="Jeremy Bergmann" userId="2355ee0d-2b6e-4bfe-a235-383daf8df8e3" providerId="ADAL" clId="{4E682352-887D-4C9C-ABA3-1D0EBE0E1B3B}" dt="2021-10-19T22:08:33.391" v="1" actId="2696"/>
+      <pc:docMkLst>
+        <pc:docMk/>
+      </pc:docMkLst>
+      <pc:sldChg chg="del">
+        <pc:chgData name="Jeremy Bergmann" userId="2355ee0d-2b6e-4bfe-a235-383daf8df8e3" providerId="ADAL" clId="{4E682352-887D-4C9C-ABA3-1D0EBE0E1B3B}" dt="2021-10-19T22:08:33.391" v="1" actId="2696"/>
+        <pc:sldMkLst>
+          <pc:docMk/>
+          <pc:sldMk cId="1042471324" sldId="271"/>
+        </pc:sldMkLst>
+      </pc:sldChg>
+      <pc:sldChg chg="del">
+        <pc:chgData name="Jeremy Bergmann" userId="2355ee0d-2b6e-4bfe-a235-383daf8df8e3" providerId="ADAL" clId="{4E682352-887D-4C9C-ABA3-1D0EBE0E1B3B}" dt="2021-10-19T22:08:33.391" v="1" actId="2696"/>
+        <pc:sldMkLst>
+          <pc:docMk/>
+          <pc:sldMk cId="1464790433" sldId="272"/>
+        </pc:sldMkLst>
+      </pc:sldChg>
+      <pc:sldChg chg="add">
+        <pc:chgData name="Jeremy Bergmann" userId="2355ee0d-2b6e-4bfe-a235-383daf8df8e3" providerId="ADAL" clId="{4E682352-887D-4C9C-ABA3-1D0EBE0E1B3B}" dt="2021-10-19T22:08:29.658" v="0"/>
+        <pc:sldMkLst>
+          <pc:docMk/>
+          <pc:sldMk cId="2526615778" sldId="298"/>
+        </pc:sldMkLst>
+      </pc:sldChg>
+    </pc:docChg>
+  </pc:docChgLst>
   <pc:docChgLst>
     <pc:chgData name="Jeremy Bergmann" userId="c2589a63-7d35-4bd4-b1d6-7fbcacc677e5" providerId="ADAL" clId="{DB850C8C-EF03-47EF-9891-38054A360123}"/>
     <pc:docChg chg="undo custSel addSld delSld modSld delMainMaster">
@@ -2932,7 +2961,7 @@
   <p:cSld>
     <p:spTree>
       <p:nvGrpSpPr>
-        <p:cNvPr id="1" name="Shape 277"/>
+        <p:cNvPr id="1" name="Shape 280"/>
         <p:cNvGrpSpPr/>
         <p:nvPr/>
       </p:nvGrpSpPr>
@@ -2946,7 +2975,45 @@
       </p:grpSpPr>
       <p:sp>
         <p:nvSpPr>
-          <p:cNvPr id="278" name="Google Shape;278;g509d03fa30_2_6:notes"/>
+          <p:cNvPr id="281" name="Google Shape;281;g5038ce4af1_0_367:notes"/>
+          <p:cNvSpPr txBox="1">
+            <a:spLocks noGrp="1"/>
+          </p:cNvSpPr>
+          <p:nvPr>
+            <p:ph type="body" idx="1"/>
+          </p:nvPr>
+        </p:nvSpPr>
+        <p:spPr>
+          <a:xfrm>
+            <a:off x="685800" y="4400550"/>
+            <a:ext cx="5486400" cy="3600600"/>
+          </a:xfrm>
+          <a:prstGeom prst="rect">
+            <a:avLst/>
+          </a:prstGeom>
+        </p:spPr>
+        <p:txBody>
+          <a:bodyPr spcFirstLastPara="1" wrap="square" lIns="91425" tIns="45700" rIns="91425" bIns="45700" anchor="t" anchorCtr="0">
+            <a:noAutofit/>
+          </a:bodyPr>
+          <a:lstStyle/>
+          <a:p>
+            <a:pPr marL="0" lvl="0" indent="0" algn="l" rtl="0">
+              <a:spcBef>
+                <a:spcPts val="0"/>
+              </a:spcBef>
+              <a:spcAft>
+                <a:spcPts val="0"/>
+              </a:spcAft>
+              <a:buNone/>
+            </a:pPr>
+            <a:endParaRPr dirty="0"/>
+          </a:p>
+        </p:txBody>
+      </p:sp>
+      <p:sp>
+        <p:nvSpPr>
+          <p:cNvPr id="282" name="Google Shape;282;g5038ce4af1_0_367:notes"/>
           <p:cNvSpPr>
             <a:spLocks noGrp="1" noRot="1" noChangeAspect="1"/>
           </p:cNvSpPr>
@@ -2985,249 +3052,10 @@
           </a:custGeom>
         </p:spPr>
       </p:sp>
-      <p:sp>
-        <p:nvSpPr>
-          <p:cNvPr id="279" name="Google Shape;279;g509d03fa30_2_6:notes"/>
-          <p:cNvSpPr txBox="1">
-            <a:spLocks noGrp="1"/>
-          </p:cNvSpPr>
-          <p:nvPr>
-            <p:ph type="body" idx="1"/>
-          </p:nvPr>
-        </p:nvSpPr>
-        <p:spPr>
-          <a:xfrm>
-            <a:off x="685800" y="4400550"/>
-            <a:ext cx="5486400" cy="3600600"/>
-          </a:xfrm>
-          <a:prstGeom prst="rect">
-            <a:avLst/>
-          </a:prstGeom>
-        </p:spPr>
-        <p:txBody>
-          <a:bodyPr spcFirstLastPara="1" wrap="square" lIns="91425" tIns="45700" rIns="91425" bIns="45700" anchor="t" anchorCtr="0">
-            <a:noAutofit/>
-          </a:bodyPr>
-          <a:lstStyle/>
-          <a:p>
-            <a:pPr marL="0" lvl="0" indent="0" algn="l" rtl="0">
-              <a:spcBef>
-                <a:spcPts val="1100"/>
-              </a:spcBef>
-              <a:spcAft>
-                <a:spcPts val="0"/>
-              </a:spcAft>
-              <a:buNone/>
-            </a:pPr>
-            <a:endParaRPr dirty="0"/>
-          </a:p>
-        </p:txBody>
-      </p:sp>
-      <p:sp>
-        <p:nvSpPr>
-          <p:cNvPr id="280" name="Google Shape;280;g509d03fa30_2_6:notes"/>
-          <p:cNvSpPr txBox="1">
-            <a:spLocks noGrp="1"/>
-          </p:cNvSpPr>
-          <p:nvPr>
-            <p:ph type="sldNum" idx="12"/>
-          </p:nvPr>
-        </p:nvSpPr>
-        <p:spPr>
-          <a:xfrm>
-            <a:off x="3884613" y="8685213"/>
-            <a:ext cx="2971800" cy="458700"/>
-          </a:xfrm>
-          <a:prstGeom prst="rect">
-            <a:avLst/>
-          </a:prstGeom>
-        </p:spPr>
-        <p:txBody>
-          <a:bodyPr spcFirstLastPara="1" wrap="square" lIns="91425" tIns="45700" rIns="91425" bIns="45700" anchor="b" anchorCtr="0">
-            <a:noAutofit/>
-          </a:bodyPr>
-          <a:lstStyle/>
-          <a:p>
-            <a:pPr marL="0" lvl="0" indent="0" algn="r" rtl="0">
-              <a:spcBef>
-                <a:spcPts val="0"/>
-              </a:spcBef>
-              <a:spcAft>
-                <a:spcPts val="0"/>
-              </a:spcAft>
-              <a:buClr>
-                <a:srgbClr val="000000"/>
-              </a:buClr>
-              <a:buFont typeface="Arial"/>
-              <a:buNone/>
-            </a:pPr>
-            <a:fld id="{00000000-1234-1234-1234-123412341234}" type="slidenum">
-              <a:rPr lang="en-US"/>
-              <a:t>14</a:t>
-            </a:fld>
-            <a:endParaRPr/>
-          </a:p>
-        </p:txBody>
-      </p:sp>
     </p:spTree>
     <p:extLst>
       <p:ext uri="{BB962C8B-B14F-4D97-AF65-F5344CB8AC3E}">
-        <p14:creationId xmlns:p14="http://schemas.microsoft.com/office/powerpoint/2010/main" val="1498149205"/>
-      </p:ext>
-    </p:extLst>
-  </p:cSld>
-  <p:clrMapOvr>
-    <a:masterClrMapping/>
-  </p:clrMapOvr>
-</p:notes>
-</file>
-
-<file path=ppt/notesSlides/notesSlide15.xml><?xml version="1.0" encoding="utf-8"?>
-<p:notes xmlns:a="http://schemas.openxmlformats.org/drawingml/2006/main" xmlns:r="http://schemas.openxmlformats.org/officeDocument/2006/relationships" xmlns:p="http://schemas.openxmlformats.org/presentationml/2006/main" showMasterSp="0" showMasterPhAnim="0">
-  <p:cSld>
-    <p:spTree>
-      <p:nvGrpSpPr>
-        <p:cNvPr id="1" name="Shape 277"/>
-        <p:cNvGrpSpPr/>
-        <p:nvPr/>
-      </p:nvGrpSpPr>
-      <p:grpSpPr>
-        <a:xfrm>
-          <a:off x="0" y="0"/>
-          <a:ext cx="0" cy="0"/>
-          <a:chOff x="0" y="0"/>
-          <a:chExt cx="0" cy="0"/>
-        </a:xfrm>
-      </p:grpSpPr>
-      <p:sp>
-        <p:nvSpPr>
-          <p:cNvPr id="278" name="Google Shape;278;g509d03fa30_2_6:notes"/>
-          <p:cNvSpPr>
-            <a:spLocks noGrp="1" noRot="1" noChangeAspect="1"/>
-          </p:cNvSpPr>
-          <p:nvPr>
-            <p:ph type="sldImg" idx="2"/>
-          </p:nvPr>
-        </p:nvSpPr>
-        <p:spPr>
-          <a:xfrm>
-            <a:off x="685800" y="1143000"/>
-            <a:ext cx="5486400" cy="3086100"/>
-          </a:xfrm>
-          <a:custGeom>
-            <a:avLst/>
-            <a:gdLst/>
-            <a:ahLst/>
-            <a:cxnLst/>
-            <a:rect l="l" t="t" r="r" b="b"/>
-            <a:pathLst>
-              <a:path w="120000" h="120000" extrusionOk="0">
-                <a:moveTo>
-                  <a:pt x="0" y="0"/>
-                </a:moveTo>
-                <a:lnTo>
-                  <a:pt x="120000" y="0"/>
-                </a:lnTo>
-                <a:lnTo>
-                  <a:pt x="120000" y="120000"/>
-                </a:lnTo>
-                <a:lnTo>
-                  <a:pt x="0" y="120000"/>
-                </a:lnTo>
-                <a:close/>
-              </a:path>
-            </a:pathLst>
-          </a:custGeom>
-        </p:spPr>
-      </p:sp>
-      <p:sp>
-        <p:nvSpPr>
-          <p:cNvPr id="279" name="Google Shape;279;g509d03fa30_2_6:notes"/>
-          <p:cNvSpPr txBox="1">
-            <a:spLocks noGrp="1"/>
-          </p:cNvSpPr>
-          <p:nvPr>
-            <p:ph type="body" idx="1"/>
-          </p:nvPr>
-        </p:nvSpPr>
-        <p:spPr>
-          <a:xfrm>
-            <a:off x="685800" y="4400550"/>
-            <a:ext cx="5486400" cy="3600600"/>
-          </a:xfrm>
-          <a:prstGeom prst="rect">
-            <a:avLst/>
-          </a:prstGeom>
-        </p:spPr>
-        <p:txBody>
-          <a:bodyPr spcFirstLastPara="1" wrap="square" lIns="91425" tIns="45700" rIns="91425" bIns="45700" anchor="t" anchorCtr="0">
-            <a:noAutofit/>
-          </a:bodyPr>
-          <a:lstStyle/>
-          <a:p>
-            <a:pPr marL="0" lvl="0" indent="0" algn="l" rtl="0">
-              <a:spcBef>
-                <a:spcPts val="1100"/>
-              </a:spcBef>
-              <a:spcAft>
-                <a:spcPts val="0"/>
-              </a:spcAft>
-              <a:buNone/>
-            </a:pPr>
-            <a:endParaRPr dirty="0"/>
-          </a:p>
-        </p:txBody>
-      </p:sp>
-      <p:sp>
-        <p:nvSpPr>
-          <p:cNvPr id="280" name="Google Shape;280;g509d03fa30_2_6:notes"/>
-          <p:cNvSpPr txBox="1">
-            <a:spLocks noGrp="1"/>
-          </p:cNvSpPr>
-          <p:nvPr>
-            <p:ph type="sldNum" idx="12"/>
-          </p:nvPr>
-        </p:nvSpPr>
-        <p:spPr>
-          <a:xfrm>
-            <a:off x="3884613" y="8685213"/>
-            <a:ext cx="2971800" cy="458700"/>
-          </a:xfrm>
-          <a:prstGeom prst="rect">
-            <a:avLst/>
-          </a:prstGeom>
-        </p:spPr>
-        <p:txBody>
-          <a:bodyPr spcFirstLastPara="1" wrap="square" lIns="91425" tIns="45700" rIns="91425" bIns="45700" anchor="b" anchorCtr="0">
-            <a:noAutofit/>
-          </a:bodyPr>
-          <a:lstStyle/>
-          <a:p>
-            <a:pPr marL="0" lvl="0" indent="0" algn="r" rtl="0">
-              <a:spcBef>
-                <a:spcPts val="0"/>
-              </a:spcBef>
-              <a:spcAft>
-                <a:spcPts val="0"/>
-              </a:spcAft>
-              <a:buClr>
-                <a:srgbClr val="000000"/>
-              </a:buClr>
-              <a:buFont typeface="Arial"/>
-              <a:buNone/>
-            </a:pPr>
-            <a:fld id="{00000000-1234-1234-1234-123412341234}" type="slidenum">
-              <a:rPr lang="en-US"/>
-              <a:t>15</a:t>
-            </a:fld>
-            <a:endParaRPr/>
-          </a:p>
-        </p:txBody>
-      </p:sp>
-    </p:spTree>
-    <p:extLst>
-      <p:ext uri="{BB962C8B-B14F-4D97-AF65-F5344CB8AC3E}">
-        <p14:creationId xmlns:p14="http://schemas.microsoft.com/office/powerpoint/2010/main" val="3271899087"/>
+        <p14:creationId xmlns:p14="http://schemas.microsoft.com/office/powerpoint/2010/main" val="1561435724"/>
       </p:ext>
     </p:extLst>
   </p:cSld>
@@ -14950,7 +14778,7 @@
   <p:cSld>
     <p:spTree>
       <p:nvGrpSpPr>
-        <p:cNvPr id="1" name="Shape 281"/>
+        <p:cNvPr id="1" name="Shape 283"/>
         <p:cNvGrpSpPr/>
         <p:nvPr/>
       </p:nvGrpSpPr>
@@ -14962,1078 +14790,57 @@
           <a:chExt cx="0" cy="0"/>
         </a:xfrm>
       </p:grpSpPr>
-      <p:sp>
-        <p:nvSpPr>
-          <p:cNvPr id="282" name="Google Shape;282;p40"/>
-          <p:cNvSpPr txBox="1">
-            <a:spLocks noGrp="1"/>
-          </p:cNvSpPr>
-          <p:nvPr>
-            <p:ph type="ctrTitle"/>
-          </p:nvPr>
-        </p:nvSpPr>
-        <p:spPr>
+      <p:pic>
+        <p:nvPicPr>
+          <p:cNvPr id="1026" name="Picture 2">
+            <a:extLst>
+              <a:ext uri="{FF2B5EF4-FFF2-40B4-BE49-F238E27FC236}">
+                <a16:creationId xmlns:a16="http://schemas.microsoft.com/office/drawing/2014/main" id="{D1755135-1C39-4F3D-8222-7A8A18AA4C5D}"/>
+              </a:ext>
+            </a:extLst>
+          </p:cNvPr>
+          <p:cNvPicPr>
+            <a:picLocks noChangeAspect="1" noChangeArrowheads="1"/>
+          </p:cNvPicPr>
+          <p:nvPr/>
+        </p:nvPicPr>
+        <p:blipFill>
+          <a:blip r:embed="rId3">
+            <a:extLst>
+              <a:ext uri="{28A0092B-C50C-407E-A947-70E740481C1C}">
+                <a14:useLocalDpi xmlns:a14="http://schemas.microsoft.com/office/drawing/2010/main" val="0"/>
+              </a:ext>
+            </a:extLst>
+          </a:blip>
+          <a:srcRect/>
+          <a:stretch>
+            <a:fillRect/>
+          </a:stretch>
+        </p:blipFill>
+        <p:spPr bwMode="auto">
           <a:xfrm>
-            <a:off x="972825" y="697317"/>
-            <a:ext cx="10250700" cy="2219700"/>
+            <a:off x="0" y="0"/>
+            <a:ext cx="12192000" cy="6858000"/>
           </a:xfrm>
           <a:prstGeom prst="rect">
             <a:avLst/>
           </a:prstGeom>
+          <a:noFill/>
+          <a:extLst>
+            <a:ext uri="{909E8E84-426E-40DD-AFC4-6F175D3DCCD1}">
+              <a14:hiddenFill xmlns:a14="http://schemas.microsoft.com/office/drawing/2010/main">
+                <a:solidFill>
+                  <a:srgbClr val="FFFFFF"/>
+                </a:solidFill>
+              </a14:hiddenFill>
+            </a:ext>
+          </a:extLst>
         </p:spPr>
-        <p:txBody>
-          <a:bodyPr spcFirstLastPara="1" wrap="square" lIns="121900" tIns="121900" rIns="121900" bIns="121900" anchor="t" anchorCtr="0">
-            <a:noAutofit/>
-          </a:bodyPr>
-          <a:lstStyle/>
-          <a:p>
-            <a:pPr marL="0" lvl="0" indent="0" algn="l" rtl="0">
-              <a:spcBef>
-                <a:spcPts val="0"/>
-              </a:spcBef>
-              <a:spcAft>
-                <a:spcPts val="0"/>
-              </a:spcAft>
-              <a:buNone/>
-            </a:pPr>
-            <a:r>
-              <a:rPr lang="en-US" sz="4800" dirty="0"/>
-              <a:t>Appendix A – Stored Procedures</a:t>
-            </a:r>
-            <a:endParaRPr sz="4800" dirty="0"/>
-          </a:p>
-        </p:txBody>
-      </p:sp>
-      <p:sp>
-        <p:nvSpPr>
-          <p:cNvPr id="2" name="Rectangle 1">
-            <a:extLst>
-              <a:ext uri="{FF2B5EF4-FFF2-40B4-BE49-F238E27FC236}">
-                <a16:creationId xmlns:a16="http://schemas.microsoft.com/office/drawing/2014/main" id="{BCB4BAF3-50DB-4C6B-8297-FDD3A9D2D227}"/>
-              </a:ext>
-            </a:extLst>
-          </p:cNvPr>
-          <p:cNvSpPr/>
-          <p:nvPr/>
-        </p:nvSpPr>
-        <p:spPr>
-          <a:xfrm>
-            <a:off x="360608" y="1807167"/>
-            <a:ext cx="11552350" cy="4117281"/>
-          </a:xfrm>
-          <a:prstGeom prst="rect">
-            <a:avLst/>
-          </a:prstGeom>
-        </p:spPr>
-        <p:txBody>
-          <a:bodyPr wrap="square">
-            <a:spAutoFit/>
-          </a:bodyPr>
-          <a:lstStyle/>
-          <a:p>
-            <a:pPr>
-              <a:lnSpc>
-                <a:spcPct val="120000"/>
-              </a:lnSpc>
-            </a:pPr>
-            <a:r>
-              <a:rPr lang="en-US" altLang="en-US" sz="2000" b="1" dirty="0">
-                <a:latin typeface="Lato" panose="020B0604020202020204" charset="0"/>
-              </a:rPr>
-              <a:t>Definition:</a:t>
-            </a:r>
-            <a:r>
-              <a:rPr lang="en-US" altLang="en-US" sz="2000" dirty="0">
-                <a:latin typeface="Lato" panose="020B0604020202020204" charset="0"/>
-              </a:rPr>
-              <a:t> routines that do not return values and can take input or output parameters; called explicitly</a:t>
-            </a:r>
-          </a:p>
-          <a:p>
-            <a:pPr>
-              <a:lnSpc>
-                <a:spcPct val="120000"/>
-              </a:lnSpc>
-            </a:pPr>
-            <a:endParaRPr lang="en-US" altLang="en-US" sz="2000" dirty="0">
-              <a:solidFill>
-                <a:srgbClr val="383DBA"/>
-              </a:solidFill>
-              <a:latin typeface="Lato" panose="020B0604020202020204" charset="0"/>
-              <a:ea typeface="ヒラギノ角ゴ Pro W3" pitchFamily="-105" charset="-128"/>
-              <a:cs typeface="Courier New" panose="02070309020205020404" pitchFamily="49" charset="0"/>
-            </a:endParaRPr>
-          </a:p>
-          <a:p>
-            <a:pPr>
-              <a:lnSpc>
-                <a:spcPct val="120000"/>
-              </a:lnSpc>
-            </a:pPr>
-            <a:r>
-              <a:rPr lang="en-US" altLang="en-US" sz="2000" dirty="0">
-                <a:solidFill>
-                  <a:srgbClr val="383DBA"/>
-                </a:solidFill>
-                <a:latin typeface="Lato" panose="020B0604020202020204" charset="0"/>
-                <a:ea typeface="ヒラギノ角ゴ Pro W3" pitchFamily="-105" charset="-128"/>
-                <a:cs typeface="Courier New" panose="02070309020205020404" pitchFamily="49" charset="0"/>
-              </a:rPr>
-              <a:t>CREATE</a:t>
-            </a:r>
-            <a:r>
-              <a:rPr lang="en-US" altLang="en-US" sz="2000" dirty="0">
-                <a:latin typeface="Lato" panose="020B0604020202020204" charset="0"/>
-                <a:cs typeface="Courier New" panose="02070309020205020404" pitchFamily="49" charset="0"/>
-              </a:rPr>
-              <a:t> </a:t>
-            </a:r>
-            <a:r>
-              <a:rPr lang="en-US" altLang="en-US" sz="2000" dirty="0">
-                <a:solidFill>
-                  <a:srgbClr val="383DBA"/>
-                </a:solidFill>
-                <a:latin typeface="Lato" panose="020B0604020202020204" charset="0"/>
-                <a:ea typeface="ヒラギノ角ゴ Pro W3" pitchFamily="-105" charset="-128"/>
-                <a:cs typeface="Courier New" panose="02070309020205020404" pitchFamily="49" charset="0"/>
-              </a:rPr>
-              <a:t>PROCEDURE</a:t>
-            </a:r>
-            <a:r>
-              <a:rPr lang="en-US" altLang="en-US" sz="2000" dirty="0">
-                <a:latin typeface="Lato" panose="020B0604020202020204" charset="0"/>
-                <a:cs typeface="Courier New" panose="02070309020205020404" pitchFamily="49" charset="0"/>
-              </a:rPr>
-              <a:t> </a:t>
-            </a:r>
-            <a:r>
-              <a:rPr lang="en-US" altLang="en-US" sz="2000" dirty="0" err="1">
-                <a:solidFill>
-                  <a:srgbClr val="555555"/>
-                </a:solidFill>
-                <a:latin typeface="Lato" panose="020B0604020202020204" charset="0"/>
-                <a:cs typeface="Courier New" panose="02070309020205020404" pitchFamily="49" charset="0"/>
-              </a:rPr>
-              <a:t>procedure_name</a:t>
-            </a:r>
-            <a:r>
-              <a:rPr lang="en-US" altLang="en-US" sz="2000" dirty="0">
-                <a:solidFill>
-                  <a:srgbClr val="555555"/>
-                </a:solidFill>
-                <a:latin typeface="Lato" panose="020B0604020202020204" charset="0"/>
-                <a:cs typeface="Courier New" panose="02070309020205020404" pitchFamily="49" charset="0"/>
-              </a:rPr>
-              <a:t>(</a:t>
-            </a:r>
-            <a:r>
-              <a:rPr lang="en-US" altLang="en-US" sz="2000" dirty="0">
-                <a:solidFill>
-                  <a:srgbClr val="383DBA"/>
-                </a:solidFill>
-                <a:latin typeface="Lato" panose="020B0604020202020204" charset="0"/>
-                <a:ea typeface="ヒラギノ角ゴ Pro W3" pitchFamily="-105" charset="-128"/>
-                <a:cs typeface="Courier New" panose="02070309020205020404" pitchFamily="49" charset="0"/>
-              </a:rPr>
-              <a:t>IN</a:t>
-            </a:r>
-            <a:r>
-              <a:rPr lang="en-US" altLang="en-US" sz="2000" dirty="0">
-                <a:solidFill>
-                  <a:srgbClr val="555555"/>
-                </a:solidFill>
-                <a:latin typeface="Lato" panose="020B0604020202020204" charset="0"/>
-                <a:cs typeface="Courier New" panose="02070309020205020404" pitchFamily="49" charset="0"/>
-              </a:rPr>
-              <a:t>|</a:t>
-            </a:r>
-            <a:r>
-              <a:rPr lang="en-US" altLang="en-US" sz="2000" dirty="0">
-                <a:solidFill>
-                  <a:srgbClr val="383DBA"/>
-                </a:solidFill>
-                <a:latin typeface="Lato" panose="020B0604020202020204" charset="0"/>
-                <a:ea typeface="ヒラギノ角ゴ Pro W3" pitchFamily="-105" charset="-128"/>
-                <a:cs typeface="Courier New" panose="02070309020205020404" pitchFamily="49" charset="0"/>
-              </a:rPr>
-              <a:t>OUT</a:t>
-            </a:r>
-            <a:r>
-              <a:rPr lang="en-US" altLang="en-US" sz="2000" dirty="0">
-                <a:solidFill>
-                  <a:srgbClr val="555555"/>
-                </a:solidFill>
-                <a:latin typeface="Lato" panose="020B0604020202020204" charset="0"/>
-                <a:cs typeface="Courier New" panose="02070309020205020404" pitchFamily="49" charset="0"/>
-              </a:rPr>
-              <a:t>|</a:t>
-            </a:r>
-            <a:r>
-              <a:rPr lang="en-US" altLang="en-US" sz="2000" dirty="0">
-                <a:solidFill>
-                  <a:srgbClr val="383DBA"/>
-                </a:solidFill>
-                <a:latin typeface="Lato" panose="020B0604020202020204" charset="0"/>
-                <a:ea typeface="ヒラギノ角ゴ Pro W3" pitchFamily="-105" charset="-128"/>
-                <a:cs typeface="Courier New" panose="02070309020205020404" pitchFamily="49" charset="0"/>
-              </a:rPr>
-              <a:t>INOUT</a:t>
-            </a:r>
-            <a:r>
-              <a:rPr lang="en-US" altLang="en-US" sz="2000" dirty="0">
-                <a:latin typeface="Lato" panose="020B0604020202020204" charset="0"/>
-                <a:cs typeface="Courier New" panose="02070309020205020404" pitchFamily="49" charset="0"/>
-              </a:rPr>
-              <a:t> </a:t>
-            </a:r>
-            <a:r>
-              <a:rPr lang="en-US" altLang="en-US" sz="2000" dirty="0" err="1">
-                <a:solidFill>
-                  <a:srgbClr val="555555"/>
-                </a:solidFill>
-                <a:latin typeface="Lato" panose="020B0604020202020204" charset="0"/>
-                <a:cs typeface="Courier New" panose="02070309020205020404" pitchFamily="49" charset="0"/>
-              </a:rPr>
-              <a:t>variable_name</a:t>
-            </a:r>
-            <a:r>
-              <a:rPr lang="en-US" altLang="en-US" sz="2000" dirty="0">
-                <a:solidFill>
-                  <a:srgbClr val="555555"/>
-                </a:solidFill>
-                <a:latin typeface="Lato" panose="020B0604020202020204" charset="0"/>
-                <a:cs typeface="Courier New" panose="02070309020205020404" pitchFamily="49" charset="0"/>
-              </a:rPr>
-              <a:t> </a:t>
-            </a:r>
-            <a:r>
-              <a:rPr lang="en-US" altLang="en-US" sz="2000" dirty="0" err="1">
-                <a:solidFill>
-                  <a:srgbClr val="383DBA"/>
-                </a:solidFill>
-                <a:latin typeface="Lato" panose="020B0604020202020204" charset="0"/>
-                <a:ea typeface="ヒラギノ角ゴ Pro W3" pitchFamily="-105" charset="-128"/>
-                <a:cs typeface="Courier New" panose="02070309020205020404" pitchFamily="49" charset="0"/>
-              </a:rPr>
-              <a:t>data_type</a:t>
-            </a:r>
-            <a:r>
-              <a:rPr lang="en-US" altLang="en-US" sz="2000" dirty="0">
-                <a:solidFill>
-                  <a:srgbClr val="555555"/>
-                </a:solidFill>
-                <a:latin typeface="Lato" panose="020B0604020202020204" charset="0"/>
-                <a:cs typeface="Courier New" panose="02070309020205020404" pitchFamily="49" charset="0"/>
-              </a:rPr>
-              <a:t>, ...)</a:t>
-            </a:r>
-          </a:p>
-          <a:p>
-            <a:pPr>
-              <a:lnSpc>
-                <a:spcPct val="120000"/>
-              </a:lnSpc>
-            </a:pPr>
-            <a:r>
-              <a:rPr lang="en-US" altLang="en-US" sz="2000" dirty="0">
-                <a:solidFill>
-                  <a:srgbClr val="383DBA"/>
-                </a:solidFill>
-                <a:latin typeface="Lato" panose="020B0604020202020204" charset="0"/>
-                <a:ea typeface="ヒラギノ角ゴ Pro W3" pitchFamily="-105" charset="-128"/>
-                <a:cs typeface="Courier New" panose="02070309020205020404" pitchFamily="49" charset="0"/>
-              </a:rPr>
-              <a:t>BEGIN</a:t>
-            </a:r>
-            <a:r>
-              <a:rPr lang="en-US" altLang="en-US" sz="2000" dirty="0">
-                <a:latin typeface="Lato" panose="020B0604020202020204" charset="0"/>
-                <a:cs typeface="Courier New" panose="02070309020205020404" pitchFamily="49" charset="0"/>
-              </a:rPr>
-              <a:t> </a:t>
-            </a:r>
-          </a:p>
-          <a:p>
-            <a:pPr>
-              <a:lnSpc>
-                <a:spcPct val="120000"/>
-              </a:lnSpc>
-            </a:pPr>
-            <a:r>
-              <a:rPr lang="en-US" altLang="en-US" sz="2000" dirty="0">
-                <a:latin typeface="Lato" panose="020B0604020202020204" charset="0"/>
-                <a:cs typeface="Courier New" panose="02070309020205020404" pitchFamily="49" charset="0"/>
-              </a:rPr>
-              <a:t>  </a:t>
-            </a:r>
-            <a:r>
-              <a:rPr lang="en-US" altLang="en-US" sz="2000" dirty="0">
-                <a:solidFill>
-                  <a:srgbClr val="383DBA"/>
-                </a:solidFill>
-                <a:latin typeface="Lato" panose="020B0604020202020204" charset="0"/>
-                <a:ea typeface="ヒラギノ角ゴ Pro W3" pitchFamily="-105" charset="-128"/>
-                <a:cs typeface="Courier New" panose="02070309020205020404" pitchFamily="49" charset="0"/>
-              </a:rPr>
-              <a:t>DECLARE</a:t>
-            </a:r>
-            <a:r>
-              <a:rPr lang="en-US" altLang="en-US" sz="2000" dirty="0">
-                <a:latin typeface="Lato" panose="020B0604020202020204" charset="0"/>
-                <a:cs typeface="Courier New" panose="02070309020205020404" pitchFamily="49" charset="0"/>
-              </a:rPr>
-              <a:t> </a:t>
-            </a:r>
-            <a:r>
-              <a:rPr lang="en-US" altLang="en-US" sz="2000" dirty="0" err="1">
-                <a:solidFill>
-                  <a:srgbClr val="555555"/>
-                </a:solidFill>
-                <a:latin typeface="Lato" panose="020B0604020202020204" charset="0"/>
-                <a:cs typeface="Courier New" panose="02070309020205020404" pitchFamily="49" charset="0"/>
-              </a:rPr>
-              <a:t>variables|cursors|constants</a:t>
-            </a:r>
-            <a:r>
-              <a:rPr lang="en-US" altLang="en-US" sz="2000" dirty="0">
-                <a:solidFill>
-                  <a:srgbClr val="555555"/>
-                </a:solidFill>
-                <a:latin typeface="Lato" panose="020B0604020202020204" charset="0"/>
-                <a:cs typeface="Courier New" panose="02070309020205020404" pitchFamily="49" charset="0"/>
-              </a:rPr>
-              <a:t>;</a:t>
-            </a:r>
-          </a:p>
-          <a:p>
-            <a:pPr>
-              <a:lnSpc>
-                <a:spcPct val="120000"/>
-              </a:lnSpc>
-            </a:pPr>
-            <a:r>
-              <a:rPr lang="en-US" altLang="en-US" sz="2000" dirty="0">
-                <a:latin typeface="Lato" panose="020B0604020202020204" charset="0"/>
-                <a:cs typeface="Courier New" panose="02070309020205020404" pitchFamily="49" charset="0"/>
-              </a:rPr>
-              <a:t>  </a:t>
-            </a:r>
-            <a:r>
-              <a:rPr lang="en-US" altLang="en-US" sz="2000" dirty="0">
-                <a:solidFill>
-                  <a:srgbClr val="555555"/>
-                </a:solidFill>
-                <a:latin typeface="Lato" panose="020B0604020202020204" charset="0"/>
-                <a:cs typeface="Courier New" panose="02070309020205020404" pitchFamily="49" charset="0"/>
-              </a:rPr>
-              <a:t>... Add SQL code here</a:t>
-            </a:r>
-          </a:p>
-          <a:p>
-            <a:pPr>
-              <a:lnSpc>
-                <a:spcPct val="120000"/>
-              </a:lnSpc>
-            </a:pPr>
-            <a:r>
-              <a:rPr lang="en-US" altLang="en-US" sz="2000" dirty="0">
-                <a:solidFill>
-                  <a:srgbClr val="383DBA"/>
-                </a:solidFill>
-                <a:latin typeface="Lato" panose="020B0604020202020204" charset="0"/>
-                <a:ea typeface="ヒラギノ角ゴ Pro W3" pitchFamily="-105" charset="-128"/>
-                <a:cs typeface="Courier New" panose="02070309020205020404" pitchFamily="49" charset="0"/>
-              </a:rPr>
-              <a:t>END</a:t>
-            </a:r>
-            <a:r>
-              <a:rPr lang="en-US" altLang="en-US" sz="2000" dirty="0">
-                <a:solidFill>
-                  <a:srgbClr val="555555"/>
-                </a:solidFill>
-                <a:latin typeface="Lato" panose="020B0604020202020204" charset="0"/>
-                <a:cs typeface="Courier New" panose="02070309020205020404" pitchFamily="49" charset="0"/>
-              </a:rPr>
-              <a:t>$$</a:t>
-            </a:r>
-          </a:p>
-          <a:p>
-            <a:pPr>
-              <a:lnSpc>
-                <a:spcPct val="120000"/>
-              </a:lnSpc>
-            </a:pPr>
-            <a:r>
-              <a:rPr lang="en-US" sz="2000" dirty="0">
-                <a:solidFill>
-                  <a:srgbClr val="383DBA"/>
-                </a:solidFill>
-                <a:latin typeface="Lato" panose="020B0604020202020204" charset="0"/>
-                <a:ea typeface="ヒラギノ角ゴ Pro W3" pitchFamily="-105" charset="-128"/>
-                <a:cs typeface="Courier New" panose="02070309020205020404" pitchFamily="49" charset="0"/>
-              </a:rPr>
-              <a:t>DELIMITER</a:t>
-            </a:r>
-            <a:r>
-              <a:rPr lang="en-US" sz="2000" dirty="0">
-                <a:solidFill>
-                  <a:srgbClr val="555555"/>
-                </a:solidFill>
-                <a:latin typeface="Lato" panose="020B0604020202020204" charset="0"/>
-                <a:cs typeface="Courier New" panose="02070309020205020404" pitchFamily="49" charset="0"/>
-              </a:rPr>
-              <a:t> ;</a:t>
-            </a:r>
-            <a:endParaRPr lang="en-US" altLang="en-US" sz="2000" dirty="0">
-              <a:solidFill>
-                <a:srgbClr val="555555"/>
-              </a:solidFill>
-              <a:latin typeface="Lato" panose="020B0604020202020204" charset="0"/>
-              <a:cs typeface="Courier New" panose="02070309020205020404" pitchFamily="49" charset="0"/>
-            </a:endParaRPr>
-          </a:p>
-          <a:p>
-            <a:pPr>
-              <a:lnSpc>
-                <a:spcPct val="120000"/>
-              </a:lnSpc>
-            </a:pPr>
-            <a:endParaRPr lang="en-US" sz="2000" dirty="0">
-              <a:latin typeface="Lato" panose="020B0604020202020204" charset="0"/>
-              <a:cs typeface="Courier New" panose="02070309020205020404" pitchFamily="49" charset="0"/>
-            </a:endParaRPr>
-          </a:p>
-          <a:p>
-            <a:pPr>
-              <a:lnSpc>
-                <a:spcPct val="120000"/>
-              </a:lnSpc>
-            </a:pPr>
-            <a:r>
-              <a:rPr lang="en-US" altLang="en-US" sz="2000" dirty="0">
-                <a:latin typeface="Lato" panose="020B0604020202020204" charset="0"/>
-              </a:rPr>
-              <a:t>Call the procedure: </a:t>
-            </a:r>
-          </a:p>
-          <a:p>
-            <a:pPr>
-              <a:lnSpc>
-                <a:spcPct val="120000"/>
-              </a:lnSpc>
-            </a:pPr>
-            <a:r>
-              <a:rPr lang="en-US" sz="2000" dirty="0">
-                <a:solidFill>
-                  <a:srgbClr val="383DBA"/>
-                </a:solidFill>
-                <a:latin typeface="Lato" panose="020B0604020202020204" charset="0"/>
-                <a:ea typeface="ヒラギノ角ゴ Pro W3" pitchFamily="-105" charset="-128"/>
-                <a:cs typeface="Courier New" panose="02070309020205020404" pitchFamily="49" charset="0"/>
-              </a:rPr>
-              <a:t>CALL</a:t>
-            </a:r>
-            <a:r>
-              <a:rPr lang="en-US" altLang="en-US" sz="2000" dirty="0">
-                <a:latin typeface="Lato" panose="020B0604020202020204" charset="0"/>
-                <a:cs typeface="Courier New" panose="02070309020205020404" pitchFamily="49" charset="0"/>
-              </a:rPr>
-              <a:t> </a:t>
-            </a:r>
-            <a:r>
-              <a:rPr lang="en-US" altLang="en-US" sz="2000" dirty="0" err="1">
-                <a:solidFill>
-                  <a:srgbClr val="555555"/>
-                </a:solidFill>
-                <a:latin typeface="Lato" panose="020B0604020202020204" charset="0"/>
-                <a:cs typeface="Courier New" panose="02070309020205020404" pitchFamily="49" charset="0"/>
-              </a:rPr>
-              <a:t>procedure_name</a:t>
-            </a:r>
-            <a:r>
-              <a:rPr lang="en-US" altLang="en-US" sz="2000" dirty="0">
-                <a:solidFill>
-                  <a:srgbClr val="555555"/>
-                </a:solidFill>
-                <a:latin typeface="Lato" panose="020B0604020202020204" charset="0"/>
-                <a:cs typeface="Courier New" panose="02070309020205020404" pitchFamily="49" charset="0"/>
-              </a:rPr>
-              <a:t>(variable1, variable2, ...);</a:t>
-            </a:r>
-            <a:endParaRPr lang="en-US" sz="2000" dirty="0">
-              <a:latin typeface="Lato" panose="020B0604020202020204" charset="0"/>
-            </a:endParaRPr>
-          </a:p>
-        </p:txBody>
-      </p:sp>
+      </p:pic>
     </p:spTree>
     <p:extLst>
       <p:ext uri="{BB962C8B-B14F-4D97-AF65-F5344CB8AC3E}">
-        <p14:creationId xmlns:p14="http://schemas.microsoft.com/office/powerpoint/2010/main" val="1042471324"/>
-      </p:ext>
-    </p:extLst>
-  </p:cSld>
-  <p:clrMapOvr>
-    <a:masterClrMapping/>
-  </p:clrMapOvr>
-</p:sld>
-</file>
-
-<file path=ppt/slides/slide15.xml><?xml version="1.0" encoding="utf-8"?>
-<p:sld xmlns:a="http://schemas.openxmlformats.org/drawingml/2006/main" xmlns:r="http://schemas.openxmlformats.org/officeDocument/2006/relationships" xmlns:p="http://schemas.openxmlformats.org/presentationml/2006/main">
-  <p:cSld>
-    <p:spTree>
-      <p:nvGrpSpPr>
-        <p:cNvPr id="1" name="Shape 281"/>
-        <p:cNvGrpSpPr/>
-        <p:nvPr/>
-      </p:nvGrpSpPr>
-      <p:grpSpPr>
-        <a:xfrm>
-          <a:off x="0" y="0"/>
-          <a:ext cx="0" cy="0"/>
-          <a:chOff x="0" y="0"/>
-          <a:chExt cx="0" cy="0"/>
-        </a:xfrm>
-      </p:grpSpPr>
-      <p:sp>
-        <p:nvSpPr>
-          <p:cNvPr id="282" name="Google Shape;282;p40"/>
-          <p:cNvSpPr txBox="1">
-            <a:spLocks noGrp="1"/>
-          </p:cNvSpPr>
-          <p:nvPr>
-            <p:ph type="ctrTitle"/>
-          </p:nvPr>
-        </p:nvSpPr>
-        <p:spPr>
-          <a:xfrm>
-            <a:off x="972825" y="697317"/>
-            <a:ext cx="10250700" cy="2219700"/>
-          </a:xfrm>
-          <a:prstGeom prst="rect">
-            <a:avLst/>
-          </a:prstGeom>
-        </p:spPr>
-        <p:txBody>
-          <a:bodyPr spcFirstLastPara="1" wrap="square" lIns="121900" tIns="121900" rIns="121900" bIns="121900" anchor="t" anchorCtr="0">
-            <a:noAutofit/>
-          </a:bodyPr>
-          <a:lstStyle/>
-          <a:p>
-            <a:pPr marL="0" lvl="0" indent="0" algn="l" rtl="0">
-              <a:spcBef>
-                <a:spcPts val="0"/>
-              </a:spcBef>
-              <a:spcAft>
-                <a:spcPts val="0"/>
-              </a:spcAft>
-              <a:buNone/>
-            </a:pPr>
-            <a:r>
-              <a:rPr lang="en-US" sz="4800" dirty="0"/>
-              <a:t>Appendix B – Functions</a:t>
-            </a:r>
-            <a:endParaRPr sz="4800" dirty="0"/>
-          </a:p>
-        </p:txBody>
-      </p:sp>
-      <p:sp>
-        <p:nvSpPr>
-          <p:cNvPr id="2" name="Rectangle 1">
-            <a:extLst>
-              <a:ext uri="{FF2B5EF4-FFF2-40B4-BE49-F238E27FC236}">
-                <a16:creationId xmlns:a16="http://schemas.microsoft.com/office/drawing/2014/main" id="{BCB4BAF3-50DB-4C6B-8297-FDD3A9D2D227}"/>
-              </a:ext>
-            </a:extLst>
-          </p:cNvPr>
-          <p:cNvSpPr/>
-          <p:nvPr/>
-        </p:nvSpPr>
-        <p:spPr>
-          <a:xfrm>
-            <a:off x="360608" y="1807167"/>
-            <a:ext cx="11552350" cy="4855945"/>
-          </a:xfrm>
-          <a:prstGeom prst="rect">
-            <a:avLst/>
-          </a:prstGeom>
-        </p:spPr>
-        <p:txBody>
-          <a:bodyPr wrap="square">
-            <a:spAutoFit/>
-          </a:bodyPr>
-          <a:lstStyle/>
-          <a:p>
-            <a:pPr>
-              <a:lnSpc>
-                <a:spcPct val="120000"/>
-              </a:lnSpc>
-            </a:pPr>
-            <a:r>
-              <a:rPr lang="en-US" altLang="en-US" sz="2000" b="1" dirty="0">
-                <a:latin typeface="Lato" panose="020B0604020202020204" charset="0"/>
-              </a:rPr>
-              <a:t>Definition:</a:t>
-            </a:r>
-            <a:r>
-              <a:rPr lang="en-US" altLang="en-US" sz="2000" dirty="0">
-                <a:latin typeface="Lato" panose="020B0604020202020204" charset="0"/>
-              </a:rPr>
-              <a:t> routines that return values (usually in select statement) and may take input parameters, called explicitly.</a:t>
-            </a:r>
-          </a:p>
-          <a:p>
-            <a:pPr>
-              <a:lnSpc>
-                <a:spcPct val="120000"/>
-              </a:lnSpc>
-            </a:pPr>
-            <a:endParaRPr lang="en-US" altLang="en-US" sz="2000" dirty="0">
-              <a:latin typeface="Lato" panose="020B0604020202020204" charset="0"/>
-            </a:endParaRPr>
-          </a:p>
-          <a:p>
-            <a:pPr>
-              <a:lnSpc>
-                <a:spcPct val="120000"/>
-              </a:lnSpc>
-            </a:pPr>
-            <a:r>
-              <a:rPr lang="en-US" altLang="en-US" sz="2000" dirty="0">
-                <a:solidFill>
-                  <a:srgbClr val="383DBA"/>
-                </a:solidFill>
-                <a:latin typeface="Lato" panose="020B0604020202020204" charset="0"/>
-                <a:ea typeface="ヒラギノ角ゴ Pro W3" pitchFamily="-105" charset="-128"/>
-                <a:cs typeface="Courier New" panose="02070309020205020404" pitchFamily="49" charset="0"/>
-              </a:rPr>
-              <a:t>CREATE</a:t>
-            </a:r>
-            <a:r>
-              <a:rPr lang="en-US" altLang="en-US" sz="2000" dirty="0">
-                <a:latin typeface="Lato" panose="020B0604020202020204" charset="0"/>
-                <a:cs typeface="Courier New" panose="02070309020205020404" pitchFamily="49" charset="0"/>
-              </a:rPr>
-              <a:t> </a:t>
-            </a:r>
-            <a:r>
-              <a:rPr lang="en-US" altLang="en-US" sz="2000" dirty="0">
-                <a:solidFill>
-                  <a:srgbClr val="383DBA"/>
-                </a:solidFill>
-                <a:latin typeface="Lato" panose="020B0604020202020204" charset="0"/>
-                <a:ea typeface="ヒラギノ角ゴ Pro W3" pitchFamily="-105" charset="-128"/>
-                <a:cs typeface="Courier New" panose="02070309020205020404" pitchFamily="49" charset="0"/>
-              </a:rPr>
-              <a:t>FUNCTION</a:t>
-            </a:r>
-            <a:r>
-              <a:rPr lang="en-US" altLang="en-US" sz="2000" dirty="0">
-                <a:solidFill>
-                  <a:srgbClr val="555555"/>
-                </a:solidFill>
-                <a:latin typeface="Lato" panose="020B0604020202020204" charset="0"/>
-                <a:cs typeface="Courier New" panose="02070309020205020404" pitchFamily="49" charset="0"/>
-              </a:rPr>
-              <a:t> </a:t>
-            </a:r>
-            <a:r>
-              <a:rPr lang="en-US" altLang="en-US" sz="2000" dirty="0" err="1">
-                <a:solidFill>
-                  <a:srgbClr val="555555"/>
-                </a:solidFill>
-                <a:latin typeface="Lato" panose="020B0604020202020204" charset="0"/>
-                <a:cs typeface="Courier New" panose="02070309020205020404" pitchFamily="49" charset="0"/>
-              </a:rPr>
-              <a:t>function_name</a:t>
-            </a:r>
-            <a:r>
-              <a:rPr lang="en-US" altLang="en-US" sz="2000" dirty="0">
-                <a:solidFill>
-                  <a:srgbClr val="555555"/>
-                </a:solidFill>
-                <a:latin typeface="Lato" panose="020B0604020202020204" charset="0"/>
-                <a:cs typeface="Courier New" panose="02070309020205020404" pitchFamily="49" charset="0"/>
-              </a:rPr>
-              <a:t>(</a:t>
-            </a:r>
-            <a:r>
-              <a:rPr lang="en-US" altLang="en-US" sz="2000" dirty="0" err="1">
-                <a:solidFill>
-                  <a:srgbClr val="555555"/>
-                </a:solidFill>
-                <a:latin typeface="Lato" panose="020B0604020202020204" charset="0"/>
-                <a:cs typeface="Courier New" panose="02070309020205020404" pitchFamily="49" charset="0"/>
-              </a:rPr>
-              <a:t>variable_name</a:t>
-            </a:r>
-            <a:r>
-              <a:rPr lang="en-US" altLang="en-US" sz="2000" dirty="0">
-                <a:solidFill>
-                  <a:srgbClr val="555555"/>
-                </a:solidFill>
-                <a:latin typeface="Lato" panose="020B0604020202020204" charset="0"/>
-                <a:cs typeface="Courier New" panose="02070309020205020404" pitchFamily="49" charset="0"/>
-              </a:rPr>
-              <a:t> </a:t>
-            </a:r>
-            <a:r>
-              <a:rPr lang="en-US" altLang="en-US" sz="2000" dirty="0" err="1">
-                <a:solidFill>
-                  <a:srgbClr val="383DBA"/>
-                </a:solidFill>
-                <a:latin typeface="Lato" panose="020B0604020202020204" charset="0"/>
-                <a:ea typeface="ヒラギノ角ゴ Pro W3" pitchFamily="-105" charset="-128"/>
-                <a:cs typeface="Courier New" panose="02070309020205020404" pitchFamily="49" charset="0"/>
-              </a:rPr>
-              <a:t>data_type</a:t>
-            </a:r>
-            <a:r>
-              <a:rPr lang="en-US" altLang="en-US" sz="2000" dirty="0">
-                <a:solidFill>
-                  <a:srgbClr val="555555"/>
-                </a:solidFill>
-                <a:latin typeface="Lato" panose="020B0604020202020204" charset="0"/>
-                <a:cs typeface="Courier New" panose="02070309020205020404" pitchFamily="49" charset="0"/>
-              </a:rPr>
-              <a:t>, ...) </a:t>
-            </a:r>
-            <a:r>
-              <a:rPr lang="en-US" altLang="en-US" sz="2000" dirty="0">
-                <a:solidFill>
-                  <a:srgbClr val="383DBA"/>
-                </a:solidFill>
-                <a:latin typeface="Lato" panose="020B0604020202020204" charset="0"/>
-                <a:ea typeface="ヒラギノ角ゴ Pro W3" pitchFamily="-105" charset="-128"/>
-                <a:cs typeface="Courier New" panose="02070309020205020404" pitchFamily="49" charset="0"/>
-              </a:rPr>
-              <a:t>RETURNS</a:t>
-            </a:r>
-            <a:r>
-              <a:rPr lang="en-US" altLang="en-US" sz="2000" dirty="0">
-                <a:latin typeface="Lato" panose="020B0604020202020204" charset="0"/>
-                <a:cs typeface="Courier New" panose="02070309020205020404" pitchFamily="49" charset="0"/>
-              </a:rPr>
-              <a:t> </a:t>
-            </a:r>
-            <a:r>
-              <a:rPr lang="en-US" altLang="en-US" sz="2000" dirty="0" err="1">
-                <a:solidFill>
-                  <a:srgbClr val="383DBA"/>
-                </a:solidFill>
-                <a:latin typeface="Lato" panose="020B0604020202020204" charset="0"/>
-                <a:ea typeface="ヒラギノ角ゴ Pro W3" pitchFamily="-105" charset="-128"/>
-                <a:cs typeface="Courier New" panose="02070309020205020404" pitchFamily="49" charset="0"/>
-              </a:rPr>
-              <a:t>data_type</a:t>
-            </a:r>
-            <a:endParaRPr lang="en-US" altLang="en-US" sz="2000" dirty="0">
-              <a:solidFill>
-                <a:srgbClr val="383DBA"/>
-              </a:solidFill>
-              <a:latin typeface="Lato" panose="020B0604020202020204" charset="0"/>
-              <a:ea typeface="ヒラギノ角ゴ Pro W3" pitchFamily="-105" charset="-128"/>
-              <a:cs typeface="Courier New" panose="02070309020205020404" pitchFamily="49" charset="0"/>
-            </a:endParaRPr>
-          </a:p>
-          <a:p>
-            <a:pPr>
-              <a:lnSpc>
-                <a:spcPct val="120000"/>
-              </a:lnSpc>
-            </a:pPr>
-            <a:r>
-              <a:rPr lang="en-US" altLang="en-US" sz="2000" dirty="0">
-                <a:solidFill>
-                  <a:srgbClr val="383DBA"/>
-                </a:solidFill>
-                <a:latin typeface="Lato" panose="020B0604020202020204" charset="0"/>
-                <a:ea typeface="ヒラギノ角ゴ Pro W3" pitchFamily="-105" charset="-128"/>
-                <a:cs typeface="Courier New" panose="02070309020205020404" pitchFamily="49" charset="0"/>
-              </a:rPr>
-              <a:t>BEGIN</a:t>
-            </a:r>
-          </a:p>
-          <a:p>
-            <a:pPr>
-              <a:lnSpc>
-                <a:spcPct val="120000"/>
-              </a:lnSpc>
-            </a:pPr>
-            <a:r>
-              <a:rPr lang="en-US" altLang="en-US" sz="2000" dirty="0">
-                <a:latin typeface="Lato" panose="020B0604020202020204" charset="0"/>
-                <a:cs typeface="Courier New" panose="02070309020205020404" pitchFamily="49" charset="0"/>
-              </a:rPr>
-              <a:t>  </a:t>
-            </a:r>
-            <a:r>
-              <a:rPr lang="en-US" altLang="en-US" sz="2000" dirty="0">
-                <a:solidFill>
-                  <a:srgbClr val="383DBA"/>
-                </a:solidFill>
-                <a:latin typeface="Lato" panose="020B0604020202020204" charset="0"/>
-                <a:ea typeface="ヒラギノ角ゴ Pro W3" pitchFamily="-105" charset="-128"/>
-                <a:cs typeface="Courier New" panose="02070309020205020404" pitchFamily="49" charset="0"/>
-              </a:rPr>
-              <a:t>DECLARE</a:t>
-            </a:r>
-            <a:r>
-              <a:rPr lang="en-US" altLang="en-US" sz="2000" dirty="0">
-                <a:latin typeface="Lato" panose="020B0604020202020204" charset="0"/>
-                <a:cs typeface="Courier New" panose="02070309020205020404" pitchFamily="49" charset="0"/>
-              </a:rPr>
-              <a:t> </a:t>
-            </a:r>
-            <a:r>
-              <a:rPr lang="en-US" altLang="en-US" sz="2000" dirty="0" err="1">
-                <a:solidFill>
-                  <a:srgbClr val="555555"/>
-                </a:solidFill>
-                <a:latin typeface="Lato" panose="020B0604020202020204" charset="0"/>
-                <a:cs typeface="Courier New" panose="02070309020205020404" pitchFamily="49" charset="0"/>
-              </a:rPr>
-              <a:t>variables|cursors|constants</a:t>
-            </a:r>
-            <a:r>
-              <a:rPr lang="en-US" altLang="en-US" sz="2000" dirty="0">
-                <a:solidFill>
-                  <a:srgbClr val="555555"/>
-                </a:solidFill>
-                <a:latin typeface="Lato" panose="020B0604020202020204" charset="0"/>
-                <a:cs typeface="Courier New" panose="02070309020205020404" pitchFamily="49" charset="0"/>
-              </a:rPr>
-              <a:t>;</a:t>
-            </a:r>
-          </a:p>
-          <a:p>
-            <a:pPr>
-              <a:lnSpc>
-                <a:spcPct val="120000"/>
-              </a:lnSpc>
-            </a:pPr>
-            <a:r>
-              <a:rPr lang="en-US" altLang="en-US" sz="2000" dirty="0">
-                <a:solidFill>
-                  <a:srgbClr val="555555"/>
-                </a:solidFill>
-                <a:latin typeface="Lato" panose="020B0604020202020204" charset="0"/>
-                <a:cs typeface="Courier New" panose="02070309020205020404" pitchFamily="49" charset="0"/>
-              </a:rPr>
-              <a:t>  ... Insert your code here</a:t>
-            </a:r>
-          </a:p>
-          <a:p>
-            <a:pPr>
-              <a:lnSpc>
-                <a:spcPct val="120000"/>
-              </a:lnSpc>
-            </a:pPr>
-            <a:r>
-              <a:rPr lang="en-US" altLang="en-US" sz="2000" dirty="0">
-                <a:latin typeface="Lato" panose="020B0604020202020204" charset="0"/>
-                <a:cs typeface="Courier New" panose="02070309020205020404" pitchFamily="49" charset="0"/>
-              </a:rPr>
-              <a:t>  </a:t>
-            </a:r>
-            <a:r>
-              <a:rPr lang="en-US" altLang="en-US" sz="2000" dirty="0">
-                <a:solidFill>
-                  <a:srgbClr val="383DBA"/>
-                </a:solidFill>
-                <a:latin typeface="Lato" panose="020B0604020202020204" charset="0"/>
-                <a:ea typeface="ヒラギノ角ゴ Pro W3" pitchFamily="-105" charset="-128"/>
-                <a:cs typeface="Courier New" panose="02070309020205020404" pitchFamily="49" charset="0"/>
-              </a:rPr>
-              <a:t>RETURN</a:t>
-            </a:r>
-            <a:r>
-              <a:rPr lang="en-US" altLang="en-US" sz="2000" dirty="0">
-                <a:solidFill>
-                  <a:srgbClr val="555555"/>
-                </a:solidFill>
-                <a:latin typeface="Lato" panose="020B0604020202020204" charset="0"/>
-                <a:cs typeface="Courier New" panose="02070309020205020404" pitchFamily="49" charset="0"/>
-              </a:rPr>
-              <a:t> (variable);</a:t>
-            </a:r>
-          </a:p>
-          <a:p>
-            <a:pPr>
-              <a:lnSpc>
-                <a:spcPct val="120000"/>
-              </a:lnSpc>
-            </a:pPr>
-            <a:r>
-              <a:rPr lang="en-US" altLang="en-US" sz="2000" dirty="0">
-                <a:solidFill>
-                  <a:srgbClr val="383DBA"/>
-                </a:solidFill>
-                <a:latin typeface="Lato" panose="020B0604020202020204" charset="0"/>
-                <a:ea typeface="ヒラギノ角ゴ Pro W3" pitchFamily="-105" charset="-128"/>
-                <a:cs typeface="Courier New" panose="02070309020205020404" pitchFamily="49" charset="0"/>
-              </a:rPr>
-              <a:t>END</a:t>
-            </a:r>
-            <a:r>
-              <a:rPr lang="en-US" altLang="en-US" sz="2000" dirty="0">
-                <a:solidFill>
-                  <a:srgbClr val="555555"/>
-                </a:solidFill>
-                <a:latin typeface="Lato" panose="020B0604020202020204" charset="0"/>
-                <a:cs typeface="Courier New" panose="02070309020205020404" pitchFamily="49" charset="0"/>
-              </a:rPr>
-              <a:t>$$</a:t>
-            </a:r>
-          </a:p>
-          <a:p>
-            <a:pPr>
-              <a:lnSpc>
-                <a:spcPct val="120000"/>
-              </a:lnSpc>
-            </a:pPr>
-            <a:r>
-              <a:rPr lang="en-US" sz="2000" dirty="0">
-                <a:solidFill>
-                  <a:srgbClr val="383DBA"/>
-                </a:solidFill>
-                <a:latin typeface="Lato" panose="020B0604020202020204" charset="0"/>
-                <a:ea typeface="ヒラギノ角ゴ Pro W3" pitchFamily="-105" charset="-128"/>
-                <a:cs typeface="Courier New" panose="02070309020205020404" pitchFamily="49" charset="0"/>
-              </a:rPr>
-              <a:t>DELIMITER</a:t>
-            </a:r>
-            <a:r>
-              <a:rPr lang="en-US" sz="2000" dirty="0">
-                <a:solidFill>
-                  <a:srgbClr val="555555"/>
-                </a:solidFill>
-                <a:latin typeface="Lato" panose="020B0604020202020204" charset="0"/>
-                <a:cs typeface="Courier New" panose="02070309020205020404" pitchFamily="49" charset="0"/>
-              </a:rPr>
-              <a:t> ;</a:t>
-            </a:r>
-            <a:endParaRPr lang="en-US" altLang="en-US" sz="2000" dirty="0">
-              <a:solidFill>
-                <a:srgbClr val="555555"/>
-              </a:solidFill>
-              <a:latin typeface="Lato" panose="020B0604020202020204" charset="0"/>
-              <a:cs typeface="Courier New" panose="02070309020205020404" pitchFamily="49" charset="0"/>
-            </a:endParaRPr>
-          </a:p>
-          <a:p>
-            <a:pPr>
-              <a:lnSpc>
-                <a:spcPct val="120000"/>
-              </a:lnSpc>
-            </a:pPr>
-            <a:endParaRPr lang="en-US" sz="2000" dirty="0">
-              <a:latin typeface="Lato" panose="020B0604020202020204" charset="0"/>
-              <a:cs typeface="Courier New" panose="02070309020205020404" pitchFamily="49" charset="0"/>
-            </a:endParaRPr>
-          </a:p>
-          <a:p>
-            <a:pPr>
-              <a:lnSpc>
-                <a:spcPct val="120000"/>
-              </a:lnSpc>
-            </a:pPr>
-            <a:r>
-              <a:rPr lang="en-US" altLang="en-US" sz="2000" dirty="0">
-                <a:latin typeface="Lato" panose="020B0604020202020204" charset="0"/>
-              </a:rPr>
-              <a:t>Call the function:</a:t>
-            </a:r>
-            <a:r>
-              <a:rPr lang="en-US" altLang="en-US" sz="2000" i="1" dirty="0">
-                <a:latin typeface="Lato" panose="020B0604020202020204" charset="0"/>
-              </a:rPr>
-              <a:t> </a:t>
-            </a:r>
-          </a:p>
-          <a:p>
-            <a:pPr>
-              <a:lnSpc>
-                <a:spcPct val="120000"/>
-              </a:lnSpc>
-            </a:pPr>
-            <a:r>
-              <a:rPr lang="en-US" sz="2000" dirty="0">
-                <a:solidFill>
-                  <a:srgbClr val="383DBA"/>
-                </a:solidFill>
-                <a:latin typeface="Lato" panose="020B0604020202020204" charset="0"/>
-                <a:ea typeface="ヒラギノ角ゴ Pro W3" pitchFamily="-105" charset="-128"/>
-                <a:cs typeface="Courier New" panose="02070309020205020404" pitchFamily="49" charset="0"/>
-              </a:rPr>
-              <a:t>SELECT</a:t>
-            </a:r>
-            <a:r>
-              <a:rPr lang="en-US" sz="2000" dirty="0">
-                <a:latin typeface="Lato" panose="020B0604020202020204" charset="0"/>
-                <a:cs typeface="Courier New" panose="02070309020205020404" pitchFamily="49" charset="0"/>
-              </a:rPr>
-              <a:t> </a:t>
-            </a:r>
-            <a:r>
-              <a:rPr lang="en-US" sz="2000" dirty="0" err="1">
-                <a:solidFill>
-                  <a:srgbClr val="555555"/>
-                </a:solidFill>
-                <a:latin typeface="Lato" panose="020B0604020202020204" charset="0"/>
-                <a:cs typeface="Courier New" panose="02070309020205020404" pitchFamily="49" charset="0"/>
-              </a:rPr>
-              <a:t>function_name</a:t>
-            </a:r>
-            <a:r>
-              <a:rPr lang="en-US" sz="2000" dirty="0">
-                <a:solidFill>
-                  <a:srgbClr val="555555"/>
-                </a:solidFill>
-                <a:latin typeface="Lato" panose="020B0604020202020204" charset="0"/>
-                <a:cs typeface="Courier New" panose="02070309020205020404" pitchFamily="49" charset="0"/>
-              </a:rPr>
-              <a:t>(variable</a:t>
-            </a:r>
-            <a:r>
-              <a:rPr lang="en-US" altLang="en-US" sz="2000" dirty="0">
-                <a:solidFill>
-                  <a:srgbClr val="555555"/>
-                </a:solidFill>
-                <a:latin typeface="Lato" panose="020B0604020202020204" charset="0"/>
-                <a:cs typeface="Courier New" panose="02070309020205020404" pitchFamily="49" charset="0"/>
-              </a:rPr>
-              <a:t>) </a:t>
-            </a:r>
-            <a:r>
-              <a:rPr lang="en-US" altLang="en-US" sz="2000" dirty="0">
-                <a:solidFill>
-                  <a:srgbClr val="383DBA"/>
-                </a:solidFill>
-                <a:latin typeface="Lato" panose="020B0604020202020204" charset="0"/>
-                <a:ea typeface="ヒラギノ角ゴ Pro W3" pitchFamily="-105" charset="-128"/>
-                <a:cs typeface="Courier New" panose="02070309020205020404" pitchFamily="49" charset="0"/>
-              </a:rPr>
-              <a:t>FROM DUAL</a:t>
-            </a:r>
-            <a:r>
-              <a:rPr lang="en-US" altLang="en-US" sz="2000" dirty="0">
-                <a:solidFill>
-                  <a:srgbClr val="555555"/>
-                </a:solidFill>
-                <a:latin typeface="Lato" panose="020B0604020202020204" charset="0"/>
-                <a:cs typeface="Courier New" panose="02070309020205020404" pitchFamily="49" charset="0"/>
-              </a:rPr>
-              <a:t>;</a:t>
-            </a:r>
-          </a:p>
-        </p:txBody>
-      </p:sp>
-    </p:spTree>
-    <p:extLst>
-      <p:ext uri="{BB962C8B-B14F-4D97-AF65-F5344CB8AC3E}">
-        <p14:creationId xmlns:p14="http://schemas.microsoft.com/office/powerpoint/2010/main" val="1464790433"/>
+        <p14:creationId xmlns:p14="http://schemas.microsoft.com/office/powerpoint/2010/main" val="2526615778"/>
       </p:ext>
     </p:extLst>
   </p:cSld>

--- a/Lectures/(3) Extracting & Storing Data.pptx
+++ b/Lectures/(3) Extracting & Storing Data.pptx
@@ -5,7 +5,7 @@
     <p:sldMasterId id="2147483672" r:id="rId1"/>
   </p:sldMasterIdLst>
   <p:notesMasterIdLst>
-    <p:notesMasterId r:id="rId16"/>
+    <p:notesMasterId r:id="rId19"/>
   </p:notesMasterIdLst>
   <p:sldIdLst>
     <p:sldId id="256" r:id="rId2"/>
@@ -21,38 +21,41 @@
     <p:sldId id="267" r:id="rId12"/>
     <p:sldId id="268" r:id="rId13"/>
     <p:sldId id="269" r:id="rId14"/>
-    <p:sldId id="298" r:id="rId15"/>
+    <p:sldId id="270" r:id="rId15"/>
+    <p:sldId id="258" r:id="rId16"/>
+    <p:sldId id="299" r:id="rId17"/>
+    <p:sldId id="298" r:id="rId18"/>
   </p:sldIdLst>
   <p:sldSz cx="12192000" cy="6858000"/>
   <p:notesSz cx="6858000" cy="9144000"/>
   <p:embeddedFontLst>
     <p:embeddedFont>
       <p:font typeface="Calibri" panose="020F0502020204030204" pitchFamily="34" charset="0"/>
-      <p:regular r:id="rId17"/>
-      <p:bold r:id="rId18"/>
-      <p:italic r:id="rId19"/>
-      <p:boldItalic r:id="rId20"/>
+      <p:regular r:id="rId20"/>
+      <p:bold r:id="rId21"/>
+      <p:italic r:id="rId22"/>
+      <p:boldItalic r:id="rId23"/>
     </p:embeddedFont>
     <p:embeddedFont>
       <p:font typeface="Lato" panose="020F0502020204030203" pitchFamily="34" charset="0"/>
-      <p:regular r:id="rId21"/>
-      <p:bold r:id="rId22"/>
-      <p:italic r:id="rId23"/>
-      <p:boldItalic r:id="rId24"/>
+      <p:regular r:id="rId24"/>
+      <p:bold r:id="rId25"/>
+      <p:italic r:id="rId26"/>
+      <p:boldItalic r:id="rId27"/>
     </p:embeddedFont>
     <p:embeddedFont>
       <p:font typeface="Raleway" pitchFamily="2" charset="0"/>
-      <p:regular r:id="rId25"/>
-      <p:bold r:id="rId26"/>
-      <p:italic r:id="rId27"/>
-      <p:boldItalic r:id="rId28"/>
+      <p:regular r:id="rId28"/>
+      <p:bold r:id="rId29"/>
+      <p:italic r:id="rId30"/>
+      <p:boldItalic r:id="rId31"/>
     </p:embeddedFont>
     <p:embeddedFont>
       <p:font typeface="Verdana" panose="020B0604030504040204" pitchFamily="34" charset="0"/>
-      <p:regular r:id="rId29"/>
-      <p:bold r:id="rId30"/>
-      <p:italic r:id="rId31"/>
-      <p:boldItalic r:id="rId32"/>
+      <p:regular r:id="rId32"/>
+      <p:bold r:id="rId33"/>
+      <p:italic r:id="rId34"/>
+      <p:boldItalic r:id="rId35"/>
     </p:embeddedFont>
   </p:embeddedFontLst>
   <p:defaultTextStyle>
@@ -295,7 +298,7 @@
 <file path=ppt/revisionInfo.xml><?xml version="1.0" encoding="utf-8"?>
 <p1510:revInfo xmlns:a="http://schemas.openxmlformats.org/drawingml/2006/main" xmlns:r="http://schemas.openxmlformats.org/officeDocument/2006/relationships" xmlns:p1510="http://schemas.microsoft.com/office/powerpoint/2015/10/main">
   <p1510:revLst>
-    <p1510:client id="{4E682352-887D-4C9C-ABA3-1D0EBE0E1B3B}" v="1" dt="2021-10-19T22:08:29.659"/>
+    <p1510:client id="{4E682352-887D-4C9C-ABA3-1D0EBE0E1B3B}" v="3" dt="2021-10-20T19:18:05.129"/>
   </p1510:revLst>
 </p1510:revInfo>
 </file>
@@ -305,10 +308,24 @@
   <pc:docChgLst>
     <pc:chgData name="Jeremy Bergmann" userId="2355ee0d-2b6e-4bfe-a235-383daf8df8e3" providerId="ADAL" clId="{4E682352-887D-4C9C-ABA3-1D0EBE0E1B3B}"/>
     <pc:docChg chg="addSld delSld modSld">
-      <pc:chgData name="Jeremy Bergmann" userId="2355ee0d-2b6e-4bfe-a235-383daf8df8e3" providerId="ADAL" clId="{4E682352-887D-4C9C-ABA3-1D0EBE0E1B3B}" dt="2021-10-19T22:08:33.391" v="1" actId="2696"/>
+      <pc:chgData name="Jeremy Bergmann" userId="2355ee0d-2b6e-4bfe-a235-383daf8df8e3" providerId="ADAL" clId="{4E682352-887D-4C9C-ABA3-1D0EBE0E1B3B}" dt="2021-10-20T19:18:05.128" v="3"/>
       <pc:docMkLst>
         <pc:docMk/>
       </pc:docMkLst>
+      <pc:sldChg chg="add">
+        <pc:chgData name="Jeremy Bergmann" userId="2355ee0d-2b6e-4bfe-a235-383daf8df8e3" providerId="ADAL" clId="{4E682352-887D-4C9C-ABA3-1D0EBE0E1B3B}" dt="2021-10-20T19:18:05.128" v="3"/>
+        <pc:sldMkLst>
+          <pc:docMk/>
+          <pc:sldMk cId="0" sldId="258"/>
+        </pc:sldMkLst>
+      </pc:sldChg>
+      <pc:sldChg chg="add">
+        <pc:chgData name="Jeremy Bergmann" userId="2355ee0d-2b6e-4bfe-a235-383daf8df8e3" providerId="ADAL" clId="{4E682352-887D-4C9C-ABA3-1D0EBE0E1B3B}" dt="2021-10-20T19:17:34.572" v="2"/>
+        <pc:sldMkLst>
+          <pc:docMk/>
+          <pc:sldMk cId="2110584022" sldId="270"/>
+        </pc:sldMkLst>
+      </pc:sldChg>
       <pc:sldChg chg="del">
         <pc:chgData name="Jeremy Bergmann" userId="2355ee0d-2b6e-4bfe-a235-383daf8df8e3" providerId="ADAL" clId="{4E682352-887D-4C9C-ABA3-1D0EBE0E1B3B}" dt="2021-10-19T22:08:33.391" v="1" actId="2696"/>
         <pc:sldMkLst>
@@ -328,6 +345,13 @@
         <pc:sldMkLst>
           <pc:docMk/>
           <pc:sldMk cId="2526615778" sldId="298"/>
+        </pc:sldMkLst>
+      </pc:sldChg>
+      <pc:sldChg chg="add">
+        <pc:chgData name="Jeremy Bergmann" userId="2355ee0d-2b6e-4bfe-a235-383daf8df8e3" providerId="ADAL" clId="{4E682352-887D-4C9C-ABA3-1D0EBE0E1B3B}" dt="2021-10-20T19:18:05.128" v="3"/>
+        <pc:sldMkLst>
+          <pc:docMk/>
+          <pc:sldMk cId="0" sldId="299"/>
         </pc:sldMkLst>
       </pc:sldChg>
     </pc:docChg>
@@ -2957,6 +2981,416 @@
 </file>
 
 <file path=ppt/notesSlides/notesSlide14.xml><?xml version="1.0" encoding="utf-8"?>
+<p:notes xmlns:a="http://schemas.openxmlformats.org/drawingml/2006/main" xmlns:r="http://schemas.openxmlformats.org/officeDocument/2006/relationships" xmlns:p="http://schemas.openxmlformats.org/presentationml/2006/main" showMasterSp="0" showMasterPhAnim="0">
+  <p:cSld>
+    <p:spTree>
+      <p:nvGrpSpPr>
+        <p:cNvPr id="1" name="Shape 269"/>
+        <p:cNvGrpSpPr/>
+        <p:nvPr/>
+      </p:nvGrpSpPr>
+      <p:grpSpPr>
+        <a:xfrm>
+          <a:off x="0" y="0"/>
+          <a:ext cx="0" cy="0"/>
+          <a:chOff x="0" y="0"/>
+          <a:chExt cx="0" cy="0"/>
+        </a:xfrm>
+      </p:grpSpPr>
+      <p:sp>
+        <p:nvSpPr>
+          <p:cNvPr id="270" name="Google Shape;270;g5d39b7d912_0_92:notes"/>
+          <p:cNvSpPr txBox="1">
+            <a:spLocks noGrp="1"/>
+          </p:cNvSpPr>
+          <p:nvPr>
+            <p:ph type="body" idx="1"/>
+          </p:nvPr>
+        </p:nvSpPr>
+        <p:spPr>
+          <a:xfrm>
+            <a:off x="685800" y="4400550"/>
+            <a:ext cx="5486400" cy="3600600"/>
+          </a:xfrm>
+          <a:prstGeom prst="rect">
+            <a:avLst/>
+          </a:prstGeom>
+        </p:spPr>
+        <p:txBody>
+          <a:bodyPr spcFirstLastPara="1" wrap="square" lIns="91425" tIns="45700" rIns="91425" bIns="45700" anchor="t" anchorCtr="0">
+            <a:noAutofit/>
+          </a:bodyPr>
+          <a:lstStyle/>
+          <a:p>
+            <a:pPr marL="0" lvl="0" indent="0" algn="l" rtl="0">
+              <a:spcBef>
+                <a:spcPts val="0"/>
+              </a:spcBef>
+              <a:spcAft>
+                <a:spcPts val="0"/>
+              </a:spcAft>
+              <a:buNone/>
+            </a:pPr>
+            <a:r>
+              <a:rPr lang="en-US">
+                <a:solidFill>
+                  <a:srgbClr val="000000"/>
+                </a:solidFill>
+              </a:rPr>
+              <a:t>A derived table is the result of a query that looks like a table.</a:t>
+            </a:r>
+            <a:endParaRPr>
+              <a:solidFill>
+                <a:srgbClr val="000000"/>
+              </a:solidFill>
+            </a:endParaRPr>
+          </a:p>
+        </p:txBody>
+      </p:sp>
+      <p:sp>
+        <p:nvSpPr>
+          <p:cNvPr id="271" name="Google Shape;271;g5d39b7d912_0_92:notes"/>
+          <p:cNvSpPr>
+            <a:spLocks noGrp="1" noRot="1" noChangeAspect="1"/>
+          </p:cNvSpPr>
+          <p:nvPr>
+            <p:ph type="sldImg" idx="2"/>
+          </p:nvPr>
+        </p:nvSpPr>
+        <p:spPr>
+          <a:xfrm>
+            <a:off x="685800" y="1143000"/>
+            <a:ext cx="5486400" cy="3086100"/>
+          </a:xfrm>
+          <a:custGeom>
+            <a:avLst/>
+            <a:gdLst/>
+            <a:ahLst/>
+            <a:cxnLst/>
+            <a:rect l="l" t="t" r="r" b="b"/>
+            <a:pathLst>
+              <a:path w="120000" h="120000" extrusionOk="0">
+                <a:moveTo>
+                  <a:pt x="0" y="0"/>
+                </a:moveTo>
+                <a:lnTo>
+                  <a:pt x="120000" y="0"/>
+                </a:lnTo>
+                <a:lnTo>
+                  <a:pt x="120000" y="120000"/>
+                </a:lnTo>
+                <a:lnTo>
+                  <a:pt x="0" y="120000"/>
+                </a:lnTo>
+                <a:close/>
+              </a:path>
+            </a:pathLst>
+          </a:custGeom>
+        </p:spPr>
+      </p:sp>
+    </p:spTree>
+    <p:extLst>
+      <p:ext uri="{BB962C8B-B14F-4D97-AF65-F5344CB8AC3E}">
+        <p14:creationId xmlns:p14="http://schemas.microsoft.com/office/powerpoint/2010/main" val="2075916008"/>
+      </p:ext>
+    </p:extLst>
+  </p:cSld>
+  <p:clrMapOvr>
+    <a:masterClrMapping/>
+  </p:clrMapOvr>
+</p:notes>
+</file>
+
+<file path=ppt/notesSlides/notesSlide15.xml><?xml version="1.0" encoding="utf-8"?>
+<p:notes xmlns:a="http://schemas.openxmlformats.org/drawingml/2006/main" xmlns:r="http://schemas.openxmlformats.org/officeDocument/2006/relationships" xmlns:p="http://schemas.openxmlformats.org/presentationml/2006/main" showMasterSp="0" showMasterPhAnim="0">
+  <p:cSld>
+    <p:spTree>
+      <p:nvGrpSpPr>
+        <p:cNvPr id="1" name="Shape 187"/>
+        <p:cNvGrpSpPr/>
+        <p:nvPr/>
+      </p:nvGrpSpPr>
+      <p:grpSpPr>
+        <a:xfrm>
+          <a:off x="0" y="0"/>
+          <a:ext cx="0" cy="0"/>
+          <a:chOff x="0" y="0"/>
+          <a:chExt cx="0" cy="0"/>
+        </a:xfrm>
+      </p:grpSpPr>
+      <p:sp>
+        <p:nvSpPr>
+          <p:cNvPr id="188" name="Google Shape;188;g5e143d9a7c_0_0:notes"/>
+          <p:cNvSpPr txBox="1">
+            <a:spLocks noGrp="1"/>
+          </p:cNvSpPr>
+          <p:nvPr>
+            <p:ph type="body" idx="1"/>
+          </p:nvPr>
+        </p:nvSpPr>
+        <p:spPr>
+          <a:xfrm>
+            <a:off x="685800" y="4400550"/>
+            <a:ext cx="5486400" cy="3600600"/>
+          </a:xfrm>
+          <a:prstGeom prst="rect">
+            <a:avLst/>
+          </a:prstGeom>
+          <a:noFill/>
+          <a:ln>
+            <a:noFill/>
+          </a:ln>
+        </p:spPr>
+        <p:txBody>
+          <a:bodyPr spcFirstLastPara="1" wrap="square" lIns="91425" tIns="45700" rIns="91425" bIns="45700" anchor="t" anchorCtr="0">
+            <a:noAutofit/>
+          </a:bodyPr>
+          <a:lstStyle/>
+          <a:p>
+            <a:pPr marL="0" lvl="0" indent="0" algn="l" rtl="0">
+              <a:lnSpc>
+                <a:spcPct val="100000"/>
+              </a:lnSpc>
+              <a:spcBef>
+                <a:spcPts val="0"/>
+              </a:spcBef>
+              <a:spcAft>
+                <a:spcPts val="0"/>
+              </a:spcAft>
+              <a:buSzPts val="1400"/>
+              <a:buNone/>
+            </a:pPr>
+            <a:endParaRPr/>
+          </a:p>
+        </p:txBody>
+      </p:sp>
+      <p:sp>
+        <p:nvSpPr>
+          <p:cNvPr id="189" name="Google Shape;189;g5e143d9a7c_0_0:notes"/>
+          <p:cNvSpPr>
+            <a:spLocks noGrp="1" noRot="1" noChangeAspect="1"/>
+          </p:cNvSpPr>
+          <p:nvPr>
+            <p:ph type="sldImg" idx="2"/>
+          </p:nvPr>
+        </p:nvSpPr>
+        <p:spPr>
+          <a:xfrm>
+            <a:off x="685800" y="1143000"/>
+            <a:ext cx="5486400" cy="3086100"/>
+          </a:xfrm>
+          <a:custGeom>
+            <a:avLst/>
+            <a:gdLst/>
+            <a:ahLst/>
+            <a:cxnLst/>
+            <a:rect l="l" t="t" r="r" b="b"/>
+            <a:pathLst>
+              <a:path w="120000" h="120000" extrusionOk="0">
+                <a:moveTo>
+                  <a:pt x="0" y="0"/>
+                </a:moveTo>
+                <a:lnTo>
+                  <a:pt x="120000" y="0"/>
+                </a:lnTo>
+                <a:lnTo>
+                  <a:pt x="120000" y="120000"/>
+                </a:lnTo>
+                <a:lnTo>
+                  <a:pt x="0" y="120000"/>
+                </a:lnTo>
+                <a:close/>
+              </a:path>
+            </a:pathLst>
+          </a:custGeom>
+          <a:noFill/>
+          <a:ln w="12700" cap="flat" cmpd="sng">
+            <a:solidFill>
+              <a:srgbClr val="000000"/>
+            </a:solidFill>
+            <a:prstDash val="solid"/>
+            <a:round/>
+            <a:headEnd type="none" w="sm" len="sm"/>
+            <a:tailEnd type="none" w="sm" len="sm"/>
+          </a:ln>
+        </p:spPr>
+      </p:sp>
+    </p:spTree>
+  </p:cSld>
+  <p:clrMapOvr>
+    <a:masterClrMapping/>
+  </p:clrMapOvr>
+</p:notes>
+</file>
+
+<file path=ppt/notesSlides/notesSlide16.xml><?xml version="1.0" encoding="utf-8"?>
+<p:notes xmlns:a="http://schemas.openxmlformats.org/drawingml/2006/main" xmlns:r="http://schemas.openxmlformats.org/officeDocument/2006/relationships" xmlns:p="http://schemas.openxmlformats.org/presentationml/2006/main" showMasterSp="0" showMasterPhAnim="0">
+  <p:cSld>
+    <p:spTree>
+      <p:nvGrpSpPr>
+        <p:cNvPr id="1" name="Shape 286"/>
+        <p:cNvGrpSpPr/>
+        <p:nvPr/>
+      </p:nvGrpSpPr>
+      <p:grpSpPr>
+        <a:xfrm>
+          <a:off x="0" y="0"/>
+          <a:ext cx="0" cy="0"/>
+          <a:chOff x="0" y="0"/>
+          <a:chExt cx="0" cy="0"/>
+        </a:xfrm>
+      </p:grpSpPr>
+      <p:sp>
+        <p:nvSpPr>
+          <p:cNvPr id="287" name="Google Shape;287;g5d39b7d912_0_1:notes"/>
+          <p:cNvSpPr>
+            <a:spLocks noGrp="1" noRot="1" noChangeAspect="1"/>
+          </p:cNvSpPr>
+          <p:nvPr>
+            <p:ph type="sldImg" idx="2"/>
+          </p:nvPr>
+        </p:nvSpPr>
+        <p:spPr>
+          <a:xfrm>
+            <a:off x="685800" y="1143000"/>
+            <a:ext cx="5486400" cy="3086100"/>
+          </a:xfrm>
+          <a:custGeom>
+            <a:avLst/>
+            <a:gdLst/>
+            <a:ahLst/>
+            <a:cxnLst/>
+            <a:rect l="l" t="t" r="r" b="b"/>
+            <a:pathLst>
+              <a:path w="120000" h="120000" extrusionOk="0">
+                <a:moveTo>
+                  <a:pt x="0" y="0"/>
+                </a:moveTo>
+                <a:lnTo>
+                  <a:pt x="120000" y="0"/>
+                </a:lnTo>
+                <a:lnTo>
+                  <a:pt x="120000" y="120000"/>
+                </a:lnTo>
+                <a:lnTo>
+                  <a:pt x="0" y="120000"/>
+                </a:lnTo>
+                <a:close/>
+              </a:path>
+            </a:pathLst>
+          </a:custGeom>
+        </p:spPr>
+      </p:sp>
+      <p:sp>
+        <p:nvSpPr>
+          <p:cNvPr id="288" name="Google Shape;288;g5d39b7d912_0_1:notes"/>
+          <p:cNvSpPr txBox="1">
+            <a:spLocks noGrp="1"/>
+          </p:cNvSpPr>
+          <p:nvPr>
+            <p:ph type="body" idx="1"/>
+          </p:nvPr>
+        </p:nvSpPr>
+        <p:spPr>
+          <a:xfrm>
+            <a:off x="685800" y="4400550"/>
+            <a:ext cx="5486400" cy="3600600"/>
+          </a:xfrm>
+          <a:prstGeom prst="rect">
+            <a:avLst/>
+          </a:prstGeom>
+        </p:spPr>
+        <p:txBody>
+          <a:bodyPr spcFirstLastPara="1" wrap="square" lIns="91425" tIns="45700" rIns="91425" bIns="45700" anchor="t" anchorCtr="0">
+            <a:noAutofit/>
+          </a:bodyPr>
+          <a:lstStyle/>
+          <a:p>
+            <a:pPr marL="0" lvl="0" indent="0" algn="l" rtl="0">
+              <a:spcBef>
+                <a:spcPts val="0"/>
+              </a:spcBef>
+              <a:spcAft>
+                <a:spcPts val="0"/>
+              </a:spcAft>
+              <a:buNone/>
+            </a:pPr>
+            <a:r>
+              <a:rPr lang="en-US"/>
+              <a:t>from </a:t>
+            </a:r>
+            <a:r>
+              <a:rPr lang="en-US" sz="1100" u="sng">
+                <a:solidFill>
+                  <a:schemeClr val="hlink"/>
+                </a:solidFill>
+                <a:latin typeface="Arial"/>
+                <a:ea typeface="Arial"/>
+                <a:cs typeface="Arial"/>
+                <a:sym typeface="Arial"/>
+                <a:hlinkClick r:id="rId3"/>
+              </a:rPr>
+              <a:t>https://www.gamerankings.com/</a:t>
+            </a:r>
+            <a:endParaRPr/>
+          </a:p>
+        </p:txBody>
+      </p:sp>
+      <p:sp>
+        <p:nvSpPr>
+          <p:cNvPr id="289" name="Google Shape;289;g5d39b7d912_0_1:notes"/>
+          <p:cNvSpPr txBox="1">
+            <a:spLocks noGrp="1"/>
+          </p:cNvSpPr>
+          <p:nvPr>
+            <p:ph type="sldNum" idx="12"/>
+          </p:nvPr>
+        </p:nvSpPr>
+        <p:spPr>
+          <a:xfrm>
+            <a:off x="3884613" y="8685213"/>
+            <a:ext cx="2971800" cy="458700"/>
+          </a:xfrm>
+          <a:prstGeom prst="rect">
+            <a:avLst/>
+          </a:prstGeom>
+        </p:spPr>
+        <p:txBody>
+          <a:bodyPr spcFirstLastPara="1" wrap="square" lIns="91425" tIns="45700" rIns="91425" bIns="45700" anchor="b" anchorCtr="0">
+            <a:noAutofit/>
+          </a:bodyPr>
+          <a:lstStyle/>
+          <a:p>
+            <a:pPr marL="0" lvl="0" indent="0" algn="r" rtl="0">
+              <a:spcBef>
+                <a:spcPts val="0"/>
+              </a:spcBef>
+              <a:spcAft>
+                <a:spcPts val="0"/>
+              </a:spcAft>
+              <a:buClr>
+                <a:srgbClr val="000000"/>
+              </a:buClr>
+              <a:buFont typeface="Arial"/>
+              <a:buNone/>
+            </a:pPr>
+            <a:fld id="{00000000-1234-1234-1234-123412341234}" type="slidenum">
+              <a:rPr lang="en-US"/>
+              <a:t>16</a:t>
+            </a:fld>
+            <a:endParaRPr/>
+          </a:p>
+        </p:txBody>
+      </p:sp>
+    </p:spTree>
+  </p:cSld>
+  <p:clrMapOvr>
+    <a:masterClrMapping/>
+  </p:clrMapOvr>
+</p:notes>
+</file>
+
+<file path=ppt/notesSlides/notesSlide17.xml><?xml version="1.0" encoding="utf-8"?>
 <p:notes xmlns:a="http://schemas.openxmlformats.org/drawingml/2006/main" xmlns:r="http://schemas.openxmlformats.org/officeDocument/2006/relationships" xmlns:p="http://schemas.openxmlformats.org/presentationml/2006/main" showMasterSp="0" showMasterPhAnim="0">
   <p:cSld>
     <p:spTree>
@@ -14778,6 +15212,1297 @@
   <p:cSld>
     <p:spTree>
       <p:nvGrpSpPr>
+        <p:cNvPr id="1" name="Shape 272"/>
+        <p:cNvGrpSpPr/>
+        <p:nvPr/>
+      </p:nvGrpSpPr>
+      <p:grpSpPr>
+        <a:xfrm>
+          <a:off x="0" y="0"/>
+          <a:ext cx="0" cy="0"/>
+          <a:chOff x="0" y="0"/>
+          <a:chExt cx="0" cy="0"/>
+        </a:xfrm>
+      </p:grpSpPr>
+      <p:sp>
+        <p:nvSpPr>
+          <p:cNvPr id="273" name="Google Shape;273;p39"/>
+          <p:cNvSpPr txBox="1">
+            <a:spLocks noGrp="1"/>
+          </p:cNvSpPr>
+          <p:nvPr>
+            <p:ph type="ctrTitle"/>
+          </p:nvPr>
+        </p:nvSpPr>
+        <p:spPr>
+          <a:xfrm>
+            <a:off x="913795" y="609600"/>
+            <a:ext cx="10353900" cy="970500"/>
+          </a:xfrm>
+          <a:prstGeom prst="rect">
+            <a:avLst/>
+          </a:prstGeom>
+          <a:noFill/>
+          <a:ln>
+            <a:noFill/>
+          </a:ln>
+          <a:effectLst>
+            <a:outerShdw blurRad="25400">
+              <a:srgbClr val="000000">
+                <a:alpha val="45880"/>
+              </a:srgbClr>
+            </a:outerShdw>
+          </a:effectLst>
+        </p:spPr>
+        <p:txBody>
+          <a:bodyPr spcFirstLastPara="1" wrap="square" lIns="91425" tIns="45700" rIns="91425" bIns="45700" anchor="ctr" anchorCtr="0">
+            <a:noAutofit/>
+          </a:bodyPr>
+          <a:lstStyle/>
+          <a:p>
+            <a:pPr marL="0" lvl="0" indent="0" algn="l" rtl="0">
+              <a:spcBef>
+                <a:spcPts val="0"/>
+              </a:spcBef>
+              <a:spcAft>
+                <a:spcPts val="0"/>
+              </a:spcAft>
+              <a:buClr>
+                <a:schemeClr val="lt2"/>
+              </a:buClr>
+              <a:buSzPts val="4000"/>
+              <a:buFont typeface="Lustria"/>
+              <a:buNone/>
+            </a:pPr>
+            <a:r>
+              <a:rPr lang="en-US" sz="3600"/>
+              <a:t>Appendix - Data </a:t>
+            </a:r>
+            <a:r>
+              <a:rPr lang="en-US" sz="3600" dirty="0"/>
+              <a:t>Import - MySQL</a:t>
+            </a:r>
+            <a:endParaRPr sz="3600" dirty="0"/>
+          </a:p>
+        </p:txBody>
+      </p:sp>
+      <p:sp>
+        <p:nvSpPr>
+          <p:cNvPr id="6" name="Google Shape;274;p39">
+            <a:extLst>
+              <a:ext uri="{FF2B5EF4-FFF2-40B4-BE49-F238E27FC236}">
+                <a16:creationId xmlns:a16="http://schemas.microsoft.com/office/drawing/2014/main" id="{DE5AC372-ECFF-4985-AFE6-A772DB5DC527}"/>
+              </a:ext>
+            </a:extLst>
+          </p:cNvPr>
+          <p:cNvSpPr txBox="1"/>
+          <p:nvPr/>
+        </p:nvSpPr>
+        <p:spPr>
+          <a:xfrm>
+            <a:off x="1001549" y="1661407"/>
+            <a:ext cx="10693915" cy="880878"/>
+          </a:xfrm>
+          <a:prstGeom prst="rect">
+            <a:avLst/>
+          </a:prstGeom>
+          <a:noFill/>
+          <a:ln>
+            <a:noFill/>
+          </a:ln>
+        </p:spPr>
+        <p:txBody>
+          <a:bodyPr spcFirstLastPara="1" wrap="square" lIns="91425" tIns="91425" rIns="91425" bIns="91425" anchor="t" anchorCtr="0">
+            <a:noAutofit/>
+          </a:bodyPr>
+          <a:lstStyle/>
+          <a:p>
+            <a:pPr marL="0" lvl="0" indent="0" algn="l" rtl="0">
+              <a:lnSpc>
+                <a:spcPct val="115000"/>
+              </a:lnSpc>
+              <a:spcBef>
+                <a:spcPts val="0"/>
+              </a:spcBef>
+              <a:spcAft>
+                <a:spcPts val="0"/>
+              </a:spcAft>
+              <a:buNone/>
+            </a:pPr>
+            <a:r>
+              <a:rPr lang="en-US" sz="2400" dirty="0">
+                <a:latin typeface="Lato"/>
+                <a:ea typeface="Lato"/>
+                <a:cs typeface="Lato"/>
+                <a:sym typeface="Lato"/>
+              </a:rPr>
+              <a:t>Purpose -  Import Demographic Data, for use with COVID-19 Dataset</a:t>
+            </a:r>
+            <a:endParaRPr sz="2000" dirty="0">
+              <a:solidFill>
+                <a:schemeClr val="accent1"/>
+              </a:solidFill>
+              <a:latin typeface="Lato"/>
+              <a:ea typeface="Lato"/>
+              <a:cs typeface="Lato"/>
+              <a:sym typeface="Lato"/>
+            </a:endParaRPr>
+          </a:p>
+        </p:txBody>
+      </p:sp>
+      <p:pic>
+        <p:nvPicPr>
+          <p:cNvPr id="2" name="Picture 1">
+            <a:extLst>
+              <a:ext uri="{FF2B5EF4-FFF2-40B4-BE49-F238E27FC236}">
+                <a16:creationId xmlns:a16="http://schemas.microsoft.com/office/drawing/2014/main" id="{59AB57A5-4B58-4CFB-99B9-B8811877AE2E}"/>
+              </a:ext>
+            </a:extLst>
+          </p:cNvPr>
+          <p:cNvPicPr>
+            <a:picLocks noChangeAspect="1"/>
+          </p:cNvPicPr>
+          <p:nvPr/>
+        </p:nvPicPr>
+        <p:blipFill>
+          <a:blip r:embed="rId3"/>
+          <a:stretch>
+            <a:fillRect/>
+          </a:stretch>
+        </p:blipFill>
+        <p:spPr>
+          <a:xfrm>
+            <a:off x="6728001" y="2836407"/>
+            <a:ext cx="5057775" cy="2428875"/>
+          </a:xfrm>
+          <a:prstGeom prst="rect">
+            <a:avLst/>
+          </a:prstGeom>
+        </p:spPr>
+      </p:pic>
+      <p:sp>
+        <p:nvSpPr>
+          <p:cNvPr id="8" name="Google Shape;274;p39">
+            <a:extLst>
+              <a:ext uri="{FF2B5EF4-FFF2-40B4-BE49-F238E27FC236}">
+                <a16:creationId xmlns:a16="http://schemas.microsoft.com/office/drawing/2014/main" id="{C2AF4288-EF23-4A7E-80AF-410291B879BE}"/>
+              </a:ext>
+            </a:extLst>
+          </p:cNvPr>
+          <p:cNvSpPr txBox="1"/>
+          <p:nvPr/>
+        </p:nvSpPr>
+        <p:spPr>
+          <a:xfrm>
+            <a:off x="573780" y="2363895"/>
+            <a:ext cx="10693915" cy="945982"/>
+          </a:xfrm>
+          <a:prstGeom prst="rect">
+            <a:avLst/>
+          </a:prstGeom>
+          <a:noFill/>
+          <a:ln>
+            <a:noFill/>
+          </a:ln>
+        </p:spPr>
+        <p:txBody>
+          <a:bodyPr spcFirstLastPara="1" wrap="square" lIns="91425" tIns="91425" rIns="91425" bIns="91425" anchor="t" anchorCtr="0">
+            <a:noAutofit/>
+          </a:bodyPr>
+          <a:lstStyle/>
+          <a:p>
+            <a:pPr marL="0" lvl="0" indent="0" algn="l" rtl="0">
+              <a:lnSpc>
+                <a:spcPct val="115000"/>
+              </a:lnSpc>
+              <a:spcBef>
+                <a:spcPts val="0"/>
+              </a:spcBef>
+              <a:spcAft>
+                <a:spcPts val="0"/>
+              </a:spcAft>
+              <a:buNone/>
+            </a:pPr>
+            <a:r>
+              <a:rPr lang="en-US" sz="2400" b="1" u="sng" dirty="0">
+                <a:latin typeface="Lato"/>
+                <a:ea typeface="Lato"/>
+                <a:cs typeface="Lato"/>
+                <a:sym typeface="Lato"/>
+              </a:rPr>
+              <a:t>STEPS</a:t>
+            </a:r>
+          </a:p>
+          <a:p>
+            <a:pPr marL="457200" lvl="0" indent="-457200" algn="l" rtl="0">
+              <a:lnSpc>
+                <a:spcPct val="115000"/>
+              </a:lnSpc>
+              <a:spcBef>
+                <a:spcPts val="0"/>
+              </a:spcBef>
+              <a:spcAft>
+                <a:spcPts val="0"/>
+              </a:spcAft>
+              <a:buAutoNum type="arabicParenR"/>
+            </a:pPr>
+            <a:r>
+              <a:rPr lang="en-US" sz="2000" dirty="0">
+                <a:solidFill>
+                  <a:schemeClr val="accent1"/>
+                </a:solidFill>
+                <a:latin typeface="Lato"/>
+                <a:ea typeface="Lato"/>
+                <a:cs typeface="Lato"/>
+                <a:sym typeface="Lato"/>
+              </a:rPr>
+              <a:t>Analyze Dataset – Column lengths &amp; types</a:t>
+            </a:r>
+          </a:p>
+          <a:p>
+            <a:pPr marL="457200" lvl="0" indent="-457200" algn="l" rtl="0">
+              <a:lnSpc>
+                <a:spcPct val="115000"/>
+              </a:lnSpc>
+              <a:spcBef>
+                <a:spcPts val="0"/>
+              </a:spcBef>
+              <a:spcAft>
+                <a:spcPts val="0"/>
+              </a:spcAft>
+              <a:buAutoNum type="arabicParenR"/>
+            </a:pPr>
+            <a:r>
+              <a:rPr lang="en-US" sz="2000" dirty="0">
+                <a:solidFill>
+                  <a:schemeClr val="accent1"/>
+                </a:solidFill>
+                <a:latin typeface="Lato"/>
+                <a:ea typeface="Lato"/>
+                <a:cs typeface="Lato"/>
+                <a:sym typeface="Lato"/>
+              </a:rPr>
+              <a:t>Define &amp; </a:t>
+            </a:r>
+            <a:r>
+              <a:rPr lang="en-US" sz="2000" u="sng" dirty="0">
+                <a:solidFill>
+                  <a:schemeClr val="accent1"/>
+                </a:solidFill>
+                <a:latin typeface="Lato"/>
+                <a:ea typeface="Lato"/>
+                <a:cs typeface="Lato"/>
+                <a:sym typeface="Lato"/>
+              </a:rPr>
+              <a:t>Create Table</a:t>
+            </a:r>
+            <a:r>
+              <a:rPr lang="en-US" sz="2000" dirty="0">
+                <a:solidFill>
+                  <a:schemeClr val="accent1"/>
+                </a:solidFill>
+                <a:latin typeface="Lato"/>
+                <a:ea typeface="Lato"/>
+                <a:cs typeface="Lato"/>
+                <a:sym typeface="Lato"/>
+              </a:rPr>
+              <a:t>, based on CSV Columns</a:t>
+            </a:r>
+          </a:p>
+          <a:p>
+            <a:pPr marL="457200" lvl="0" indent="-457200" algn="l" rtl="0">
+              <a:lnSpc>
+                <a:spcPct val="115000"/>
+              </a:lnSpc>
+              <a:spcBef>
+                <a:spcPts val="0"/>
+              </a:spcBef>
+              <a:spcAft>
+                <a:spcPts val="0"/>
+              </a:spcAft>
+              <a:buAutoNum type="arabicParenR"/>
+            </a:pPr>
+            <a:r>
+              <a:rPr lang="en-US" sz="2000" dirty="0">
+                <a:solidFill>
+                  <a:schemeClr val="accent1"/>
+                </a:solidFill>
+                <a:latin typeface="Lato"/>
+                <a:ea typeface="Lato"/>
+                <a:cs typeface="Lato"/>
+                <a:sym typeface="Lato"/>
+              </a:rPr>
+              <a:t>Import Data Using “Table Import Wizard”</a:t>
+            </a:r>
+          </a:p>
+          <a:p>
+            <a:pPr lvl="2">
+              <a:lnSpc>
+                <a:spcPct val="115000"/>
+              </a:lnSpc>
+            </a:pPr>
+            <a:r>
+              <a:rPr lang="en-US" sz="2000" dirty="0">
+                <a:solidFill>
+                  <a:schemeClr val="accent1"/>
+                </a:solidFill>
+                <a:latin typeface="Lato"/>
+                <a:ea typeface="Lato"/>
+                <a:cs typeface="Lato"/>
+                <a:sym typeface="Lato"/>
+              </a:rPr>
+              <a:t>	- Right-Click Table</a:t>
+            </a:r>
+          </a:p>
+          <a:p>
+            <a:pPr lvl="2">
+              <a:lnSpc>
+                <a:spcPct val="115000"/>
+              </a:lnSpc>
+            </a:pPr>
+            <a:r>
+              <a:rPr lang="en-US" sz="2000" dirty="0">
+                <a:solidFill>
+                  <a:schemeClr val="accent1"/>
+                </a:solidFill>
+                <a:latin typeface="Lato"/>
+                <a:ea typeface="Lato"/>
+                <a:cs typeface="Lato"/>
+                <a:sym typeface="Lato"/>
+              </a:rPr>
+              <a:t>	- Select “Table Data Import Wizard”</a:t>
+            </a:r>
+          </a:p>
+          <a:p>
+            <a:pPr marL="457200" lvl="0" indent="-457200" algn="l" rtl="0">
+              <a:lnSpc>
+                <a:spcPct val="115000"/>
+              </a:lnSpc>
+              <a:spcBef>
+                <a:spcPts val="0"/>
+              </a:spcBef>
+              <a:spcAft>
+                <a:spcPts val="0"/>
+              </a:spcAft>
+              <a:buAutoNum type="arabicParenR"/>
+            </a:pPr>
+            <a:r>
+              <a:rPr lang="en-US" sz="2000" dirty="0">
+                <a:solidFill>
+                  <a:schemeClr val="accent1"/>
+                </a:solidFill>
+                <a:latin typeface="Lato"/>
+                <a:ea typeface="Lato"/>
+                <a:cs typeface="Lato"/>
+                <a:sym typeface="Lato"/>
+              </a:rPr>
+              <a:t>Within the “Table Import Wizard”</a:t>
+            </a:r>
+          </a:p>
+          <a:p>
+            <a:pPr lvl="2">
+              <a:lnSpc>
+                <a:spcPct val="115000"/>
+              </a:lnSpc>
+            </a:pPr>
+            <a:r>
+              <a:rPr lang="en-US" sz="2000" dirty="0">
+                <a:solidFill>
+                  <a:schemeClr val="accent1"/>
+                </a:solidFill>
+                <a:latin typeface="Lato"/>
+                <a:ea typeface="Lato"/>
+                <a:cs typeface="Lato"/>
+                <a:sym typeface="Lato"/>
+              </a:rPr>
+              <a:t>	- Select CSV file</a:t>
+            </a:r>
+          </a:p>
+          <a:p>
+            <a:pPr lvl="2">
+              <a:lnSpc>
+                <a:spcPct val="115000"/>
+              </a:lnSpc>
+            </a:pPr>
+            <a:r>
+              <a:rPr lang="en-US" sz="2000" dirty="0">
+                <a:solidFill>
+                  <a:schemeClr val="accent1"/>
+                </a:solidFill>
+                <a:latin typeface="Lato"/>
+                <a:ea typeface="Lato"/>
+                <a:cs typeface="Lato"/>
+                <a:sym typeface="Lato"/>
+              </a:rPr>
+              <a:t>	- Select Destination – Use Existing Table</a:t>
+            </a:r>
+          </a:p>
+          <a:p>
+            <a:pPr lvl="2">
+              <a:lnSpc>
+                <a:spcPct val="115000"/>
+              </a:lnSpc>
+            </a:pPr>
+            <a:r>
+              <a:rPr lang="en-US" sz="2000" dirty="0">
+                <a:solidFill>
+                  <a:schemeClr val="accent1"/>
+                </a:solidFill>
+                <a:latin typeface="Lato"/>
+                <a:ea typeface="Lato"/>
+                <a:cs typeface="Lato"/>
+                <a:sym typeface="Lato"/>
+              </a:rPr>
+              <a:t>	-  Configure Import Setting – Column Types, Encoding (utf-8) </a:t>
+            </a:r>
+          </a:p>
+          <a:p>
+            <a:pPr marL="457200" lvl="0" indent="-457200" algn="l" rtl="0">
+              <a:lnSpc>
+                <a:spcPct val="115000"/>
+              </a:lnSpc>
+              <a:spcBef>
+                <a:spcPts val="0"/>
+              </a:spcBef>
+              <a:spcAft>
+                <a:spcPts val="0"/>
+              </a:spcAft>
+              <a:buAutoNum type="arabicParenR"/>
+            </a:pPr>
+            <a:r>
+              <a:rPr lang="en-US" sz="2000" dirty="0">
+                <a:solidFill>
+                  <a:schemeClr val="accent1"/>
+                </a:solidFill>
+                <a:latin typeface="Lato"/>
+                <a:ea typeface="Lato"/>
+                <a:cs typeface="Lato"/>
+                <a:sym typeface="Lato"/>
+              </a:rPr>
+              <a:t>Import Data – Click Next, Monitor Import Log</a:t>
+            </a:r>
+          </a:p>
+          <a:p>
+            <a:pPr lvl="1">
+              <a:lnSpc>
+                <a:spcPct val="115000"/>
+              </a:lnSpc>
+            </a:pPr>
+            <a:r>
+              <a:rPr lang="en-US" sz="2000" dirty="0">
+                <a:solidFill>
+                  <a:schemeClr val="accent1"/>
+                </a:solidFill>
+                <a:latin typeface="Lato"/>
+                <a:ea typeface="Lato"/>
+                <a:cs typeface="Lato"/>
+                <a:sym typeface="Lato"/>
+              </a:rPr>
+              <a:t>	-  Create “Select *” script to check results	</a:t>
+            </a:r>
+          </a:p>
+          <a:p>
+            <a:pPr lvl="2">
+              <a:lnSpc>
+                <a:spcPct val="115000"/>
+              </a:lnSpc>
+            </a:pPr>
+            <a:endParaRPr lang="en-US" sz="2000" dirty="0">
+              <a:solidFill>
+                <a:schemeClr val="accent1"/>
+              </a:solidFill>
+              <a:latin typeface="Lato"/>
+              <a:ea typeface="Lato"/>
+              <a:cs typeface="Lato"/>
+              <a:sym typeface="Lato"/>
+            </a:endParaRPr>
+          </a:p>
+          <a:p>
+            <a:pPr marL="457200" lvl="0" indent="-457200" algn="l" rtl="0">
+              <a:lnSpc>
+                <a:spcPct val="115000"/>
+              </a:lnSpc>
+              <a:spcBef>
+                <a:spcPts val="0"/>
+              </a:spcBef>
+              <a:spcAft>
+                <a:spcPts val="0"/>
+              </a:spcAft>
+              <a:buAutoNum type="arabicParenR"/>
+            </a:pPr>
+            <a:endParaRPr lang="en-US" sz="2000" dirty="0">
+              <a:solidFill>
+                <a:schemeClr val="accent1"/>
+              </a:solidFill>
+              <a:latin typeface="Lato"/>
+              <a:ea typeface="Lato"/>
+              <a:cs typeface="Lato"/>
+              <a:sym typeface="Lato"/>
+            </a:endParaRPr>
+          </a:p>
+          <a:p>
+            <a:pPr lvl="2">
+              <a:lnSpc>
+                <a:spcPct val="115000"/>
+              </a:lnSpc>
+            </a:pPr>
+            <a:r>
+              <a:rPr lang="en-US" sz="2000" dirty="0">
+                <a:solidFill>
+                  <a:schemeClr val="accent1"/>
+                </a:solidFill>
+                <a:latin typeface="Lato"/>
+                <a:ea typeface="Lato"/>
+                <a:cs typeface="Lato"/>
+                <a:sym typeface="Lato"/>
+              </a:rPr>
+              <a:t>	</a:t>
+            </a:r>
+          </a:p>
+          <a:p>
+            <a:pPr marL="457200" lvl="0" indent="-457200" algn="l" rtl="0">
+              <a:lnSpc>
+                <a:spcPct val="115000"/>
+              </a:lnSpc>
+              <a:spcBef>
+                <a:spcPts val="0"/>
+              </a:spcBef>
+              <a:spcAft>
+                <a:spcPts val="0"/>
+              </a:spcAft>
+              <a:buAutoNum type="arabicParenR"/>
+            </a:pPr>
+            <a:endParaRPr lang="en-US" sz="2400" dirty="0">
+              <a:solidFill>
+                <a:schemeClr val="accent1"/>
+              </a:solidFill>
+              <a:latin typeface="Lato"/>
+              <a:ea typeface="Lato"/>
+              <a:cs typeface="Lato"/>
+              <a:sym typeface="Lato"/>
+            </a:endParaRPr>
+          </a:p>
+        </p:txBody>
+      </p:sp>
+      <p:sp>
+        <p:nvSpPr>
+          <p:cNvPr id="11" name="Google Shape;274;p39">
+            <a:extLst>
+              <a:ext uri="{FF2B5EF4-FFF2-40B4-BE49-F238E27FC236}">
+                <a16:creationId xmlns:a16="http://schemas.microsoft.com/office/drawing/2014/main" id="{B0432C92-961A-4D06-B9F2-FF82A2ED768F}"/>
+              </a:ext>
+            </a:extLst>
+          </p:cNvPr>
+          <p:cNvSpPr txBox="1"/>
+          <p:nvPr/>
+        </p:nvSpPr>
+        <p:spPr>
+          <a:xfrm>
+            <a:off x="6572791" y="5115433"/>
+            <a:ext cx="5122673" cy="443971"/>
+          </a:xfrm>
+          <a:prstGeom prst="rect">
+            <a:avLst/>
+          </a:prstGeom>
+          <a:noFill/>
+          <a:ln>
+            <a:noFill/>
+          </a:ln>
+        </p:spPr>
+        <p:txBody>
+          <a:bodyPr spcFirstLastPara="1" wrap="square" lIns="91425" tIns="91425" rIns="91425" bIns="91425" anchor="t" anchorCtr="0">
+            <a:noAutofit/>
+          </a:bodyPr>
+          <a:lstStyle/>
+          <a:p>
+            <a:pPr>
+              <a:lnSpc>
+                <a:spcPct val="115000"/>
+              </a:lnSpc>
+            </a:pPr>
+            <a:r>
+              <a:rPr lang="en-US" sz="1600" dirty="0">
+                <a:latin typeface="Lato"/>
+                <a:ea typeface="Lato"/>
+                <a:cs typeface="Lato"/>
+                <a:sym typeface="Lato"/>
+              </a:rPr>
+              <a:t>Example: </a:t>
+            </a:r>
+            <a:r>
+              <a:rPr lang="en-US" dirty="0">
+                <a:hlinkClick r:id="rId4"/>
+              </a:rPr>
+              <a:t>https://www.youtube.com/watch?v=vzYFZXI43hM</a:t>
+            </a:r>
+            <a:endParaRPr lang="en-US" dirty="0"/>
+          </a:p>
+        </p:txBody>
+      </p:sp>
+    </p:spTree>
+    <p:extLst>
+      <p:ext uri="{BB962C8B-B14F-4D97-AF65-F5344CB8AC3E}">
+        <p14:creationId xmlns:p14="http://schemas.microsoft.com/office/powerpoint/2010/main" val="2110584022"/>
+      </p:ext>
+    </p:extLst>
+  </p:cSld>
+  <p:clrMapOvr>
+    <a:masterClrMapping/>
+  </p:clrMapOvr>
+</p:sld>
+</file>
+
+<file path=ppt/slides/slide15.xml><?xml version="1.0" encoding="utf-8"?>
+<p:sld xmlns:a="http://schemas.openxmlformats.org/drawingml/2006/main" xmlns:r="http://schemas.openxmlformats.org/officeDocument/2006/relationships" xmlns:p="http://schemas.openxmlformats.org/presentationml/2006/main">
+  <p:cSld>
+    <p:spTree>
+      <p:nvGrpSpPr>
+        <p:cNvPr id="1" name="Shape 190"/>
+        <p:cNvGrpSpPr/>
+        <p:nvPr/>
+      </p:nvGrpSpPr>
+      <p:grpSpPr>
+        <a:xfrm>
+          <a:off x="0" y="0"/>
+          <a:ext cx="0" cy="0"/>
+          <a:chOff x="0" y="0"/>
+          <a:chExt cx="0" cy="0"/>
+        </a:xfrm>
+      </p:grpSpPr>
+      <p:sp>
+        <p:nvSpPr>
+          <p:cNvPr id="191" name="Google Shape;191;p29"/>
+          <p:cNvSpPr txBox="1">
+            <a:spLocks noGrp="1"/>
+          </p:cNvSpPr>
+          <p:nvPr>
+            <p:ph type="title" idx="4294967295"/>
+          </p:nvPr>
+        </p:nvSpPr>
+        <p:spPr>
+          <a:xfrm>
+            <a:off x="913795" y="609600"/>
+            <a:ext cx="10353900" cy="970500"/>
+          </a:xfrm>
+          <a:prstGeom prst="rect">
+            <a:avLst/>
+          </a:prstGeom>
+          <a:noFill/>
+          <a:ln>
+            <a:noFill/>
+          </a:ln>
+          <a:effectLst>
+            <a:outerShdw blurRad="25400">
+              <a:srgbClr val="000000">
+                <a:alpha val="45490"/>
+              </a:srgbClr>
+            </a:outerShdw>
+          </a:effectLst>
+        </p:spPr>
+        <p:txBody>
+          <a:bodyPr spcFirstLastPara="1" wrap="square" lIns="91425" tIns="45700" rIns="91425" bIns="45700" anchor="ctr" anchorCtr="0">
+            <a:noAutofit/>
+          </a:bodyPr>
+          <a:lstStyle/>
+          <a:p>
+            <a:pPr marL="0" lvl="0" indent="0" algn="l" rtl="0">
+              <a:lnSpc>
+                <a:spcPct val="100000"/>
+              </a:lnSpc>
+              <a:spcBef>
+                <a:spcPts val="0"/>
+              </a:spcBef>
+              <a:spcAft>
+                <a:spcPts val="0"/>
+              </a:spcAft>
+              <a:buClr>
+                <a:schemeClr val="lt2"/>
+              </a:buClr>
+              <a:buSzPts val="4000"/>
+              <a:buFont typeface="Lustria"/>
+              <a:buNone/>
+            </a:pPr>
+            <a:r>
+              <a:rPr lang="en-US"/>
+              <a:t>Project Milestones</a:t>
+            </a:r>
+            <a:endParaRPr/>
+          </a:p>
+        </p:txBody>
+      </p:sp>
+      <p:sp>
+        <p:nvSpPr>
+          <p:cNvPr id="192" name="Google Shape;192;p29"/>
+          <p:cNvSpPr txBox="1">
+            <a:spLocks noGrp="1"/>
+          </p:cNvSpPr>
+          <p:nvPr>
+            <p:ph type="body" idx="4294967295"/>
+          </p:nvPr>
+        </p:nvSpPr>
+        <p:spPr>
+          <a:xfrm>
+            <a:off x="1001545" y="1995724"/>
+            <a:ext cx="10353900" cy="4058700"/>
+          </a:xfrm>
+          <a:prstGeom prst="rect">
+            <a:avLst/>
+          </a:prstGeom>
+          <a:noFill/>
+          <a:ln>
+            <a:noFill/>
+          </a:ln>
+          <a:effectLst>
+            <a:outerShdw blurRad="25400">
+              <a:srgbClr val="000000">
+                <a:alpha val="45490"/>
+              </a:srgbClr>
+            </a:outerShdw>
+          </a:effectLst>
+        </p:spPr>
+        <p:txBody>
+          <a:bodyPr spcFirstLastPara="1" wrap="square" lIns="91425" tIns="45700" rIns="91425" bIns="45700" anchor="t" anchorCtr="0">
+            <a:noAutofit/>
+          </a:bodyPr>
+          <a:lstStyle/>
+          <a:p>
+            <a:pPr marL="494098" lvl="0" indent="-494098" algn="l" rtl="0">
+              <a:lnSpc>
+                <a:spcPct val="115000"/>
+              </a:lnSpc>
+              <a:spcBef>
+                <a:spcPts val="0"/>
+              </a:spcBef>
+              <a:spcAft>
+                <a:spcPts val="0"/>
+              </a:spcAft>
+              <a:buClr>
+                <a:srgbClr val="000000"/>
+              </a:buClr>
+              <a:buSzPts val="2400"/>
+              <a:buFont typeface="Lustria"/>
+              <a:buAutoNum type="arabicPeriod"/>
+            </a:pPr>
+            <a:r>
+              <a:rPr lang="en-US" sz="2400" dirty="0">
+                <a:solidFill>
+                  <a:srgbClr val="000000"/>
+                </a:solidFill>
+              </a:rPr>
+              <a:t>Query Data for Data Understanding/Relevant Information (Class 2) </a:t>
+            </a:r>
+          </a:p>
+          <a:p>
+            <a:pPr marL="494098" lvl="0" indent="-494098" algn="l" rtl="0">
+              <a:lnSpc>
+                <a:spcPct val="115000"/>
+              </a:lnSpc>
+              <a:spcBef>
+                <a:spcPts val="1000"/>
+              </a:spcBef>
+              <a:spcAft>
+                <a:spcPts val="0"/>
+              </a:spcAft>
+              <a:buClr>
+                <a:srgbClr val="6AA84F"/>
+              </a:buClr>
+              <a:buSzPts val="2400"/>
+              <a:buFont typeface="Lustria"/>
+              <a:buAutoNum type="arabicPeriod"/>
+            </a:pPr>
+            <a:r>
+              <a:rPr lang="en-US" sz="2400" dirty="0">
+                <a:solidFill>
+                  <a:srgbClr val="6AA84F"/>
+                </a:solidFill>
+              </a:rPr>
+              <a:t>Import data into MySQL database (Class 3)</a:t>
+            </a:r>
+          </a:p>
+          <a:p>
+            <a:pPr marL="494098" lvl="0" indent="-494098" algn="l" rtl="0">
+              <a:lnSpc>
+                <a:spcPct val="115000"/>
+              </a:lnSpc>
+              <a:spcBef>
+                <a:spcPts val="1000"/>
+              </a:spcBef>
+              <a:spcAft>
+                <a:spcPts val="0"/>
+              </a:spcAft>
+              <a:buClr>
+                <a:srgbClr val="6AA84F"/>
+              </a:buClr>
+              <a:buSzPts val="2400"/>
+              <a:buFont typeface="Lustria"/>
+              <a:buAutoNum type="arabicPeriod"/>
+            </a:pPr>
+            <a:r>
+              <a:rPr lang="en-US" sz="2400" dirty="0">
+                <a:solidFill>
+                  <a:srgbClr val="6AA84F"/>
+                </a:solidFill>
+              </a:rPr>
+              <a:t>Storing/Joining data for analysis (Class 3-4)</a:t>
+            </a:r>
+            <a:endParaRPr sz="2400" dirty="0">
+              <a:solidFill>
+                <a:srgbClr val="6AA84F"/>
+              </a:solidFill>
+            </a:endParaRPr>
+          </a:p>
+          <a:p>
+            <a:pPr marL="494098" lvl="0" indent="-494098" algn="l" rtl="0">
+              <a:lnSpc>
+                <a:spcPct val="115000"/>
+              </a:lnSpc>
+              <a:spcBef>
+                <a:spcPts val="1000"/>
+              </a:spcBef>
+              <a:spcAft>
+                <a:spcPts val="0"/>
+              </a:spcAft>
+              <a:buClr>
+                <a:srgbClr val="000000"/>
+              </a:buClr>
+              <a:buSzPts val="2400"/>
+              <a:buAutoNum type="arabicPeriod"/>
+            </a:pPr>
+            <a:r>
+              <a:rPr lang="en-US" sz="2400" dirty="0">
+                <a:solidFill>
+                  <a:srgbClr val="000000"/>
+                </a:solidFill>
+              </a:rPr>
+              <a:t>Cleaning Data (Class 5)</a:t>
+            </a:r>
+            <a:endParaRPr sz="2400" dirty="0">
+              <a:solidFill>
+                <a:srgbClr val="000000"/>
+              </a:solidFill>
+            </a:endParaRPr>
+          </a:p>
+          <a:p>
+            <a:pPr marL="494098" lvl="0" indent="-494098" algn="l" rtl="0">
+              <a:lnSpc>
+                <a:spcPct val="115000"/>
+              </a:lnSpc>
+              <a:spcBef>
+                <a:spcPts val="1000"/>
+              </a:spcBef>
+              <a:spcAft>
+                <a:spcPts val="0"/>
+              </a:spcAft>
+              <a:buClr>
+                <a:srgbClr val="000000"/>
+              </a:buClr>
+              <a:buSzPts val="2400"/>
+              <a:buFont typeface="Lustria"/>
+              <a:buAutoNum type="arabicPeriod"/>
+            </a:pPr>
+            <a:r>
+              <a:rPr lang="en-US" sz="2400" dirty="0">
+                <a:solidFill>
+                  <a:srgbClr val="000000"/>
+                </a:solidFill>
+              </a:rPr>
+              <a:t>Normalize Data &amp; Create Data Model (Class 6)</a:t>
+            </a:r>
+            <a:endParaRPr sz="2400" dirty="0">
+              <a:solidFill>
+                <a:srgbClr val="000000"/>
+              </a:solidFill>
+            </a:endParaRPr>
+          </a:p>
+          <a:p>
+            <a:pPr marL="494098" lvl="0" indent="-494098" algn="l" rtl="0">
+              <a:lnSpc>
+                <a:spcPct val="115000"/>
+              </a:lnSpc>
+              <a:spcBef>
+                <a:spcPts val="1000"/>
+              </a:spcBef>
+              <a:spcAft>
+                <a:spcPts val="0"/>
+              </a:spcAft>
+              <a:buClr>
+                <a:srgbClr val="000000"/>
+              </a:buClr>
+              <a:buSzPts val="2400"/>
+              <a:buFont typeface="Lustria"/>
+              <a:buAutoNum type="arabicPeriod"/>
+            </a:pPr>
+            <a:r>
+              <a:rPr lang="en-US" sz="2400" dirty="0">
+                <a:solidFill>
+                  <a:srgbClr val="000000"/>
+                </a:solidFill>
+              </a:rPr>
+              <a:t>Analyze Data Quality &amp; Create Data Dictionary (Class 7) </a:t>
+            </a:r>
+            <a:endParaRPr sz="2400" dirty="0">
+              <a:solidFill>
+                <a:srgbClr val="000000"/>
+              </a:solidFill>
+            </a:endParaRPr>
+          </a:p>
+          <a:p>
+            <a:pPr marL="494098" lvl="0" indent="-494098" algn="l" rtl="0">
+              <a:lnSpc>
+                <a:spcPct val="115000"/>
+              </a:lnSpc>
+              <a:spcBef>
+                <a:spcPts val="1000"/>
+              </a:spcBef>
+              <a:spcAft>
+                <a:spcPts val="0"/>
+              </a:spcAft>
+              <a:buClr>
+                <a:srgbClr val="000000"/>
+              </a:buClr>
+              <a:buSzPts val="2400"/>
+              <a:buFont typeface="Lustria"/>
+              <a:buAutoNum type="arabicPeriod"/>
+            </a:pPr>
+            <a:r>
+              <a:rPr lang="en-US" sz="2400" dirty="0">
+                <a:solidFill>
+                  <a:srgbClr val="000000"/>
+                </a:solidFill>
+              </a:rPr>
+              <a:t>Connect Data to </a:t>
+            </a:r>
+            <a:r>
+              <a:rPr lang="en-US" sz="2400" dirty="0" err="1">
+                <a:solidFill>
+                  <a:srgbClr val="000000"/>
+                </a:solidFill>
+              </a:rPr>
+              <a:t>PowerBI</a:t>
+            </a:r>
+            <a:r>
+              <a:rPr lang="en-US" sz="2400" dirty="0">
+                <a:solidFill>
+                  <a:srgbClr val="000000"/>
+                </a:solidFill>
+              </a:rPr>
+              <a:t> Desktop/Cloud, Answer Business Questions Automate data workflow using ETL (Python - Optional) (Class 8)</a:t>
+            </a:r>
+            <a:endParaRPr sz="2400" dirty="0">
+              <a:solidFill>
+                <a:srgbClr val="000000"/>
+              </a:solidFill>
+            </a:endParaRPr>
+          </a:p>
+        </p:txBody>
+      </p:sp>
+    </p:spTree>
+  </p:cSld>
+  <p:clrMapOvr>
+    <a:masterClrMapping/>
+  </p:clrMapOvr>
+</p:sld>
+</file>
+
+<file path=ppt/slides/slide16.xml><?xml version="1.0" encoding="utf-8"?>
+<p:sld xmlns:a="http://schemas.openxmlformats.org/drawingml/2006/main" xmlns:r="http://schemas.openxmlformats.org/officeDocument/2006/relationships" xmlns:p="http://schemas.openxmlformats.org/presentationml/2006/main">
+  <p:cSld>
+    <p:spTree>
+      <p:nvGrpSpPr>
+        <p:cNvPr id="1" name="Shape 290"/>
+        <p:cNvGrpSpPr/>
+        <p:nvPr/>
+      </p:nvGrpSpPr>
+      <p:grpSpPr>
+        <a:xfrm>
+          <a:off x="0" y="0"/>
+          <a:ext cx="0" cy="0"/>
+          <a:chOff x="0" y="0"/>
+          <a:chExt cx="0" cy="0"/>
+        </a:xfrm>
+      </p:grpSpPr>
+      <p:sp>
+        <p:nvSpPr>
+          <p:cNvPr id="291" name="Google Shape;291;p41"/>
+          <p:cNvSpPr txBox="1">
+            <a:spLocks noGrp="1"/>
+          </p:cNvSpPr>
+          <p:nvPr>
+            <p:ph type="ctrTitle"/>
+          </p:nvPr>
+        </p:nvSpPr>
+        <p:spPr>
+          <a:xfrm>
+            <a:off x="972825" y="697317"/>
+            <a:ext cx="10250700" cy="2219700"/>
+          </a:xfrm>
+          <a:prstGeom prst="rect">
+            <a:avLst/>
+          </a:prstGeom>
+        </p:spPr>
+        <p:txBody>
+          <a:bodyPr spcFirstLastPara="1" wrap="square" lIns="121900" tIns="121900" rIns="121900" bIns="121900" anchor="t" anchorCtr="0">
+            <a:noAutofit/>
+          </a:bodyPr>
+          <a:lstStyle/>
+          <a:p>
+            <a:pPr marL="0" lvl="0" indent="0" algn="l" rtl="0">
+              <a:spcBef>
+                <a:spcPts val="0"/>
+              </a:spcBef>
+              <a:spcAft>
+                <a:spcPts val="0"/>
+              </a:spcAft>
+              <a:buNone/>
+            </a:pPr>
+            <a:r>
+              <a:rPr lang="en-US"/>
+              <a:t>Class Project </a:t>
+            </a:r>
+            <a:endParaRPr/>
+          </a:p>
+        </p:txBody>
+      </p:sp>
+      <p:sp>
+        <p:nvSpPr>
+          <p:cNvPr id="292" name="Google Shape;292;p41"/>
+          <p:cNvSpPr txBox="1"/>
+          <p:nvPr/>
+        </p:nvSpPr>
+        <p:spPr>
+          <a:xfrm>
+            <a:off x="492375" y="1656925"/>
+            <a:ext cx="6672300" cy="6929400"/>
+          </a:xfrm>
+          <a:prstGeom prst="rect">
+            <a:avLst/>
+          </a:prstGeom>
+          <a:noFill/>
+          <a:ln>
+            <a:noFill/>
+          </a:ln>
+        </p:spPr>
+        <p:txBody>
+          <a:bodyPr spcFirstLastPara="1" wrap="square" lIns="91425" tIns="91425" rIns="91425" bIns="91425" anchor="t" anchorCtr="0">
+            <a:noAutofit/>
+          </a:bodyPr>
+          <a:lstStyle/>
+          <a:p>
+            <a:pPr marL="0" lvl="0" indent="0" algn="ctr" rtl="0">
+              <a:spcBef>
+                <a:spcPts val="0"/>
+              </a:spcBef>
+              <a:spcAft>
+                <a:spcPts val="0"/>
+              </a:spcAft>
+              <a:buNone/>
+            </a:pPr>
+            <a:r>
+              <a:rPr lang="en-US" sz="1800" b="1" u="sng" dirty="0"/>
+              <a:t>Data Storage &amp; Manipulation</a:t>
+            </a:r>
+            <a:endParaRPr sz="1800" b="1" u="sng" dirty="0"/>
+          </a:p>
+          <a:p>
+            <a:pPr marL="0" lvl="0" indent="0" algn="ctr" rtl="0">
+              <a:spcBef>
+                <a:spcPts val="0"/>
+              </a:spcBef>
+              <a:spcAft>
+                <a:spcPts val="0"/>
+              </a:spcAft>
+              <a:buNone/>
+            </a:pPr>
+            <a:endParaRPr sz="1800" b="1" u="sng" dirty="0"/>
+          </a:p>
+          <a:p>
+            <a:r>
+              <a:rPr lang="en-US" sz="1700" dirty="0"/>
+              <a:t>1. To fully understand the current “top games” in the marketplace, the business needs to store additional video game sales data, </a:t>
+            </a:r>
+            <a:endParaRPr sz="1700" dirty="0"/>
+          </a:p>
+          <a:p>
+            <a:pPr marL="457200" lvl="0" indent="-336550" algn="l" rtl="0">
+              <a:spcBef>
+                <a:spcPts val="0"/>
+              </a:spcBef>
+              <a:spcAft>
+                <a:spcPts val="0"/>
+              </a:spcAft>
+              <a:buSzPts val="1700"/>
+              <a:buAutoNum type="alphaLcParenR"/>
+            </a:pPr>
+            <a:r>
+              <a:rPr lang="en-US" sz="1700" dirty="0"/>
+              <a:t>Create a table named “</a:t>
+            </a:r>
+            <a:r>
+              <a:rPr lang="en-US" sz="1700" dirty="0" err="1"/>
+              <a:t>console_game_sales</a:t>
+            </a:r>
+            <a:r>
+              <a:rPr lang="en-US" sz="1700" dirty="0"/>
+              <a:t>” in the consoles schema, using the “ConsoleGames_201905.csv” file in the “Class Project/consoles” folder</a:t>
+            </a:r>
+            <a:endParaRPr sz="1700" dirty="0"/>
+          </a:p>
+          <a:p>
+            <a:pPr marL="457200" lvl="0" indent="0" algn="l" rtl="0">
+              <a:spcBef>
+                <a:spcPts val="0"/>
+              </a:spcBef>
+              <a:spcAft>
+                <a:spcPts val="0"/>
+              </a:spcAft>
+              <a:buNone/>
+            </a:pPr>
+            <a:endParaRPr sz="1700" dirty="0"/>
+          </a:p>
+          <a:p>
+            <a:pPr marL="457200" lvl="0" indent="-336550" algn="l" rtl="0">
+              <a:spcBef>
+                <a:spcPts val="0"/>
+              </a:spcBef>
+              <a:spcAft>
+                <a:spcPts val="0"/>
+              </a:spcAft>
+              <a:buSzPts val="1700"/>
+              <a:buAutoNum type="alphaLcParenR"/>
+            </a:pPr>
+            <a:r>
+              <a:rPr lang="en-US" sz="1700" dirty="0"/>
+              <a:t>Create a SQL script that inserts the values of the CSV file, into the “</a:t>
+            </a:r>
+            <a:r>
+              <a:rPr lang="en-US" sz="1700" dirty="0" err="1"/>
+              <a:t>console_game_sales</a:t>
+            </a:r>
+            <a:r>
+              <a:rPr lang="en-US" sz="1700" dirty="0"/>
+              <a:t>” table.</a:t>
+            </a:r>
+            <a:endParaRPr sz="1700" dirty="0"/>
+          </a:p>
+          <a:p>
+            <a:pPr marL="0" lvl="0" indent="0" algn="l" rtl="0">
+              <a:spcBef>
+                <a:spcPts val="0"/>
+              </a:spcBef>
+              <a:spcAft>
+                <a:spcPts val="0"/>
+              </a:spcAft>
+              <a:buNone/>
+            </a:pPr>
+            <a:endParaRPr sz="1700" dirty="0"/>
+          </a:p>
+          <a:p>
+            <a:pPr marL="0" lvl="0" indent="0" algn="l" rtl="0">
+              <a:spcBef>
+                <a:spcPts val="0"/>
+              </a:spcBef>
+              <a:spcAft>
+                <a:spcPts val="0"/>
+              </a:spcAft>
+              <a:buNone/>
+            </a:pPr>
+            <a:r>
+              <a:rPr lang="en-US" sz="1700" dirty="0"/>
+              <a:t>2. The company is not interested in producing Sports Games - Remove these observations from the “</a:t>
+            </a:r>
+            <a:r>
+              <a:rPr lang="en-US" sz="1700" dirty="0" err="1"/>
+              <a:t>console_game_sales</a:t>
+            </a:r>
+            <a:r>
+              <a:rPr lang="en-US" sz="1700" dirty="0"/>
+              <a:t>” table</a:t>
+            </a:r>
+            <a:endParaRPr sz="1700" dirty="0"/>
+          </a:p>
+          <a:p>
+            <a:pPr marL="0" lvl="0" indent="0" algn="l" rtl="0">
+              <a:spcBef>
+                <a:spcPts val="0"/>
+              </a:spcBef>
+              <a:spcAft>
+                <a:spcPts val="0"/>
+              </a:spcAft>
+              <a:buNone/>
+            </a:pPr>
+            <a:endParaRPr sz="1700" dirty="0"/>
+          </a:p>
+          <a:p>
+            <a:pPr marL="0" lvl="0" indent="0" algn="l" rtl="0">
+              <a:spcBef>
+                <a:spcPts val="0"/>
+              </a:spcBef>
+              <a:spcAft>
+                <a:spcPts val="0"/>
+              </a:spcAft>
+              <a:buNone/>
+            </a:pPr>
+            <a:r>
+              <a:rPr lang="en-US" sz="1700" dirty="0"/>
+              <a:t>3. The CEO insist that “Barbie Adventure Game” is a top-seller.  Insert a record with that “Title” into the table, for comparison purposes (mock-up field values) </a:t>
+            </a:r>
+            <a:endParaRPr sz="1700" dirty="0"/>
+          </a:p>
+          <a:p>
+            <a:pPr marL="0" lvl="0" indent="0" algn="l" rtl="0">
+              <a:spcBef>
+                <a:spcPts val="0"/>
+              </a:spcBef>
+              <a:spcAft>
+                <a:spcPts val="0"/>
+              </a:spcAft>
+              <a:buNone/>
+            </a:pPr>
+            <a:endParaRPr sz="1700" dirty="0"/>
+          </a:p>
+        </p:txBody>
+      </p:sp>
+      <p:pic>
+        <p:nvPicPr>
+          <p:cNvPr id="293" name="Google Shape;293;p41"/>
+          <p:cNvPicPr preferRelativeResize="0"/>
+          <p:nvPr/>
+        </p:nvPicPr>
+        <p:blipFill>
+          <a:blip r:embed="rId3">
+            <a:alphaModFix/>
+          </a:blip>
+          <a:stretch>
+            <a:fillRect/>
+          </a:stretch>
+        </p:blipFill>
+        <p:spPr>
+          <a:xfrm>
+            <a:off x="7564875" y="2150517"/>
+            <a:ext cx="3636183" cy="3636183"/>
+          </a:xfrm>
+          <a:prstGeom prst="rect">
+            <a:avLst/>
+          </a:prstGeom>
+          <a:noFill/>
+          <a:ln>
+            <a:noFill/>
+          </a:ln>
+        </p:spPr>
+      </p:pic>
+    </p:spTree>
+  </p:cSld>
+  <p:clrMapOvr>
+    <a:masterClrMapping/>
+  </p:clrMapOvr>
+</p:sld>
+</file>
+
+<file path=ppt/slides/slide17.xml><?xml version="1.0" encoding="utf-8"?>
+<p:sld xmlns:a="http://schemas.openxmlformats.org/drawingml/2006/main" xmlns:r="http://schemas.openxmlformats.org/officeDocument/2006/relationships" xmlns:p="http://schemas.openxmlformats.org/presentationml/2006/main">
+  <p:cSld>
+    <p:spTree>
+      <p:nvGrpSpPr>
         <p:cNvPr id="1" name="Shape 283"/>
         <p:cNvGrpSpPr/>
         <p:nvPr/>

--- a/Lectures/(3) Extracting & Storing Data.pptx
+++ b/Lectures/(3) Extracting & Storing Data.pptx
@@ -21,9 +21,9 @@
     <p:sldId id="267" r:id="rId12"/>
     <p:sldId id="268" r:id="rId13"/>
     <p:sldId id="269" r:id="rId14"/>
-    <p:sldId id="270" r:id="rId15"/>
-    <p:sldId id="258" r:id="rId16"/>
-    <p:sldId id="299" r:id="rId17"/>
+    <p:sldId id="258" r:id="rId15"/>
+    <p:sldId id="299" r:id="rId16"/>
+    <p:sldId id="270" r:id="rId17"/>
     <p:sldId id="298" r:id="rId18"/>
   </p:sldIdLst>
   <p:sldSz cx="12192000" cy="6858000"/>
@@ -51,11 +51,18 @@
       <p:boldItalic r:id="rId31"/>
     </p:embeddedFont>
     <p:embeddedFont>
-      <p:font typeface="Verdana" panose="020B0604030504040204" pitchFamily="34" charset="0"/>
+      <p:font typeface="Roboto" panose="02000000000000000000" pitchFamily="2" charset="0"/>
       <p:regular r:id="rId32"/>
       <p:bold r:id="rId33"/>
       <p:italic r:id="rId34"/>
       <p:boldItalic r:id="rId35"/>
+    </p:embeddedFont>
+    <p:embeddedFont>
+      <p:font typeface="Verdana" panose="020B0604030504040204" pitchFamily="34" charset="0"/>
+      <p:regular r:id="rId36"/>
+      <p:bold r:id="rId37"/>
+      <p:italic r:id="rId38"/>
+      <p:boldItalic r:id="rId39"/>
     </p:embeddedFont>
   </p:embeddedFontLst>
   <p:defaultTextStyle>
@@ -298,7 +305,7 @@
 <file path=ppt/revisionInfo.xml><?xml version="1.0" encoding="utf-8"?>
 <p1510:revInfo xmlns:a="http://schemas.openxmlformats.org/drawingml/2006/main" xmlns:r="http://schemas.openxmlformats.org/officeDocument/2006/relationships" xmlns:p1510="http://schemas.microsoft.com/office/powerpoint/2015/10/main">
   <p1510:revLst>
-    <p1510:client id="{4E682352-887D-4C9C-ABA3-1D0EBE0E1B3B}" v="3" dt="2021-10-20T19:18:05.129"/>
+    <p1510:client id="{4E682352-887D-4C9C-ABA3-1D0EBE0E1B3B}" v="11" dt="2021-10-24T19:45:55.132"/>
   </p1510:revLst>
 </p1510:revInfo>
 </file>
@@ -307,24 +314,286 @@
 <pc:chgInfo xmlns:a="http://schemas.openxmlformats.org/drawingml/2006/main" xmlns:r="http://schemas.openxmlformats.org/officeDocument/2006/relationships" xmlns:ac="http://schemas.microsoft.com/office/drawing/2013/main/command" xmlns:pc="http://schemas.microsoft.com/office/powerpoint/2013/main/command">
   <pc:docChgLst>
     <pc:chgData name="Jeremy Bergmann" userId="2355ee0d-2b6e-4bfe-a235-383daf8df8e3" providerId="ADAL" clId="{4E682352-887D-4C9C-ABA3-1D0EBE0E1B3B}"/>
-    <pc:docChg chg="addSld delSld modSld">
-      <pc:chgData name="Jeremy Bergmann" userId="2355ee0d-2b6e-4bfe-a235-383daf8df8e3" providerId="ADAL" clId="{4E682352-887D-4C9C-ABA3-1D0EBE0E1B3B}" dt="2021-10-20T19:18:05.128" v="3"/>
+    <pc:docChg chg="custSel addSld delSld modSld sldOrd">
+      <pc:chgData name="Jeremy Bergmann" userId="2355ee0d-2b6e-4bfe-a235-383daf8df8e3" providerId="ADAL" clId="{4E682352-887D-4C9C-ABA3-1D0EBE0E1B3B}" dt="2021-10-24T20:07:14.633" v="853" actId="14100"/>
       <pc:docMkLst>
         <pc:docMk/>
       </pc:docMkLst>
-      <pc:sldChg chg="add">
-        <pc:chgData name="Jeremy Bergmann" userId="2355ee0d-2b6e-4bfe-a235-383daf8df8e3" providerId="ADAL" clId="{4E682352-887D-4C9C-ABA3-1D0EBE0E1B3B}" dt="2021-10-20T19:18:05.128" v="3"/>
+      <pc:sldChg chg="modSp mod">
+        <pc:chgData name="Jeremy Bergmann" userId="2355ee0d-2b6e-4bfe-a235-383daf8df8e3" providerId="ADAL" clId="{4E682352-887D-4C9C-ABA3-1D0EBE0E1B3B}" dt="2021-10-24T19:09:41.409" v="424" actId="1076"/>
+        <pc:sldMkLst>
+          <pc:docMk/>
+          <pc:sldMk cId="0" sldId="257"/>
+        </pc:sldMkLst>
+        <pc:spChg chg="mod">
+          <ac:chgData name="Jeremy Bergmann" userId="2355ee0d-2b6e-4bfe-a235-383daf8df8e3" providerId="ADAL" clId="{4E682352-887D-4C9C-ABA3-1D0EBE0E1B3B}" dt="2021-10-24T19:09:41.409" v="424" actId="1076"/>
+          <ac:spMkLst>
+            <pc:docMk/>
+            <pc:sldMk cId="0" sldId="257"/>
+            <ac:spMk id="186" creationId="{00000000-0000-0000-0000-000000000000}"/>
+          </ac:spMkLst>
+        </pc:spChg>
+      </pc:sldChg>
+      <pc:sldChg chg="modSp add mod">
+        <pc:chgData name="Jeremy Bergmann" userId="2355ee0d-2b6e-4bfe-a235-383daf8df8e3" providerId="ADAL" clId="{4E682352-887D-4C9C-ABA3-1D0EBE0E1B3B}" dt="2021-10-24T15:52:33.380" v="9" actId="207"/>
         <pc:sldMkLst>
           <pc:docMk/>
           <pc:sldMk cId="0" sldId="258"/>
         </pc:sldMkLst>
+        <pc:spChg chg="mod">
+          <ac:chgData name="Jeremy Bergmann" userId="2355ee0d-2b6e-4bfe-a235-383daf8df8e3" providerId="ADAL" clId="{4E682352-887D-4C9C-ABA3-1D0EBE0E1B3B}" dt="2021-10-24T15:52:33.380" v="9" actId="207"/>
+          <ac:spMkLst>
+            <pc:docMk/>
+            <pc:sldMk cId="0" sldId="258"/>
+            <ac:spMk id="192" creationId="{00000000-0000-0000-0000-000000000000}"/>
+          </ac:spMkLst>
+        </pc:spChg>
       </pc:sldChg>
-      <pc:sldChg chg="add">
-        <pc:chgData name="Jeremy Bergmann" userId="2355ee0d-2b6e-4bfe-a235-383daf8df8e3" providerId="ADAL" clId="{4E682352-887D-4C9C-ABA3-1D0EBE0E1B3B}" dt="2021-10-20T19:17:34.572" v="2"/>
+      <pc:sldChg chg="modSp mod modNotesTx">
+        <pc:chgData name="Jeremy Bergmann" userId="2355ee0d-2b6e-4bfe-a235-383daf8df8e3" providerId="ADAL" clId="{4E682352-887D-4C9C-ABA3-1D0EBE0E1B3B}" dt="2021-10-24T20:07:14.633" v="853" actId="14100"/>
+        <pc:sldMkLst>
+          <pc:docMk/>
+          <pc:sldMk cId="0" sldId="259"/>
+        </pc:sldMkLst>
+        <pc:spChg chg="mod">
+          <ac:chgData name="Jeremy Bergmann" userId="2355ee0d-2b6e-4bfe-a235-383daf8df8e3" providerId="ADAL" clId="{4E682352-887D-4C9C-ABA3-1D0EBE0E1B3B}" dt="2021-10-24T20:07:14.633" v="853" actId="14100"/>
+          <ac:spMkLst>
+            <pc:docMk/>
+            <pc:sldMk cId="0" sldId="259"/>
+            <ac:spMk id="201" creationId="{00000000-0000-0000-0000-000000000000}"/>
+          </ac:spMkLst>
+        </pc:spChg>
+      </pc:sldChg>
+      <pc:sldChg chg="modSp mod">
+        <pc:chgData name="Jeremy Bergmann" userId="2355ee0d-2b6e-4bfe-a235-383daf8df8e3" providerId="ADAL" clId="{4E682352-887D-4C9C-ABA3-1D0EBE0E1B3B}" dt="2021-10-24T18:58:48.724" v="417" actId="20577"/>
+        <pc:sldMkLst>
+          <pc:docMk/>
+          <pc:sldMk cId="0" sldId="260"/>
+        </pc:sldMkLst>
+        <pc:spChg chg="mod">
+          <ac:chgData name="Jeremy Bergmann" userId="2355ee0d-2b6e-4bfe-a235-383daf8df8e3" providerId="ADAL" clId="{4E682352-887D-4C9C-ABA3-1D0EBE0E1B3B}" dt="2021-10-24T18:58:32.821" v="396" actId="14100"/>
+          <ac:spMkLst>
+            <pc:docMk/>
+            <pc:sldMk cId="0" sldId="260"/>
+            <ac:spMk id="207" creationId="{00000000-0000-0000-0000-000000000000}"/>
+          </ac:spMkLst>
+        </pc:spChg>
+        <pc:spChg chg="mod">
+          <ac:chgData name="Jeremy Bergmann" userId="2355ee0d-2b6e-4bfe-a235-383daf8df8e3" providerId="ADAL" clId="{4E682352-887D-4C9C-ABA3-1D0EBE0E1B3B}" dt="2021-10-24T18:58:20.783" v="395" actId="14100"/>
+          <ac:spMkLst>
+            <pc:docMk/>
+            <pc:sldMk cId="0" sldId="260"/>
+            <ac:spMk id="208" creationId="{00000000-0000-0000-0000-000000000000}"/>
+          </ac:spMkLst>
+        </pc:spChg>
+        <pc:spChg chg="mod">
+          <ac:chgData name="Jeremy Bergmann" userId="2355ee0d-2b6e-4bfe-a235-383daf8df8e3" providerId="ADAL" clId="{4E682352-887D-4C9C-ABA3-1D0EBE0E1B3B}" dt="2021-10-24T18:58:48.724" v="417" actId="20577"/>
+          <ac:spMkLst>
+            <pc:docMk/>
+            <pc:sldMk cId="0" sldId="260"/>
+            <ac:spMk id="209" creationId="{00000000-0000-0000-0000-000000000000}"/>
+          </ac:spMkLst>
+        </pc:spChg>
+      </pc:sldChg>
+      <pc:sldChg chg="modSp mod">
+        <pc:chgData name="Jeremy Bergmann" userId="2355ee0d-2b6e-4bfe-a235-383daf8df8e3" providerId="ADAL" clId="{4E682352-887D-4C9C-ABA3-1D0EBE0E1B3B}" dt="2021-10-24T19:14:28.633" v="425" actId="14100"/>
+        <pc:sldMkLst>
+          <pc:docMk/>
+          <pc:sldMk cId="0" sldId="262"/>
+        </pc:sldMkLst>
+        <pc:spChg chg="mod">
+          <ac:chgData name="Jeremy Bergmann" userId="2355ee0d-2b6e-4bfe-a235-383daf8df8e3" providerId="ADAL" clId="{4E682352-887D-4C9C-ABA3-1D0EBE0E1B3B}" dt="2021-10-24T19:14:28.633" v="425" actId="14100"/>
+          <ac:spMkLst>
+            <pc:docMk/>
+            <pc:sldMk cId="0" sldId="262"/>
+            <ac:spMk id="226" creationId="{00000000-0000-0000-0000-000000000000}"/>
+          </ac:spMkLst>
+        </pc:spChg>
+      </pc:sldChg>
+      <pc:sldChg chg="modSp mod modNotesTx">
+        <pc:chgData name="Jeremy Bergmann" userId="2355ee0d-2b6e-4bfe-a235-383daf8df8e3" providerId="ADAL" clId="{4E682352-887D-4C9C-ABA3-1D0EBE0E1B3B}" dt="2021-10-24T19:16:00.124" v="453" actId="20577"/>
+        <pc:sldMkLst>
+          <pc:docMk/>
+          <pc:sldMk cId="0" sldId="263"/>
+        </pc:sldMkLst>
+        <pc:spChg chg="mod">
+          <ac:chgData name="Jeremy Bergmann" userId="2355ee0d-2b6e-4bfe-a235-383daf8df8e3" providerId="ADAL" clId="{4E682352-887D-4C9C-ABA3-1D0EBE0E1B3B}" dt="2021-10-24T19:15:42.365" v="439" actId="20577"/>
+          <ac:spMkLst>
+            <pc:docMk/>
+            <pc:sldMk cId="0" sldId="263"/>
+            <ac:spMk id="235" creationId="{00000000-0000-0000-0000-000000000000}"/>
+          </ac:spMkLst>
+        </pc:spChg>
+      </pc:sldChg>
+      <pc:sldChg chg="modSp mod modNotesTx">
+        <pc:chgData name="Jeremy Bergmann" userId="2355ee0d-2b6e-4bfe-a235-383daf8df8e3" providerId="ADAL" clId="{4E682352-887D-4C9C-ABA3-1D0EBE0E1B3B}" dt="2021-10-24T19:27:52.053" v="563" actId="20577"/>
+        <pc:sldMkLst>
+          <pc:docMk/>
+          <pc:sldMk cId="0" sldId="264"/>
+        </pc:sldMkLst>
+        <pc:cxnChg chg="mod">
+          <ac:chgData name="Jeremy Bergmann" userId="2355ee0d-2b6e-4bfe-a235-383daf8df8e3" providerId="ADAL" clId="{4E682352-887D-4C9C-ABA3-1D0EBE0E1B3B}" dt="2021-10-24T19:21:40.775" v="454" actId="14100"/>
+          <ac:cxnSpMkLst>
+            <pc:docMk/>
+            <pc:sldMk cId="0" sldId="264"/>
+            <ac:cxnSpMk id="247" creationId="{00000000-0000-0000-0000-000000000000}"/>
+          </ac:cxnSpMkLst>
+        </pc:cxnChg>
+      </pc:sldChg>
+      <pc:sldChg chg="modSp mod modNotesTx">
+        <pc:chgData name="Jeremy Bergmann" userId="2355ee0d-2b6e-4bfe-a235-383daf8df8e3" providerId="ADAL" clId="{4E682352-887D-4C9C-ABA3-1D0EBE0E1B3B}" dt="2021-10-24T19:33:03.172" v="572" actId="20577"/>
+        <pc:sldMkLst>
+          <pc:docMk/>
+          <pc:sldMk cId="0" sldId="265"/>
+        </pc:sldMkLst>
+        <pc:spChg chg="mod">
+          <ac:chgData name="Jeremy Bergmann" userId="2355ee0d-2b6e-4bfe-a235-383daf8df8e3" providerId="ADAL" clId="{4E682352-887D-4C9C-ABA3-1D0EBE0E1B3B}" dt="2021-10-24T19:33:03.172" v="572" actId="20577"/>
+          <ac:spMkLst>
+            <pc:docMk/>
+            <pc:sldMk cId="0" sldId="265"/>
+            <ac:spMk id="253" creationId="{00000000-0000-0000-0000-000000000000}"/>
+          </ac:spMkLst>
+        </pc:spChg>
+      </pc:sldChg>
+      <pc:sldChg chg="addSp delSp modSp mod modNotesTx">
+        <pc:chgData name="Jeremy Bergmann" userId="2355ee0d-2b6e-4bfe-a235-383daf8df8e3" providerId="ADAL" clId="{4E682352-887D-4C9C-ABA3-1D0EBE0E1B3B}" dt="2021-10-24T19:37:57.396" v="593" actId="14100"/>
+        <pc:sldMkLst>
+          <pc:docMk/>
+          <pc:sldMk cId="0" sldId="266"/>
+        </pc:sldMkLst>
+        <pc:spChg chg="del mod">
+          <ac:chgData name="Jeremy Bergmann" userId="2355ee0d-2b6e-4bfe-a235-383daf8df8e3" providerId="ADAL" clId="{4E682352-887D-4C9C-ABA3-1D0EBE0E1B3B}" dt="2021-10-24T19:37:40.614" v="585" actId="21"/>
+          <ac:spMkLst>
+            <pc:docMk/>
+            <pc:sldMk cId="0" sldId="266"/>
+            <ac:spMk id="3" creationId="{44E59095-7B45-4ED2-8ED0-C52B4B8132E1}"/>
+          </ac:spMkLst>
+        </pc:spChg>
+        <pc:spChg chg="add del mod">
+          <ac:chgData name="Jeremy Bergmann" userId="2355ee0d-2b6e-4bfe-a235-383daf8df8e3" providerId="ADAL" clId="{4E682352-887D-4C9C-ABA3-1D0EBE0E1B3B}" dt="2021-10-24T19:37:39.216" v="584" actId="21"/>
+          <ac:spMkLst>
+            <pc:docMk/>
+            <pc:sldMk cId="0" sldId="266"/>
+            <ac:spMk id="8" creationId="{AC050A3C-19A0-4E5F-B851-1D4F74FE2FD6}"/>
+          </ac:spMkLst>
+        </pc:spChg>
+        <pc:spChg chg="add mod">
+          <ac:chgData name="Jeremy Bergmann" userId="2355ee0d-2b6e-4bfe-a235-383daf8df8e3" providerId="ADAL" clId="{4E682352-887D-4C9C-ABA3-1D0EBE0E1B3B}" dt="2021-10-24T19:37:57.396" v="593" actId="14100"/>
+          <ac:spMkLst>
+            <pc:docMk/>
+            <pc:sldMk cId="0" sldId="266"/>
+            <ac:spMk id="9" creationId="{711DBF42-AD3B-4FB6-A365-3B8FA65FD22B}"/>
+          </ac:spMkLst>
+        </pc:spChg>
+        <pc:spChg chg="mod">
+          <ac:chgData name="Jeremy Bergmann" userId="2355ee0d-2b6e-4bfe-a235-383daf8df8e3" providerId="ADAL" clId="{4E682352-887D-4C9C-ABA3-1D0EBE0E1B3B}" dt="2021-10-24T19:36:18.737" v="577"/>
+          <ac:spMkLst>
+            <pc:docMk/>
+            <pc:sldMk cId="0" sldId="266"/>
+            <ac:spMk id="260" creationId="{00000000-0000-0000-0000-000000000000}"/>
+          </ac:spMkLst>
+        </pc:spChg>
+        <pc:picChg chg="del">
+          <ac:chgData name="Jeremy Bergmann" userId="2355ee0d-2b6e-4bfe-a235-383daf8df8e3" providerId="ADAL" clId="{4E682352-887D-4C9C-ABA3-1D0EBE0E1B3B}" dt="2021-10-24T19:36:29.603" v="579" actId="478"/>
+          <ac:picMkLst>
+            <pc:docMk/>
+            <pc:sldMk cId="0" sldId="266"/>
+            <ac:picMk id="2" creationId="{EC5C9753-9A4D-463C-8055-4031FF715E06}"/>
+          </ac:picMkLst>
+        </pc:picChg>
+        <pc:picChg chg="add mod">
+          <ac:chgData name="Jeremy Bergmann" userId="2355ee0d-2b6e-4bfe-a235-383daf8df8e3" providerId="ADAL" clId="{4E682352-887D-4C9C-ABA3-1D0EBE0E1B3B}" dt="2021-10-24T19:37:35.661" v="582" actId="14100"/>
+          <ac:picMkLst>
+            <pc:docMk/>
+            <pc:sldMk cId="0" sldId="266"/>
+            <ac:picMk id="5" creationId="{F7F07B34-B786-449F-90E1-C9799A713E1A}"/>
+          </ac:picMkLst>
+        </pc:picChg>
+      </pc:sldChg>
+      <pc:sldChg chg="addSp delSp modSp mod">
+        <pc:chgData name="Jeremy Bergmann" userId="2355ee0d-2b6e-4bfe-a235-383daf8df8e3" providerId="ADAL" clId="{4E682352-887D-4C9C-ABA3-1D0EBE0E1B3B}" dt="2021-10-24T19:39:35.600" v="601" actId="14100"/>
+        <pc:sldMkLst>
+          <pc:docMk/>
+          <pc:sldMk cId="0" sldId="267"/>
+        </pc:sldMkLst>
+        <pc:spChg chg="del mod">
+          <ac:chgData name="Jeremy Bergmann" userId="2355ee0d-2b6e-4bfe-a235-383daf8df8e3" providerId="ADAL" clId="{4E682352-887D-4C9C-ABA3-1D0EBE0E1B3B}" dt="2021-10-24T19:39:26.622" v="598" actId="21"/>
+          <ac:spMkLst>
+            <pc:docMk/>
+            <pc:sldMk cId="0" sldId="267"/>
+            <ac:spMk id="6" creationId="{072638F9-A3FE-4F59-8818-242CB960A152}"/>
+          </ac:spMkLst>
+        </pc:spChg>
+        <pc:spChg chg="add mod">
+          <ac:chgData name="Jeremy Bergmann" userId="2355ee0d-2b6e-4bfe-a235-383daf8df8e3" providerId="ADAL" clId="{4E682352-887D-4C9C-ABA3-1D0EBE0E1B3B}" dt="2021-10-24T19:39:35.600" v="601" actId="14100"/>
+          <ac:spMkLst>
+            <pc:docMk/>
+            <pc:sldMk cId="0" sldId="267"/>
+            <ac:spMk id="8" creationId="{51338374-8C3C-4C9D-91E8-8DF22832BF2A}"/>
+          </ac:spMkLst>
+        </pc:spChg>
+        <pc:picChg chg="del">
+          <ac:chgData name="Jeremy Bergmann" userId="2355ee0d-2b6e-4bfe-a235-383daf8df8e3" providerId="ADAL" clId="{4E682352-887D-4C9C-ABA3-1D0EBE0E1B3B}" dt="2021-10-24T19:39:15.779" v="595" actId="478"/>
+          <ac:picMkLst>
+            <pc:docMk/>
+            <pc:sldMk cId="0" sldId="267"/>
+            <ac:picMk id="5" creationId="{BDA28C10-7270-4FA5-B304-4620CB503C59}"/>
+          </ac:picMkLst>
+        </pc:picChg>
+        <pc:picChg chg="add mod">
+          <ac:chgData name="Jeremy Bergmann" userId="2355ee0d-2b6e-4bfe-a235-383daf8df8e3" providerId="ADAL" clId="{4E682352-887D-4C9C-ABA3-1D0EBE0E1B3B}" dt="2021-10-24T19:39:22.242" v="596"/>
+          <ac:picMkLst>
+            <pc:docMk/>
+            <pc:sldMk cId="0" sldId="267"/>
+            <ac:picMk id="7" creationId="{171579AF-7E7E-49A0-87B0-3F1EEC1CF4F5}"/>
+          </ac:picMkLst>
+        </pc:picChg>
+      </pc:sldChg>
+      <pc:sldChg chg="modSp mod">
+        <pc:chgData name="Jeremy Bergmann" userId="2355ee0d-2b6e-4bfe-a235-383daf8df8e3" providerId="ADAL" clId="{4E682352-887D-4C9C-ABA3-1D0EBE0E1B3B}" dt="2021-10-24T19:39:54.642" v="602" actId="20577"/>
+        <pc:sldMkLst>
+          <pc:docMk/>
+          <pc:sldMk cId="0" sldId="269"/>
+        </pc:sldMkLst>
+        <pc:spChg chg="mod">
+          <ac:chgData name="Jeremy Bergmann" userId="2355ee0d-2b6e-4bfe-a235-383daf8df8e3" providerId="ADAL" clId="{4E682352-887D-4C9C-ABA3-1D0EBE0E1B3B}" dt="2021-10-24T19:39:54.642" v="602" actId="20577"/>
+          <ac:spMkLst>
+            <pc:docMk/>
+            <pc:sldMk cId="0" sldId="269"/>
+            <ac:spMk id="283" creationId="{00000000-0000-0000-0000-000000000000}"/>
+          </ac:spMkLst>
+        </pc:spChg>
+      </pc:sldChg>
+      <pc:sldChg chg="modSp add mod ord modNotesTx">
+        <pc:chgData name="Jeremy Bergmann" userId="2355ee0d-2b6e-4bfe-a235-383daf8df8e3" providerId="ADAL" clId="{4E682352-887D-4C9C-ABA3-1D0EBE0E1B3B}" dt="2021-10-24T19:00:34.805" v="421" actId="20577"/>
         <pc:sldMkLst>
           <pc:docMk/>
           <pc:sldMk cId="2110584022" sldId="270"/>
         </pc:sldMkLst>
+        <pc:spChg chg="mod">
+          <ac:chgData name="Jeremy Bergmann" userId="2355ee0d-2b6e-4bfe-a235-383daf8df8e3" providerId="ADAL" clId="{4E682352-887D-4C9C-ABA3-1D0EBE0E1B3B}" dt="2021-10-24T19:00:27.936" v="420" actId="1076"/>
+          <ac:spMkLst>
+            <pc:docMk/>
+            <pc:sldMk cId="2110584022" sldId="270"/>
+            <ac:spMk id="6" creationId="{DE5AC372-ECFF-4985-AFE6-A772DB5DC527}"/>
+          </ac:spMkLst>
+        </pc:spChg>
+        <pc:spChg chg="mod">
+          <ac:chgData name="Jeremy Bergmann" userId="2355ee0d-2b6e-4bfe-a235-383daf8df8e3" providerId="ADAL" clId="{4E682352-887D-4C9C-ABA3-1D0EBE0E1B3B}" dt="2021-10-24T15:56:16.666" v="224" actId="20577"/>
+          <ac:spMkLst>
+            <pc:docMk/>
+            <pc:sldMk cId="2110584022" sldId="270"/>
+            <ac:spMk id="8" creationId="{C2AF4288-EF23-4A7E-80AF-410291B879BE}"/>
+          </ac:spMkLst>
+        </pc:spChg>
+        <pc:spChg chg="mod">
+          <ac:chgData name="Jeremy Bergmann" userId="2355ee0d-2b6e-4bfe-a235-383daf8df8e3" providerId="ADAL" clId="{4E682352-887D-4C9C-ABA3-1D0EBE0E1B3B}" dt="2021-10-24T15:53:34.116" v="12" actId="20577"/>
+          <ac:spMkLst>
+            <pc:docMk/>
+            <pc:sldMk cId="2110584022" sldId="270"/>
+            <ac:spMk id="273" creationId="{00000000-0000-0000-0000-000000000000}"/>
+          </ac:spMkLst>
+        </pc:spChg>
       </pc:sldChg>
       <pc:sldChg chg="del">
         <pc:chgData name="Jeremy Bergmann" userId="2355ee0d-2b6e-4bfe-a235-383daf8df8e3" providerId="ADAL" clId="{4E682352-887D-4C9C-ABA3-1D0EBE0E1B3B}" dt="2021-10-19T22:08:33.391" v="1" actId="2696"/>
@@ -340,6 +609,37 @@
           <pc:sldMk cId="1464790433" sldId="272"/>
         </pc:sldMkLst>
       </pc:sldChg>
+      <pc:sldChg chg="modSp mod">
+        <pc:chgData name="Jeremy Bergmann" userId="2355ee0d-2b6e-4bfe-a235-383daf8df8e3" providerId="ADAL" clId="{4E682352-887D-4C9C-ABA3-1D0EBE0E1B3B}" dt="2021-10-24T19:25:44.901" v="559" actId="20577"/>
+        <pc:sldMkLst>
+          <pc:docMk/>
+          <pc:sldMk cId="0" sldId="273"/>
+        </pc:sldMkLst>
+        <pc:spChg chg="mod">
+          <ac:chgData name="Jeremy Bergmann" userId="2355ee0d-2b6e-4bfe-a235-383daf8df8e3" providerId="ADAL" clId="{4E682352-887D-4C9C-ABA3-1D0EBE0E1B3B}" dt="2021-10-24T19:25:44.901" v="559" actId="20577"/>
+          <ac:spMkLst>
+            <pc:docMk/>
+            <pc:sldMk cId="0" sldId="273"/>
+            <ac:spMk id="236" creationId="{00000000-0000-0000-0000-000000000000}"/>
+          </ac:spMkLst>
+        </pc:spChg>
+        <pc:spChg chg="mod">
+          <ac:chgData name="Jeremy Bergmann" userId="2355ee0d-2b6e-4bfe-a235-383daf8df8e3" providerId="ADAL" clId="{4E682352-887D-4C9C-ABA3-1D0EBE0E1B3B}" dt="2021-10-24T19:24:36.203" v="487" actId="1076"/>
+          <ac:spMkLst>
+            <pc:docMk/>
+            <pc:sldMk cId="0" sldId="273"/>
+            <ac:spMk id="237" creationId="{00000000-0000-0000-0000-000000000000}"/>
+          </ac:spMkLst>
+        </pc:spChg>
+        <pc:spChg chg="mod">
+          <ac:chgData name="Jeremy Bergmann" userId="2355ee0d-2b6e-4bfe-a235-383daf8df8e3" providerId="ADAL" clId="{4E682352-887D-4C9C-ABA3-1D0EBE0E1B3B}" dt="2021-10-24T19:25:02.076" v="512" actId="1036"/>
+          <ac:spMkLst>
+            <pc:docMk/>
+            <pc:sldMk cId="0" sldId="273"/>
+            <ac:spMk id="238" creationId="{00000000-0000-0000-0000-000000000000}"/>
+          </ac:spMkLst>
+        </pc:spChg>
+      </pc:sldChg>
       <pc:sldChg chg="add">
         <pc:chgData name="Jeremy Bergmann" userId="2355ee0d-2b6e-4bfe-a235-383daf8df8e3" providerId="ADAL" clId="{4E682352-887D-4C9C-ABA3-1D0EBE0E1B3B}" dt="2021-10-19T22:08:29.658" v="0"/>
         <pc:sldMkLst>
@@ -347,12 +647,36 @@
           <pc:sldMk cId="2526615778" sldId="298"/>
         </pc:sldMkLst>
       </pc:sldChg>
-      <pc:sldChg chg="add">
-        <pc:chgData name="Jeremy Bergmann" userId="2355ee0d-2b6e-4bfe-a235-383daf8df8e3" providerId="ADAL" clId="{4E682352-887D-4C9C-ABA3-1D0EBE0E1B3B}" dt="2021-10-20T19:18:05.128" v="3"/>
+      <pc:sldChg chg="addSp modSp add mod modNotesTx">
+        <pc:chgData name="Jeremy Bergmann" userId="2355ee0d-2b6e-4bfe-a235-383daf8df8e3" providerId="ADAL" clId="{4E682352-887D-4C9C-ABA3-1D0EBE0E1B3B}" dt="2021-10-24T19:46:13.948" v="773" actId="20577"/>
         <pc:sldMkLst>
           <pc:docMk/>
           <pc:sldMk cId="0" sldId="299"/>
         </pc:sldMkLst>
+        <pc:spChg chg="add mod">
+          <ac:chgData name="Jeremy Bergmann" userId="2355ee0d-2b6e-4bfe-a235-383daf8df8e3" providerId="ADAL" clId="{4E682352-887D-4C9C-ABA3-1D0EBE0E1B3B}" dt="2021-10-24T19:44:53.213" v="741" actId="113"/>
+          <ac:spMkLst>
+            <pc:docMk/>
+            <pc:sldMk cId="0" sldId="299"/>
+            <ac:spMk id="6" creationId="{1830DDA0-3A08-4450-BA64-E5A005427C6A}"/>
+          </ac:spMkLst>
+        </pc:spChg>
+        <pc:spChg chg="mod">
+          <ac:chgData name="Jeremy Bergmann" userId="2355ee0d-2b6e-4bfe-a235-383daf8df8e3" providerId="ADAL" clId="{4E682352-887D-4C9C-ABA3-1D0EBE0E1B3B}" dt="2021-10-24T19:09:18.132" v="423" actId="20577"/>
+          <ac:spMkLst>
+            <pc:docMk/>
+            <pc:sldMk cId="0" sldId="299"/>
+            <ac:spMk id="292" creationId="{00000000-0000-0000-0000-000000000000}"/>
+          </ac:spMkLst>
+        </pc:spChg>
+        <pc:picChg chg="mod">
+          <ac:chgData name="Jeremy Bergmann" userId="2355ee0d-2b6e-4bfe-a235-383daf8df8e3" providerId="ADAL" clId="{4E682352-887D-4C9C-ABA3-1D0EBE0E1B3B}" dt="2021-10-24T15:55:44.081" v="207" actId="1076"/>
+          <ac:picMkLst>
+            <pc:docMk/>
+            <pc:sldMk cId="0" sldId="299"/>
+            <ac:picMk id="293" creationId="{00000000-0000-0000-0000-000000000000}"/>
+          </ac:picMkLst>
+        </pc:picChg>
       </pc:sldChg>
     </pc:docChg>
   </pc:docChgLst>
@@ -2046,7 +2370,7 @@
                 <a:cs typeface="Lato"/>
                 <a:sym typeface="Lato"/>
               </a:rPr>
-              <a:t>UPDATE  </a:t>
+              <a:t>UPDATE </a:t>
             </a:r>
             <a:r>
               <a:rPr lang="en-US" sz="1200" u="none" dirty="0" err="1">
@@ -2985,127 +3309,6 @@
   <p:cSld>
     <p:spTree>
       <p:nvGrpSpPr>
-        <p:cNvPr id="1" name="Shape 269"/>
-        <p:cNvGrpSpPr/>
-        <p:nvPr/>
-      </p:nvGrpSpPr>
-      <p:grpSpPr>
-        <a:xfrm>
-          <a:off x="0" y="0"/>
-          <a:ext cx="0" cy="0"/>
-          <a:chOff x="0" y="0"/>
-          <a:chExt cx="0" cy="0"/>
-        </a:xfrm>
-      </p:grpSpPr>
-      <p:sp>
-        <p:nvSpPr>
-          <p:cNvPr id="270" name="Google Shape;270;g5d39b7d912_0_92:notes"/>
-          <p:cNvSpPr txBox="1">
-            <a:spLocks noGrp="1"/>
-          </p:cNvSpPr>
-          <p:nvPr>
-            <p:ph type="body" idx="1"/>
-          </p:nvPr>
-        </p:nvSpPr>
-        <p:spPr>
-          <a:xfrm>
-            <a:off x="685800" y="4400550"/>
-            <a:ext cx="5486400" cy="3600600"/>
-          </a:xfrm>
-          <a:prstGeom prst="rect">
-            <a:avLst/>
-          </a:prstGeom>
-        </p:spPr>
-        <p:txBody>
-          <a:bodyPr spcFirstLastPara="1" wrap="square" lIns="91425" tIns="45700" rIns="91425" bIns="45700" anchor="t" anchorCtr="0">
-            <a:noAutofit/>
-          </a:bodyPr>
-          <a:lstStyle/>
-          <a:p>
-            <a:pPr marL="0" lvl="0" indent="0" algn="l" rtl="0">
-              <a:spcBef>
-                <a:spcPts val="0"/>
-              </a:spcBef>
-              <a:spcAft>
-                <a:spcPts val="0"/>
-              </a:spcAft>
-              <a:buNone/>
-            </a:pPr>
-            <a:r>
-              <a:rPr lang="en-US">
-                <a:solidFill>
-                  <a:srgbClr val="000000"/>
-                </a:solidFill>
-              </a:rPr>
-              <a:t>A derived table is the result of a query that looks like a table.</a:t>
-            </a:r>
-            <a:endParaRPr>
-              <a:solidFill>
-                <a:srgbClr val="000000"/>
-              </a:solidFill>
-            </a:endParaRPr>
-          </a:p>
-        </p:txBody>
-      </p:sp>
-      <p:sp>
-        <p:nvSpPr>
-          <p:cNvPr id="271" name="Google Shape;271;g5d39b7d912_0_92:notes"/>
-          <p:cNvSpPr>
-            <a:spLocks noGrp="1" noRot="1" noChangeAspect="1"/>
-          </p:cNvSpPr>
-          <p:nvPr>
-            <p:ph type="sldImg" idx="2"/>
-          </p:nvPr>
-        </p:nvSpPr>
-        <p:spPr>
-          <a:xfrm>
-            <a:off x="685800" y="1143000"/>
-            <a:ext cx="5486400" cy="3086100"/>
-          </a:xfrm>
-          <a:custGeom>
-            <a:avLst/>
-            <a:gdLst/>
-            <a:ahLst/>
-            <a:cxnLst/>
-            <a:rect l="l" t="t" r="r" b="b"/>
-            <a:pathLst>
-              <a:path w="120000" h="120000" extrusionOk="0">
-                <a:moveTo>
-                  <a:pt x="0" y="0"/>
-                </a:moveTo>
-                <a:lnTo>
-                  <a:pt x="120000" y="0"/>
-                </a:lnTo>
-                <a:lnTo>
-                  <a:pt x="120000" y="120000"/>
-                </a:lnTo>
-                <a:lnTo>
-                  <a:pt x="0" y="120000"/>
-                </a:lnTo>
-                <a:close/>
-              </a:path>
-            </a:pathLst>
-          </a:custGeom>
-        </p:spPr>
-      </p:sp>
-    </p:spTree>
-    <p:extLst>
-      <p:ext uri="{BB962C8B-B14F-4D97-AF65-F5344CB8AC3E}">
-        <p14:creationId xmlns:p14="http://schemas.microsoft.com/office/powerpoint/2010/main" val="2075916008"/>
-      </p:ext>
-    </p:extLst>
-  </p:cSld>
-  <p:clrMapOvr>
-    <a:masterClrMapping/>
-  </p:clrMapOvr>
-</p:notes>
-</file>
-
-<file path=ppt/notesSlides/notesSlide15.xml><?xml version="1.0" encoding="utf-8"?>
-<p:notes xmlns:a="http://schemas.openxmlformats.org/drawingml/2006/main" xmlns:r="http://schemas.openxmlformats.org/officeDocument/2006/relationships" xmlns:p="http://schemas.openxmlformats.org/presentationml/2006/main" showMasterSp="0" showMasterPhAnim="0">
-  <p:cSld>
-    <p:spTree>
-      <p:nvGrpSpPr>
         <p:cNvPr id="1" name="Shape 187"/>
         <p:cNvGrpSpPr/>
         <p:nvPr/>
@@ -3223,7 +3426,7 @@
 </p:notes>
 </file>
 
-<file path=ppt/notesSlides/notesSlide16.xml><?xml version="1.0" encoding="utf-8"?>
+<file path=ppt/notesSlides/notesSlide15.xml><?xml version="1.0" encoding="utf-8"?>
 <p:notes xmlns:a="http://schemas.openxmlformats.org/drawingml/2006/main" xmlns:r="http://schemas.openxmlformats.org/officeDocument/2006/relationships" xmlns:p="http://schemas.openxmlformats.org/presentationml/2006/main" showMasterSp="0" showMasterPhAnim="0">
   <p:cSld>
     <p:spTree>
@@ -3316,11 +3519,15 @@
               <a:buNone/>
             </a:pPr>
             <a:r>
+              <a:rPr lang="en-US" dirty="0"/>
+              <a:t>Class Project Datasets </a:t>
+            </a:r>
+            <a:r>
               <a:rPr lang="en-US"/>
-              <a:t>from </a:t>
-            </a:r>
-            <a:r>
-              <a:rPr lang="en-US" sz="1100" u="sng">
+              <a:t>from  </a:t>
+            </a:r>
+            <a:r>
+              <a:rPr lang="en-US" sz="1100" u="sng" dirty="0">
                 <a:solidFill>
                   <a:schemeClr val="hlink"/>
                 </a:solidFill>
@@ -3332,7 +3539,7 @@
               </a:rPr>
               <a:t>https://www.gamerankings.com/</a:t>
             </a:r>
-            <a:endParaRPr/>
+            <a:endParaRPr dirty="0"/>
           </a:p>
         </p:txBody>
       </p:sp>
@@ -3376,13 +3583,134 @@
             </a:pPr>
             <a:fld id="{00000000-1234-1234-1234-123412341234}" type="slidenum">
               <a:rPr lang="en-US"/>
-              <a:t>16</a:t>
+              <a:t>15</a:t>
             </a:fld>
             <a:endParaRPr/>
           </a:p>
         </p:txBody>
       </p:sp>
     </p:spTree>
+  </p:cSld>
+  <p:clrMapOvr>
+    <a:masterClrMapping/>
+  </p:clrMapOvr>
+</p:notes>
+</file>
+
+<file path=ppt/notesSlides/notesSlide16.xml><?xml version="1.0" encoding="utf-8"?>
+<p:notes xmlns:a="http://schemas.openxmlformats.org/drawingml/2006/main" xmlns:r="http://schemas.openxmlformats.org/officeDocument/2006/relationships" xmlns:p="http://schemas.openxmlformats.org/presentationml/2006/main" showMasterSp="0" showMasterPhAnim="0">
+  <p:cSld>
+    <p:spTree>
+      <p:nvGrpSpPr>
+        <p:cNvPr id="1" name="Shape 269"/>
+        <p:cNvGrpSpPr/>
+        <p:nvPr/>
+      </p:nvGrpSpPr>
+      <p:grpSpPr>
+        <a:xfrm>
+          <a:off x="0" y="0"/>
+          <a:ext cx="0" cy="0"/>
+          <a:chOff x="0" y="0"/>
+          <a:chExt cx="0" cy="0"/>
+        </a:xfrm>
+      </p:grpSpPr>
+      <p:sp>
+        <p:nvSpPr>
+          <p:cNvPr id="270" name="Google Shape;270;g5d39b7d912_0_92:notes"/>
+          <p:cNvSpPr txBox="1">
+            <a:spLocks noGrp="1"/>
+          </p:cNvSpPr>
+          <p:nvPr>
+            <p:ph type="body" idx="1"/>
+          </p:nvPr>
+        </p:nvSpPr>
+        <p:spPr>
+          <a:xfrm>
+            <a:off x="685800" y="4400550"/>
+            <a:ext cx="5486400" cy="3600600"/>
+          </a:xfrm>
+          <a:prstGeom prst="rect">
+            <a:avLst/>
+          </a:prstGeom>
+        </p:spPr>
+        <p:txBody>
+          <a:bodyPr spcFirstLastPara="1" wrap="square" lIns="91425" tIns="45700" rIns="91425" bIns="45700" anchor="t" anchorCtr="0">
+            <a:noAutofit/>
+          </a:bodyPr>
+          <a:lstStyle/>
+          <a:p>
+            <a:pPr marL="0" lvl="0" indent="0" algn="l" rtl="0">
+              <a:spcBef>
+                <a:spcPts val="0"/>
+              </a:spcBef>
+              <a:spcAft>
+                <a:spcPts val="0"/>
+              </a:spcAft>
+              <a:buNone/>
+            </a:pPr>
+            <a:r>
+              <a:rPr lang="en-US" dirty="0">
+                <a:solidFill>
+                  <a:srgbClr val="000000"/>
+                </a:solidFill>
+              </a:rPr>
+              <a:t>.</a:t>
+            </a:r>
+            <a:endParaRPr dirty="0">
+              <a:solidFill>
+                <a:srgbClr val="000000"/>
+              </a:solidFill>
+            </a:endParaRPr>
+          </a:p>
+        </p:txBody>
+      </p:sp>
+      <p:sp>
+        <p:nvSpPr>
+          <p:cNvPr id="271" name="Google Shape;271;g5d39b7d912_0_92:notes"/>
+          <p:cNvSpPr>
+            <a:spLocks noGrp="1" noRot="1" noChangeAspect="1"/>
+          </p:cNvSpPr>
+          <p:nvPr>
+            <p:ph type="sldImg" idx="2"/>
+          </p:nvPr>
+        </p:nvSpPr>
+        <p:spPr>
+          <a:xfrm>
+            <a:off x="685800" y="1143000"/>
+            <a:ext cx="5486400" cy="3086100"/>
+          </a:xfrm>
+          <a:custGeom>
+            <a:avLst/>
+            <a:gdLst/>
+            <a:ahLst/>
+            <a:cxnLst/>
+            <a:rect l="l" t="t" r="r" b="b"/>
+            <a:pathLst>
+              <a:path w="120000" h="120000" extrusionOk="0">
+                <a:moveTo>
+                  <a:pt x="0" y="0"/>
+                </a:moveTo>
+                <a:lnTo>
+                  <a:pt x="120000" y="0"/>
+                </a:lnTo>
+                <a:lnTo>
+                  <a:pt x="120000" y="120000"/>
+                </a:lnTo>
+                <a:lnTo>
+                  <a:pt x="0" y="120000"/>
+                </a:lnTo>
+                <a:close/>
+              </a:path>
+            </a:pathLst>
+          </a:custGeom>
+        </p:spPr>
+      </p:sp>
+    </p:spTree>
+    <p:extLst>
+      <p:ext uri="{BB962C8B-B14F-4D97-AF65-F5344CB8AC3E}">
+        <p14:creationId xmlns:p14="http://schemas.microsoft.com/office/powerpoint/2010/main" val="2075916008"/>
+      </p:ext>
+    </p:extLst>
   </p:cSld>
   <p:clrMapOvr>
     <a:masterClrMapping/>
@@ -3937,7 +4265,58 @@
               </a:spcAft>
               <a:buNone/>
             </a:pPr>
-            <a:endParaRPr dirty="0"/>
+            <a:r>
+              <a:rPr lang="en-US" b="0" i="0" dirty="0">
+                <a:solidFill>
+                  <a:srgbClr val="BDC1C6"/>
+                </a:solidFill>
+                <a:effectLst/>
+                <a:latin typeface="Roboto" panose="02000000000000000000" pitchFamily="2" charset="0"/>
+              </a:rPr>
+              <a:t>DDL is </a:t>
+            </a:r>
+            <a:r>
+              <a:rPr lang="en-US" b="1" i="0" dirty="0">
+                <a:solidFill>
+                  <a:srgbClr val="BDC1C6"/>
+                </a:solidFill>
+                <a:effectLst/>
+                <a:latin typeface="Roboto" panose="02000000000000000000" pitchFamily="2" charset="0"/>
+              </a:rPr>
+              <a:t>Data Definition Language</a:t>
+            </a:r>
+          </a:p>
+          <a:p>
+            <a:pPr marL="0" lvl="0" indent="0" algn="l" rtl="0">
+              <a:spcBef>
+                <a:spcPts val="0"/>
+              </a:spcBef>
+              <a:spcAft>
+                <a:spcPts val="0"/>
+              </a:spcAft>
+              <a:buNone/>
+            </a:pPr>
+            <a:r>
+              <a:rPr lang="en-US" b="0" i="0" dirty="0">
+                <a:solidFill>
+                  <a:srgbClr val="BDC1C6"/>
+                </a:solidFill>
+                <a:effectLst/>
+                <a:latin typeface="Roboto" panose="02000000000000000000" pitchFamily="2" charset="0"/>
+              </a:rPr>
+              <a:t>DML is </a:t>
+            </a:r>
+            <a:r>
+              <a:rPr lang="en-US" b="1" i="0" dirty="0">
+                <a:solidFill>
+                  <a:srgbClr val="BDC1C6"/>
+                </a:solidFill>
+                <a:effectLst/>
+                <a:latin typeface="Roboto" panose="02000000000000000000" pitchFamily="2" charset="0"/>
+              </a:rPr>
+              <a:t>Data Manipulation Language</a:t>
+            </a:r>
+            <a:endParaRPr b="1" dirty="0"/>
           </a:p>
         </p:txBody>
       </p:sp>
@@ -4653,7 +5032,25 @@
                 <a:cs typeface="Lato"/>
                 <a:sym typeface="Lato"/>
               </a:rPr>
-              <a:t>CREATE TABLE customers (	</a:t>
+              <a:t>CREATE TABLE </a:t>
+            </a:r>
+            <a:r>
+              <a:rPr lang="en-US" b="1" dirty="0" err="1">
+                <a:latin typeface="Lato"/>
+                <a:ea typeface="Lato"/>
+                <a:cs typeface="Lato"/>
+                <a:sym typeface="Lato"/>
+              </a:rPr>
+              <a:t>classicmodels.customers</a:t>
+            </a:r>
+            <a:r>
+              <a:rPr lang="en-US" b="1" dirty="0">
+                <a:latin typeface="Lato"/>
+                <a:ea typeface="Lato"/>
+                <a:cs typeface="Lato"/>
+                <a:sym typeface="Lato"/>
+              </a:rPr>
+              <a:t> (	</a:t>
             </a:r>
           </a:p>
           <a:p>
@@ -5331,8 +5728,13 @@
             </a:pPr>
             <a:r>
               <a:rPr lang="en-US" sz="1200" dirty="0"/>
-              <a:t>ALTER TABLE customer</a:t>
-            </a:r>
+              <a:t>ALTER TABLE </a:t>
+            </a:r>
+            <a:r>
+              <a:rPr lang="en-US" sz="1200" dirty="0" err="1"/>
+              <a:t>classicmodels.customers</a:t>
+            </a:r>
+            <a:endParaRPr lang="en-US" sz="1200" dirty="0"/>
           </a:p>
           <a:p>
             <a:pPr marL="0" lvl="0" indent="0" algn="l" rtl="0">
@@ -5355,34 +5757,6 @@
             <a:r>
               <a:rPr lang="en-US" sz="1200" dirty="0"/>
               <a:t>;</a:t>
-            </a:r>
-            <a:endParaRPr lang="en-US" sz="1200" u="sng" dirty="0"/>
-          </a:p>
-          <a:p>
-            <a:pPr marL="0" lvl="0" indent="0" algn="l" rtl="0">
-              <a:spcBef>
-                <a:spcPts val="0"/>
-              </a:spcBef>
-              <a:spcAft>
-                <a:spcPts val="0"/>
-              </a:spcAft>
-              <a:buNone/>
-            </a:pPr>
-            <a:endParaRPr lang="en-US" sz="1200" dirty="0"/>
-          </a:p>
-          <a:p>
-            <a:pPr marL="0" lvl="0" indent="0" algn="l" rtl="0">
-              <a:spcBef>
-                <a:spcPts val="0"/>
-              </a:spcBef>
-              <a:spcAft>
-                <a:spcPts val="0"/>
-              </a:spcAft>
-              <a:buNone/>
-            </a:pPr>
-            <a:r>
-              <a:rPr lang="en-US" sz="1200" dirty="0"/>
-              <a:t>DROP CONSTRAINT customers_ibfk_1;</a:t>
             </a:r>
           </a:p>
           <a:p>
@@ -5602,7 +5976,7 @@
             </a:r>
             <a:r>
               <a:rPr lang="en-US" dirty="0"/>
-              <a:t>) </a:t>
+              <a:t>)</a:t>
             </a:r>
           </a:p>
           <a:p>
@@ -5633,11 +6007,11 @@
             </a:r>
             <a:r>
               <a:rPr lang="en-US" dirty="0"/>
-              <a:t> ','40.32.25','54, rue Royale',NULL,'Nantes',NULL,'44000','France',1370,2100.00),(112,'Signal Gift Stores','King','Jean','7025551838','8489 Strong </a:t>
+              <a:t> ','40.32.25','54, rue Royale',NULL,'Nantes',NULL,'44000',’FRA',1370,2100.00),(112,'Signal Gift Stores','King','Jean','7025551838','8489 Strong </a:t>
             </a:r>
             <a:r>
               <a:rPr lang="en-US" dirty="0" err="1"/>
-              <a:t>St.',NULL,’Las</a:t>
+              <a:t>St.',NULL,'Las</a:t>
             </a:r>
             <a:r>
               <a:rPr lang="en-US" dirty="0"/>
@@ -12764,20 +13138,8 @@
                 <a:cs typeface="Lato"/>
                 <a:sym typeface="Lato"/>
               </a:rPr>
-              <a:t>SET city = 'Omaha’</a:t>
-            </a:r>
-            <a:endParaRPr sz="2000" b="1" dirty="0">
-              <a:solidFill>
-                <a:schemeClr val="accent3">
-                  <a:lumMod val="60000"/>
-                  <a:lumOff val="40000"/>
-                </a:schemeClr>
-              </a:solidFill>
-              <a:latin typeface="Lato"/>
-              <a:ea typeface="Lato"/>
-              <a:cs typeface="Lato"/>
-              <a:sym typeface="Lato"/>
-            </a:endParaRPr>
+              <a:t>SET city = 'Omaha', state = 'NE’</a:t>
+            </a:r>
           </a:p>
           <a:p>
             <a:pPr marL="0" lvl="0" indent="0" algn="l" rtl="0">
@@ -13042,10 +13404,10 @@
       </p:sp>
       <p:pic>
         <p:nvPicPr>
-          <p:cNvPr id="2" name="Picture 1">
+          <p:cNvPr id="5" name="Picture 4">
             <a:extLst>
               <a:ext uri="{FF2B5EF4-FFF2-40B4-BE49-F238E27FC236}">
-                <a16:creationId xmlns:a16="http://schemas.microsoft.com/office/drawing/2014/main" id="{EC5C9753-9A4D-463C-8055-4031FF715E06}"/>
+                <a16:creationId xmlns:a16="http://schemas.microsoft.com/office/drawing/2014/main" id="{F7F07B34-B786-449F-90E1-C9799A713E1A}"/>
               </a:ext>
             </a:extLst>
           </p:cNvPr>
@@ -13062,8 +13424,8 @@
         </p:blipFill>
         <p:spPr>
           <a:xfrm>
-            <a:off x="93044" y="4872607"/>
-            <a:ext cx="12098956" cy="806300"/>
+            <a:off x="393943" y="4890920"/>
+            <a:ext cx="11631441" cy="703056"/>
           </a:xfrm>
           <a:prstGeom prst="rect">
             <a:avLst/>
@@ -13072,10 +13434,10 @@
       </p:pic>
       <p:sp>
         <p:nvSpPr>
-          <p:cNvPr id="3" name="Rectangle 2">
+          <p:cNvPr id="9" name="Rectangle 8">
             <a:extLst>
               <a:ext uri="{FF2B5EF4-FFF2-40B4-BE49-F238E27FC236}">
-                <a16:creationId xmlns:a16="http://schemas.microsoft.com/office/drawing/2014/main" id="{44E59095-7B45-4ED2-8ED0-C52B4B8132E1}"/>
+                <a16:creationId xmlns:a16="http://schemas.microsoft.com/office/drawing/2014/main" id="{711DBF42-AD3B-4FB6-A365-3B8FA65FD22B}"/>
               </a:ext>
             </a:extLst>
           </p:cNvPr>
@@ -13084,8 +13446,8 @@
         </p:nvSpPr>
         <p:spPr>
           <a:xfrm>
-            <a:off x="7315200" y="5112091"/>
-            <a:ext cx="721895" cy="229934"/>
+            <a:off x="7412019" y="5085129"/>
+            <a:ext cx="1108038" cy="207634"/>
           </a:xfrm>
           <a:prstGeom prst="rect">
             <a:avLst/>
@@ -13704,10 +14066,10 @@
       </p:sp>
       <p:pic>
         <p:nvPicPr>
-          <p:cNvPr id="5" name="Picture 4">
+          <p:cNvPr id="7" name="Picture 6">
             <a:extLst>
               <a:ext uri="{FF2B5EF4-FFF2-40B4-BE49-F238E27FC236}">
-                <a16:creationId xmlns:a16="http://schemas.microsoft.com/office/drawing/2014/main" id="{BDA28C10-7270-4FA5-B304-4620CB503C59}"/>
+                <a16:creationId xmlns:a16="http://schemas.microsoft.com/office/drawing/2014/main" id="{171579AF-7E7E-49A0-87B0-3F1EEC1CF4F5}"/>
               </a:ext>
             </a:extLst>
           </p:cNvPr>
@@ -13724,8 +14086,8 @@
         </p:blipFill>
         <p:spPr>
           <a:xfrm>
-            <a:off x="41267" y="4882195"/>
-            <a:ext cx="12098956" cy="806300"/>
+            <a:off x="393943" y="4890920"/>
+            <a:ext cx="11631441" cy="703056"/>
           </a:xfrm>
           <a:prstGeom prst="rect">
             <a:avLst/>
@@ -13734,10 +14096,10 @@
       </p:pic>
       <p:sp>
         <p:nvSpPr>
-          <p:cNvPr id="6" name="Rectangle 5">
+          <p:cNvPr id="8" name="Rectangle 7">
             <a:extLst>
               <a:ext uri="{FF2B5EF4-FFF2-40B4-BE49-F238E27FC236}">
-                <a16:creationId xmlns:a16="http://schemas.microsoft.com/office/drawing/2014/main" id="{072638F9-A3FE-4F59-8818-242CB960A152}"/>
+                <a16:creationId xmlns:a16="http://schemas.microsoft.com/office/drawing/2014/main" id="{51338374-8C3C-4C9D-91E8-8DF22832BF2A}"/>
               </a:ext>
             </a:extLst>
           </p:cNvPr>
@@ -13746,8 +14108,8 @@
         </p:nvSpPr>
         <p:spPr>
           <a:xfrm>
-            <a:off x="346509" y="5285343"/>
-            <a:ext cx="11636944" cy="191431"/>
+            <a:off x="674736" y="5086764"/>
+            <a:ext cx="11350648" cy="205998"/>
           </a:xfrm>
           <a:prstGeom prst="rect">
             <a:avLst/>
@@ -14765,18 +15127,6 @@
               <a:rPr lang="en-US" sz="1800" b="1" u="sng" dirty="0"/>
               <a:t>Data Storage &amp; Manipulation</a:t>
             </a:r>
-            <a:endParaRPr sz="1800" b="1" u="sng" dirty="0"/>
-          </a:p>
-          <a:p>
-            <a:pPr marL="0" lvl="0" indent="0" algn="l" rtl="0">
-              <a:spcBef>
-                <a:spcPts val="0"/>
-              </a:spcBef>
-              <a:spcAft>
-                <a:spcPts val="0"/>
-              </a:spcAft>
-              <a:buNone/>
-            </a:pPr>
             <a:endParaRPr dirty="0"/>
           </a:p>
           <a:p>
@@ -15212,6 +15562,736 @@
   <p:cSld>
     <p:spTree>
       <p:nvGrpSpPr>
+        <p:cNvPr id="1" name="Shape 190"/>
+        <p:cNvGrpSpPr/>
+        <p:nvPr/>
+      </p:nvGrpSpPr>
+      <p:grpSpPr>
+        <a:xfrm>
+          <a:off x="0" y="0"/>
+          <a:ext cx="0" cy="0"/>
+          <a:chOff x="0" y="0"/>
+          <a:chExt cx="0" cy="0"/>
+        </a:xfrm>
+      </p:grpSpPr>
+      <p:sp>
+        <p:nvSpPr>
+          <p:cNvPr id="191" name="Google Shape;191;p29"/>
+          <p:cNvSpPr txBox="1">
+            <a:spLocks noGrp="1"/>
+          </p:cNvSpPr>
+          <p:nvPr>
+            <p:ph type="title" idx="4294967295"/>
+          </p:nvPr>
+        </p:nvSpPr>
+        <p:spPr>
+          <a:xfrm>
+            <a:off x="913795" y="609600"/>
+            <a:ext cx="10353900" cy="970500"/>
+          </a:xfrm>
+          <a:prstGeom prst="rect">
+            <a:avLst/>
+          </a:prstGeom>
+          <a:noFill/>
+          <a:ln>
+            <a:noFill/>
+          </a:ln>
+          <a:effectLst>
+            <a:outerShdw blurRad="25400">
+              <a:srgbClr val="000000">
+                <a:alpha val="45490"/>
+              </a:srgbClr>
+            </a:outerShdw>
+          </a:effectLst>
+        </p:spPr>
+        <p:txBody>
+          <a:bodyPr spcFirstLastPara="1" wrap="square" lIns="91425" tIns="45700" rIns="91425" bIns="45700" anchor="ctr" anchorCtr="0">
+            <a:noAutofit/>
+          </a:bodyPr>
+          <a:lstStyle/>
+          <a:p>
+            <a:pPr marL="0" lvl="0" indent="0" algn="l" rtl="0">
+              <a:lnSpc>
+                <a:spcPct val="100000"/>
+              </a:lnSpc>
+              <a:spcBef>
+                <a:spcPts val="0"/>
+              </a:spcBef>
+              <a:spcAft>
+                <a:spcPts val="0"/>
+              </a:spcAft>
+              <a:buClr>
+                <a:schemeClr val="lt2"/>
+              </a:buClr>
+              <a:buSzPts val="4000"/>
+              <a:buFont typeface="Lustria"/>
+              <a:buNone/>
+            </a:pPr>
+            <a:r>
+              <a:rPr lang="en-US"/>
+              <a:t>Project Milestones</a:t>
+            </a:r>
+            <a:endParaRPr/>
+          </a:p>
+        </p:txBody>
+      </p:sp>
+      <p:sp>
+        <p:nvSpPr>
+          <p:cNvPr id="192" name="Google Shape;192;p29"/>
+          <p:cNvSpPr txBox="1">
+            <a:spLocks noGrp="1"/>
+          </p:cNvSpPr>
+          <p:nvPr>
+            <p:ph type="body" idx="4294967295"/>
+          </p:nvPr>
+        </p:nvSpPr>
+        <p:spPr>
+          <a:xfrm>
+            <a:off x="1001545" y="1995724"/>
+            <a:ext cx="10353900" cy="4058700"/>
+          </a:xfrm>
+          <a:prstGeom prst="rect">
+            <a:avLst/>
+          </a:prstGeom>
+          <a:noFill/>
+          <a:ln>
+            <a:noFill/>
+          </a:ln>
+          <a:effectLst>
+            <a:outerShdw blurRad="25400">
+              <a:srgbClr val="000000">
+                <a:alpha val="45490"/>
+              </a:srgbClr>
+            </a:outerShdw>
+          </a:effectLst>
+        </p:spPr>
+        <p:txBody>
+          <a:bodyPr spcFirstLastPara="1" wrap="square" lIns="91425" tIns="45700" rIns="91425" bIns="45700" anchor="t" anchorCtr="0">
+            <a:noAutofit/>
+          </a:bodyPr>
+          <a:lstStyle/>
+          <a:p>
+            <a:pPr marL="494098" lvl="0" indent="-494098" algn="l" rtl="0">
+              <a:lnSpc>
+                <a:spcPct val="115000"/>
+              </a:lnSpc>
+              <a:spcBef>
+                <a:spcPts val="0"/>
+              </a:spcBef>
+              <a:spcAft>
+                <a:spcPts val="0"/>
+              </a:spcAft>
+              <a:buClr>
+                <a:srgbClr val="000000"/>
+              </a:buClr>
+              <a:buSzPts val="2400"/>
+              <a:buFont typeface="Lustria"/>
+              <a:buAutoNum type="arabicPeriod"/>
+            </a:pPr>
+            <a:r>
+              <a:rPr lang="en-US" sz="2400" dirty="0">
+                <a:solidFill>
+                  <a:srgbClr val="000000"/>
+                </a:solidFill>
+              </a:rPr>
+              <a:t>Query Data for Data Understanding/Relevant Information (Class 2) </a:t>
+            </a:r>
+          </a:p>
+          <a:p>
+            <a:pPr marL="494098" lvl="0" indent="-494098" algn="l" rtl="0">
+              <a:lnSpc>
+                <a:spcPct val="115000"/>
+              </a:lnSpc>
+              <a:spcBef>
+                <a:spcPts val="1000"/>
+              </a:spcBef>
+              <a:spcAft>
+                <a:spcPts val="0"/>
+              </a:spcAft>
+              <a:buClr>
+                <a:srgbClr val="6AA84F"/>
+              </a:buClr>
+              <a:buSzPts val="2400"/>
+              <a:buFont typeface="Lustria"/>
+              <a:buAutoNum type="arabicPeriod"/>
+            </a:pPr>
+            <a:r>
+              <a:rPr lang="en-US" sz="2400" dirty="0">
+                <a:solidFill>
+                  <a:srgbClr val="6AA84F"/>
+                </a:solidFill>
+              </a:rPr>
+              <a:t>Import data into MySQL database (Class 3)</a:t>
+            </a:r>
+          </a:p>
+          <a:p>
+            <a:pPr marL="494098" lvl="0" indent="-494098" algn="l" rtl="0">
+              <a:lnSpc>
+                <a:spcPct val="115000"/>
+              </a:lnSpc>
+              <a:spcBef>
+                <a:spcPts val="1000"/>
+              </a:spcBef>
+              <a:spcAft>
+                <a:spcPts val="0"/>
+              </a:spcAft>
+              <a:buClr>
+                <a:srgbClr val="6AA84F"/>
+              </a:buClr>
+              <a:buSzPts val="2400"/>
+              <a:buFont typeface="Lustria"/>
+              <a:buAutoNum type="arabicPeriod"/>
+            </a:pPr>
+            <a:r>
+              <a:rPr lang="en-US" sz="2400" dirty="0">
+                <a:solidFill>
+                  <a:schemeClr val="bg2"/>
+                </a:solidFill>
+              </a:rPr>
+              <a:t>Storing/Joining data for analysis (Class 4)</a:t>
+            </a:r>
+            <a:endParaRPr sz="2400" dirty="0">
+              <a:solidFill>
+                <a:schemeClr val="bg2"/>
+              </a:solidFill>
+            </a:endParaRPr>
+          </a:p>
+          <a:p>
+            <a:pPr marL="494098" lvl="0" indent="-494098" algn="l" rtl="0">
+              <a:lnSpc>
+                <a:spcPct val="115000"/>
+              </a:lnSpc>
+              <a:spcBef>
+                <a:spcPts val="1000"/>
+              </a:spcBef>
+              <a:spcAft>
+                <a:spcPts val="0"/>
+              </a:spcAft>
+              <a:buClr>
+                <a:srgbClr val="000000"/>
+              </a:buClr>
+              <a:buSzPts val="2400"/>
+              <a:buAutoNum type="arabicPeriod"/>
+            </a:pPr>
+            <a:r>
+              <a:rPr lang="en-US" sz="2400" dirty="0">
+                <a:solidFill>
+                  <a:srgbClr val="000000"/>
+                </a:solidFill>
+              </a:rPr>
+              <a:t>Cleaning Data (Class 5)</a:t>
+            </a:r>
+            <a:endParaRPr sz="2400" dirty="0">
+              <a:solidFill>
+                <a:srgbClr val="000000"/>
+              </a:solidFill>
+            </a:endParaRPr>
+          </a:p>
+          <a:p>
+            <a:pPr marL="494098" lvl="0" indent="-494098" algn="l" rtl="0">
+              <a:lnSpc>
+                <a:spcPct val="115000"/>
+              </a:lnSpc>
+              <a:spcBef>
+                <a:spcPts val="1000"/>
+              </a:spcBef>
+              <a:spcAft>
+                <a:spcPts val="0"/>
+              </a:spcAft>
+              <a:buClr>
+                <a:srgbClr val="000000"/>
+              </a:buClr>
+              <a:buSzPts val="2400"/>
+              <a:buFont typeface="Lustria"/>
+              <a:buAutoNum type="arabicPeriod"/>
+            </a:pPr>
+            <a:r>
+              <a:rPr lang="en-US" sz="2400" dirty="0">
+                <a:solidFill>
+                  <a:srgbClr val="000000"/>
+                </a:solidFill>
+              </a:rPr>
+              <a:t>Normalize Data &amp; Create Data Model (Class 6)</a:t>
+            </a:r>
+            <a:endParaRPr sz="2400" dirty="0">
+              <a:solidFill>
+                <a:srgbClr val="000000"/>
+              </a:solidFill>
+            </a:endParaRPr>
+          </a:p>
+          <a:p>
+            <a:pPr marL="494098" lvl="0" indent="-494098" algn="l" rtl="0">
+              <a:lnSpc>
+                <a:spcPct val="115000"/>
+              </a:lnSpc>
+              <a:spcBef>
+                <a:spcPts val="1000"/>
+              </a:spcBef>
+              <a:spcAft>
+                <a:spcPts val="0"/>
+              </a:spcAft>
+              <a:buClr>
+                <a:srgbClr val="000000"/>
+              </a:buClr>
+              <a:buSzPts val="2400"/>
+              <a:buFont typeface="Lustria"/>
+              <a:buAutoNum type="arabicPeriod"/>
+            </a:pPr>
+            <a:r>
+              <a:rPr lang="en-US" sz="2400" dirty="0">
+                <a:solidFill>
+                  <a:srgbClr val="000000"/>
+                </a:solidFill>
+              </a:rPr>
+              <a:t>Analyze Data Quality &amp; Create Data Dictionary (Class 7) </a:t>
+            </a:r>
+            <a:endParaRPr sz="2400" dirty="0">
+              <a:solidFill>
+                <a:srgbClr val="000000"/>
+              </a:solidFill>
+            </a:endParaRPr>
+          </a:p>
+          <a:p>
+            <a:pPr marL="494098" lvl="0" indent="-494098" algn="l" rtl="0">
+              <a:lnSpc>
+                <a:spcPct val="115000"/>
+              </a:lnSpc>
+              <a:spcBef>
+                <a:spcPts val="1000"/>
+              </a:spcBef>
+              <a:spcAft>
+                <a:spcPts val="0"/>
+              </a:spcAft>
+              <a:buClr>
+                <a:srgbClr val="000000"/>
+              </a:buClr>
+              <a:buSzPts val="2400"/>
+              <a:buFont typeface="Lustria"/>
+              <a:buAutoNum type="arabicPeriod"/>
+            </a:pPr>
+            <a:r>
+              <a:rPr lang="en-US" sz="2400" dirty="0">
+                <a:solidFill>
+                  <a:srgbClr val="000000"/>
+                </a:solidFill>
+              </a:rPr>
+              <a:t>Connect Data to </a:t>
+            </a:r>
+            <a:r>
+              <a:rPr lang="en-US" sz="2400" dirty="0" err="1">
+                <a:solidFill>
+                  <a:srgbClr val="000000"/>
+                </a:solidFill>
+              </a:rPr>
+              <a:t>PowerBI</a:t>
+            </a:r>
+            <a:r>
+              <a:rPr lang="en-US" sz="2400" dirty="0">
+                <a:solidFill>
+                  <a:srgbClr val="000000"/>
+                </a:solidFill>
+              </a:rPr>
+              <a:t> Desktop/Cloud, Answer Business Questions Automate data workflow using ETL (Python - Optional) (Class 8)</a:t>
+            </a:r>
+            <a:endParaRPr sz="2400" dirty="0">
+              <a:solidFill>
+                <a:srgbClr val="000000"/>
+              </a:solidFill>
+            </a:endParaRPr>
+          </a:p>
+        </p:txBody>
+      </p:sp>
+    </p:spTree>
+  </p:cSld>
+  <p:clrMapOvr>
+    <a:masterClrMapping/>
+  </p:clrMapOvr>
+</p:sld>
+</file>
+
+<file path=ppt/slides/slide15.xml><?xml version="1.0" encoding="utf-8"?>
+<p:sld xmlns:a="http://schemas.openxmlformats.org/drawingml/2006/main" xmlns:r="http://schemas.openxmlformats.org/officeDocument/2006/relationships" xmlns:p="http://schemas.openxmlformats.org/presentationml/2006/main">
+  <p:cSld>
+    <p:spTree>
+      <p:nvGrpSpPr>
+        <p:cNvPr id="1" name="Shape 290"/>
+        <p:cNvGrpSpPr/>
+        <p:nvPr/>
+      </p:nvGrpSpPr>
+      <p:grpSpPr>
+        <a:xfrm>
+          <a:off x="0" y="0"/>
+          <a:ext cx="0" cy="0"/>
+          <a:chOff x="0" y="0"/>
+          <a:chExt cx="0" cy="0"/>
+        </a:xfrm>
+      </p:grpSpPr>
+      <p:sp>
+        <p:nvSpPr>
+          <p:cNvPr id="291" name="Google Shape;291;p41"/>
+          <p:cNvSpPr txBox="1">
+            <a:spLocks noGrp="1"/>
+          </p:cNvSpPr>
+          <p:nvPr>
+            <p:ph type="ctrTitle"/>
+          </p:nvPr>
+        </p:nvSpPr>
+        <p:spPr>
+          <a:xfrm>
+            <a:off x="972825" y="697317"/>
+            <a:ext cx="10250700" cy="2219700"/>
+          </a:xfrm>
+          <a:prstGeom prst="rect">
+            <a:avLst/>
+          </a:prstGeom>
+        </p:spPr>
+        <p:txBody>
+          <a:bodyPr spcFirstLastPara="1" wrap="square" lIns="121900" tIns="121900" rIns="121900" bIns="121900" anchor="t" anchorCtr="0">
+            <a:noAutofit/>
+          </a:bodyPr>
+          <a:lstStyle/>
+          <a:p>
+            <a:pPr marL="0" lvl="0" indent="0" algn="l" rtl="0">
+              <a:spcBef>
+                <a:spcPts val="0"/>
+              </a:spcBef>
+              <a:spcAft>
+                <a:spcPts val="0"/>
+              </a:spcAft>
+              <a:buNone/>
+            </a:pPr>
+            <a:r>
+              <a:rPr lang="en-US"/>
+              <a:t>Class Project </a:t>
+            </a:r>
+            <a:endParaRPr/>
+          </a:p>
+        </p:txBody>
+      </p:sp>
+      <p:sp>
+        <p:nvSpPr>
+          <p:cNvPr id="292" name="Google Shape;292;p41"/>
+          <p:cNvSpPr txBox="1"/>
+          <p:nvPr/>
+        </p:nvSpPr>
+        <p:spPr>
+          <a:xfrm>
+            <a:off x="492375" y="1656925"/>
+            <a:ext cx="6672300" cy="6929400"/>
+          </a:xfrm>
+          <a:prstGeom prst="rect">
+            <a:avLst/>
+          </a:prstGeom>
+          <a:noFill/>
+          <a:ln>
+            <a:noFill/>
+          </a:ln>
+        </p:spPr>
+        <p:txBody>
+          <a:bodyPr spcFirstLastPara="1" wrap="square" lIns="91425" tIns="91425" rIns="91425" bIns="91425" anchor="t" anchorCtr="0">
+            <a:noAutofit/>
+          </a:bodyPr>
+          <a:lstStyle/>
+          <a:p>
+            <a:pPr marL="0" lvl="0" indent="0" algn="ctr" rtl="0">
+              <a:spcBef>
+                <a:spcPts val="0"/>
+              </a:spcBef>
+              <a:spcAft>
+                <a:spcPts val="0"/>
+              </a:spcAft>
+              <a:buNone/>
+            </a:pPr>
+            <a:r>
+              <a:rPr lang="en-US" sz="1800" b="1" u="sng" dirty="0"/>
+              <a:t>Data Storage &amp; Manipulation</a:t>
+            </a:r>
+          </a:p>
+          <a:p>
+            <a:pPr marL="0" lvl="0" indent="0" algn="ctr" rtl="0">
+              <a:spcBef>
+                <a:spcPts val="0"/>
+              </a:spcBef>
+              <a:spcAft>
+                <a:spcPts val="0"/>
+              </a:spcAft>
+              <a:buNone/>
+            </a:pPr>
+            <a:endParaRPr sz="1800" b="1" u="sng" dirty="0"/>
+          </a:p>
+          <a:p>
+            <a:r>
+              <a:rPr lang="en-US" sz="1700" dirty="0"/>
+              <a:t>1. To fully understand the current “top games” in the marketplace, the business needs to store additional video game sales data, </a:t>
+            </a:r>
+            <a:endParaRPr sz="1700" dirty="0"/>
+          </a:p>
+          <a:p>
+            <a:pPr marL="457200" lvl="0" indent="-336550" algn="l" rtl="0">
+              <a:spcBef>
+                <a:spcPts val="0"/>
+              </a:spcBef>
+              <a:spcAft>
+                <a:spcPts val="0"/>
+              </a:spcAft>
+              <a:buSzPts val="1700"/>
+              <a:buAutoNum type="alphaLcParenR"/>
+            </a:pPr>
+            <a:r>
+              <a:rPr lang="en-US" sz="1700" dirty="0"/>
+              <a:t>Create a table named “</a:t>
+            </a:r>
+            <a:r>
+              <a:rPr lang="en-US" sz="1700" dirty="0" err="1"/>
+              <a:t>console_game_sales</a:t>
+            </a:r>
+            <a:r>
+              <a:rPr lang="en-US" sz="1700" dirty="0"/>
+              <a:t>” in the consoles schema, using the “ConsoleGames_201905.csv” file in the “Class Project/consoles” folder</a:t>
+            </a:r>
+            <a:endParaRPr sz="1700" dirty="0"/>
+          </a:p>
+          <a:p>
+            <a:pPr marL="457200" lvl="0" indent="0" algn="l" rtl="0">
+              <a:spcBef>
+                <a:spcPts val="0"/>
+              </a:spcBef>
+              <a:spcAft>
+                <a:spcPts val="0"/>
+              </a:spcAft>
+              <a:buNone/>
+            </a:pPr>
+            <a:endParaRPr sz="1700" dirty="0"/>
+          </a:p>
+          <a:p>
+            <a:pPr marL="457200" lvl="0" indent="-336550" algn="l" rtl="0">
+              <a:spcBef>
+                <a:spcPts val="0"/>
+              </a:spcBef>
+              <a:spcAft>
+                <a:spcPts val="0"/>
+              </a:spcAft>
+              <a:buSzPts val="1700"/>
+              <a:buAutoNum type="alphaLcParenR"/>
+            </a:pPr>
+            <a:r>
+              <a:rPr lang="en-US" sz="1700" dirty="0"/>
+              <a:t>Create a SQL script that inserts the values of the CSV file, into the “</a:t>
+            </a:r>
+            <a:r>
+              <a:rPr lang="en-US" sz="1700" dirty="0" err="1"/>
+              <a:t>console_game_sales</a:t>
+            </a:r>
+            <a:r>
+              <a:rPr lang="en-US" sz="1700" dirty="0"/>
+              <a:t>” table.</a:t>
+            </a:r>
+            <a:endParaRPr sz="1700" dirty="0"/>
+          </a:p>
+          <a:p>
+            <a:pPr marL="0" lvl="0" indent="0" algn="l" rtl="0">
+              <a:spcBef>
+                <a:spcPts val="0"/>
+              </a:spcBef>
+              <a:spcAft>
+                <a:spcPts val="0"/>
+              </a:spcAft>
+              <a:buNone/>
+            </a:pPr>
+            <a:endParaRPr sz="1700" dirty="0"/>
+          </a:p>
+          <a:p>
+            <a:pPr marL="0" lvl="0" indent="0" algn="l" rtl="0">
+              <a:spcBef>
+                <a:spcPts val="0"/>
+              </a:spcBef>
+              <a:spcAft>
+                <a:spcPts val="0"/>
+              </a:spcAft>
+              <a:buNone/>
+            </a:pPr>
+            <a:r>
+              <a:rPr lang="en-US" sz="1700" dirty="0"/>
+              <a:t>2. The company is not interested in producing Sports Games - Remove these observations from the “</a:t>
+            </a:r>
+            <a:r>
+              <a:rPr lang="en-US" sz="1700" dirty="0" err="1"/>
+              <a:t>console_game_sales</a:t>
+            </a:r>
+            <a:r>
+              <a:rPr lang="en-US" sz="1700" dirty="0"/>
+              <a:t>” table</a:t>
+            </a:r>
+            <a:endParaRPr sz="1700" dirty="0"/>
+          </a:p>
+          <a:p>
+            <a:pPr marL="0" lvl="0" indent="0" algn="l" rtl="0">
+              <a:spcBef>
+                <a:spcPts val="0"/>
+              </a:spcBef>
+              <a:spcAft>
+                <a:spcPts val="0"/>
+              </a:spcAft>
+              <a:buNone/>
+            </a:pPr>
+            <a:endParaRPr sz="1700" dirty="0"/>
+          </a:p>
+          <a:p>
+            <a:pPr marL="0" lvl="0" indent="0" algn="l" rtl="0">
+              <a:spcBef>
+                <a:spcPts val="0"/>
+              </a:spcBef>
+              <a:spcAft>
+                <a:spcPts val="0"/>
+              </a:spcAft>
+              <a:buNone/>
+            </a:pPr>
+            <a:r>
+              <a:rPr lang="en-US" sz="1700" dirty="0"/>
+              <a:t>3. The CEO insist that “Barbie Adventure Game” is a top-seller.  Insert a record with that “Title” into the table, for comparison purposes (mock-up field values) </a:t>
+            </a:r>
+            <a:endParaRPr sz="1700" dirty="0"/>
+          </a:p>
+          <a:p>
+            <a:pPr marL="0" lvl="0" indent="0" algn="l" rtl="0">
+              <a:spcBef>
+                <a:spcPts val="0"/>
+              </a:spcBef>
+              <a:spcAft>
+                <a:spcPts val="0"/>
+              </a:spcAft>
+              <a:buNone/>
+            </a:pPr>
+            <a:endParaRPr sz="1700" dirty="0"/>
+          </a:p>
+        </p:txBody>
+      </p:sp>
+      <p:pic>
+        <p:nvPicPr>
+          <p:cNvPr id="293" name="Google Shape;293;p41"/>
+          <p:cNvPicPr preferRelativeResize="0"/>
+          <p:nvPr/>
+        </p:nvPicPr>
+        <p:blipFill>
+          <a:blip r:embed="rId3">
+            <a:alphaModFix/>
+          </a:blip>
+          <a:stretch>
+            <a:fillRect/>
+          </a:stretch>
+        </p:blipFill>
+        <p:spPr>
+          <a:xfrm>
+            <a:off x="7758513" y="1408239"/>
+            <a:ext cx="3636183" cy="3636183"/>
+          </a:xfrm>
+          <a:prstGeom prst="rect">
+            <a:avLst/>
+          </a:prstGeom>
+          <a:noFill/>
+          <a:ln>
+            <a:noFill/>
+          </a:ln>
+        </p:spPr>
+      </p:pic>
+      <p:sp>
+        <p:nvSpPr>
+          <p:cNvPr id="6" name="TextBox 5">
+            <a:extLst>
+              <a:ext uri="{FF2B5EF4-FFF2-40B4-BE49-F238E27FC236}">
+                <a16:creationId xmlns:a16="http://schemas.microsoft.com/office/drawing/2014/main" id="{1830DDA0-3A08-4450-BA64-E5A005427C6A}"/>
+              </a:ext>
+            </a:extLst>
+          </p:cNvPr>
+          <p:cNvSpPr txBox="1"/>
+          <p:nvPr/>
+        </p:nvSpPr>
+        <p:spPr>
+          <a:xfrm>
+            <a:off x="7293684" y="5121625"/>
+            <a:ext cx="4726193" cy="1661993"/>
+          </a:xfrm>
+          <a:prstGeom prst="rect">
+            <a:avLst/>
+          </a:prstGeom>
+          <a:noFill/>
+        </p:spPr>
+        <p:txBody>
+          <a:bodyPr wrap="square">
+            <a:spAutoFit/>
+          </a:bodyPr>
+          <a:lstStyle/>
+          <a:p>
+            <a:pPr marL="0" lvl="0" indent="0" algn="l" rtl="0">
+              <a:spcBef>
+                <a:spcPts val="0"/>
+              </a:spcBef>
+              <a:spcAft>
+                <a:spcPts val="0"/>
+              </a:spcAft>
+              <a:buNone/>
+            </a:pPr>
+            <a:r>
+              <a:rPr lang="en-US" sz="1700" dirty="0"/>
+              <a:t>4. Using the instructions on the “Data Import – MySQL” slide, import the remaining video game files into your personal MySQL schema.</a:t>
+            </a:r>
+          </a:p>
+          <a:p>
+            <a:pPr marL="0" lvl="0" indent="0" algn="l" rtl="0">
+              <a:spcBef>
+                <a:spcPts val="0"/>
+              </a:spcBef>
+              <a:spcAft>
+                <a:spcPts val="0"/>
+              </a:spcAft>
+              <a:buNone/>
+            </a:pPr>
+            <a:endParaRPr lang="en-US" sz="1700" dirty="0"/>
+          </a:p>
+          <a:p>
+            <a:pPr marL="0" lvl="0" indent="0" algn="l" rtl="0">
+              <a:spcBef>
+                <a:spcPts val="0"/>
+              </a:spcBef>
+              <a:spcAft>
+                <a:spcPts val="0"/>
+              </a:spcAft>
+              <a:buNone/>
+            </a:pPr>
+            <a:r>
+              <a:rPr lang="en-US" sz="1700" b="1" u="sng" dirty="0"/>
+              <a:t>Note</a:t>
+            </a:r>
+            <a:r>
+              <a:rPr lang="en-US" sz="1700" dirty="0"/>
+              <a:t>:  See the “</a:t>
+            </a:r>
+            <a:r>
+              <a:rPr lang="en-US" sz="1700" dirty="0">
+                <a:hlinkClick r:id="rId4"/>
+              </a:rPr>
+              <a:t>Class Project/consoles</a:t>
+            </a:r>
+            <a:r>
+              <a:rPr lang="en-US" sz="1700" dirty="0"/>
+              <a:t>” folder on Google Drive.</a:t>
+            </a:r>
+          </a:p>
+        </p:txBody>
+      </p:sp>
+    </p:spTree>
+  </p:cSld>
+  <p:clrMapOvr>
+    <a:masterClrMapping/>
+  </p:clrMapOvr>
+</p:sld>
+</file>
+
+<file path=ppt/slides/slide16.xml><?xml version="1.0" encoding="utf-8"?>
+<p:sld xmlns:a="http://schemas.openxmlformats.org/drawingml/2006/main" xmlns:r="http://schemas.openxmlformats.org/officeDocument/2006/relationships" xmlns:p="http://schemas.openxmlformats.org/presentationml/2006/main">
+  <p:cSld>
+    <p:spTree>
+      <p:nvGrpSpPr>
         <p:cNvPr id="1" name="Shape 272"/>
         <p:cNvGrpSpPr/>
         <p:nvPr/>
@@ -15275,12 +16355,8 @@
               <a:buNone/>
             </a:pPr>
             <a:r>
-              <a:rPr lang="en-US" sz="3600"/>
-              <a:t>Appendix - Data </a:t>
-            </a:r>
-            <a:r>
               <a:rPr lang="en-US" sz="3600" dirty="0"/>
-              <a:t>Import - MySQL</a:t>
+              <a:t>Data Import - MySQL</a:t>
             </a:r>
             <a:endParaRPr sz="3600" dirty="0"/>
           </a:p>
@@ -15300,7 +16376,7 @@
         </p:nvSpPr>
         <p:spPr>
           <a:xfrm>
-            <a:off x="1001549" y="1661407"/>
+            <a:off x="1001549" y="1767815"/>
             <a:ext cx="10693915" cy="880878"/>
           </a:xfrm>
           <a:prstGeom prst="rect">
@@ -15634,7 +16710,7 @@
                 <a:cs typeface="Lato"/>
                 <a:sym typeface="Lato"/>
               </a:rPr>
-              <a:t>	- Select Destination – Use Existing Table</a:t>
+              <a:t>	- Select Destination – Create New Table</a:t>
             </a:r>
           </a:p>
           <a:p>
@@ -15845,652 +16921,6 @@
         <p14:creationId xmlns:p14="http://schemas.microsoft.com/office/powerpoint/2010/main" val="2110584022"/>
       </p:ext>
     </p:extLst>
-  </p:cSld>
-  <p:clrMapOvr>
-    <a:masterClrMapping/>
-  </p:clrMapOvr>
-</p:sld>
-</file>
-
-<file path=ppt/slides/slide15.xml><?xml version="1.0" encoding="utf-8"?>
-<p:sld xmlns:a="http://schemas.openxmlformats.org/drawingml/2006/main" xmlns:r="http://schemas.openxmlformats.org/officeDocument/2006/relationships" xmlns:p="http://schemas.openxmlformats.org/presentationml/2006/main">
-  <p:cSld>
-    <p:spTree>
-      <p:nvGrpSpPr>
-        <p:cNvPr id="1" name="Shape 190"/>
-        <p:cNvGrpSpPr/>
-        <p:nvPr/>
-      </p:nvGrpSpPr>
-      <p:grpSpPr>
-        <a:xfrm>
-          <a:off x="0" y="0"/>
-          <a:ext cx="0" cy="0"/>
-          <a:chOff x="0" y="0"/>
-          <a:chExt cx="0" cy="0"/>
-        </a:xfrm>
-      </p:grpSpPr>
-      <p:sp>
-        <p:nvSpPr>
-          <p:cNvPr id="191" name="Google Shape;191;p29"/>
-          <p:cNvSpPr txBox="1">
-            <a:spLocks noGrp="1"/>
-          </p:cNvSpPr>
-          <p:nvPr>
-            <p:ph type="title" idx="4294967295"/>
-          </p:nvPr>
-        </p:nvSpPr>
-        <p:spPr>
-          <a:xfrm>
-            <a:off x="913795" y="609600"/>
-            <a:ext cx="10353900" cy="970500"/>
-          </a:xfrm>
-          <a:prstGeom prst="rect">
-            <a:avLst/>
-          </a:prstGeom>
-          <a:noFill/>
-          <a:ln>
-            <a:noFill/>
-          </a:ln>
-          <a:effectLst>
-            <a:outerShdw blurRad="25400">
-              <a:srgbClr val="000000">
-                <a:alpha val="45490"/>
-              </a:srgbClr>
-            </a:outerShdw>
-          </a:effectLst>
-        </p:spPr>
-        <p:txBody>
-          <a:bodyPr spcFirstLastPara="1" wrap="square" lIns="91425" tIns="45700" rIns="91425" bIns="45700" anchor="ctr" anchorCtr="0">
-            <a:noAutofit/>
-          </a:bodyPr>
-          <a:lstStyle/>
-          <a:p>
-            <a:pPr marL="0" lvl="0" indent="0" algn="l" rtl="0">
-              <a:lnSpc>
-                <a:spcPct val="100000"/>
-              </a:lnSpc>
-              <a:spcBef>
-                <a:spcPts val="0"/>
-              </a:spcBef>
-              <a:spcAft>
-                <a:spcPts val="0"/>
-              </a:spcAft>
-              <a:buClr>
-                <a:schemeClr val="lt2"/>
-              </a:buClr>
-              <a:buSzPts val="4000"/>
-              <a:buFont typeface="Lustria"/>
-              <a:buNone/>
-            </a:pPr>
-            <a:r>
-              <a:rPr lang="en-US"/>
-              <a:t>Project Milestones</a:t>
-            </a:r>
-            <a:endParaRPr/>
-          </a:p>
-        </p:txBody>
-      </p:sp>
-      <p:sp>
-        <p:nvSpPr>
-          <p:cNvPr id="192" name="Google Shape;192;p29"/>
-          <p:cNvSpPr txBox="1">
-            <a:spLocks noGrp="1"/>
-          </p:cNvSpPr>
-          <p:nvPr>
-            <p:ph type="body" idx="4294967295"/>
-          </p:nvPr>
-        </p:nvSpPr>
-        <p:spPr>
-          <a:xfrm>
-            <a:off x="1001545" y="1995724"/>
-            <a:ext cx="10353900" cy="4058700"/>
-          </a:xfrm>
-          <a:prstGeom prst="rect">
-            <a:avLst/>
-          </a:prstGeom>
-          <a:noFill/>
-          <a:ln>
-            <a:noFill/>
-          </a:ln>
-          <a:effectLst>
-            <a:outerShdw blurRad="25400">
-              <a:srgbClr val="000000">
-                <a:alpha val="45490"/>
-              </a:srgbClr>
-            </a:outerShdw>
-          </a:effectLst>
-        </p:spPr>
-        <p:txBody>
-          <a:bodyPr spcFirstLastPara="1" wrap="square" lIns="91425" tIns="45700" rIns="91425" bIns="45700" anchor="t" anchorCtr="0">
-            <a:noAutofit/>
-          </a:bodyPr>
-          <a:lstStyle/>
-          <a:p>
-            <a:pPr marL="494098" lvl="0" indent="-494098" algn="l" rtl="0">
-              <a:lnSpc>
-                <a:spcPct val="115000"/>
-              </a:lnSpc>
-              <a:spcBef>
-                <a:spcPts val="0"/>
-              </a:spcBef>
-              <a:spcAft>
-                <a:spcPts val="0"/>
-              </a:spcAft>
-              <a:buClr>
-                <a:srgbClr val="000000"/>
-              </a:buClr>
-              <a:buSzPts val="2400"/>
-              <a:buFont typeface="Lustria"/>
-              <a:buAutoNum type="arabicPeriod"/>
-            </a:pPr>
-            <a:r>
-              <a:rPr lang="en-US" sz="2400" dirty="0">
-                <a:solidFill>
-                  <a:srgbClr val="000000"/>
-                </a:solidFill>
-              </a:rPr>
-              <a:t>Query Data for Data Understanding/Relevant Information (Class 2) </a:t>
-            </a:r>
-          </a:p>
-          <a:p>
-            <a:pPr marL="494098" lvl="0" indent="-494098" algn="l" rtl="0">
-              <a:lnSpc>
-                <a:spcPct val="115000"/>
-              </a:lnSpc>
-              <a:spcBef>
-                <a:spcPts val="1000"/>
-              </a:spcBef>
-              <a:spcAft>
-                <a:spcPts val="0"/>
-              </a:spcAft>
-              <a:buClr>
-                <a:srgbClr val="6AA84F"/>
-              </a:buClr>
-              <a:buSzPts val="2400"/>
-              <a:buFont typeface="Lustria"/>
-              <a:buAutoNum type="arabicPeriod"/>
-            </a:pPr>
-            <a:r>
-              <a:rPr lang="en-US" sz="2400" dirty="0">
-                <a:solidFill>
-                  <a:srgbClr val="6AA84F"/>
-                </a:solidFill>
-              </a:rPr>
-              <a:t>Import data into MySQL database (Class 3)</a:t>
-            </a:r>
-          </a:p>
-          <a:p>
-            <a:pPr marL="494098" lvl="0" indent="-494098" algn="l" rtl="0">
-              <a:lnSpc>
-                <a:spcPct val="115000"/>
-              </a:lnSpc>
-              <a:spcBef>
-                <a:spcPts val="1000"/>
-              </a:spcBef>
-              <a:spcAft>
-                <a:spcPts val="0"/>
-              </a:spcAft>
-              <a:buClr>
-                <a:srgbClr val="6AA84F"/>
-              </a:buClr>
-              <a:buSzPts val="2400"/>
-              <a:buFont typeface="Lustria"/>
-              <a:buAutoNum type="arabicPeriod"/>
-            </a:pPr>
-            <a:r>
-              <a:rPr lang="en-US" sz="2400" dirty="0">
-                <a:solidFill>
-                  <a:srgbClr val="6AA84F"/>
-                </a:solidFill>
-              </a:rPr>
-              <a:t>Storing/Joining data for analysis (Class 3-4)</a:t>
-            </a:r>
-            <a:endParaRPr sz="2400" dirty="0">
-              <a:solidFill>
-                <a:srgbClr val="6AA84F"/>
-              </a:solidFill>
-            </a:endParaRPr>
-          </a:p>
-          <a:p>
-            <a:pPr marL="494098" lvl="0" indent="-494098" algn="l" rtl="0">
-              <a:lnSpc>
-                <a:spcPct val="115000"/>
-              </a:lnSpc>
-              <a:spcBef>
-                <a:spcPts val="1000"/>
-              </a:spcBef>
-              <a:spcAft>
-                <a:spcPts val="0"/>
-              </a:spcAft>
-              <a:buClr>
-                <a:srgbClr val="000000"/>
-              </a:buClr>
-              <a:buSzPts val="2400"/>
-              <a:buAutoNum type="arabicPeriod"/>
-            </a:pPr>
-            <a:r>
-              <a:rPr lang="en-US" sz="2400" dirty="0">
-                <a:solidFill>
-                  <a:srgbClr val="000000"/>
-                </a:solidFill>
-              </a:rPr>
-              <a:t>Cleaning Data (Class 5)</a:t>
-            </a:r>
-            <a:endParaRPr sz="2400" dirty="0">
-              <a:solidFill>
-                <a:srgbClr val="000000"/>
-              </a:solidFill>
-            </a:endParaRPr>
-          </a:p>
-          <a:p>
-            <a:pPr marL="494098" lvl="0" indent="-494098" algn="l" rtl="0">
-              <a:lnSpc>
-                <a:spcPct val="115000"/>
-              </a:lnSpc>
-              <a:spcBef>
-                <a:spcPts val="1000"/>
-              </a:spcBef>
-              <a:spcAft>
-                <a:spcPts val="0"/>
-              </a:spcAft>
-              <a:buClr>
-                <a:srgbClr val="000000"/>
-              </a:buClr>
-              <a:buSzPts val="2400"/>
-              <a:buFont typeface="Lustria"/>
-              <a:buAutoNum type="arabicPeriod"/>
-            </a:pPr>
-            <a:r>
-              <a:rPr lang="en-US" sz="2400" dirty="0">
-                <a:solidFill>
-                  <a:srgbClr val="000000"/>
-                </a:solidFill>
-              </a:rPr>
-              <a:t>Normalize Data &amp; Create Data Model (Class 6)</a:t>
-            </a:r>
-            <a:endParaRPr sz="2400" dirty="0">
-              <a:solidFill>
-                <a:srgbClr val="000000"/>
-              </a:solidFill>
-            </a:endParaRPr>
-          </a:p>
-          <a:p>
-            <a:pPr marL="494098" lvl="0" indent="-494098" algn="l" rtl="0">
-              <a:lnSpc>
-                <a:spcPct val="115000"/>
-              </a:lnSpc>
-              <a:spcBef>
-                <a:spcPts val="1000"/>
-              </a:spcBef>
-              <a:spcAft>
-                <a:spcPts val="0"/>
-              </a:spcAft>
-              <a:buClr>
-                <a:srgbClr val="000000"/>
-              </a:buClr>
-              <a:buSzPts val="2400"/>
-              <a:buFont typeface="Lustria"/>
-              <a:buAutoNum type="arabicPeriod"/>
-            </a:pPr>
-            <a:r>
-              <a:rPr lang="en-US" sz="2400" dirty="0">
-                <a:solidFill>
-                  <a:srgbClr val="000000"/>
-                </a:solidFill>
-              </a:rPr>
-              <a:t>Analyze Data Quality &amp; Create Data Dictionary (Class 7) </a:t>
-            </a:r>
-            <a:endParaRPr sz="2400" dirty="0">
-              <a:solidFill>
-                <a:srgbClr val="000000"/>
-              </a:solidFill>
-            </a:endParaRPr>
-          </a:p>
-          <a:p>
-            <a:pPr marL="494098" lvl="0" indent="-494098" algn="l" rtl="0">
-              <a:lnSpc>
-                <a:spcPct val="115000"/>
-              </a:lnSpc>
-              <a:spcBef>
-                <a:spcPts val="1000"/>
-              </a:spcBef>
-              <a:spcAft>
-                <a:spcPts val="0"/>
-              </a:spcAft>
-              <a:buClr>
-                <a:srgbClr val="000000"/>
-              </a:buClr>
-              <a:buSzPts val="2400"/>
-              <a:buFont typeface="Lustria"/>
-              <a:buAutoNum type="arabicPeriod"/>
-            </a:pPr>
-            <a:r>
-              <a:rPr lang="en-US" sz="2400" dirty="0">
-                <a:solidFill>
-                  <a:srgbClr val="000000"/>
-                </a:solidFill>
-              </a:rPr>
-              <a:t>Connect Data to </a:t>
-            </a:r>
-            <a:r>
-              <a:rPr lang="en-US" sz="2400" dirty="0" err="1">
-                <a:solidFill>
-                  <a:srgbClr val="000000"/>
-                </a:solidFill>
-              </a:rPr>
-              <a:t>PowerBI</a:t>
-            </a:r>
-            <a:r>
-              <a:rPr lang="en-US" sz="2400" dirty="0">
-                <a:solidFill>
-                  <a:srgbClr val="000000"/>
-                </a:solidFill>
-              </a:rPr>
-              <a:t> Desktop/Cloud, Answer Business Questions Automate data workflow using ETL (Python - Optional) (Class 8)</a:t>
-            </a:r>
-            <a:endParaRPr sz="2400" dirty="0">
-              <a:solidFill>
-                <a:srgbClr val="000000"/>
-              </a:solidFill>
-            </a:endParaRPr>
-          </a:p>
-        </p:txBody>
-      </p:sp>
-    </p:spTree>
-  </p:cSld>
-  <p:clrMapOvr>
-    <a:masterClrMapping/>
-  </p:clrMapOvr>
-</p:sld>
-</file>
-
-<file path=ppt/slides/slide16.xml><?xml version="1.0" encoding="utf-8"?>
-<p:sld xmlns:a="http://schemas.openxmlformats.org/drawingml/2006/main" xmlns:r="http://schemas.openxmlformats.org/officeDocument/2006/relationships" xmlns:p="http://schemas.openxmlformats.org/presentationml/2006/main">
-  <p:cSld>
-    <p:spTree>
-      <p:nvGrpSpPr>
-        <p:cNvPr id="1" name="Shape 290"/>
-        <p:cNvGrpSpPr/>
-        <p:nvPr/>
-      </p:nvGrpSpPr>
-      <p:grpSpPr>
-        <a:xfrm>
-          <a:off x="0" y="0"/>
-          <a:ext cx="0" cy="0"/>
-          <a:chOff x="0" y="0"/>
-          <a:chExt cx="0" cy="0"/>
-        </a:xfrm>
-      </p:grpSpPr>
-      <p:sp>
-        <p:nvSpPr>
-          <p:cNvPr id="291" name="Google Shape;291;p41"/>
-          <p:cNvSpPr txBox="1">
-            <a:spLocks noGrp="1"/>
-          </p:cNvSpPr>
-          <p:nvPr>
-            <p:ph type="ctrTitle"/>
-          </p:nvPr>
-        </p:nvSpPr>
-        <p:spPr>
-          <a:xfrm>
-            <a:off x="972825" y="697317"/>
-            <a:ext cx="10250700" cy="2219700"/>
-          </a:xfrm>
-          <a:prstGeom prst="rect">
-            <a:avLst/>
-          </a:prstGeom>
-        </p:spPr>
-        <p:txBody>
-          <a:bodyPr spcFirstLastPara="1" wrap="square" lIns="121900" tIns="121900" rIns="121900" bIns="121900" anchor="t" anchorCtr="0">
-            <a:noAutofit/>
-          </a:bodyPr>
-          <a:lstStyle/>
-          <a:p>
-            <a:pPr marL="0" lvl="0" indent="0" algn="l" rtl="0">
-              <a:spcBef>
-                <a:spcPts val="0"/>
-              </a:spcBef>
-              <a:spcAft>
-                <a:spcPts val="0"/>
-              </a:spcAft>
-              <a:buNone/>
-            </a:pPr>
-            <a:r>
-              <a:rPr lang="en-US"/>
-              <a:t>Class Project </a:t>
-            </a:r>
-            <a:endParaRPr/>
-          </a:p>
-        </p:txBody>
-      </p:sp>
-      <p:sp>
-        <p:nvSpPr>
-          <p:cNvPr id="292" name="Google Shape;292;p41"/>
-          <p:cNvSpPr txBox="1"/>
-          <p:nvPr/>
-        </p:nvSpPr>
-        <p:spPr>
-          <a:xfrm>
-            <a:off x="492375" y="1656925"/>
-            <a:ext cx="6672300" cy="6929400"/>
-          </a:xfrm>
-          <a:prstGeom prst="rect">
-            <a:avLst/>
-          </a:prstGeom>
-          <a:noFill/>
-          <a:ln>
-            <a:noFill/>
-          </a:ln>
-        </p:spPr>
-        <p:txBody>
-          <a:bodyPr spcFirstLastPara="1" wrap="square" lIns="91425" tIns="91425" rIns="91425" bIns="91425" anchor="t" anchorCtr="0">
-            <a:noAutofit/>
-          </a:bodyPr>
-          <a:lstStyle/>
-          <a:p>
-            <a:pPr marL="0" lvl="0" indent="0" algn="ctr" rtl="0">
-              <a:spcBef>
-                <a:spcPts val="0"/>
-              </a:spcBef>
-              <a:spcAft>
-                <a:spcPts val="0"/>
-              </a:spcAft>
-              <a:buNone/>
-            </a:pPr>
-            <a:r>
-              <a:rPr lang="en-US" sz="1800" b="1" u="sng" dirty="0"/>
-              <a:t>Data Storage &amp; Manipulation</a:t>
-            </a:r>
-            <a:endParaRPr sz="1800" b="1" u="sng" dirty="0"/>
-          </a:p>
-          <a:p>
-            <a:pPr marL="0" lvl="0" indent="0" algn="ctr" rtl="0">
-              <a:spcBef>
-                <a:spcPts val="0"/>
-              </a:spcBef>
-              <a:spcAft>
-                <a:spcPts val="0"/>
-              </a:spcAft>
-              <a:buNone/>
-            </a:pPr>
-            <a:endParaRPr sz="1800" b="1" u="sng" dirty="0"/>
-          </a:p>
-          <a:p>
-            <a:r>
-              <a:rPr lang="en-US" sz="1700" dirty="0"/>
-              <a:t>1. To fully understand the current “top games” in the marketplace, the business needs to store additional video game sales data, </a:t>
-            </a:r>
-            <a:endParaRPr sz="1700" dirty="0"/>
-          </a:p>
-          <a:p>
-            <a:pPr marL="457200" lvl="0" indent="-336550" algn="l" rtl="0">
-              <a:spcBef>
-                <a:spcPts val="0"/>
-              </a:spcBef>
-              <a:spcAft>
-                <a:spcPts val="0"/>
-              </a:spcAft>
-              <a:buSzPts val="1700"/>
-              <a:buAutoNum type="alphaLcParenR"/>
-            </a:pPr>
-            <a:r>
-              <a:rPr lang="en-US" sz="1700" dirty="0"/>
-              <a:t>Create a table named “</a:t>
-            </a:r>
-            <a:r>
-              <a:rPr lang="en-US" sz="1700" dirty="0" err="1"/>
-              <a:t>console_game_sales</a:t>
-            </a:r>
-            <a:r>
-              <a:rPr lang="en-US" sz="1700" dirty="0"/>
-              <a:t>” in the consoles schema, using the “ConsoleGames_201905.csv” file in the “Class Project/consoles” folder</a:t>
-            </a:r>
-            <a:endParaRPr sz="1700" dirty="0"/>
-          </a:p>
-          <a:p>
-            <a:pPr marL="457200" lvl="0" indent="0" algn="l" rtl="0">
-              <a:spcBef>
-                <a:spcPts val="0"/>
-              </a:spcBef>
-              <a:spcAft>
-                <a:spcPts val="0"/>
-              </a:spcAft>
-              <a:buNone/>
-            </a:pPr>
-            <a:endParaRPr sz="1700" dirty="0"/>
-          </a:p>
-          <a:p>
-            <a:pPr marL="457200" lvl="0" indent="-336550" algn="l" rtl="0">
-              <a:spcBef>
-                <a:spcPts val="0"/>
-              </a:spcBef>
-              <a:spcAft>
-                <a:spcPts val="0"/>
-              </a:spcAft>
-              <a:buSzPts val="1700"/>
-              <a:buAutoNum type="alphaLcParenR"/>
-            </a:pPr>
-            <a:r>
-              <a:rPr lang="en-US" sz="1700" dirty="0"/>
-              <a:t>Create a SQL script that inserts the values of the CSV file, into the “</a:t>
-            </a:r>
-            <a:r>
-              <a:rPr lang="en-US" sz="1700" dirty="0" err="1"/>
-              <a:t>console_game_sales</a:t>
-            </a:r>
-            <a:r>
-              <a:rPr lang="en-US" sz="1700" dirty="0"/>
-              <a:t>” table.</a:t>
-            </a:r>
-            <a:endParaRPr sz="1700" dirty="0"/>
-          </a:p>
-          <a:p>
-            <a:pPr marL="0" lvl="0" indent="0" algn="l" rtl="0">
-              <a:spcBef>
-                <a:spcPts val="0"/>
-              </a:spcBef>
-              <a:spcAft>
-                <a:spcPts val="0"/>
-              </a:spcAft>
-              <a:buNone/>
-            </a:pPr>
-            <a:endParaRPr sz="1700" dirty="0"/>
-          </a:p>
-          <a:p>
-            <a:pPr marL="0" lvl="0" indent="0" algn="l" rtl="0">
-              <a:spcBef>
-                <a:spcPts val="0"/>
-              </a:spcBef>
-              <a:spcAft>
-                <a:spcPts val="0"/>
-              </a:spcAft>
-              <a:buNone/>
-            </a:pPr>
-            <a:r>
-              <a:rPr lang="en-US" sz="1700" dirty="0"/>
-              <a:t>2. The company is not interested in producing Sports Games - Remove these observations from the “</a:t>
-            </a:r>
-            <a:r>
-              <a:rPr lang="en-US" sz="1700" dirty="0" err="1"/>
-              <a:t>console_game_sales</a:t>
-            </a:r>
-            <a:r>
-              <a:rPr lang="en-US" sz="1700" dirty="0"/>
-              <a:t>” table</a:t>
-            </a:r>
-            <a:endParaRPr sz="1700" dirty="0"/>
-          </a:p>
-          <a:p>
-            <a:pPr marL="0" lvl="0" indent="0" algn="l" rtl="0">
-              <a:spcBef>
-                <a:spcPts val="0"/>
-              </a:spcBef>
-              <a:spcAft>
-                <a:spcPts val="0"/>
-              </a:spcAft>
-              <a:buNone/>
-            </a:pPr>
-            <a:endParaRPr sz="1700" dirty="0"/>
-          </a:p>
-          <a:p>
-            <a:pPr marL="0" lvl="0" indent="0" algn="l" rtl="0">
-              <a:spcBef>
-                <a:spcPts val="0"/>
-              </a:spcBef>
-              <a:spcAft>
-                <a:spcPts val="0"/>
-              </a:spcAft>
-              <a:buNone/>
-            </a:pPr>
-            <a:r>
-              <a:rPr lang="en-US" sz="1700" dirty="0"/>
-              <a:t>3. The CEO insist that “Barbie Adventure Game” is a top-seller.  Insert a record with that “Title” into the table, for comparison purposes (mock-up field values) </a:t>
-            </a:r>
-            <a:endParaRPr sz="1700" dirty="0"/>
-          </a:p>
-          <a:p>
-            <a:pPr marL="0" lvl="0" indent="0" algn="l" rtl="0">
-              <a:spcBef>
-                <a:spcPts val="0"/>
-              </a:spcBef>
-              <a:spcAft>
-                <a:spcPts val="0"/>
-              </a:spcAft>
-              <a:buNone/>
-            </a:pPr>
-            <a:endParaRPr sz="1700" dirty="0"/>
-          </a:p>
-        </p:txBody>
-      </p:sp>
-      <p:pic>
-        <p:nvPicPr>
-          <p:cNvPr id="293" name="Google Shape;293;p41"/>
-          <p:cNvPicPr preferRelativeResize="0"/>
-          <p:nvPr/>
-        </p:nvPicPr>
-        <p:blipFill>
-          <a:blip r:embed="rId3">
-            <a:alphaModFix/>
-          </a:blip>
-          <a:stretch>
-            <a:fillRect/>
-          </a:stretch>
-        </p:blipFill>
-        <p:spPr>
-          <a:xfrm>
-            <a:off x="7564875" y="2150517"/>
-            <a:ext cx="3636183" cy="3636183"/>
-          </a:xfrm>
-          <a:prstGeom prst="rect">
-            <a:avLst/>
-          </a:prstGeom>
-          <a:noFill/>
-          <a:ln>
-            <a:noFill/>
-          </a:ln>
-        </p:spPr>
-      </p:pic>
-    </p:spTree>
   </p:cSld>
   <p:clrMapOvr>
     <a:masterClrMapping/>
@@ -16662,7 +17092,7 @@
         </p:nvSpPr>
         <p:spPr>
           <a:xfrm>
-            <a:off x="634645" y="2189700"/>
+            <a:off x="634645" y="2114396"/>
             <a:ext cx="10912200" cy="4058700"/>
           </a:xfrm>
           <a:prstGeom prst="rect">
@@ -16793,11 +17223,46 @@
             </a:br>
             <a:r>
               <a:rPr lang="en-US" sz="2400" dirty="0"/>
-              <a:t>What is a subquery, and what is its purpose?  </a:t>
-            </a:r>
-            <a:br>
+              <a:t>Aggregate Functions (Groupings):  SUM, AVG, MIN/MAX, etc.</a:t>
+            </a:r>
+          </a:p>
+          <a:p>
+            <a:pPr marL="609600" lvl="0" indent="-304800" algn="l" rtl="0">
+              <a:lnSpc>
+                <a:spcPct val="90000"/>
+              </a:lnSpc>
+              <a:spcBef>
+                <a:spcPts val="0"/>
+              </a:spcBef>
+              <a:spcAft>
+                <a:spcPts val="0"/>
+              </a:spcAft>
+              <a:buSzPts val="1400"/>
+              <a:buNone/>
+            </a:pPr>
+            <a:r>
               <a:rPr lang="en-US" sz="2400" dirty="0"/>
-            </a:br>
+              <a:t>	</a:t>
+            </a:r>
+          </a:p>
+          <a:p>
+            <a:pPr marL="609600" lvl="0" indent="-304800" algn="l" rtl="0">
+              <a:lnSpc>
+                <a:spcPct val="90000"/>
+              </a:lnSpc>
+              <a:spcBef>
+                <a:spcPts val="0"/>
+              </a:spcBef>
+              <a:spcAft>
+                <a:spcPts val="0"/>
+              </a:spcAft>
+              <a:buSzPts val="1400"/>
+              <a:buNone/>
+            </a:pPr>
+            <a:r>
+              <a:rPr lang="en-US" sz="2400" dirty="0"/>
+              <a:t>	Value/Scalar Functions (Changing Values): String, Date, Math, etc. </a:t>
+            </a:r>
             <a:br>
               <a:rPr lang="en-US" sz="2400" dirty="0"/>
             </a:br>
@@ -16942,8 +17407,8 @@
         </p:nvSpPr>
         <p:spPr>
           <a:xfrm>
-            <a:off x="238159" y="2016100"/>
-            <a:ext cx="5188200" cy="3000000"/>
+            <a:off x="102742" y="2016100"/>
+            <a:ext cx="5517222" cy="3000000"/>
           </a:xfrm>
           <a:prstGeom prst="rect">
             <a:avLst/>
@@ -17011,7 +17476,7 @@
             </a:pPr>
             <a:r>
               <a:rPr lang="en-US" sz="2400" dirty="0"/>
-              <a:t>Create and delete tables</a:t>
+              <a:t>Create and delete tables &amp; views</a:t>
             </a:r>
             <a:endParaRPr sz="2400" dirty="0"/>
           </a:p>
@@ -17087,7 +17552,7 @@
             </a:pPr>
             <a:r>
               <a:rPr lang="en-US" sz="2400" dirty="0"/>
-              <a:t>Insert data manually into tables</a:t>
+              <a:t>Insert, Update, Delete data from tables</a:t>
             </a:r>
             <a:endParaRPr sz="2400" dirty="0"/>
           </a:p>
@@ -17265,8 +17730,8 @@
         </p:nvSpPr>
         <p:spPr>
           <a:xfrm>
-            <a:off x="1228375" y="5554133"/>
-            <a:ext cx="8941800" cy="834567"/>
+            <a:off x="1228375" y="4539727"/>
+            <a:ext cx="8941800" cy="1848973"/>
           </a:xfrm>
           <a:prstGeom prst="rect">
             <a:avLst/>
@@ -17323,7 +17788,7 @@
         <p:spPr>
           <a:xfrm>
             <a:off x="1077723" y="1998825"/>
-            <a:ext cx="5479200" cy="4058700"/>
+            <a:ext cx="5479200" cy="3412271"/>
           </a:xfrm>
           <a:prstGeom prst="rect">
             <a:avLst/>
@@ -17542,12 +18007,8 @@
               <a:buChar char="●"/>
             </a:pPr>
             <a:r>
-              <a:rPr lang="en-US" sz="2400"/>
-              <a:t>Transforming </a:t>
-            </a:r>
-            <a:r>
               <a:rPr lang="en-US" sz="2400" dirty="0"/>
-              <a:t>data</a:t>
+              <a:t>Transforming data</a:t>
             </a:r>
             <a:endParaRPr sz="2400" dirty="0"/>
           </a:p>
@@ -17577,7 +18038,7 @@
             </a:pPr>
             <a:r>
               <a:rPr lang="en-US" sz="2400" dirty="0"/>
-              <a:t>Cleaning data</a:t>
+              <a:t>Manipulating data</a:t>
             </a:r>
             <a:br>
               <a:rPr lang="en-US" sz="2400" dirty="0"/>
@@ -17695,7 +18156,7 @@
         <p:spPr>
           <a:xfrm>
             <a:off x="1045875" y="1792350"/>
-            <a:ext cx="10178400" cy="3000000"/>
+            <a:ext cx="10178400" cy="2521463"/>
           </a:xfrm>
           <a:prstGeom prst="rect">
             <a:avLst/>
@@ -17969,7 +18430,7 @@
             <a:r>
               <a:rPr lang="en-US" sz="2000" dirty="0">
                 <a:solidFill>
-                  <a:schemeClr val="accent1"/>
+                  <a:srgbClr val="FF0000"/>
                 </a:solidFill>
                 <a:latin typeface="Lato"/>
                 <a:ea typeface="Lato"/>
@@ -17981,7 +18442,7 @@
             <a:r>
               <a:rPr lang="en-US" sz="2000" dirty="0" err="1">
                 <a:solidFill>
-                  <a:schemeClr val="accent1"/>
+                  <a:srgbClr val="FF0000"/>
                 </a:solidFill>
                 <a:latin typeface="Lato"/>
                 <a:ea typeface="Lato"/>
@@ -17993,7 +18454,7 @@
             <a:r>
               <a:rPr lang="en-US" sz="2000" dirty="0">
                 <a:solidFill>
-                  <a:schemeClr val="accent1"/>
+                  <a:srgbClr val="FF0000"/>
                 </a:solidFill>
                 <a:latin typeface="Lato"/>
                 <a:ea typeface="Lato"/>
@@ -18004,7 +18465,7 @@
             </a:r>
             <a:endParaRPr sz="2000" dirty="0">
               <a:solidFill>
-                <a:schemeClr val="accent1"/>
+                <a:srgbClr val="FF0000"/>
               </a:solidFill>
               <a:latin typeface="Lato"/>
               <a:ea typeface="Lato"/>
@@ -18033,7 +18494,7 @@
             <a:r>
               <a:rPr lang="en-US" sz="2000" dirty="0">
                 <a:solidFill>
-                  <a:schemeClr val="accent1"/>
+                  <a:srgbClr val="FF0000"/>
                 </a:solidFill>
                 <a:latin typeface="Lato"/>
                 <a:ea typeface="Lato"/>
@@ -18045,7 +18506,7 @@
             <a:r>
               <a:rPr lang="en-US" sz="2000" dirty="0" err="1">
                 <a:solidFill>
-                  <a:schemeClr val="accent1"/>
+                  <a:srgbClr val="FF0000"/>
                 </a:solidFill>
                 <a:latin typeface="Lato"/>
                 <a:ea typeface="Lato"/>
@@ -18057,7 +18518,7 @@
             <a:r>
               <a:rPr lang="en-US" sz="2000" dirty="0">
                 <a:solidFill>
-                  <a:schemeClr val="accent1"/>
+                  <a:srgbClr val="FF0000"/>
                 </a:solidFill>
                 <a:latin typeface="Lato"/>
                 <a:ea typeface="Lato"/>
@@ -18068,7 +18529,7 @@
             </a:r>
             <a:endParaRPr sz="2000" dirty="0">
               <a:solidFill>
-                <a:schemeClr val="accent1"/>
+                <a:srgbClr val="FF0000"/>
               </a:solidFill>
               <a:latin typeface="Lato"/>
               <a:ea typeface="Lato"/>
@@ -18310,8 +18771,8 @@
         </p:nvSpPr>
         <p:spPr>
           <a:xfrm>
-            <a:off x="548400" y="3421725"/>
-            <a:ext cx="5704800" cy="3131400"/>
+            <a:off x="548400" y="3711387"/>
+            <a:ext cx="5704800" cy="2841737"/>
           </a:xfrm>
           <a:prstGeom prst="rect">
             <a:avLst/>
@@ -18327,7 +18788,7 @@
           </a:bodyPr>
           <a:lstStyle/>
           <a:p>
-            <a:pPr marL="0" lvl="0" indent="0" algn="l" rtl="0">
+            <a:pPr marL="0" lvl="0" indent="0" algn="ctr" rtl="0">
               <a:lnSpc>
                 <a:spcPct val="115000"/>
               </a:lnSpc>
@@ -18340,10 +18801,14 @@
               <a:buNone/>
             </a:pPr>
             <a:r>
-              <a:rPr lang="en-US" sz="1800" b="1"/>
+              <a:rPr lang="en-US" sz="1800" b="1" u="sng" dirty="0"/>
+              <a:t>Column Constraints</a:t>
+            </a:r>
+            <a:r>
+              <a:rPr lang="en-US" sz="1800" b="1" dirty="0"/>
               <a:t> </a:t>
             </a:r>
-            <a:endParaRPr sz="1800" b="1"/>
+            <a:endParaRPr sz="1800" b="1" dirty="0"/>
           </a:p>
           <a:p>
             <a:pPr marL="0" lvl="0" indent="0" algn="l" rtl="0">
@@ -18359,45 +18824,30 @@
               <a:buNone/>
             </a:pPr>
             <a:r>
-              <a:rPr lang="en-US" sz="1800" b="1"/>
-              <a:t>NOT NULL Constraint − Ensures that a column cannot have NULL value.</a:t>
+              <a:rPr lang="en-US" sz="1800" b="1" dirty="0"/>
+              <a:t>NULL/NOT NULL − Ensures that a column can or cannot have NULL value.</a:t>
             </a:r>
             <a:br>
-              <a:rPr lang="en-US" sz="1800" b="1"/>
+              <a:rPr lang="en-US" sz="1800" b="1" dirty="0"/>
             </a:br>
             <a:br>
-              <a:rPr lang="en-US" sz="1800" b="1"/>
+              <a:rPr lang="en-US" sz="1800" b="1" dirty="0"/>
             </a:br>
             <a:r>
-              <a:rPr lang="en-US" sz="1800" b="1"/>
-              <a:t>DEFAULT Constraint − Provides a default value for a column when none is specified.</a:t>
+              <a:rPr lang="en-US" sz="1800" b="1" dirty="0"/>
+              <a:t>DEFAULT − Provides a default value for a column when none is specified.</a:t>
             </a:r>
             <a:br>
-              <a:rPr lang="en-US" sz="1800" b="1"/>
+              <a:rPr lang="en-US" sz="1800" b="1" dirty="0"/>
             </a:br>
             <a:br>
-              <a:rPr lang="en-US" sz="1800" b="1"/>
+              <a:rPr lang="en-US" sz="1800" b="1" dirty="0"/>
             </a:br>
             <a:r>
-              <a:rPr lang="en-US" sz="1800" b="1"/>
-              <a:t>UNIQUE Constraint − Ensures that all values in a column are different.</a:t>
-            </a:r>
-            <a:endParaRPr sz="1800" b="1"/>
-          </a:p>
-          <a:p>
-            <a:pPr marL="0" lvl="0" indent="0" algn="l" rtl="0">
-              <a:lnSpc>
-                <a:spcPct val="100000"/>
-              </a:lnSpc>
-              <a:spcBef>
-                <a:spcPts val="1000"/>
-              </a:spcBef>
-              <a:spcAft>
-                <a:spcPts val="0"/>
-              </a:spcAft>
-              <a:buNone/>
-            </a:pPr>
-            <a:endParaRPr sz="1800" b="1"/>
+              <a:rPr lang="en-US" sz="1800" b="1" dirty="0"/>
+              <a:t>UNIQUE − Ensures that all values in a column are different.</a:t>
+            </a:r>
+            <a:endParaRPr sz="1800" b="1" dirty="0"/>
           </a:p>
           <a:p>
             <a:pPr marL="0" lvl="0" indent="0" algn="l" rtl="0">
@@ -18418,10 +18868,10 @@
               <a:buNone/>
             </a:pPr>
             <a:r>
-              <a:rPr lang="en-US" sz="1800" b="1"/>
+              <a:rPr lang="en-US" sz="1800" b="1" dirty="0"/>
               <a:t>INDEX − Used to create and retrieve data from the database very quickly.</a:t>
             </a:r>
-            <a:endParaRPr sz="1800"/>
+            <a:endParaRPr sz="1800" dirty="0"/>
           </a:p>
           <a:p>
             <a:pPr marL="0" lvl="0" indent="0" algn="l" rtl="0">
@@ -18437,12 +18887,12 @@
               <a:buNone/>
             </a:pPr>
             <a:br>
-              <a:rPr lang="en-US" sz="1800" b="1"/>
+              <a:rPr lang="en-US" sz="1800" b="1" dirty="0"/>
             </a:br>
             <a:br>
-              <a:rPr lang="en-US" sz="1800" b="1"/>
+              <a:rPr lang="en-US" sz="1800" b="1" dirty="0"/>
             </a:br>
-            <a:endParaRPr/>
+            <a:endParaRPr dirty="0"/>
           </a:p>
           <a:p>
             <a:pPr marL="0" lvl="0" indent="0" algn="l" rtl="0">
@@ -18457,7 +18907,7 @@
               </a:spcAft>
               <a:buNone/>
             </a:pPr>
-            <a:endParaRPr sz="1000">
+            <a:endParaRPr sz="1000" dirty="0">
               <a:solidFill>
                 <a:srgbClr val="777777"/>
               </a:solidFill>
@@ -18473,8 +18923,8 @@
         </p:nvSpPr>
         <p:spPr>
           <a:xfrm>
-            <a:off x="548400" y="1866925"/>
-            <a:ext cx="11095200" cy="3000000"/>
+            <a:off x="548400" y="1773504"/>
+            <a:ext cx="11266881" cy="3000000"/>
           </a:xfrm>
           <a:prstGeom prst="rect">
             <a:avLst/>
@@ -18500,7 +18950,7 @@
               <a:buNone/>
             </a:pPr>
             <a:r>
-              <a:rPr lang="en-US" sz="2000">
+              <a:rPr lang="en-US" sz="2000" dirty="0">
                 <a:latin typeface="Lato"/>
                 <a:ea typeface="Lato"/>
                 <a:cs typeface="Lato"/>
@@ -18508,7 +18958,7 @@
               </a:rPr>
               <a:t>Constraints are the rules enforced on the data columns of a table. These are used to limit the type of data that can go into a table. This ensures the accuracy and reliability of the data in the database. </a:t>
             </a:r>
-            <a:endParaRPr sz="2000"/>
+            <a:endParaRPr sz="2000" dirty="0"/>
           </a:p>
         </p:txBody>
       </p:sp>
@@ -18520,7 +18970,7 @@
         </p:nvSpPr>
         <p:spPr>
           <a:xfrm>
-            <a:off x="5939575" y="2878650"/>
+            <a:off x="5827623" y="2684830"/>
             <a:ext cx="5976900" cy="3000000"/>
           </a:xfrm>
           <a:prstGeom prst="rect">
@@ -18537,6 +18987,24 @@
           </a:bodyPr>
           <a:lstStyle/>
           <a:p>
+            <a:pPr marL="457200" lvl="0" indent="0" algn="ctr" rtl="0">
+              <a:lnSpc>
+                <a:spcPct val="115000"/>
+              </a:lnSpc>
+              <a:spcBef>
+                <a:spcPts val="0"/>
+              </a:spcBef>
+              <a:spcAft>
+                <a:spcPts val="1000"/>
+              </a:spcAft>
+              <a:buNone/>
+            </a:pPr>
+            <a:r>
+              <a:rPr lang="en-US" sz="1800" b="1" u="sng" dirty="0"/>
+              <a:t>Table Constraints</a:t>
+            </a:r>
+          </a:p>
+          <a:p>
             <a:pPr marL="457200" lvl="0" indent="0" algn="l" rtl="0">
               <a:lnSpc>
                 <a:spcPct val="115000"/>
@@ -18550,30 +19018,30 @@
               <a:buNone/>
             </a:pPr>
             <a:r>
-              <a:rPr lang="en-US" sz="1800" b="1"/>
+              <a:rPr lang="en-US" sz="1800" b="1" dirty="0"/>
               <a:t>PRIMARY Key − Uniquely identifies each row/record in a database table.</a:t>
             </a:r>
             <a:br>
-              <a:rPr lang="en-US" sz="1800" b="1"/>
+              <a:rPr lang="en-US" sz="1800" b="1" dirty="0"/>
             </a:br>
             <a:br>
-              <a:rPr lang="en-US" sz="1800" b="1"/>
+              <a:rPr lang="en-US" sz="1800" b="1" dirty="0"/>
             </a:br>
             <a:r>
-              <a:rPr lang="en-US" sz="1800" b="1"/>
+              <a:rPr lang="en-US" sz="1800" b="1" dirty="0"/>
               <a:t>FOREIGN Key − Uniquely identifies a row/record in any of the given database table.</a:t>
             </a:r>
             <a:br>
-              <a:rPr lang="en-US" sz="1800" b="1"/>
+              <a:rPr lang="en-US" sz="1800" b="1" dirty="0"/>
             </a:br>
             <a:br>
-              <a:rPr lang="en-US" sz="1800" b="1"/>
+              <a:rPr lang="en-US" sz="1800" b="1" dirty="0"/>
             </a:br>
             <a:r>
-              <a:rPr lang="en-US" sz="1800" b="1"/>
+              <a:rPr lang="en-US" sz="1800" b="1" dirty="0"/>
               <a:t>CHECK Constraint - The CHECK constraint ensures that all the values in a column satisfies certain conditions.</a:t>
             </a:r>
-            <a:endParaRPr sz="1800"/>
+            <a:endParaRPr sz="1800" dirty="0"/>
           </a:p>
         </p:txBody>
       </p:sp>
@@ -18782,7 +19250,31 @@
                 <a:cs typeface="Lato"/>
                 <a:sym typeface="Lato"/>
               </a:rPr>
-              <a:t>CREATE TABLE customers (</a:t>
+              <a:t>CREATE TABLE </a:t>
+            </a:r>
+            <a:r>
+              <a:rPr lang="en-US" b="1" dirty="0" err="1">
+                <a:solidFill>
+                  <a:srgbClr val="6AA84F"/>
+                </a:solidFill>
+                <a:latin typeface="Lato"/>
+                <a:ea typeface="Lato"/>
+                <a:cs typeface="Lato"/>
+                <a:sym typeface="Lato"/>
+              </a:rPr>
+              <a:t>classicmodels.customers</a:t>
+            </a:r>
+            <a:r>
+              <a:rPr lang="en-US" b="1" dirty="0">
+                <a:solidFill>
+                  <a:srgbClr val="6AA84F"/>
+                </a:solidFill>
+                <a:latin typeface="Lato"/>
+                <a:ea typeface="Lato"/>
+                <a:cs typeface="Lato"/>
+                <a:sym typeface="Lato"/>
+              </a:rPr>
+              <a:t> (</a:t>
             </a:r>
             <a:br>
               <a:rPr lang="en-US" b="1" dirty="0">
@@ -20425,13 +20917,15 @@
       <p:cxnSp>
         <p:nvCxnSpPr>
           <p:cNvPr id="247" name="Google Shape;247;p35"/>
-          <p:cNvCxnSpPr/>
+          <p:cNvCxnSpPr>
+            <a:cxnSpLocks/>
+          </p:cNvCxnSpPr>
           <p:nvPr/>
         </p:nvCxnSpPr>
         <p:spPr>
           <a:xfrm>
-            <a:off x="4615550" y="3048000"/>
-            <a:ext cx="4129200" cy="1923300"/>
+            <a:off x="4991548" y="3184264"/>
+            <a:ext cx="3753202" cy="1787036"/>
           </a:xfrm>
           <a:prstGeom prst="straightConnector1">
             <a:avLst/>
@@ -20997,7 +21491,7 @@
                 <a:cs typeface="Lato"/>
                 <a:sym typeface="Lato"/>
               </a:rPr>
-              <a:t> ','40.32.25','54, rue Royale',NULL,'Nantes',NULL,'44000','France',1370,’2100.00'),</a:t>
+              <a:t> ','40.32.25','54, rue Royale',NULL,'Nantes',NULL,'44000',’FRA',1370,’2100.00'),</a:t>
             </a:r>
             <a:endParaRPr dirty="0">
               <a:solidFill>

--- a/Lectures/(3) Extracting & Storing Data.pptx
+++ b/Lectures/(3) Extracting & Storing Data.pptx
@@ -13,8 +13,8 @@
     <p:sldId id="259" r:id="rId4"/>
     <p:sldId id="260" r:id="rId5"/>
     <p:sldId id="262" r:id="rId6"/>
-    <p:sldId id="273" r:id="rId7"/>
-    <p:sldId id="263" r:id="rId8"/>
+    <p:sldId id="263" r:id="rId7"/>
+    <p:sldId id="273" r:id="rId8"/>
     <p:sldId id="264" r:id="rId9"/>
     <p:sldId id="265" r:id="rId10"/>
     <p:sldId id="266" r:id="rId11"/>
@@ -305,7 +305,7 @@
 <file path=ppt/revisionInfo.xml><?xml version="1.0" encoding="utf-8"?>
 <p1510:revInfo xmlns:a="http://schemas.openxmlformats.org/drawingml/2006/main" xmlns:r="http://schemas.openxmlformats.org/officeDocument/2006/relationships" xmlns:p1510="http://schemas.microsoft.com/office/powerpoint/2015/10/main">
   <p1510:revLst>
-    <p1510:client id="{4E682352-887D-4C9C-ABA3-1D0EBE0E1B3B}" v="11" dt="2021-10-24T19:45:55.132"/>
+    <p1510:client id="{4E682352-887D-4C9C-ABA3-1D0EBE0E1B3B}" v="13" dt="2021-10-27T16:22:41.766"/>
   </p1510:revLst>
 </p1510:revInfo>
 </file>
@@ -314,8 +314,8 @@
 <pc:chgInfo xmlns:a="http://schemas.openxmlformats.org/drawingml/2006/main" xmlns:r="http://schemas.openxmlformats.org/officeDocument/2006/relationships" xmlns:ac="http://schemas.microsoft.com/office/drawing/2013/main/command" xmlns:pc="http://schemas.microsoft.com/office/powerpoint/2013/main/command">
   <pc:docChgLst>
     <pc:chgData name="Jeremy Bergmann" userId="2355ee0d-2b6e-4bfe-a235-383daf8df8e3" providerId="ADAL" clId="{4E682352-887D-4C9C-ABA3-1D0EBE0E1B3B}"/>
-    <pc:docChg chg="custSel addSld delSld modSld sldOrd">
-      <pc:chgData name="Jeremy Bergmann" userId="2355ee0d-2b6e-4bfe-a235-383daf8df8e3" providerId="ADAL" clId="{4E682352-887D-4C9C-ABA3-1D0EBE0E1B3B}" dt="2021-10-24T20:07:14.633" v="853" actId="14100"/>
+    <pc:docChg chg="undo custSel addSld delSld modSld sldOrd">
+      <pc:chgData name="Jeremy Bergmann" userId="2355ee0d-2b6e-4bfe-a235-383daf8df8e3" providerId="ADAL" clId="{4E682352-887D-4C9C-ABA3-1D0EBE0E1B3B}" dt="2021-10-27T19:58:40.068" v="1477" actId="20577"/>
       <pc:docMkLst>
         <pc:docMk/>
       </pc:docMkLst>
@@ -335,13 +335,13 @@
         </pc:spChg>
       </pc:sldChg>
       <pc:sldChg chg="modSp add mod">
-        <pc:chgData name="Jeremy Bergmann" userId="2355ee0d-2b6e-4bfe-a235-383daf8df8e3" providerId="ADAL" clId="{4E682352-887D-4C9C-ABA3-1D0EBE0E1B3B}" dt="2021-10-24T15:52:33.380" v="9" actId="207"/>
+        <pc:chgData name="Jeremy Bergmann" userId="2355ee0d-2b6e-4bfe-a235-383daf8df8e3" providerId="ADAL" clId="{4E682352-887D-4C9C-ABA3-1D0EBE0E1B3B}" dt="2021-10-27T19:58:40.068" v="1477" actId="20577"/>
         <pc:sldMkLst>
           <pc:docMk/>
           <pc:sldMk cId="0" sldId="258"/>
         </pc:sldMkLst>
         <pc:spChg chg="mod">
-          <ac:chgData name="Jeremy Bergmann" userId="2355ee0d-2b6e-4bfe-a235-383daf8df8e3" providerId="ADAL" clId="{4E682352-887D-4C9C-ABA3-1D0EBE0E1B3B}" dt="2021-10-24T15:52:33.380" v="9" actId="207"/>
+          <ac:chgData name="Jeremy Bergmann" userId="2355ee0d-2b6e-4bfe-a235-383daf8df8e3" providerId="ADAL" clId="{4E682352-887D-4C9C-ABA3-1D0EBE0E1B3B}" dt="2021-10-27T19:58:40.068" v="1477" actId="20577"/>
           <ac:spMkLst>
             <pc:docMk/>
             <pc:sldMk cId="0" sldId="258"/>
@@ -396,7 +396,7 @@
         </pc:spChg>
       </pc:sldChg>
       <pc:sldChg chg="modSp mod">
-        <pc:chgData name="Jeremy Bergmann" userId="2355ee0d-2b6e-4bfe-a235-383daf8df8e3" providerId="ADAL" clId="{4E682352-887D-4C9C-ABA3-1D0EBE0E1B3B}" dt="2021-10-24T19:14:28.633" v="425" actId="14100"/>
+        <pc:chgData name="Jeremy Bergmann" userId="2355ee0d-2b6e-4bfe-a235-383daf8df8e3" providerId="ADAL" clId="{4E682352-887D-4C9C-ABA3-1D0EBE0E1B3B}" dt="2021-10-27T16:21:32.223" v="1027" actId="20577"/>
         <pc:sldMkLst>
           <pc:docMk/>
           <pc:sldMk cId="0" sldId="262"/>
@@ -409,15 +409,39 @@
             <ac:spMk id="226" creationId="{00000000-0000-0000-0000-000000000000}"/>
           </ac:spMkLst>
         </pc:spChg>
+        <pc:spChg chg="mod">
+          <ac:chgData name="Jeremy Bergmann" userId="2355ee0d-2b6e-4bfe-a235-383daf8df8e3" providerId="ADAL" clId="{4E682352-887D-4C9C-ABA3-1D0EBE0E1B3B}" dt="2021-10-27T16:21:32.223" v="1027" actId="20577"/>
+          <ac:spMkLst>
+            <pc:docMk/>
+            <pc:sldMk cId="0" sldId="262"/>
+            <ac:spMk id="227" creationId="{00000000-0000-0000-0000-000000000000}"/>
+          </ac:spMkLst>
+        </pc:spChg>
       </pc:sldChg>
-      <pc:sldChg chg="modSp mod modNotesTx">
-        <pc:chgData name="Jeremy Bergmann" userId="2355ee0d-2b6e-4bfe-a235-383daf8df8e3" providerId="ADAL" clId="{4E682352-887D-4C9C-ABA3-1D0EBE0E1B3B}" dt="2021-10-24T19:16:00.124" v="453" actId="20577"/>
+      <pc:sldChg chg="addSp delSp modSp mod modNotesTx">
+        <pc:chgData name="Jeremy Bergmann" userId="2355ee0d-2b6e-4bfe-a235-383daf8df8e3" providerId="ADAL" clId="{4E682352-887D-4C9C-ABA3-1D0EBE0E1B3B}" dt="2021-10-27T16:22:38.999" v="1111" actId="21"/>
         <pc:sldMkLst>
           <pc:docMk/>
           <pc:sldMk cId="0" sldId="263"/>
         </pc:sldMkLst>
+        <pc:spChg chg="del">
+          <ac:chgData name="Jeremy Bergmann" userId="2355ee0d-2b6e-4bfe-a235-383daf8df8e3" providerId="ADAL" clId="{4E682352-887D-4C9C-ABA3-1D0EBE0E1B3B}" dt="2021-10-27T16:22:38.999" v="1111" actId="21"/>
+          <ac:spMkLst>
+            <pc:docMk/>
+            <pc:sldMk cId="0" sldId="263"/>
+            <ac:spMk id="2" creationId="{768AB280-A6F8-4E2C-9614-0B308D7503A3}"/>
+          </ac:spMkLst>
+        </pc:spChg>
+        <pc:spChg chg="add del">
+          <ac:chgData name="Jeremy Bergmann" userId="2355ee0d-2b6e-4bfe-a235-383daf8df8e3" providerId="ADAL" clId="{4E682352-887D-4C9C-ABA3-1D0EBE0E1B3B}" dt="2021-10-27T16:22:32.180" v="1110" actId="22"/>
+          <ac:spMkLst>
+            <pc:docMk/>
+            <pc:sldMk cId="0" sldId="263"/>
+            <ac:spMk id="8" creationId="{19E403C6-FFDE-4810-AB08-F3051DE13195}"/>
+          </ac:spMkLst>
+        </pc:spChg>
         <pc:spChg chg="mod">
-          <ac:chgData name="Jeremy Bergmann" userId="2355ee0d-2b6e-4bfe-a235-383daf8df8e3" providerId="ADAL" clId="{4E682352-887D-4C9C-ABA3-1D0EBE0E1B3B}" dt="2021-10-24T19:15:42.365" v="439" actId="20577"/>
+          <ac:chgData name="Jeremy Bergmann" userId="2355ee0d-2b6e-4bfe-a235-383daf8df8e3" providerId="ADAL" clId="{4E682352-887D-4C9C-ABA3-1D0EBE0E1B3B}" dt="2021-10-27T16:22:15.799" v="1108" actId="20577"/>
           <ac:spMkLst>
             <pc:docMk/>
             <pc:sldMk cId="0" sldId="263"/>
@@ -426,11 +450,19 @@
         </pc:spChg>
       </pc:sldChg>
       <pc:sldChg chg="modSp mod modNotesTx">
-        <pc:chgData name="Jeremy Bergmann" userId="2355ee0d-2b6e-4bfe-a235-383daf8df8e3" providerId="ADAL" clId="{4E682352-887D-4C9C-ABA3-1D0EBE0E1B3B}" dt="2021-10-24T19:27:52.053" v="563" actId="20577"/>
+        <pc:chgData name="Jeremy Bergmann" userId="2355ee0d-2b6e-4bfe-a235-383daf8df8e3" providerId="ADAL" clId="{4E682352-887D-4C9C-ABA3-1D0EBE0E1B3B}" dt="2021-10-26T01:03:25.046" v="882" actId="14100"/>
         <pc:sldMkLst>
           <pc:docMk/>
           <pc:sldMk cId="0" sldId="264"/>
         </pc:sldMkLst>
+        <pc:spChg chg="mod">
+          <ac:chgData name="Jeremy Bergmann" userId="2355ee0d-2b6e-4bfe-a235-383daf8df8e3" providerId="ADAL" clId="{4E682352-887D-4C9C-ABA3-1D0EBE0E1B3B}" dt="2021-10-26T01:03:25.046" v="882" actId="14100"/>
+          <ac:spMkLst>
+            <pc:docMk/>
+            <pc:sldMk cId="0" sldId="264"/>
+            <ac:spMk id="243" creationId="{00000000-0000-0000-0000-000000000000}"/>
+          </ac:spMkLst>
+        </pc:spChg>
         <pc:cxnChg chg="mod">
           <ac:chgData name="Jeremy Bergmann" userId="2355ee0d-2b6e-4bfe-a235-383daf8df8e3" providerId="ADAL" clId="{4E682352-887D-4C9C-ABA3-1D0EBE0E1B3B}" dt="2021-10-24T19:21:40.775" v="454" actId="14100"/>
           <ac:cxnSpMkLst>
@@ -441,13 +473,13 @@
         </pc:cxnChg>
       </pc:sldChg>
       <pc:sldChg chg="modSp mod modNotesTx">
-        <pc:chgData name="Jeremy Bergmann" userId="2355ee0d-2b6e-4bfe-a235-383daf8df8e3" providerId="ADAL" clId="{4E682352-887D-4C9C-ABA3-1D0EBE0E1B3B}" dt="2021-10-24T19:33:03.172" v="572" actId="20577"/>
+        <pc:chgData name="Jeremy Bergmann" userId="2355ee0d-2b6e-4bfe-a235-383daf8df8e3" providerId="ADAL" clId="{4E682352-887D-4C9C-ABA3-1D0EBE0E1B3B}" dt="2021-10-26T01:18:24.817" v="900" actId="20577"/>
         <pc:sldMkLst>
           <pc:docMk/>
           <pc:sldMk cId="0" sldId="265"/>
         </pc:sldMkLst>
         <pc:spChg chg="mod">
-          <ac:chgData name="Jeremy Bergmann" userId="2355ee0d-2b6e-4bfe-a235-383daf8df8e3" providerId="ADAL" clId="{4E682352-887D-4C9C-ABA3-1D0EBE0E1B3B}" dt="2021-10-24T19:33:03.172" v="572" actId="20577"/>
+          <ac:chgData name="Jeremy Bergmann" userId="2355ee0d-2b6e-4bfe-a235-383daf8df8e3" providerId="ADAL" clId="{4E682352-887D-4C9C-ABA3-1D0EBE0E1B3B}" dt="2021-10-26T01:16:25.501" v="897"/>
           <ac:spMkLst>
             <pc:docMk/>
             <pc:sldMk cId="0" sldId="265"/>
@@ -456,7 +488,7 @@
         </pc:spChg>
       </pc:sldChg>
       <pc:sldChg chg="addSp delSp modSp mod modNotesTx">
-        <pc:chgData name="Jeremy Bergmann" userId="2355ee0d-2b6e-4bfe-a235-383daf8df8e3" providerId="ADAL" clId="{4E682352-887D-4C9C-ABA3-1D0EBE0E1B3B}" dt="2021-10-24T19:37:57.396" v="593" actId="14100"/>
+        <pc:chgData name="Jeremy Bergmann" userId="2355ee0d-2b6e-4bfe-a235-383daf8df8e3" providerId="ADAL" clId="{4E682352-887D-4C9C-ABA3-1D0EBE0E1B3B}" dt="2021-10-27T16:24:44.412" v="1129" actId="313"/>
         <pc:sldMkLst>
           <pc:docMk/>
           <pc:sldMk cId="0" sldId="266"/>
@@ -486,7 +518,7 @@
           </ac:spMkLst>
         </pc:spChg>
         <pc:spChg chg="mod">
-          <ac:chgData name="Jeremy Bergmann" userId="2355ee0d-2b6e-4bfe-a235-383daf8df8e3" providerId="ADAL" clId="{4E682352-887D-4C9C-ABA3-1D0EBE0E1B3B}" dt="2021-10-24T19:36:18.737" v="577"/>
+          <ac:chgData name="Jeremy Bergmann" userId="2355ee0d-2b6e-4bfe-a235-383daf8df8e3" providerId="ADAL" clId="{4E682352-887D-4C9C-ABA3-1D0EBE0E1B3B}" dt="2021-10-27T16:24:07.267" v="1125" actId="113"/>
           <ac:spMkLst>
             <pc:docMk/>
             <pc:sldMk cId="0" sldId="266"/>
@@ -510,8 +542,8 @@
           </ac:picMkLst>
         </pc:picChg>
       </pc:sldChg>
-      <pc:sldChg chg="addSp delSp modSp mod">
-        <pc:chgData name="Jeremy Bergmann" userId="2355ee0d-2b6e-4bfe-a235-383daf8df8e3" providerId="ADAL" clId="{4E682352-887D-4C9C-ABA3-1D0EBE0E1B3B}" dt="2021-10-24T19:39:35.600" v="601" actId="14100"/>
+      <pc:sldChg chg="addSp delSp modSp mod modNotesTx">
+        <pc:chgData name="Jeremy Bergmann" userId="2355ee0d-2b6e-4bfe-a235-383daf8df8e3" providerId="ADAL" clId="{4E682352-887D-4C9C-ABA3-1D0EBE0E1B3B}" dt="2021-10-27T16:25:10.560" v="1139" actId="1076"/>
         <pc:sldMkLst>
           <pc:docMk/>
           <pc:sldMk cId="0" sldId="267"/>
@@ -525,7 +557,7 @@
           </ac:spMkLst>
         </pc:spChg>
         <pc:spChg chg="add mod">
-          <ac:chgData name="Jeremy Bergmann" userId="2355ee0d-2b6e-4bfe-a235-383daf8df8e3" providerId="ADAL" clId="{4E682352-887D-4C9C-ABA3-1D0EBE0E1B3B}" dt="2021-10-24T19:39:35.600" v="601" actId="14100"/>
+          <ac:chgData name="Jeremy Bergmann" userId="2355ee0d-2b6e-4bfe-a235-383daf8df8e3" providerId="ADAL" clId="{4E682352-887D-4C9C-ABA3-1D0EBE0E1B3B}" dt="2021-10-27T16:25:10.560" v="1139" actId="1076"/>
           <ac:spMkLst>
             <pc:docMk/>
             <pc:sldMk cId="0" sldId="267"/>
@@ -549,18 +581,33 @@
           </ac:picMkLst>
         </pc:picChg>
       </pc:sldChg>
-      <pc:sldChg chg="modSp mod">
-        <pc:chgData name="Jeremy Bergmann" userId="2355ee0d-2b6e-4bfe-a235-383daf8df8e3" providerId="ADAL" clId="{4E682352-887D-4C9C-ABA3-1D0EBE0E1B3B}" dt="2021-10-24T19:39:54.642" v="602" actId="20577"/>
+      <pc:sldChg chg="modNotesTx">
+        <pc:chgData name="Jeremy Bergmann" userId="2355ee0d-2b6e-4bfe-a235-383daf8df8e3" providerId="ADAL" clId="{4E682352-887D-4C9C-ABA3-1D0EBE0E1B3B}" dt="2021-10-27T16:26:50.881" v="1162" actId="20577"/>
+        <pc:sldMkLst>
+          <pc:docMk/>
+          <pc:sldMk cId="0" sldId="268"/>
+        </pc:sldMkLst>
+      </pc:sldChg>
+      <pc:sldChg chg="modSp mod modNotesTx">
+        <pc:chgData name="Jeremy Bergmann" userId="2355ee0d-2b6e-4bfe-a235-383daf8df8e3" providerId="ADAL" clId="{4E682352-887D-4C9C-ABA3-1D0EBE0E1B3B}" dt="2021-10-27T16:27:58.246" v="1236" actId="20577"/>
         <pc:sldMkLst>
           <pc:docMk/>
           <pc:sldMk cId="0" sldId="269"/>
         </pc:sldMkLst>
         <pc:spChg chg="mod">
-          <ac:chgData name="Jeremy Bergmann" userId="2355ee0d-2b6e-4bfe-a235-383daf8df8e3" providerId="ADAL" clId="{4E682352-887D-4C9C-ABA3-1D0EBE0E1B3B}" dt="2021-10-24T19:39:54.642" v="602" actId="20577"/>
+          <ac:chgData name="Jeremy Bergmann" userId="2355ee0d-2b6e-4bfe-a235-383daf8df8e3" providerId="ADAL" clId="{4E682352-887D-4C9C-ABA3-1D0EBE0E1B3B}" dt="2021-10-27T16:27:45.433" v="1208" actId="21"/>
           <ac:spMkLst>
             <pc:docMk/>
             <pc:sldMk cId="0" sldId="269"/>
             <ac:spMk id="283" creationId="{00000000-0000-0000-0000-000000000000}"/>
+          </ac:spMkLst>
+        </pc:spChg>
+        <pc:spChg chg="mod">
+          <ac:chgData name="Jeremy Bergmann" userId="2355ee0d-2b6e-4bfe-a235-383daf8df8e3" providerId="ADAL" clId="{4E682352-887D-4C9C-ABA3-1D0EBE0E1B3B}" dt="2021-10-27T16:27:07.117" v="1163" actId="20577"/>
+          <ac:spMkLst>
+            <pc:docMk/>
+            <pc:sldMk cId="0" sldId="269"/>
+            <ac:spMk id="285" creationId="{00000000-0000-0000-0000-000000000000}"/>
           </ac:spMkLst>
         </pc:spChg>
       </pc:sldChg>
@@ -609,12 +656,20 @@
           <pc:sldMk cId="1464790433" sldId="272"/>
         </pc:sldMkLst>
       </pc:sldChg>
-      <pc:sldChg chg="modSp mod">
-        <pc:chgData name="Jeremy Bergmann" userId="2355ee0d-2b6e-4bfe-a235-383daf8df8e3" providerId="ADAL" clId="{4E682352-887D-4C9C-ABA3-1D0EBE0E1B3B}" dt="2021-10-24T19:25:44.901" v="559" actId="20577"/>
+      <pc:sldChg chg="addSp modSp mod ord">
+        <pc:chgData name="Jeremy Bergmann" userId="2355ee0d-2b6e-4bfe-a235-383daf8df8e3" providerId="ADAL" clId="{4E682352-887D-4C9C-ABA3-1D0EBE0E1B3B}" dt="2021-10-27T16:22:45.899" v="1113" actId="1076"/>
         <pc:sldMkLst>
           <pc:docMk/>
           <pc:sldMk cId="0" sldId="273"/>
         </pc:sldMkLst>
+        <pc:spChg chg="add mod">
+          <ac:chgData name="Jeremy Bergmann" userId="2355ee0d-2b6e-4bfe-a235-383daf8df8e3" providerId="ADAL" clId="{4E682352-887D-4C9C-ABA3-1D0EBE0E1B3B}" dt="2021-10-27T16:22:45.899" v="1113" actId="1076"/>
+          <ac:spMkLst>
+            <pc:docMk/>
+            <pc:sldMk cId="0" sldId="273"/>
+            <ac:spMk id="6" creationId="{8FE9ABE9-C6C5-4EF3-9CDC-221B226E20A2}"/>
+          </ac:spMkLst>
+        </pc:spChg>
         <pc:spChg chg="mod">
           <ac:chgData name="Jeremy Bergmann" userId="2355ee0d-2b6e-4bfe-a235-383daf8df8e3" providerId="ADAL" clId="{4E682352-887D-4C9C-ABA3-1D0EBE0E1B3B}" dt="2021-10-24T19:25:44.901" v="559" actId="20577"/>
           <ac:spMkLst>
@@ -648,13 +703,13 @@
         </pc:sldMkLst>
       </pc:sldChg>
       <pc:sldChg chg="addSp modSp add mod modNotesTx">
-        <pc:chgData name="Jeremy Bergmann" userId="2355ee0d-2b6e-4bfe-a235-383daf8df8e3" providerId="ADAL" clId="{4E682352-887D-4C9C-ABA3-1D0EBE0E1B3B}" dt="2021-10-24T19:46:13.948" v="773" actId="20577"/>
+        <pc:chgData name="Jeremy Bergmann" userId="2355ee0d-2b6e-4bfe-a235-383daf8df8e3" providerId="ADAL" clId="{4E682352-887D-4C9C-ABA3-1D0EBE0E1B3B}" dt="2021-10-27T18:03:24.039" v="1428" actId="20577"/>
         <pc:sldMkLst>
           <pc:docMk/>
           <pc:sldMk cId="0" sldId="299"/>
         </pc:sldMkLst>
         <pc:spChg chg="add mod">
-          <ac:chgData name="Jeremy Bergmann" userId="2355ee0d-2b6e-4bfe-a235-383daf8df8e3" providerId="ADAL" clId="{4E682352-887D-4C9C-ABA3-1D0EBE0E1B3B}" dt="2021-10-24T19:44:53.213" v="741" actId="113"/>
+          <ac:chgData name="Jeremy Bergmann" userId="2355ee0d-2b6e-4bfe-a235-383daf8df8e3" providerId="ADAL" clId="{4E682352-887D-4C9C-ABA3-1D0EBE0E1B3B}" dt="2021-10-27T16:52:43.787" v="1407" actId="20577"/>
           <ac:spMkLst>
             <pc:docMk/>
             <pc:sldMk cId="0" sldId="299"/>
@@ -662,7 +717,7 @@
           </ac:spMkLst>
         </pc:spChg>
         <pc:spChg chg="mod">
-          <ac:chgData name="Jeremy Bergmann" userId="2355ee0d-2b6e-4bfe-a235-383daf8df8e3" providerId="ADAL" clId="{4E682352-887D-4C9C-ABA3-1D0EBE0E1B3B}" dt="2021-10-24T19:09:18.132" v="423" actId="20577"/>
+          <ac:chgData name="Jeremy Bergmann" userId="2355ee0d-2b6e-4bfe-a235-383daf8df8e3" providerId="ADAL" clId="{4E682352-887D-4C9C-ABA3-1D0EBE0E1B3B}" dt="2021-10-27T18:03:24.039" v="1428" actId="20577"/>
           <ac:spMkLst>
             <pc:docMk/>
             <pc:sldMk cId="0" sldId="299"/>
@@ -2382,7 +2437,7 @@
                 <a:cs typeface="Lato"/>
                 <a:sym typeface="Lato"/>
               </a:rPr>
-              <a:t>classicmodels.customers</a:t>
+              <a:t>jbergmann.customers</a:t>
             </a:r>
             <a:r>
               <a:rPr lang="en-US" sz="1200" u="none" dirty="0">
@@ -2628,7 +2683,7 @@
                 <a:cs typeface="Lato"/>
                 <a:sym typeface="Lato"/>
               </a:rPr>
-              <a:t>classicmodels.customers</a:t>
+              <a:t>jbergmann.customers</a:t>
             </a:r>
             <a:endParaRPr lang="en-US" sz="1200" dirty="0">
               <a:solidFill>
@@ -2844,7 +2899,7 @@
                   <a:srgbClr val="000000"/>
                 </a:solidFill>
               </a:rPr>
-              <a:t>world.vw_countries_asia</a:t>
+              <a:t>jbergmann.vw_countries_asia</a:t>
             </a:r>
             <a:r>
               <a:rPr lang="en-US" dirty="0">
@@ -2973,7 +3028,7 @@
                   <a:srgbClr val="000000"/>
                 </a:solidFill>
               </a:rPr>
-              <a:t> = 'Asia’); </a:t>
+              <a:t> = 'Asia'); </a:t>
             </a:r>
           </a:p>
           <a:p>
@@ -3008,7 +3063,26 @@
                   <a:srgbClr val="000000"/>
                 </a:solidFill>
               </a:rPr>
-              <a:t>;SELECT  country  FROM </a:t>
+              <a:t>SELECT  country  </a:t>
+            </a:r>
+          </a:p>
+          <a:p>
+            <a:pPr marL="0" lvl="0" indent="0" algn="l" rtl="0">
+              <a:spcBef>
+                <a:spcPts val="0"/>
+              </a:spcBef>
+              <a:spcAft>
+                <a:spcPts val="0"/>
+              </a:spcAft>
+              <a:buNone/>
+            </a:pPr>
+            <a:r>
+              <a:rPr lang="en-US" dirty="0">
+                <a:solidFill>
+                  <a:srgbClr val="000000"/>
+                </a:solidFill>
+              </a:rPr>
+              <a:t>FROM </a:t>
             </a:r>
             <a:r>
               <a:rPr lang="en-US" dirty="0" err="1">
@@ -3016,7 +3090,7 @@
                   <a:srgbClr val="000000"/>
                 </a:solidFill>
               </a:rPr>
-              <a:t>world.vw_countries_asia</a:t>
+              <a:t>jbergmann.vw_countries_asia</a:t>
             </a:r>
             <a:r>
               <a:rPr lang="en-US" dirty="0">
@@ -3024,7 +3098,26 @@
                   <a:srgbClr val="000000"/>
                 </a:solidFill>
               </a:rPr>
-              <a:t>  WHERE  Country IN ('India', 'China', 'Nepal');</a:t>
+              <a:t>  </a:t>
+            </a:r>
+          </a:p>
+          <a:p>
+            <a:pPr marL="0" lvl="0" indent="0" algn="l" rtl="0">
+              <a:spcBef>
+                <a:spcPts val="0"/>
+              </a:spcBef>
+              <a:spcAft>
+                <a:spcPts val="0"/>
+              </a:spcAft>
+              <a:buNone/>
+            </a:pPr>
+            <a:r>
+              <a:rPr lang="en-US" dirty="0">
+                <a:solidFill>
+                  <a:srgbClr val="000000"/>
+                </a:solidFill>
+              </a:rPr>
+              <a:t>WHERE  Country IN ('India', 'China', 'Nepal');</a:t>
             </a:r>
             <a:endParaRPr dirty="0">
               <a:solidFill>
@@ -3223,6 +3316,65 @@
               </a:rPr>
               <a:t>”</a:t>
             </a:r>
+          </a:p>
+          <a:p>
+            <a:pPr marL="76200" marR="76200" lvl="0" indent="0" algn="l" defTabSz="914400" rtl="0" eaLnBrk="1" fontAlgn="auto" latinLnBrk="0" hangingPunct="1">
+              <a:lnSpc>
+                <a:spcPct val="115000"/>
+              </a:lnSpc>
+              <a:spcBef>
+                <a:spcPts val="0"/>
+              </a:spcBef>
+              <a:spcAft>
+                <a:spcPts val="0"/>
+              </a:spcAft>
+              <a:buClr>
+                <a:srgbClr val="000000"/>
+              </a:buClr>
+              <a:buSzPts val="1400"/>
+              <a:buFont typeface="Arial"/>
+              <a:buNone/>
+              <a:tabLst/>
+              <a:defRPr/>
+            </a:pPr>
+            <a:r>
+              <a:rPr lang="en-US" sz="1000" dirty="0">
+                <a:solidFill>
+                  <a:srgbClr val="101094"/>
+                </a:solidFill>
+                <a:highlight>
+                  <a:srgbClr val="EFF0F1"/>
+                </a:highlight>
+                <a:latin typeface="Courier New"/>
+                <a:ea typeface="Courier New"/>
+                <a:cs typeface="Courier New"/>
+                <a:sym typeface="Courier New"/>
+              </a:rPr>
+              <a:t>Note: </a:t>
+            </a:r>
+            <a:r>
+              <a:rPr lang="en-US" sz="1000" dirty="0"/>
+              <a:t>use personal schema – ex. </a:t>
+            </a:r>
+            <a:r>
+              <a:rPr lang="en-US" sz="1000" dirty="0" err="1"/>
+              <a:t>Jbergmann.person</a:t>
+            </a:r>
+            <a:endParaRPr lang="en-US" sz="1000" dirty="0"/>
+          </a:p>
+          <a:p>
+            <a:pPr marL="76200" marR="76200" lvl="0" indent="0" algn="l" rtl="0">
+              <a:lnSpc>
+                <a:spcPct val="115000"/>
+              </a:lnSpc>
+              <a:spcBef>
+                <a:spcPts val="0"/>
+              </a:spcBef>
+              <a:spcAft>
+                <a:spcPts val="0"/>
+              </a:spcAft>
+              <a:buNone/>
+            </a:pPr>
             <a:endParaRPr sz="1000" dirty="0">
               <a:solidFill>
                 <a:srgbClr val="303336"/>
@@ -4820,7 +4972,7 @@
   <p:cSld>
     <p:spTree>
       <p:nvGrpSpPr>
-        <p:cNvPr id="1" name="Shape 231"/>
+        <p:cNvPr id="1" name="Shape 230"/>
         <p:cNvGrpSpPr/>
         <p:nvPr/>
       </p:nvGrpSpPr>
@@ -4834,7 +4986,7 @@
       </p:grpSpPr>
       <p:sp>
         <p:nvSpPr>
-          <p:cNvPr id="232" name="Google Shape;232;g527c8617b6_0_0:notes"/>
+          <p:cNvPr id="231" name="Google Shape;231;g5076864104_0_107:notes"/>
           <p:cNvSpPr txBox="1">
             <a:spLocks noGrp="1"/>
           </p:cNvSpPr>
@@ -4857,7 +5009,7 @@
           </a:bodyPr>
           <a:lstStyle/>
           <a:p>
-            <a:pPr marL="0" lvl="0" indent="0" algn="l" rtl="0">
+            <a:pPr marL="457200" lvl="0" indent="0" algn="l" rtl="0">
               <a:lnSpc>
                 <a:spcPct val="115000"/>
               </a:lnSpc>
@@ -4869,21 +5021,609 @@
               </a:spcAft>
               <a:buNone/>
             </a:pPr>
-            <a:endParaRPr sz="1400">
-              <a:solidFill>
-                <a:srgbClr val="000000"/>
-              </a:solidFill>
-              <a:latin typeface="Arial"/>
-              <a:ea typeface="Arial"/>
-              <a:cs typeface="Arial"/>
-              <a:sym typeface="Arial"/>
+            <a:r>
+              <a:rPr lang="en-US" b="1" dirty="0">
+                <a:latin typeface="Lato"/>
+                <a:ea typeface="Lato"/>
+                <a:cs typeface="Lato"/>
+                <a:sym typeface="Lato"/>
+              </a:rPr>
+              <a:t>USE </a:t>
+            </a:r>
+            <a:r>
+              <a:rPr lang="en-US" b="1" dirty="0" err="1">
+                <a:latin typeface="Lato"/>
+                <a:ea typeface="Lato"/>
+                <a:cs typeface="Lato"/>
+                <a:sym typeface="Lato"/>
+              </a:rPr>
+              <a:t>jbergmann</a:t>
+            </a:r>
+            <a:r>
+              <a:rPr lang="en-US" b="1" dirty="0">
+                <a:latin typeface="Lato"/>
+                <a:ea typeface="Lato"/>
+                <a:cs typeface="Lato"/>
+                <a:sym typeface="Lato"/>
+              </a:rPr>
+              <a:t>;  * Note: Create table in your given user schema (ex. </a:t>
+            </a:r>
+            <a:r>
+              <a:rPr lang="en-US" b="1" dirty="0" err="1">
+                <a:latin typeface="Lato"/>
+                <a:ea typeface="Lato"/>
+                <a:cs typeface="Lato"/>
+                <a:sym typeface="Lato"/>
+              </a:rPr>
+              <a:t>Jbergmann</a:t>
+            </a:r>
+            <a:r>
+              <a:rPr lang="en-US" b="1" dirty="0">
+                <a:latin typeface="Lato"/>
+                <a:ea typeface="Lato"/>
+                <a:cs typeface="Lato"/>
+                <a:sym typeface="Lato"/>
+              </a:rPr>
+              <a:t>)</a:t>
+            </a:r>
+          </a:p>
+          <a:p>
+            <a:pPr marL="457200" lvl="0" indent="0" algn="l" rtl="0">
+              <a:lnSpc>
+                <a:spcPct val="115000"/>
+              </a:lnSpc>
+              <a:spcBef>
+                <a:spcPts val="0"/>
+              </a:spcBef>
+              <a:spcAft>
+                <a:spcPts val="0"/>
+              </a:spcAft>
+              <a:buNone/>
+            </a:pPr>
+            <a:r>
+              <a:rPr lang="en-US" b="1" dirty="0">
+                <a:latin typeface="Lato"/>
+                <a:ea typeface="Lato"/>
+                <a:cs typeface="Lato"/>
+                <a:sym typeface="Lato"/>
+              </a:rPr>
+              <a:t>CREATE TABLE  </a:t>
+            </a:r>
+            <a:r>
+              <a:rPr lang="en-US" b="1" dirty="0" err="1">
+                <a:latin typeface="Lato"/>
+                <a:ea typeface="Lato"/>
+                <a:cs typeface="Lato"/>
+                <a:sym typeface="Lato"/>
+              </a:rPr>
+              <a:t>jbergmann.customers</a:t>
+            </a:r>
+            <a:r>
+              <a:rPr lang="en-US" b="1" dirty="0">
+                <a:latin typeface="Lato"/>
+                <a:ea typeface="Lato"/>
+                <a:cs typeface="Lato"/>
+                <a:sym typeface="Lato"/>
+              </a:rPr>
+              <a:t> (	</a:t>
+            </a:r>
+          </a:p>
+          <a:p>
+            <a:pPr marL="457200" lvl="0" indent="0" algn="l" rtl="0">
+              <a:lnSpc>
+                <a:spcPct val="115000"/>
+              </a:lnSpc>
+              <a:spcBef>
+                <a:spcPts val="0"/>
+              </a:spcBef>
+              <a:spcAft>
+                <a:spcPts val="0"/>
+              </a:spcAft>
+              <a:buNone/>
+            </a:pPr>
+            <a:r>
+              <a:rPr lang="en-US" b="1" dirty="0" err="1">
+                <a:latin typeface="Lato"/>
+                <a:ea typeface="Lato"/>
+                <a:cs typeface="Lato"/>
+                <a:sym typeface="Lato"/>
+              </a:rPr>
+              <a:t>customer_number</a:t>
+            </a:r>
+            <a:r>
+              <a:rPr lang="en-US" b="1" dirty="0">
+                <a:latin typeface="Lato"/>
+                <a:ea typeface="Lato"/>
+                <a:cs typeface="Lato"/>
+                <a:sym typeface="Lato"/>
+              </a:rPr>
+              <a:t> INT NOT NULL UNIQUE,	</a:t>
+            </a:r>
+          </a:p>
+          <a:p>
+            <a:pPr marL="457200" lvl="0" indent="0" algn="l" rtl="0">
+              <a:lnSpc>
+                <a:spcPct val="115000"/>
+              </a:lnSpc>
+              <a:spcBef>
+                <a:spcPts val="0"/>
+              </a:spcBef>
+              <a:spcAft>
+                <a:spcPts val="0"/>
+              </a:spcAft>
+              <a:buNone/>
+            </a:pPr>
+            <a:r>
+              <a:rPr lang="en-US" b="1" dirty="0" err="1">
+                <a:latin typeface="Lato"/>
+                <a:ea typeface="Lato"/>
+                <a:cs typeface="Lato"/>
+                <a:sym typeface="Lato"/>
+              </a:rPr>
+              <a:t>customer_name</a:t>
+            </a:r>
+            <a:r>
+              <a:rPr lang="en-US" b="1" dirty="0">
+                <a:latin typeface="Lato"/>
+                <a:ea typeface="Lato"/>
+                <a:cs typeface="Lato"/>
+                <a:sym typeface="Lato"/>
+              </a:rPr>
+              <a:t> VARCHAR(50) NOT NULL,     </a:t>
+            </a:r>
+          </a:p>
+          <a:p>
+            <a:pPr marL="457200" lvl="0" indent="0" algn="l" rtl="0">
+              <a:lnSpc>
+                <a:spcPct val="115000"/>
+              </a:lnSpc>
+              <a:spcBef>
+                <a:spcPts val="0"/>
+              </a:spcBef>
+              <a:spcAft>
+                <a:spcPts val="0"/>
+              </a:spcAft>
+              <a:buNone/>
+            </a:pPr>
+            <a:r>
+              <a:rPr lang="en-US" b="1" dirty="0" err="1">
+                <a:latin typeface="Lato"/>
+                <a:ea typeface="Lato"/>
+                <a:cs typeface="Lato"/>
+                <a:sym typeface="Lato"/>
+              </a:rPr>
+              <a:t>contact_lastname</a:t>
+            </a:r>
+            <a:r>
+              <a:rPr lang="en-US" b="1" dirty="0">
+                <a:latin typeface="Lato"/>
+                <a:ea typeface="Lato"/>
+                <a:cs typeface="Lato"/>
+                <a:sym typeface="Lato"/>
+              </a:rPr>
+              <a:t> VARCHAR(50) NOT NULL,   </a:t>
+            </a:r>
+          </a:p>
+          <a:p>
+            <a:pPr marL="457200" lvl="0" indent="0" algn="l" rtl="0">
+              <a:lnSpc>
+                <a:spcPct val="115000"/>
+              </a:lnSpc>
+              <a:spcBef>
+                <a:spcPts val="0"/>
+              </a:spcBef>
+              <a:spcAft>
+                <a:spcPts val="0"/>
+              </a:spcAft>
+              <a:buNone/>
+            </a:pPr>
+            <a:r>
+              <a:rPr lang="en-US" b="1" dirty="0" err="1">
+                <a:latin typeface="Lato"/>
+                <a:ea typeface="Lato"/>
+                <a:cs typeface="Lato"/>
+                <a:sym typeface="Lato"/>
+              </a:rPr>
+              <a:t>contact_firstname</a:t>
+            </a:r>
+            <a:r>
+              <a:rPr lang="en-US" b="1" dirty="0">
+                <a:latin typeface="Lato"/>
+                <a:ea typeface="Lato"/>
+                <a:cs typeface="Lato"/>
+                <a:sym typeface="Lato"/>
+              </a:rPr>
+              <a:t> VARCHAR(50) NOT NULL,    </a:t>
+            </a:r>
+          </a:p>
+          <a:p>
+            <a:pPr marL="457200" lvl="0" indent="0" algn="l" rtl="0">
+              <a:lnSpc>
+                <a:spcPct val="115000"/>
+              </a:lnSpc>
+              <a:spcBef>
+                <a:spcPts val="0"/>
+              </a:spcBef>
+              <a:spcAft>
+                <a:spcPts val="0"/>
+              </a:spcAft>
+              <a:buNone/>
+            </a:pPr>
+            <a:r>
+              <a:rPr lang="en-US" b="1" dirty="0">
+                <a:latin typeface="Lato"/>
+                <a:ea typeface="Lato"/>
+                <a:cs typeface="Lato"/>
+                <a:sym typeface="Lato"/>
+              </a:rPr>
+              <a:t>phone VARCHAR(50) NOT NULL,    </a:t>
+            </a:r>
+          </a:p>
+          <a:p>
+            <a:pPr marL="457200" lvl="0" indent="0" algn="l" rtl="0">
+              <a:lnSpc>
+                <a:spcPct val="115000"/>
+              </a:lnSpc>
+              <a:spcBef>
+                <a:spcPts val="0"/>
+              </a:spcBef>
+              <a:spcAft>
+                <a:spcPts val="0"/>
+              </a:spcAft>
+              <a:buNone/>
+            </a:pPr>
+            <a:r>
+              <a:rPr lang="en-US" b="1" dirty="0">
+                <a:latin typeface="Lato"/>
+                <a:ea typeface="Lato"/>
+                <a:cs typeface="Lato"/>
+                <a:sym typeface="Lato"/>
+              </a:rPr>
+              <a:t>addressline1 VARCHAR(50) NOT NULL,   </a:t>
+            </a:r>
+          </a:p>
+          <a:p>
+            <a:pPr marL="457200" lvl="0" indent="0" algn="l" rtl="0">
+              <a:lnSpc>
+                <a:spcPct val="115000"/>
+              </a:lnSpc>
+              <a:spcBef>
+                <a:spcPts val="0"/>
+              </a:spcBef>
+              <a:spcAft>
+                <a:spcPts val="0"/>
+              </a:spcAft>
+              <a:buNone/>
+            </a:pPr>
+            <a:r>
+              <a:rPr lang="en-US" b="1" dirty="0">
+                <a:latin typeface="Lato"/>
+                <a:ea typeface="Lato"/>
+                <a:cs typeface="Lato"/>
+                <a:sym typeface="Lato"/>
+              </a:rPr>
+              <a:t> addressline2 VARCHAR(50) DEFAULT NULL,    </a:t>
+            </a:r>
+          </a:p>
+          <a:p>
+            <a:pPr marL="457200" lvl="0" indent="0" algn="l" rtl="0">
+              <a:lnSpc>
+                <a:spcPct val="115000"/>
+              </a:lnSpc>
+              <a:spcBef>
+                <a:spcPts val="0"/>
+              </a:spcBef>
+              <a:spcAft>
+                <a:spcPts val="0"/>
+              </a:spcAft>
+              <a:buNone/>
+            </a:pPr>
+            <a:r>
+              <a:rPr lang="en-US" b="1" dirty="0">
+                <a:latin typeface="Lato"/>
+                <a:ea typeface="Lato"/>
+                <a:cs typeface="Lato"/>
+                <a:sym typeface="Lato"/>
+              </a:rPr>
+              <a:t>city VARCHAR(50) NOT NULL,   </a:t>
+            </a:r>
+          </a:p>
+          <a:p>
+            <a:pPr marL="457200" lvl="0" indent="0" algn="l" rtl="0">
+              <a:lnSpc>
+                <a:spcPct val="115000"/>
+              </a:lnSpc>
+              <a:spcBef>
+                <a:spcPts val="0"/>
+              </a:spcBef>
+              <a:spcAft>
+                <a:spcPts val="0"/>
+              </a:spcAft>
+              <a:buNone/>
+            </a:pPr>
+            <a:r>
+              <a:rPr lang="en-US" b="1" dirty="0">
+                <a:latin typeface="Lato"/>
+                <a:ea typeface="Lato"/>
+                <a:cs typeface="Lato"/>
+                <a:sym typeface="Lato"/>
+              </a:rPr>
+              <a:t>state CHAR(2) DEFAULT NULL,    </a:t>
+            </a:r>
+          </a:p>
+          <a:p>
+            <a:pPr marL="457200" lvl="0" indent="0" algn="l" rtl="0">
+              <a:lnSpc>
+                <a:spcPct val="115000"/>
+              </a:lnSpc>
+              <a:spcBef>
+                <a:spcPts val="0"/>
+              </a:spcBef>
+              <a:spcAft>
+                <a:spcPts val="0"/>
+              </a:spcAft>
+              <a:buNone/>
+            </a:pPr>
+            <a:r>
+              <a:rPr lang="en-US" b="1" dirty="0" err="1">
+                <a:latin typeface="Lato"/>
+                <a:ea typeface="Lato"/>
+                <a:cs typeface="Lato"/>
+                <a:sym typeface="Lato"/>
+              </a:rPr>
+              <a:t>postalcode</a:t>
+            </a:r>
+            <a:r>
+              <a:rPr lang="en-US" b="1" dirty="0">
+                <a:latin typeface="Lato"/>
+                <a:ea typeface="Lato"/>
+                <a:cs typeface="Lato"/>
+                <a:sym typeface="Lato"/>
+              </a:rPr>
+              <a:t> VARCHAR(15) DEFAULT NULL,    </a:t>
+            </a:r>
+          </a:p>
+          <a:p>
+            <a:pPr marL="457200" lvl="0" indent="0" algn="l" rtl="0">
+              <a:lnSpc>
+                <a:spcPct val="115000"/>
+              </a:lnSpc>
+              <a:spcBef>
+                <a:spcPts val="0"/>
+              </a:spcBef>
+              <a:spcAft>
+                <a:spcPts val="0"/>
+              </a:spcAft>
+              <a:buNone/>
+            </a:pPr>
+            <a:r>
+              <a:rPr lang="en-US" b="1" dirty="0">
+                <a:latin typeface="Lato"/>
+                <a:ea typeface="Lato"/>
+                <a:cs typeface="Lato"/>
+                <a:sym typeface="Lato"/>
+              </a:rPr>
+              <a:t>country CHAR(3) NOT NULL DEFAULT 'USA',    </a:t>
+            </a:r>
+          </a:p>
+          <a:p>
+            <a:pPr marL="457200" lvl="0" indent="0" algn="l" rtl="0">
+              <a:lnSpc>
+                <a:spcPct val="115000"/>
+              </a:lnSpc>
+              <a:spcBef>
+                <a:spcPts val="0"/>
+              </a:spcBef>
+              <a:spcAft>
+                <a:spcPts val="0"/>
+              </a:spcAft>
+              <a:buNone/>
+            </a:pPr>
+            <a:r>
+              <a:rPr lang="en-US" b="1" dirty="0" err="1">
+                <a:latin typeface="Lato"/>
+                <a:ea typeface="Lato"/>
+                <a:cs typeface="Lato"/>
+                <a:sym typeface="Lato"/>
+              </a:rPr>
+              <a:t>salesrep_employeenumber</a:t>
+            </a:r>
+            <a:r>
+              <a:rPr lang="en-US" b="1" dirty="0">
+                <a:latin typeface="Lato"/>
+                <a:ea typeface="Lato"/>
+                <a:cs typeface="Lato"/>
+                <a:sym typeface="Lato"/>
+              </a:rPr>
+              <a:t> INT DEFAULT NULL,    </a:t>
+            </a:r>
+          </a:p>
+          <a:p>
+            <a:pPr marL="457200" lvl="0" indent="0" algn="l" rtl="0">
+              <a:lnSpc>
+                <a:spcPct val="115000"/>
+              </a:lnSpc>
+              <a:spcBef>
+                <a:spcPts val="0"/>
+              </a:spcBef>
+              <a:spcAft>
+                <a:spcPts val="0"/>
+              </a:spcAft>
+              <a:buNone/>
+            </a:pPr>
+            <a:r>
+              <a:rPr lang="en-US" b="1" dirty="0" err="1">
+                <a:latin typeface="Lato"/>
+                <a:ea typeface="Lato"/>
+                <a:cs typeface="Lato"/>
+                <a:sym typeface="Lato"/>
+              </a:rPr>
+              <a:t>creditlimit</a:t>
+            </a:r>
+            <a:r>
+              <a:rPr lang="en-US" b="1" dirty="0">
+                <a:latin typeface="Lato"/>
+                <a:ea typeface="Lato"/>
+                <a:cs typeface="Lato"/>
+                <a:sym typeface="Lato"/>
+              </a:rPr>
+              <a:t> DECIMAL(10,2) CHECK (</a:t>
+            </a:r>
+            <a:r>
+              <a:rPr lang="en-US" b="1" dirty="0" err="1">
+                <a:latin typeface="Lato"/>
+                <a:ea typeface="Lato"/>
+                <a:cs typeface="Lato"/>
+                <a:sym typeface="Lato"/>
+              </a:rPr>
+              <a:t>creditlimit</a:t>
+            </a:r>
+            <a:r>
+              <a:rPr lang="en-US" b="1" dirty="0">
+                <a:latin typeface="Lato"/>
+                <a:ea typeface="Lato"/>
+                <a:cs typeface="Lato"/>
+                <a:sym typeface="Lato"/>
+              </a:rPr>
+              <a:t> &lt; 1000000),   </a:t>
+            </a:r>
+          </a:p>
+          <a:p>
+            <a:pPr marL="457200" lvl="0" indent="0" algn="l" rtl="0">
+              <a:lnSpc>
+                <a:spcPct val="115000"/>
+              </a:lnSpc>
+              <a:spcBef>
+                <a:spcPts val="0"/>
+              </a:spcBef>
+              <a:spcAft>
+                <a:spcPts val="0"/>
+              </a:spcAft>
+              <a:buNone/>
+            </a:pPr>
+            <a:r>
+              <a:rPr lang="en-US" b="1" dirty="0">
+                <a:latin typeface="Lato"/>
+                <a:ea typeface="Lato"/>
+                <a:cs typeface="Lato"/>
+                <a:sym typeface="Lato"/>
+              </a:rPr>
+              <a:t> PRIMARY KEY (</a:t>
+            </a:r>
+            <a:r>
+              <a:rPr lang="en-US" b="1" dirty="0" err="1">
+                <a:latin typeface="Lato"/>
+                <a:ea typeface="Lato"/>
+                <a:cs typeface="Lato"/>
+                <a:sym typeface="Lato"/>
+              </a:rPr>
+              <a:t>customer_number</a:t>
+            </a:r>
+            <a:r>
+              <a:rPr lang="en-US" b="1" dirty="0">
+                <a:latin typeface="Lato"/>
+                <a:ea typeface="Lato"/>
+                <a:cs typeface="Lato"/>
+                <a:sym typeface="Lato"/>
+              </a:rPr>
+              <a:t>)</a:t>
+            </a:r>
+          </a:p>
+          <a:p>
+            <a:pPr marL="457200" lvl="0" indent="0" algn="l" rtl="0">
+              <a:lnSpc>
+                <a:spcPct val="115000"/>
+              </a:lnSpc>
+              <a:spcBef>
+                <a:spcPts val="0"/>
+              </a:spcBef>
+              <a:spcAft>
+                <a:spcPts val="0"/>
+              </a:spcAft>
+              <a:buNone/>
+            </a:pPr>
+            <a:r>
+              <a:rPr lang="en-US" b="1" dirty="0">
+                <a:latin typeface="Lato"/>
+                <a:ea typeface="Lato"/>
+                <a:cs typeface="Lato"/>
+                <a:sym typeface="Lato"/>
+              </a:rPr>
+              <a:t>);</a:t>
+            </a:r>
+          </a:p>
+          <a:p>
+            <a:pPr marL="457200" lvl="0" indent="0" algn="l" rtl="0">
+              <a:lnSpc>
+                <a:spcPct val="115000"/>
+              </a:lnSpc>
+              <a:spcBef>
+                <a:spcPts val="0"/>
+              </a:spcBef>
+              <a:spcAft>
+                <a:spcPts val="0"/>
+              </a:spcAft>
+              <a:buNone/>
+            </a:pPr>
+            <a:endParaRPr lang="en-US" b="1" dirty="0">
+              <a:latin typeface="Lato"/>
+              <a:ea typeface="Lato"/>
+              <a:cs typeface="Lato"/>
+              <a:sym typeface="Lato"/>
             </a:endParaRPr>
+          </a:p>
+          <a:p>
+            <a:pPr marL="457200" lvl="0" indent="0" algn="l" rtl="0">
+              <a:lnSpc>
+                <a:spcPct val="115000"/>
+              </a:lnSpc>
+              <a:spcBef>
+                <a:spcPts val="0"/>
+              </a:spcBef>
+              <a:spcAft>
+                <a:spcPts val="0"/>
+              </a:spcAft>
+              <a:buNone/>
+            </a:pPr>
+            <a:r>
+              <a:rPr lang="en-US" b="1" dirty="0">
+                <a:latin typeface="Lato"/>
+                <a:ea typeface="Lato"/>
+                <a:cs typeface="Lato"/>
+                <a:sym typeface="Lato"/>
+              </a:rPr>
+              <a:t>/* Constraints are the rules enforced on the data columns of a table.</a:t>
+            </a:r>
+          </a:p>
+          <a:p>
+            <a:pPr marL="457200" lvl="0" indent="0" algn="l" rtl="0">
+              <a:lnSpc>
+                <a:spcPct val="115000"/>
+              </a:lnSpc>
+              <a:spcBef>
+                <a:spcPts val="0"/>
+              </a:spcBef>
+              <a:spcAft>
+                <a:spcPts val="0"/>
+              </a:spcAft>
+              <a:buNone/>
+            </a:pPr>
+            <a:r>
+              <a:rPr lang="en-US" b="1" dirty="0">
+                <a:latin typeface="Lato"/>
+                <a:ea typeface="Lato"/>
+                <a:cs typeface="Lato"/>
+                <a:sym typeface="Lato"/>
+              </a:rPr>
+              <a:t>Types of Constraints:  https://www.tutorialspoINT.com/sql/sql-constraINTs.htm */</a:t>
+            </a:r>
+            <a:endParaRPr dirty="0"/>
           </a:p>
         </p:txBody>
       </p:sp>
       <p:sp>
         <p:nvSpPr>
-          <p:cNvPr id="233" name="Google Shape;233;g527c8617b6_0_0:notes"/>
+          <p:cNvPr id="232" name="Google Shape;232;g5076864104_0_107:notes"/>
           <p:cNvSpPr>
             <a:spLocks noGrp="1" noRot="1" noChangeAspect="1"/>
           </p:cNvSpPr>
@@ -4935,7 +5675,7 @@
   <p:cSld>
     <p:spTree>
       <p:nvGrpSpPr>
-        <p:cNvPr id="1" name="Shape 230"/>
+        <p:cNvPr id="1" name="Shape 231"/>
         <p:cNvGrpSpPr/>
         <p:nvPr/>
       </p:nvGrpSpPr>
@@ -4949,7 +5689,7 @@
       </p:grpSpPr>
       <p:sp>
         <p:nvSpPr>
-          <p:cNvPr id="231" name="Google Shape;231;g5076864104_0_107:notes"/>
+          <p:cNvPr id="232" name="Google Shape;232;g527c8617b6_0_0:notes"/>
           <p:cNvSpPr txBox="1">
             <a:spLocks noGrp="1"/>
           </p:cNvSpPr>
@@ -4972,7 +5712,7 @@
           </a:bodyPr>
           <a:lstStyle/>
           <a:p>
-            <a:pPr marL="457200" lvl="0" indent="0" algn="l" rtl="0">
+            <a:pPr marL="0" lvl="0" indent="0" algn="l" rtl="0">
               <a:lnSpc>
                 <a:spcPct val="115000"/>
               </a:lnSpc>
@@ -4984,591 +5724,21 @@
               </a:spcAft>
               <a:buNone/>
             </a:pPr>
-            <a:r>
-              <a:rPr lang="en-US" b="1" dirty="0">
-                <a:latin typeface="Lato"/>
-                <a:ea typeface="Lato"/>
-                <a:cs typeface="Lato"/>
-                <a:sym typeface="Lato"/>
-              </a:rPr>
-              <a:t>USE </a:t>
-            </a:r>
-            <a:r>
-              <a:rPr lang="en-US" b="1" dirty="0" err="1">
-                <a:latin typeface="Lato"/>
-                <a:ea typeface="Lato"/>
-                <a:cs typeface="Lato"/>
-                <a:sym typeface="Lato"/>
-              </a:rPr>
-              <a:t>classicmodels</a:t>
-            </a:r>
-            <a:r>
-              <a:rPr lang="en-US" b="1" dirty="0">
-                <a:latin typeface="Lato"/>
-                <a:ea typeface="Lato"/>
-                <a:cs typeface="Lato"/>
-                <a:sym typeface="Lato"/>
-              </a:rPr>
-              <a:t>;</a:t>
-            </a:r>
-          </a:p>
-          <a:p>
-            <a:pPr marL="457200" lvl="0" indent="0" algn="l" rtl="0">
-              <a:lnSpc>
-                <a:spcPct val="115000"/>
-              </a:lnSpc>
-              <a:spcBef>
-                <a:spcPts val="0"/>
-              </a:spcBef>
-              <a:spcAft>
-                <a:spcPts val="0"/>
-              </a:spcAft>
-              <a:buNone/>
-            </a:pPr>
-            <a:r>
-              <a:rPr lang="en-US" b="1" dirty="0">
-                <a:latin typeface="Lato"/>
-                <a:ea typeface="Lato"/>
-                <a:cs typeface="Lato"/>
-                <a:sym typeface="Lato"/>
-              </a:rPr>
-              <a:t>CREATE TABLE </a:t>
-            </a:r>
-            <a:r>
-              <a:rPr lang="en-US" b="1" dirty="0" err="1">
-                <a:latin typeface="Lato"/>
-                <a:ea typeface="Lato"/>
-                <a:cs typeface="Lato"/>
-                <a:sym typeface="Lato"/>
-              </a:rPr>
-              <a:t>classicmodels.customers</a:t>
-            </a:r>
-            <a:r>
-              <a:rPr lang="en-US" b="1" dirty="0">
-                <a:latin typeface="Lato"/>
-                <a:ea typeface="Lato"/>
-                <a:cs typeface="Lato"/>
-                <a:sym typeface="Lato"/>
-              </a:rPr>
-              <a:t> (	</a:t>
-            </a:r>
-          </a:p>
-          <a:p>
-            <a:pPr marL="457200" lvl="0" indent="0" algn="l" rtl="0">
-              <a:lnSpc>
-                <a:spcPct val="115000"/>
-              </a:lnSpc>
-              <a:spcBef>
-                <a:spcPts val="0"/>
-              </a:spcBef>
-              <a:spcAft>
-                <a:spcPts val="0"/>
-              </a:spcAft>
-              <a:buNone/>
-            </a:pPr>
-            <a:r>
-              <a:rPr lang="en-US" b="1" dirty="0" err="1">
-                <a:latin typeface="Lato"/>
-                <a:ea typeface="Lato"/>
-                <a:cs typeface="Lato"/>
-                <a:sym typeface="Lato"/>
-              </a:rPr>
-              <a:t>customer_number</a:t>
-            </a:r>
-            <a:r>
-              <a:rPr lang="en-US" b="1" dirty="0">
-                <a:latin typeface="Lato"/>
-                <a:ea typeface="Lato"/>
-                <a:cs typeface="Lato"/>
-                <a:sym typeface="Lato"/>
-              </a:rPr>
-              <a:t> INT NOT NULL UNIQUE,	</a:t>
-            </a:r>
-          </a:p>
-          <a:p>
-            <a:pPr marL="457200" lvl="0" indent="0" algn="l" rtl="0">
-              <a:lnSpc>
-                <a:spcPct val="115000"/>
-              </a:lnSpc>
-              <a:spcBef>
-                <a:spcPts val="0"/>
-              </a:spcBef>
-              <a:spcAft>
-                <a:spcPts val="0"/>
-              </a:spcAft>
-              <a:buNone/>
-            </a:pPr>
-            <a:r>
-              <a:rPr lang="en-US" b="1" dirty="0" err="1">
-                <a:latin typeface="Lato"/>
-                <a:ea typeface="Lato"/>
-                <a:cs typeface="Lato"/>
-                <a:sym typeface="Lato"/>
-              </a:rPr>
-              <a:t>customer_name</a:t>
-            </a:r>
-            <a:r>
-              <a:rPr lang="en-US" b="1" dirty="0">
-                <a:latin typeface="Lato"/>
-                <a:ea typeface="Lato"/>
-                <a:cs typeface="Lato"/>
-                <a:sym typeface="Lato"/>
-              </a:rPr>
-              <a:t> VARCHAR(50) NOT NULL,     </a:t>
-            </a:r>
-          </a:p>
-          <a:p>
-            <a:pPr marL="457200" lvl="0" indent="0" algn="l" rtl="0">
-              <a:lnSpc>
-                <a:spcPct val="115000"/>
-              </a:lnSpc>
-              <a:spcBef>
-                <a:spcPts val="0"/>
-              </a:spcBef>
-              <a:spcAft>
-                <a:spcPts val="0"/>
-              </a:spcAft>
-              <a:buNone/>
-            </a:pPr>
-            <a:r>
-              <a:rPr lang="en-US" b="1" dirty="0" err="1">
-                <a:latin typeface="Lato"/>
-                <a:ea typeface="Lato"/>
-                <a:cs typeface="Lato"/>
-                <a:sym typeface="Lato"/>
-              </a:rPr>
-              <a:t>contact_lastname</a:t>
-            </a:r>
-            <a:r>
-              <a:rPr lang="en-US" b="1" dirty="0">
-                <a:latin typeface="Lato"/>
-                <a:ea typeface="Lato"/>
-                <a:cs typeface="Lato"/>
-                <a:sym typeface="Lato"/>
-              </a:rPr>
-              <a:t> VARCHAR(50) NOT NULL,   </a:t>
-            </a:r>
-          </a:p>
-          <a:p>
-            <a:pPr marL="457200" lvl="0" indent="0" algn="l" rtl="0">
-              <a:lnSpc>
-                <a:spcPct val="115000"/>
-              </a:lnSpc>
-              <a:spcBef>
-                <a:spcPts val="0"/>
-              </a:spcBef>
-              <a:spcAft>
-                <a:spcPts val="0"/>
-              </a:spcAft>
-              <a:buNone/>
-            </a:pPr>
-            <a:r>
-              <a:rPr lang="en-US" b="1" dirty="0" err="1">
-                <a:latin typeface="Lato"/>
-                <a:ea typeface="Lato"/>
-                <a:cs typeface="Lato"/>
-                <a:sym typeface="Lato"/>
-              </a:rPr>
-              <a:t>contact_firstname</a:t>
-            </a:r>
-            <a:r>
-              <a:rPr lang="en-US" b="1" dirty="0">
-                <a:latin typeface="Lato"/>
-                <a:ea typeface="Lato"/>
-                <a:cs typeface="Lato"/>
-                <a:sym typeface="Lato"/>
-              </a:rPr>
-              <a:t> VARCHAR(50) NOT NULL,    </a:t>
-            </a:r>
-          </a:p>
-          <a:p>
-            <a:pPr marL="457200" lvl="0" indent="0" algn="l" rtl="0">
-              <a:lnSpc>
-                <a:spcPct val="115000"/>
-              </a:lnSpc>
-              <a:spcBef>
-                <a:spcPts val="0"/>
-              </a:spcBef>
-              <a:spcAft>
-                <a:spcPts val="0"/>
-              </a:spcAft>
-              <a:buNone/>
-            </a:pPr>
-            <a:r>
-              <a:rPr lang="en-US" b="1" dirty="0">
-                <a:latin typeface="Lato"/>
-                <a:ea typeface="Lato"/>
-                <a:cs typeface="Lato"/>
-                <a:sym typeface="Lato"/>
-              </a:rPr>
-              <a:t>phone VARCHAR(50) NOT NULL,    </a:t>
-            </a:r>
-          </a:p>
-          <a:p>
-            <a:pPr marL="457200" lvl="0" indent="0" algn="l" rtl="0">
-              <a:lnSpc>
-                <a:spcPct val="115000"/>
-              </a:lnSpc>
-              <a:spcBef>
-                <a:spcPts val="0"/>
-              </a:spcBef>
-              <a:spcAft>
-                <a:spcPts val="0"/>
-              </a:spcAft>
-              <a:buNone/>
-            </a:pPr>
-            <a:r>
-              <a:rPr lang="en-US" b="1" dirty="0">
-                <a:latin typeface="Lato"/>
-                <a:ea typeface="Lato"/>
-                <a:cs typeface="Lato"/>
-                <a:sym typeface="Lato"/>
-              </a:rPr>
-              <a:t>addressline1 VARCHAR(50) NOT NULL,   </a:t>
-            </a:r>
-          </a:p>
-          <a:p>
-            <a:pPr marL="457200" lvl="0" indent="0" algn="l" rtl="0">
-              <a:lnSpc>
-                <a:spcPct val="115000"/>
-              </a:lnSpc>
-              <a:spcBef>
-                <a:spcPts val="0"/>
-              </a:spcBef>
-              <a:spcAft>
-                <a:spcPts val="0"/>
-              </a:spcAft>
-              <a:buNone/>
-            </a:pPr>
-            <a:r>
-              <a:rPr lang="en-US" b="1" dirty="0">
-                <a:latin typeface="Lato"/>
-                <a:ea typeface="Lato"/>
-                <a:cs typeface="Lato"/>
-                <a:sym typeface="Lato"/>
-              </a:rPr>
-              <a:t> addressline2 VARCHAR(50) DEFAULT NULL,    </a:t>
-            </a:r>
-          </a:p>
-          <a:p>
-            <a:pPr marL="457200" lvl="0" indent="0" algn="l" rtl="0">
-              <a:lnSpc>
-                <a:spcPct val="115000"/>
-              </a:lnSpc>
-              <a:spcBef>
-                <a:spcPts val="0"/>
-              </a:spcBef>
-              <a:spcAft>
-                <a:spcPts val="0"/>
-              </a:spcAft>
-              <a:buNone/>
-            </a:pPr>
-            <a:r>
-              <a:rPr lang="en-US" b="1" dirty="0">
-                <a:latin typeface="Lato"/>
-                <a:ea typeface="Lato"/>
-                <a:cs typeface="Lato"/>
-                <a:sym typeface="Lato"/>
-              </a:rPr>
-              <a:t>city VARCHAR(50) NOT NULL,   </a:t>
-            </a:r>
-          </a:p>
-          <a:p>
-            <a:pPr marL="457200" lvl="0" indent="0" algn="l" rtl="0">
-              <a:lnSpc>
-                <a:spcPct val="115000"/>
-              </a:lnSpc>
-              <a:spcBef>
-                <a:spcPts val="0"/>
-              </a:spcBef>
-              <a:spcAft>
-                <a:spcPts val="0"/>
-              </a:spcAft>
-              <a:buNone/>
-            </a:pPr>
-            <a:r>
-              <a:rPr lang="en-US" b="1" dirty="0">
-                <a:latin typeface="Lato"/>
-                <a:ea typeface="Lato"/>
-                <a:cs typeface="Lato"/>
-                <a:sym typeface="Lato"/>
-              </a:rPr>
-              <a:t>state CHAR(2) DEFAULT NULL,    </a:t>
-            </a:r>
-          </a:p>
-          <a:p>
-            <a:pPr marL="457200" lvl="0" indent="0" algn="l" rtl="0">
-              <a:lnSpc>
-                <a:spcPct val="115000"/>
-              </a:lnSpc>
-              <a:spcBef>
-                <a:spcPts val="0"/>
-              </a:spcBef>
-              <a:spcAft>
-                <a:spcPts val="0"/>
-              </a:spcAft>
-              <a:buNone/>
-            </a:pPr>
-            <a:r>
-              <a:rPr lang="en-US" b="1" dirty="0" err="1">
-                <a:latin typeface="Lato"/>
-                <a:ea typeface="Lato"/>
-                <a:cs typeface="Lato"/>
-                <a:sym typeface="Lato"/>
-              </a:rPr>
-              <a:t>postalcode</a:t>
-            </a:r>
-            <a:r>
-              <a:rPr lang="en-US" b="1" dirty="0">
-                <a:latin typeface="Lato"/>
-                <a:ea typeface="Lato"/>
-                <a:cs typeface="Lato"/>
-                <a:sym typeface="Lato"/>
-              </a:rPr>
-              <a:t> VARCHAR(15) DEFAULT NULL,    </a:t>
-            </a:r>
-          </a:p>
-          <a:p>
-            <a:pPr marL="457200" lvl="0" indent="0" algn="l" rtl="0">
-              <a:lnSpc>
-                <a:spcPct val="115000"/>
-              </a:lnSpc>
-              <a:spcBef>
-                <a:spcPts val="0"/>
-              </a:spcBef>
-              <a:spcAft>
-                <a:spcPts val="0"/>
-              </a:spcAft>
-              <a:buNone/>
-            </a:pPr>
-            <a:r>
-              <a:rPr lang="en-US" b="1" dirty="0">
-                <a:latin typeface="Lato"/>
-                <a:ea typeface="Lato"/>
-                <a:cs typeface="Lato"/>
-                <a:sym typeface="Lato"/>
-              </a:rPr>
-              <a:t>country CHAR(3) NOT NULL DEFAULT 'USA',    </a:t>
-            </a:r>
-          </a:p>
-          <a:p>
-            <a:pPr marL="457200" lvl="0" indent="0" algn="l" rtl="0">
-              <a:lnSpc>
-                <a:spcPct val="115000"/>
-              </a:lnSpc>
-              <a:spcBef>
-                <a:spcPts val="0"/>
-              </a:spcBef>
-              <a:spcAft>
-                <a:spcPts val="0"/>
-              </a:spcAft>
-              <a:buNone/>
-            </a:pPr>
-            <a:r>
-              <a:rPr lang="en-US" b="1" dirty="0" err="1">
-                <a:latin typeface="Lato"/>
-                <a:ea typeface="Lato"/>
-                <a:cs typeface="Lato"/>
-                <a:sym typeface="Lato"/>
-              </a:rPr>
-              <a:t>salesrep_employeenumber</a:t>
-            </a:r>
-            <a:r>
-              <a:rPr lang="en-US" b="1" dirty="0">
-                <a:latin typeface="Lato"/>
-                <a:ea typeface="Lato"/>
-                <a:cs typeface="Lato"/>
-                <a:sym typeface="Lato"/>
-              </a:rPr>
-              <a:t> INT DEFAULT NULL,    </a:t>
-            </a:r>
-          </a:p>
-          <a:p>
-            <a:pPr marL="457200" lvl="0" indent="0" algn="l" rtl="0">
-              <a:lnSpc>
-                <a:spcPct val="115000"/>
-              </a:lnSpc>
-              <a:spcBef>
-                <a:spcPts val="0"/>
-              </a:spcBef>
-              <a:spcAft>
-                <a:spcPts val="0"/>
-              </a:spcAft>
-              <a:buNone/>
-            </a:pPr>
-            <a:r>
-              <a:rPr lang="en-US" b="1" dirty="0" err="1">
-                <a:latin typeface="Lato"/>
-                <a:ea typeface="Lato"/>
-                <a:cs typeface="Lato"/>
-                <a:sym typeface="Lato"/>
-              </a:rPr>
-              <a:t>creditlimit</a:t>
-            </a:r>
-            <a:r>
-              <a:rPr lang="en-US" b="1" dirty="0">
-                <a:latin typeface="Lato"/>
-                <a:ea typeface="Lato"/>
-                <a:cs typeface="Lato"/>
-                <a:sym typeface="Lato"/>
-              </a:rPr>
-              <a:t> DECIMAL(10,2) CHECK (</a:t>
-            </a:r>
-            <a:r>
-              <a:rPr lang="en-US" b="1" dirty="0" err="1">
-                <a:latin typeface="Lato"/>
-                <a:ea typeface="Lato"/>
-                <a:cs typeface="Lato"/>
-                <a:sym typeface="Lato"/>
-              </a:rPr>
-              <a:t>creditlimit</a:t>
-            </a:r>
-            <a:r>
-              <a:rPr lang="en-US" b="1" dirty="0">
-                <a:latin typeface="Lato"/>
-                <a:ea typeface="Lato"/>
-                <a:cs typeface="Lato"/>
-                <a:sym typeface="Lato"/>
-              </a:rPr>
-              <a:t> &lt; 1000000),   </a:t>
-            </a:r>
-          </a:p>
-          <a:p>
-            <a:pPr marL="457200" lvl="0" indent="0" algn="l" rtl="0">
-              <a:lnSpc>
-                <a:spcPct val="115000"/>
-              </a:lnSpc>
-              <a:spcBef>
-                <a:spcPts val="0"/>
-              </a:spcBef>
-              <a:spcAft>
-                <a:spcPts val="0"/>
-              </a:spcAft>
-              <a:buNone/>
-            </a:pPr>
-            <a:r>
-              <a:rPr lang="en-US" b="1" dirty="0">
-                <a:latin typeface="Lato"/>
-                <a:ea typeface="Lato"/>
-                <a:cs typeface="Lato"/>
-                <a:sym typeface="Lato"/>
-              </a:rPr>
-              <a:t> PRIMARY KEY (</a:t>
-            </a:r>
-            <a:r>
-              <a:rPr lang="en-US" b="1" dirty="0" err="1">
-                <a:latin typeface="Lato"/>
-                <a:ea typeface="Lato"/>
-                <a:cs typeface="Lato"/>
-                <a:sym typeface="Lato"/>
-              </a:rPr>
-              <a:t>customer_number</a:t>
-            </a:r>
-            <a:r>
-              <a:rPr lang="en-US" b="1" dirty="0">
-                <a:latin typeface="Lato"/>
-                <a:ea typeface="Lato"/>
-                <a:cs typeface="Lato"/>
-                <a:sym typeface="Lato"/>
-              </a:rPr>
-              <a:t>)</a:t>
-            </a:r>
-          </a:p>
-          <a:p>
-            <a:pPr marL="457200" lvl="0" indent="0" algn="l" rtl="0">
-              <a:lnSpc>
-                <a:spcPct val="115000"/>
-              </a:lnSpc>
-              <a:spcBef>
-                <a:spcPts val="0"/>
-              </a:spcBef>
-              <a:spcAft>
-                <a:spcPts val="0"/>
-              </a:spcAft>
-              <a:buNone/>
-            </a:pPr>
-            <a:r>
-              <a:rPr lang="en-US" b="1" dirty="0">
-                <a:latin typeface="Lato"/>
-                <a:ea typeface="Lato"/>
-                <a:cs typeface="Lato"/>
-                <a:sym typeface="Lato"/>
-              </a:rPr>
-              <a:t>);</a:t>
-            </a:r>
-          </a:p>
-          <a:p>
-            <a:pPr marL="457200" lvl="0" indent="0" algn="l" rtl="0">
-              <a:lnSpc>
-                <a:spcPct val="115000"/>
-              </a:lnSpc>
-              <a:spcBef>
-                <a:spcPts val="0"/>
-              </a:spcBef>
-              <a:spcAft>
-                <a:spcPts val="0"/>
-              </a:spcAft>
-              <a:buNone/>
-            </a:pPr>
-            <a:endParaRPr lang="en-US" b="1" dirty="0">
-              <a:latin typeface="Lato"/>
-              <a:ea typeface="Lato"/>
-              <a:cs typeface="Lato"/>
-              <a:sym typeface="Lato"/>
+            <a:endParaRPr sz="1400" dirty="0">
+              <a:solidFill>
+                <a:srgbClr val="000000"/>
+              </a:solidFill>
+              <a:latin typeface="Arial"/>
+              <a:ea typeface="Arial"/>
+              <a:cs typeface="Arial"/>
+              <a:sym typeface="Arial"/>
             </a:endParaRPr>
-          </a:p>
-          <a:p>
-            <a:pPr marL="457200" lvl="0" indent="0" algn="l" rtl="0">
-              <a:lnSpc>
-                <a:spcPct val="115000"/>
-              </a:lnSpc>
-              <a:spcBef>
-                <a:spcPts val="0"/>
-              </a:spcBef>
-              <a:spcAft>
-                <a:spcPts val="0"/>
-              </a:spcAft>
-              <a:buNone/>
-            </a:pPr>
-            <a:r>
-              <a:rPr lang="en-US" b="1" dirty="0">
-                <a:latin typeface="Lato"/>
-                <a:ea typeface="Lato"/>
-                <a:cs typeface="Lato"/>
-                <a:sym typeface="Lato"/>
-              </a:rPr>
-              <a:t>/* Constraints are the rules enforced on the data columns of a table.</a:t>
-            </a:r>
-          </a:p>
-          <a:p>
-            <a:pPr marL="457200" lvl="0" indent="0" algn="l" rtl="0">
-              <a:lnSpc>
-                <a:spcPct val="115000"/>
-              </a:lnSpc>
-              <a:spcBef>
-                <a:spcPts val="0"/>
-              </a:spcBef>
-              <a:spcAft>
-                <a:spcPts val="0"/>
-              </a:spcAft>
-              <a:buNone/>
-            </a:pPr>
-            <a:r>
-              <a:rPr lang="en-US" b="1" dirty="0">
-                <a:latin typeface="Lato"/>
-                <a:ea typeface="Lato"/>
-                <a:cs typeface="Lato"/>
-                <a:sym typeface="Lato"/>
-              </a:rPr>
-              <a:t>Types of Constraints:  https://www.tutorialspoINT.com/sql/sql-constraINTs.htm */</a:t>
-            </a:r>
-            <a:endParaRPr dirty="0"/>
           </a:p>
         </p:txBody>
       </p:sp>
       <p:sp>
         <p:nvSpPr>
-          <p:cNvPr id="232" name="Google Shape;232;g5076864104_0_107:notes"/>
+          <p:cNvPr id="233" name="Google Shape;233;g527c8617b6_0_0:notes"/>
           <p:cNvSpPr>
             <a:spLocks noGrp="1" noRot="1" noChangeAspect="1"/>
           </p:cNvSpPr>
@@ -6007,7 +6177,22 @@
             </a:r>
             <a:r>
               <a:rPr lang="en-US" dirty="0"/>
-              <a:t> ','40.32.25','54, rue Royale',NULL,'Nantes',NULL,'44000',’FRA',1370,2100.00),(112,'Signal Gift Stores','King','Jean','7025551838','8489 Strong </a:t>
+              <a:t> ','40.32.25','54, rue Royale',NULL,'Nantes',NULL,'44000','FRA',1370,2100.00),</a:t>
+            </a:r>
+          </a:p>
+          <a:p>
+            <a:pPr marL="0" lvl="0" indent="0" algn="l" rtl="0">
+              <a:spcBef>
+                <a:spcPts val="0"/>
+              </a:spcBef>
+              <a:spcAft>
+                <a:spcPts val="0"/>
+              </a:spcAft>
+              <a:buNone/>
+            </a:pPr>
+            <a:r>
+              <a:rPr lang="en-US" dirty="0"/>
+              <a:t>(112,'Signal Gift Stores','King','Jean','7025551838','8489 Strong </a:t>
             </a:r>
             <a:r>
               <a:rPr lang="en-US" dirty="0" err="1"/>
@@ -13050,7 +13235,7 @@
               <a:buNone/>
             </a:pPr>
             <a:r>
-              <a:rPr lang="en-US" sz="2000" u="sng" dirty="0">
+              <a:rPr lang="en-US" sz="2000" b="1" dirty="0">
                 <a:solidFill>
                   <a:schemeClr val="accent1"/>
                 </a:solidFill>
@@ -13138,7 +13323,7 @@
                 <a:cs typeface="Lato"/>
                 <a:sym typeface="Lato"/>
               </a:rPr>
-              <a:t>SET city = 'Omaha', state = 'NE’</a:t>
+              <a:t>SET city = 'Omaha', state = 'NE'</a:t>
             </a:r>
           </a:p>
           <a:p>
@@ -13160,6 +13345,18 @@
               <a:buNone/>
             </a:pPr>
             <a:r>
+              <a:rPr lang="en-US" sz="2000" b="1" dirty="0">
+                <a:solidFill>
+                  <a:schemeClr val="accent1"/>
+                </a:solidFill>
+                <a:latin typeface="Lato"/>
+                <a:ea typeface="Lato"/>
+                <a:cs typeface="Lato"/>
+                <a:sym typeface="Lato"/>
+              </a:rPr>
+              <a:t>WHERE</a:t>
+            </a:r>
+            <a:r>
               <a:rPr lang="en-US" sz="2000" dirty="0">
                 <a:solidFill>
                   <a:schemeClr val="accent1"/>
@@ -13169,7 +13366,7 @@
                 <a:cs typeface="Lato"/>
                 <a:sym typeface="Lato"/>
               </a:rPr>
-              <a:t>WHERE </a:t>
+              <a:t> </a:t>
             </a:r>
             <a:r>
               <a:rPr lang="en-US" sz="2000" dirty="0" err="1">
@@ -13196,34 +13393,6 @@
               <a:t> = 103;</a:t>
             </a:r>
             <a:endParaRPr sz="2000" dirty="0">
-              <a:solidFill>
-                <a:schemeClr val="accent1"/>
-              </a:solidFill>
-              <a:latin typeface="Lato"/>
-              <a:ea typeface="Lato"/>
-              <a:cs typeface="Lato"/>
-              <a:sym typeface="Lato"/>
-            </a:endParaRPr>
-          </a:p>
-          <a:p>
-            <a:pPr marL="0" lvl="0" indent="0" algn="l" rtl="0">
-              <a:lnSpc>
-                <a:spcPct val="115000"/>
-              </a:lnSpc>
-              <a:spcBef>
-                <a:spcPts val="0"/>
-              </a:spcBef>
-              <a:spcAft>
-                <a:spcPts val="0"/>
-              </a:spcAft>
-              <a:buClr>
-                <a:srgbClr val="000000"/>
-              </a:buClr>
-              <a:buSzPts val="1100"/>
-              <a:buFont typeface="Arial"/>
-              <a:buNone/>
-            </a:pPr>
-            <a:endParaRPr lang="en-US" sz="2000" dirty="0">
               <a:solidFill>
                 <a:schemeClr val="accent1"/>
               </a:solidFill>
@@ -14108,7 +14277,7 @@
         </p:nvSpPr>
         <p:spPr>
           <a:xfrm>
-            <a:off x="674736" y="5086764"/>
+            <a:off x="670501" y="5242448"/>
             <a:ext cx="11350648" cy="205998"/>
           </a:xfrm>
           <a:prstGeom prst="rect">
@@ -15130,18 +15299,18 @@
             <a:endParaRPr dirty="0"/>
           </a:p>
           <a:p>
-            <a:pPr marL="0" lvl="0" indent="0" algn="l" rtl="0">
-              <a:spcBef>
-                <a:spcPts val="0"/>
-              </a:spcBef>
-              <a:spcAft>
-                <a:spcPts val="0"/>
-              </a:spcAft>
-              <a:buNone/>
+            <a:pPr marL="342900" lvl="0" indent="-342900" algn="l" rtl="0">
+              <a:spcBef>
+                <a:spcPts val="0"/>
+              </a:spcBef>
+              <a:spcAft>
+                <a:spcPts val="0"/>
+              </a:spcAft>
+              <a:buAutoNum type="arabicPeriod"/>
             </a:pPr>
             <a:r>
               <a:rPr lang="en-US" sz="1800" dirty="0"/>
-              <a:t>1. Create a schema named “</a:t>
+              <a:t>Create a schema named “</a:t>
             </a:r>
             <a:r>
               <a:rPr lang="en-US" sz="1800" dirty="0" err="1"/>
@@ -15149,9 +15318,8 @@
             </a:r>
             <a:r>
               <a:rPr lang="en-US" sz="1800" dirty="0"/>
-              <a:t>”</a:t>
-            </a:r>
-            <a:endParaRPr sz="1800" dirty="0"/>
+              <a:t>” </a:t>
+            </a:r>
           </a:p>
           <a:p>
             <a:pPr marL="0" lvl="0" indent="0" algn="l" rtl="0">
@@ -15539,7 +15707,7 @@
             </a:r>
             <a:r>
               <a:rPr lang="en-US" sz="1800" dirty="0" err="1"/>
-              <a:t>pissingpersons</a:t>
+              <a:t>missingpersons</a:t>
             </a:r>
             <a:r>
               <a:rPr lang="en-US" sz="1800" dirty="0"/>
@@ -15718,41 +15886,43 @@
             <a:r>
               <a:rPr lang="en-US" sz="2400" dirty="0">
                 <a:solidFill>
-                  <a:srgbClr val="6AA84F"/>
-                </a:solidFill>
-              </a:rPr>
-              <a:t>Import data into MySQL database (Class 3)</a:t>
-            </a:r>
-          </a:p>
-          <a:p>
-            <a:pPr marL="494098" lvl="0" indent="-494098" algn="l" rtl="0">
-              <a:lnSpc>
-                <a:spcPct val="115000"/>
-              </a:lnSpc>
+                  <a:srgbClr val="92D050"/>
+                </a:solidFill>
+              </a:rPr>
+              <a:t>Storing and Importing data into MySQL database (Class 3)</a:t>
+            </a:r>
+          </a:p>
+          <a:p>
+            <a:pPr marL="494098" indent="-494098">
               <a:spcBef>
                 <a:spcPts val="1000"/>
               </a:spcBef>
-              <a:spcAft>
-                <a:spcPts val="0"/>
-              </a:spcAft>
               <a:buClr>
-                <a:srgbClr val="6AA84F"/>
+                <a:srgbClr val="000000"/>
               </a:buClr>
               <a:buSzPts val="2400"/>
-              <a:buFont typeface="Lustria"/>
+              <a:buFont typeface="Lato"/>
               <a:buAutoNum type="arabicPeriod"/>
             </a:pPr>
             <a:r>
+              <a:rPr lang="en-US" sz="2400">
+                <a:solidFill>
+                  <a:schemeClr val="bg2"/>
+                </a:solidFill>
+              </a:rPr>
+              <a:t>Merging </a:t>
+            </a:r>
+            <a:r>
               <a:rPr lang="en-US" sz="2400" dirty="0">
                 <a:solidFill>
                   <a:schemeClr val="bg2"/>
                 </a:solidFill>
               </a:rPr>
-              <a:t>Storing/Joining data for analysis (Class 4)</a:t>
-            </a:r>
-            <a:endParaRPr sz="2400" dirty="0">
+              <a:t>and Joining data for analysis (Class 4)</a:t>
+            </a:r>
+            <a:endParaRPr lang="en-US" sz="2400" dirty="0">
               <a:solidFill>
-                <a:schemeClr val="bg2"/>
+                <a:srgbClr val="000000"/>
               </a:solidFill>
             </a:endParaRPr>
           </a:p>
@@ -15781,11 +15951,6 @@
               </a:rPr>
               <a:t>Cleaning Data (Class 5)</a:t>
             </a:r>
-            <a:endParaRPr sz="2400" dirty="0">
-              <a:solidFill>
-                <a:srgbClr val="000000"/>
-              </a:solidFill>
-            </a:endParaRPr>
           </a:p>
           <a:p>
             <a:pPr marL="494098" lvl="0" indent="-494098" algn="l" rtl="0">
@@ -15977,7 +16142,7 @@
         <p:spPr>
           <a:xfrm>
             <a:off x="492375" y="1656925"/>
-            <a:ext cx="6672300" cy="6929400"/>
+            <a:ext cx="6547617" cy="6929400"/>
           </a:xfrm>
           <a:prstGeom prst="rect">
             <a:avLst/>
@@ -16043,11 +16208,11 @@
             </a:r>
             <a:r>
               <a:rPr lang="en-US" sz="1700" dirty="0" err="1"/>
-              <a:t>console_game_sales</a:t>
+              <a:t>console_game_rank</a:t>
             </a:r>
             <a:r>
               <a:rPr lang="en-US" sz="1700" dirty="0"/>
-              <a:t>” in the consoles schema, using the “ConsoleGames_201905.csv” file in the “Class Project/consoles” folder</a:t>
+              <a:t>” with the appropriate data types and constraints, using the “ConsoleGames_201905.csv” file in the “Class Project/consoles” folder</a:t>
             </a:r>
             <a:endParaRPr sz="1700" dirty="0"/>
           </a:p>
@@ -16076,11 +16241,11 @@
             </a:pPr>
             <a:r>
               <a:rPr lang="en-US" sz="1700" dirty="0"/>
-              <a:t>Create a SQL script that inserts the values of the CSV file, into the “</a:t>
+              <a:t>Create a SQL script that manually inserts the values of the CSV file, into the “</a:t>
             </a:r>
             <a:r>
               <a:rPr lang="en-US" sz="1700" dirty="0" err="1"/>
-              <a:t>console_game_sales</a:t>
+              <a:t>console_game_rank</a:t>
             </a:r>
             <a:r>
               <a:rPr lang="en-US" sz="1700" dirty="0"/>
@@ -16116,7 +16281,7 @@
             </a:r>
             <a:r>
               <a:rPr lang="en-US" sz="1700" dirty="0" err="1"/>
-              <a:t>console_game_sales</a:t>
+              <a:t>console_game_rank</a:t>
             </a:r>
             <a:r>
               <a:rPr lang="en-US" sz="1700" dirty="0"/>
@@ -16274,7 +16439,7 @@
             </a:r>
             <a:r>
               <a:rPr lang="en-US" sz="1700" dirty="0"/>
-              <a:t>” folder on Google Drive.</a:t>
+              <a:t>” folder for project datasets on Google Drive.</a:t>
             </a:r>
           </a:p>
         </p:txBody>
@@ -18570,7 +18735,7 @@
         </p:nvSpPr>
         <p:spPr>
           <a:xfrm>
-            <a:off x="1045875" y="6254250"/>
+            <a:off x="149230" y="6246920"/>
             <a:ext cx="7046700" cy="3000000"/>
           </a:xfrm>
           <a:prstGeom prst="rect">
@@ -18598,8 +18763,27 @@
             </a:pPr>
             <a:r>
               <a:rPr lang="en-US" dirty="0"/>
-              <a:t>Source: </a:t>
-            </a:r>
+              <a:t>See the full </a:t>
+            </a:r>
+            <a:r>
+              <a:rPr lang="en-US" dirty="0" err="1"/>
+              <a:t>classicmodels</a:t>
+            </a:r>
+            <a:r>
+              <a:rPr lang="en-US" dirty="0"/>
+              <a:t> schema at: </a:t>
+            </a:r>
+          </a:p>
+          <a:p>
+            <a:pPr marL="0" lvl="0" indent="0" algn="l" rtl="0">
+              <a:spcBef>
+                <a:spcPts val="0"/>
+              </a:spcBef>
+              <a:spcAft>
+                <a:spcPts val="0"/>
+              </a:spcAft>
+              <a:buNone/>
+            </a:pPr>
             <a:r>
               <a:rPr lang="en-US" dirty="0">
                 <a:hlinkClick r:id="rId3"/>
@@ -18607,20 +18791,6 @@
               <a:t>http://www.mysqltutorial.org/mysql-sample-database.aspx</a:t>
             </a:r>
             <a:endParaRPr lang="en-US" dirty="0"/>
-          </a:p>
-          <a:p>
-            <a:pPr lvl="0"/>
-            <a:r>
-              <a:rPr lang="en-US" dirty="0"/>
-              <a:t>Create Table Syntax:  </a:t>
-            </a:r>
-            <a:r>
-              <a:rPr lang="en-US" dirty="0">
-                <a:hlinkClick r:id="rId4"/>
-              </a:rPr>
-              <a:t>https://www.tutorialspoINT.com/sql/sql-create-table.htm</a:t>
-            </a:r>
-            <a:endParaRPr dirty="0"/>
           </a:p>
         </p:txBody>
       </p:sp>
@@ -18631,7 +18801,7 @@
           <p:nvPr/>
         </p:nvPicPr>
         <p:blipFill>
-          <a:blip r:embed="rId5">
+          <a:blip r:embed="rId4">
             <a:alphaModFix/>
           </a:blip>
           <a:stretch>
@@ -18693,6 +18863,1315 @@
   <p:cSld>
     <p:spTree>
       <p:nvGrpSpPr>
+        <p:cNvPr id="1" name="Shape 233"/>
+        <p:cNvGrpSpPr/>
+        <p:nvPr/>
+      </p:nvGrpSpPr>
+      <p:grpSpPr>
+        <a:xfrm>
+          <a:off x="0" y="0"/>
+          <a:ext cx="0" cy="0"/>
+          <a:chOff x="0" y="0"/>
+          <a:chExt cx="0" cy="0"/>
+        </a:xfrm>
+      </p:grpSpPr>
+      <p:sp>
+        <p:nvSpPr>
+          <p:cNvPr id="234" name="Google Shape;234;p34"/>
+          <p:cNvSpPr txBox="1">
+            <a:spLocks noGrp="1"/>
+          </p:cNvSpPr>
+          <p:nvPr>
+            <p:ph type="ctrTitle"/>
+          </p:nvPr>
+        </p:nvSpPr>
+        <p:spPr>
+          <a:xfrm>
+            <a:off x="913795" y="609600"/>
+            <a:ext cx="10353900" cy="970500"/>
+          </a:xfrm>
+          <a:prstGeom prst="rect">
+            <a:avLst/>
+          </a:prstGeom>
+          <a:noFill/>
+          <a:ln>
+            <a:noFill/>
+          </a:ln>
+          <a:effectLst>
+            <a:outerShdw blurRad="25400">
+              <a:srgbClr val="000000">
+                <a:alpha val="45880"/>
+              </a:srgbClr>
+            </a:outerShdw>
+          </a:effectLst>
+        </p:spPr>
+        <p:txBody>
+          <a:bodyPr spcFirstLastPara="1" wrap="square" lIns="91425" tIns="45700" rIns="91425" bIns="45700" anchor="ctr" anchorCtr="0">
+            <a:noAutofit/>
+          </a:bodyPr>
+          <a:lstStyle/>
+          <a:p>
+            <a:pPr marL="0" lvl="0" indent="0" algn="l" rtl="0">
+              <a:spcBef>
+                <a:spcPts val="0"/>
+              </a:spcBef>
+              <a:spcAft>
+                <a:spcPts val="0"/>
+              </a:spcAft>
+              <a:buClr>
+                <a:schemeClr val="lt2"/>
+              </a:buClr>
+              <a:buSzPts val="4000"/>
+              <a:buFont typeface="Lustria"/>
+              <a:buNone/>
+            </a:pPr>
+            <a:r>
+              <a:rPr lang="en-US" sz="3600" dirty="0"/>
+              <a:t>Creating Tables</a:t>
+            </a:r>
+            <a:endParaRPr sz="3600" dirty="0"/>
+          </a:p>
+        </p:txBody>
+      </p:sp>
+      <p:sp>
+        <p:nvSpPr>
+          <p:cNvPr id="235" name="Google Shape;235;p34"/>
+          <p:cNvSpPr txBox="1"/>
+          <p:nvPr/>
+        </p:nvSpPr>
+        <p:spPr>
+          <a:xfrm>
+            <a:off x="1045875" y="1688574"/>
+            <a:ext cx="10178400" cy="4559825"/>
+          </a:xfrm>
+          <a:prstGeom prst="rect">
+            <a:avLst/>
+          </a:prstGeom>
+          <a:noFill/>
+          <a:ln>
+            <a:noFill/>
+          </a:ln>
+        </p:spPr>
+        <p:txBody>
+          <a:bodyPr spcFirstLastPara="1" wrap="square" lIns="91425" tIns="91425" rIns="91425" bIns="91425" anchor="t" anchorCtr="0">
+            <a:noAutofit/>
+          </a:bodyPr>
+          <a:lstStyle/>
+          <a:p>
+            <a:pPr marL="0" lvl="0" indent="0" algn="l" rtl="0">
+              <a:lnSpc>
+                <a:spcPct val="115000"/>
+              </a:lnSpc>
+              <a:spcBef>
+                <a:spcPts val="0"/>
+              </a:spcBef>
+              <a:spcAft>
+                <a:spcPts val="0"/>
+              </a:spcAft>
+              <a:buNone/>
+            </a:pPr>
+            <a:r>
+              <a:rPr lang="en-US" sz="2000" dirty="0">
+                <a:solidFill>
+                  <a:schemeClr val="accent1"/>
+                </a:solidFill>
+                <a:latin typeface="Lato"/>
+                <a:ea typeface="Lato"/>
+                <a:cs typeface="Lato"/>
+                <a:sym typeface="Lato"/>
+              </a:rPr>
+              <a:t>Purpose -  Creating a tabular structure for persistent Data Storage &amp; Retrieval.</a:t>
+            </a:r>
+            <a:endParaRPr sz="2000" dirty="0">
+              <a:solidFill>
+                <a:schemeClr val="accent1"/>
+              </a:solidFill>
+              <a:latin typeface="Lato"/>
+              <a:ea typeface="Lato"/>
+              <a:cs typeface="Lato"/>
+              <a:sym typeface="Lato"/>
+            </a:endParaRPr>
+          </a:p>
+          <a:p>
+            <a:pPr marL="457200" lvl="0">
+              <a:lnSpc>
+                <a:spcPct val="115000"/>
+              </a:lnSpc>
+            </a:pPr>
+            <a:r>
+              <a:rPr lang="en-US" b="1" dirty="0">
+                <a:solidFill>
+                  <a:srgbClr val="6AA84F"/>
+                </a:solidFill>
+                <a:latin typeface="Lato"/>
+                <a:ea typeface="Lato"/>
+                <a:cs typeface="Lato"/>
+                <a:sym typeface="Lato"/>
+              </a:rPr>
+              <a:t>CREATE TABLE </a:t>
+            </a:r>
+            <a:r>
+              <a:rPr lang="en-US" b="1" dirty="0" err="1">
+                <a:solidFill>
+                  <a:srgbClr val="6AA84F"/>
+                </a:solidFill>
+                <a:latin typeface="Lato"/>
+                <a:ea typeface="Lato"/>
+                <a:cs typeface="Lato"/>
+                <a:sym typeface="Lato"/>
+              </a:rPr>
+              <a:t>classicmodels.customers</a:t>
+            </a:r>
+            <a:r>
+              <a:rPr lang="en-US" b="1" dirty="0">
+                <a:solidFill>
+                  <a:srgbClr val="6AA84F"/>
+                </a:solidFill>
+                <a:latin typeface="Lato"/>
+                <a:ea typeface="Lato"/>
+                <a:cs typeface="Lato"/>
+                <a:sym typeface="Lato"/>
+              </a:rPr>
+              <a:t> (</a:t>
+            </a:r>
+            <a:br>
+              <a:rPr lang="en-US" b="1" dirty="0">
+                <a:solidFill>
+                  <a:srgbClr val="6AA84F"/>
+                </a:solidFill>
+                <a:latin typeface="Lato"/>
+                <a:ea typeface="Lato"/>
+                <a:cs typeface="Lato"/>
+                <a:sym typeface="Lato"/>
+              </a:rPr>
+            </a:br>
+            <a:r>
+              <a:rPr lang="en-US" b="1" dirty="0">
+                <a:solidFill>
+                  <a:srgbClr val="6AA84F"/>
+                </a:solidFill>
+                <a:latin typeface="Lato"/>
+                <a:ea typeface="Lato"/>
+                <a:cs typeface="Lato"/>
+                <a:sym typeface="Lato"/>
+              </a:rPr>
+              <a:t>  </a:t>
+            </a:r>
+            <a:r>
+              <a:rPr lang="en-US" b="1" dirty="0" err="1">
+                <a:solidFill>
+                  <a:srgbClr val="6AA84F"/>
+                </a:solidFill>
+                <a:latin typeface="Lato"/>
+                <a:ea typeface="Lato"/>
+                <a:cs typeface="Lato"/>
+                <a:sym typeface="Lato"/>
+              </a:rPr>
+              <a:t>customer_number</a:t>
+            </a:r>
+            <a:r>
+              <a:rPr lang="en-US" b="1" dirty="0">
+                <a:solidFill>
+                  <a:srgbClr val="6AA84F"/>
+                </a:solidFill>
+                <a:latin typeface="Lato"/>
+                <a:ea typeface="Lato"/>
+                <a:cs typeface="Lato"/>
+                <a:sym typeface="Lato"/>
+              </a:rPr>
+              <a:t> INT </a:t>
+            </a:r>
+            <a:r>
+              <a:rPr lang="en-US" b="1" dirty="0">
+                <a:solidFill>
+                  <a:srgbClr val="3D85C6"/>
+                </a:solidFill>
+                <a:latin typeface="Lato"/>
+                <a:ea typeface="Lato"/>
+                <a:cs typeface="Lato"/>
+                <a:sym typeface="Lato"/>
+              </a:rPr>
+              <a:t>NOT NULL,</a:t>
+            </a:r>
+            <a:br>
+              <a:rPr lang="en-US" b="1" dirty="0">
+                <a:solidFill>
+                  <a:srgbClr val="6AA84F"/>
+                </a:solidFill>
+                <a:latin typeface="Lato"/>
+                <a:ea typeface="Lato"/>
+                <a:cs typeface="Lato"/>
+                <a:sym typeface="Lato"/>
+              </a:rPr>
+            </a:br>
+            <a:r>
+              <a:rPr lang="en-US" b="1" dirty="0">
+                <a:solidFill>
+                  <a:srgbClr val="6AA84F"/>
+                </a:solidFill>
+                <a:latin typeface="Lato"/>
+                <a:ea typeface="Lato"/>
+                <a:cs typeface="Lato"/>
+                <a:sym typeface="Lato"/>
+              </a:rPr>
+              <a:t>  </a:t>
+            </a:r>
+            <a:r>
+              <a:rPr lang="en-US" b="1" dirty="0" err="1">
+                <a:solidFill>
+                  <a:srgbClr val="6AA84F"/>
+                </a:solidFill>
+                <a:latin typeface="Lato"/>
+                <a:ea typeface="Lato"/>
+                <a:cs typeface="Lato"/>
+                <a:sym typeface="Lato"/>
+              </a:rPr>
+              <a:t>customer_name</a:t>
+            </a:r>
+            <a:r>
+              <a:rPr lang="en-US" b="1" dirty="0">
+                <a:solidFill>
+                  <a:srgbClr val="6AA84F"/>
+                </a:solidFill>
+                <a:latin typeface="Lato"/>
+                <a:ea typeface="Lato"/>
+                <a:cs typeface="Lato"/>
+                <a:sym typeface="Lato"/>
+              </a:rPr>
+              <a:t> VARCHAR(50) </a:t>
+            </a:r>
+            <a:r>
+              <a:rPr lang="en-US" b="1" dirty="0">
+                <a:solidFill>
+                  <a:srgbClr val="3D85C6"/>
+                </a:solidFill>
+                <a:latin typeface="Lato"/>
+                <a:ea typeface="Lato"/>
+                <a:cs typeface="Lato"/>
+                <a:sym typeface="Lato"/>
+              </a:rPr>
+              <a:t>NOT NULL,</a:t>
+            </a:r>
+            <a:br>
+              <a:rPr lang="en-US" b="1" dirty="0">
+                <a:solidFill>
+                  <a:srgbClr val="3D85C6"/>
+                </a:solidFill>
+                <a:latin typeface="Lato"/>
+                <a:ea typeface="Lato"/>
+                <a:cs typeface="Lato"/>
+                <a:sym typeface="Lato"/>
+              </a:rPr>
+            </a:br>
+            <a:r>
+              <a:rPr lang="en-US" b="1" dirty="0">
+                <a:solidFill>
+                  <a:srgbClr val="6AA84F"/>
+                </a:solidFill>
+                <a:latin typeface="Lato"/>
+                <a:ea typeface="Lato"/>
+                <a:cs typeface="Lato"/>
+                <a:sym typeface="Lato"/>
+              </a:rPr>
+              <a:t>  </a:t>
+            </a:r>
+            <a:r>
+              <a:rPr lang="en-US" b="1" dirty="0" err="1">
+                <a:solidFill>
+                  <a:srgbClr val="6AA84F"/>
+                </a:solidFill>
+                <a:latin typeface="Lato"/>
+                <a:ea typeface="Lato"/>
+                <a:cs typeface="Lato"/>
+                <a:sym typeface="Lato"/>
+              </a:rPr>
+              <a:t>contact_lastname</a:t>
+            </a:r>
+            <a:r>
+              <a:rPr lang="en-US" b="1" dirty="0">
+                <a:solidFill>
+                  <a:srgbClr val="6AA84F"/>
+                </a:solidFill>
+                <a:latin typeface="Lato"/>
+                <a:ea typeface="Lato"/>
+                <a:cs typeface="Lato"/>
+                <a:sym typeface="Lato"/>
+              </a:rPr>
+              <a:t> VARCHAR(50) </a:t>
+            </a:r>
+            <a:r>
+              <a:rPr lang="en-US" b="1" dirty="0">
+                <a:solidFill>
+                  <a:srgbClr val="3D85C6"/>
+                </a:solidFill>
+                <a:latin typeface="Lato"/>
+                <a:ea typeface="Lato"/>
+                <a:cs typeface="Lato"/>
+                <a:sym typeface="Lato"/>
+              </a:rPr>
+              <a:t>NOT NULL,</a:t>
+            </a:r>
+            <a:br>
+              <a:rPr lang="en-US" b="1" dirty="0">
+                <a:solidFill>
+                  <a:srgbClr val="3D85C6"/>
+                </a:solidFill>
+                <a:latin typeface="Lato"/>
+                <a:ea typeface="Lato"/>
+                <a:cs typeface="Lato"/>
+                <a:sym typeface="Lato"/>
+              </a:rPr>
+            </a:br>
+            <a:r>
+              <a:rPr lang="en-US" b="1" dirty="0">
+                <a:solidFill>
+                  <a:srgbClr val="6AA84F"/>
+                </a:solidFill>
+                <a:latin typeface="Lato"/>
+                <a:ea typeface="Lato"/>
+                <a:cs typeface="Lato"/>
+                <a:sym typeface="Lato"/>
+              </a:rPr>
+              <a:t>  </a:t>
+            </a:r>
+            <a:r>
+              <a:rPr lang="en-US" b="1" dirty="0" err="1">
+                <a:solidFill>
+                  <a:srgbClr val="6AA84F"/>
+                </a:solidFill>
+                <a:latin typeface="Lato"/>
+                <a:ea typeface="Lato"/>
+                <a:cs typeface="Lato"/>
+                <a:sym typeface="Lato"/>
+              </a:rPr>
+              <a:t>contact_firstname</a:t>
+            </a:r>
+            <a:r>
+              <a:rPr lang="en-US" b="1" dirty="0">
+                <a:solidFill>
+                  <a:srgbClr val="6AA84F"/>
+                </a:solidFill>
+                <a:latin typeface="Lato"/>
+                <a:ea typeface="Lato"/>
+                <a:cs typeface="Lato"/>
+                <a:sym typeface="Lato"/>
+              </a:rPr>
+              <a:t> VARCHAR(50) </a:t>
+            </a:r>
+            <a:r>
+              <a:rPr lang="en-US" b="1" dirty="0">
+                <a:solidFill>
+                  <a:srgbClr val="3C78D8"/>
+                </a:solidFill>
+                <a:latin typeface="Lato"/>
+                <a:ea typeface="Lato"/>
+                <a:cs typeface="Lato"/>
+                <a:sym typeface="Lato"/>
+              </a:rPr>
+              <a:t>NOT NULL,</a:t>
+            </a:r>
+            <a:br>
+              <a:rPr lang="en-US" b="1" dirty="0">
+                <a:solidFill>
+                  <a:srgbClr val="3C78D8"/>
+                </a:solidFill>
+                <a:latin typeface="Lato"/>
+                <a:ea typeface="Lato"/>
+                <a:cs typeface="Lato"/>
+                <a:sym typeface="Lato"/>
+              </a:rPr>
+            </a:br>
+            <a:r>
+              <a:rPr lang="en-US" b="1" dirty="0">
+                <a:solidFill>
+                  <a:srgbClr val="6AA84F"/>
+                </a:solidFill>
+                <a:latin typeface="Lato"/>
+                <a:ea typeface="Lato"/>
+                <a:cs typeface="Lato"/>
+                <a:sym typeface="Lato"/>
+              </a:rPr>
+              <a:t>  phone VARCHAR(50) </a:t>
+            </a:r>
+            <a:r>
+              <a:rPr lang="en-US" b="1" dirty="0">
+                <a:solidFill>
+                  <a:srgbClr val="3C78D8"/>
+                </a:solidFill>
+                <a:latin typeface="Lato"/>
+                <a:ea typeface="Lato"/>
+                <a:cs typeface="Lato"/>
+                <a:sym typeface="Lato"/>
+              </a:rPr>
+              <a:t>NOT NULL,</a:t>
+            </a:r>
+            <a:br>
+              <a:rPr lang="en-US" b="1" dirty="0">
+                <a:solidFill>
+                  <a:srgbClr val="3C78D8"/>
+                </a:solidFill>
+                <a:latin typeface="Lato"/>
+                <a:ea typeface="Lato"/>
+                <a:cs typeface="Lato"/>
+                <a:sym typeface="Lato"/>
+              </a:rPr>
+            </a:br>
+            <a:r>
+              <a:rPr lang="en-US" b="1" dirty="0">
+                <a:solidFill>
+                  <a:srgbClr val="6AA84F"/>
+                </a:solidFill>
+                <a:latin typeface="Lato"/>
+                <a:ea typeface="Lato"/>
+                <a:cs typeface="Lato"/>
+                <a:sym typeface="Lato"/>
+              </a:rPr>
+              <a:t>  addressline1 VARCHAR(50) </a:t>
+            </a:r>
+            <a:r>
+              <a:rPr lang="en-US" b="1" dirty="0">
+                <a:solidFill>
+                  <a:srgbClr val="3C78D8"/>
+                </a:solidFill>
+                <a:latin typeface="Lato"/>
+                <a:ea typeface="Lato"/>
+                <a:cs typeface="Lato"/>
+                <a:sym typeface="Lato"/>
+              </a:rPr>
+              <a:t>NOT NULL,</a:t>
+            </a:r>
+            <a:br>
+              <a:rPr lang="en-US" b="1" dirty="0">
+                <a:solidFill>
+                  <a:srgbClr val="3C78D8"/>
+                </a:solidFill>
+                <a:latin typeface="Lato"/>
+                <a:ea typeface="Lato"/>
+                <a:cs typeface="Lato"/>
+                <a:sym typeface="Lato"/>
+              </a:rPr>
+            </a:br>
+            <a:r>
+              <a:rPr lang="en-US" b="1" dirty="0">
+                <a:solidFill>
+                  <a:srgbClr val="6AA84F"/>
+                </a:solidFill>
+                <a:latin typeface="Lato"/>
+                <a:ea typeface="Lato"/>
+                <a:cs typeface="Lato"/>
+                <a:sym typeface="Lato"/>
+              </a:rPr>
+              <a:t>  addressline2 VARCHAR(50) </a:t>
+            </a:r>
+            <a:r>
+              <a:rPr lang="en-US" b="1" dirty="0">
+                <a:solidFill>
+                  <a:srgbClr val="3D85C6"/>
+                </a:solidFill>
+                <a:latin typeface="Lato"/>
+                <a:ea typeface="Lato"/>
+                <a:cs typeface="Lato"/>
+                <a:sym typeface="Lato"/>
+              </a:rPr>
+              <a:t>DEFAULT NULL,</a:t>
+            </a:r>
+            <a:br>
+              <a:rPr lang="en-US" b="1" dirty="0">
+                <a:solidFill>
+                  <a:srgbClr val="6AA84F"/>
+                </a:solidFill>
+                <a:latin typeface="Lato"/>
+                <a:ea typeface="Lato"/>
+                <a:cs typeface="Lato"/>
+                <a:sym typeface="Lato"/>
+              </a:rPr>
+            </a:br>
+            <a:r>
+              <a:rPr lang="en-US" b="1" dirty="0">
+                <a:solidFill>
+                  <a:srgbClr val="6AA84F"/>
+                </a:solidFill>
+                <a:latin typeface="Lato"/>
+                <a:ea typeface="Lato"/>
+                <a:cs typeface="Lato"/>
+                <a:sym typeface="Lato"/>
+              </a:rPr>
+              <a:t>  city VARCHAR(50) </a:t>
+            </a:r>
+            <a:r>
+              <a:rPr lang="en-US" b="1" dirty="0">
+                <a:solidFill>
+                  <a:srgbClr val="3C78D8"/>
+                </a:solidFill>
+                <a:latin typeface="Lato"/>
+                <a:ea typeface="Lato"/>
+                <a:cs typeface="Lato"/>
+                <a:sym typeface="Lato"/>
+              </a:rPr>
+              <a:t>NOT NULL,</a:t>
+            </a:r>
+            <a:br>
+              <a:rPr lang="en-US" b="1" dirty="0">
+                <a:solidFill>
+                  <a:srgbClr val="3C78D8"/>
+                </a:solidFill>
+                <a:latin typeface="Lato"/>
+                <a:ea typeface="Lato"/>
+                <a:cs typeface="Lato"/>
+                <a:sym typeface="Lato"/>
+              </a:rPr>
+            </a:br>
+            <a:r>
+              <a:rPr lang="en-US" b="1" dirty="0">
+                <a:solidFill>
+                  <a:srgbClr val="6AA84F"/>
+                </a:solidFill>
+                <a:latin typeface="Lato"/>
+                <a:ea typeface="Lato"/>
+                <a:cs typeface="Lato"/>
+                <a:sym typeface="Lato"/>
+              </a:rPr>
+              <a:t>  state CHAR(2) </a:t>
+            </a:r>
+            <a:r>
+              <a:rPr lang="en-US" b="1" dirty="0">
+                <a:solidFill>
+                  <a:srgbClr val="3D85C6"/>
+                </a:solidFill>
+                <a:latin typeface="Lato"/>
+                <a:ea typeface="Lato"/>
+                <a:cs typeface="Lato"/>
+                <a:sym typeface="Lato"/>
+              </a:rPr>
+              <a:t>DEFAULT </a:t>
+            </a:r>
+            <a:r>
+              <a:rPr lang="en-US" b="1" dirty="0">
+                <a:solidFill>
+                  <a:srgbClr val="3C78D8"/>
+                </a:solidFill>
+                <a:latin typeface="Lato"/>
+                <a:ea typeface="Lato"/>
+                <a:cs typeface="Lato"/>
+                <a:sym typeface="Lato"/>
+              </a:rPr>
+              <a:t>'</a:t>
+            </a:r>
+            <a:r>
+              <a:rPr lang="en-US" b="1" dirty="0">
+                <a:solidFill>
+                  <a:srgbClr val="3D85C6"/>
+                </a:solidFill>
+                <a:latin typeface="Lato"/>
+                <a:ea typeface="Lato"/>
+                <a:cs typeface="Lato"/>
+                <a:sym typeface="Lato"/>
+              </a:rPr>
+              <a:t>NE</a:t>
+            </a:r>
+            <a:r>
+              <a:rPr lang="en-US" b="1" dirty="0">
+                <a:solidFill>
+                  <a:srgbClr val="3C78D8"/>
+                </a:solidFill>
+                <a:latin typeface="Lato"/>
+                <a:ea typeface="Lato"/>
+                <a:cs typeface="Lato"/>
+                <a:sym typeface="Lato"/>
+              </a:rPr>
+              <a:t>'</a:t>
+            </a:r>
+            <a:r>
+              <a:rPr lang="en-US" b="1" dirty="0">
+                <a:solidFill>
+                  <a:srgbClr val="3D85C6"/>
+                </a:solidFill>
+                <a:latin typeface="Lato"/>
+                <a:ea typeface="Lato"/>
+                <a:cs typeface="Lato"/>
+                <a:sym typeface="Lato"/>
+              </a:rPr>
+              <a:t>,</a:t>
+            </a:r>
+            <a:br>
+              <a:rPr lang="en-US" b="1" dirty="0">
+                <a:solidFill>
+                  <a:srgbClr val="6AA84F"/>
+                </a:solidFill>
+                <a:latin typeface="Lato"/>
+                <a:ea typeface="Lato"/>
+                <a:cs typeface="Lato"/>
+                <a:sym typeface="Lato"/>
+              </a:rPr>
+            </a:br>
+            <a:r>
+              <a:rPr lang="en-US" b="1" dirty="0">
+                <a:solidFill>
+                  <a:srgbClr val="6AA84F"/>
+                </a:solidFill>
+                <a:latin typeface="Lato"/>
+                <a:ea typeface="Lato"/>
+                <a:cs typeface="Lato"/>
+                <a:sym typeface="Lato"/>
+              </a:rPr>
+              <a:t>  </a:t>
+            </a:r>
+            <a:r>
+              <a:rPr lang="en-US" b="1" dirty="0" err="1">
+                <a:solidFill>
+                  <a:srgbClr val="6AA84F"/>
+                </a:solidFill>
+                <a:latin typeface="Lato"/>
+                <a:ea typeface="Lato"/>
+                <a:cs typeface="Lato"/>
+                <a:sym typeface="Lato"/>
+              </a:rPr>
+              <a:t>postalcode</a:t>
+            </a:r>
+            <a:r>
+              <a:rPr lang="en-US" b="1" dirty="0">
+                <a:solidFill>
+                  <a:srgbClr val="6AA84F"/>
+                </a:solidFill>
+                <a:latin typeface="Lato"/>
+                <a:ea typeface="Lato"/>
+                <a:cs typeface="Lato"/>
+                <a:sym typeface="Lato"/>
+              </a:rPr>
+              <a:t> VARCHAR(15) </a:t>
+            </a:r>
+            <a:r>
+              <a:rPr lang="en-US" b="1" dirty="0">
+                <a:solidFill>
+                  <a:srgbClr val="3D85C6"/>
+                </a:solidFill>
+                <a:latin typeface="Lato"/>
+                <a:ea typeface="Lato"/>
+                <a:cs typeface="Lato"/>
+                <a:sym typeface="Lato"/>
+              </a:rPr>
+              <a:t>DEFAULT NULL,</a:t>
+            </a:r>
+            <a:br>
+              <a:rPr lang="en-US" b="1" dirty="0">
+                <a:solidFill>
+                  <a:srgbClr val="6AA84F"/>
+                </a:solidFill>
+                <a:latin typeface="Lato"/>
+                <a:ea typeface="Lato"/>
+                <a:cs typeface="Lato"/>
+                <a:sym typeface="Lato"/>
+              </a:rPr>
+            </a:br>
+            <a:r>
+              <a:rPr lang="en-US" b="1" dirty="0">
+                <a:solidFill>
+                  <a:srgbClr val="6AA84F"/>
+                </a:solidFill>
+                <a:latin typeface="Lato"/>
+                <a:ea typeface="Lato"/>
+                <a:cs typeface="Lato"/>
+                <a:sym typeface="Lato"/>
+              </a:rPr>
+              <a:t>  country CHAR(3)</a:t>
+            </a:r>
+            <a:r>
+              <a:rPr lang="en-US" b="1" dirty="0">
+                <a:solidFill>
+                  <a:srgbClr val="3C78D8"/>
+                </a:solidFill>
+                <a:latin typeface="Lato"/>
+                <a:ea typeface="Lato"/>
+                <a:cs typeface="Lato"/>
+                <a:sym typeface="Lato"/>
+              </a:rPr>
+              <a:t>NOT NULL DEFAULT 'USA', </a:t>
+            </a:r>
+            <a:br>
+              <a:rPr lang="en-US" b="1" dirty="0">
+                <a:solidFill>
+                  <a:srgbClr val="3C78D8"/>
+                </a:solidFill>
+                <a:latin typeface="Lato"/>
+                <a:ea typeface="Lato"/>
+                <a:cs typeface="Lato"/>
+                <a:sym typeface="Lato"/>
+              </a:rPr>
+            </a:br>
+            <a:r>
+              <a:rPr lang="en-US" b="1" dirty="0">
+                <a:solidFill>
+                  <a:srgbClr val="6AA84F"/>
+                </a:solidFill>
+                <a:latin typeface="Lato"/>
+                <a:ea typeface="Lato"/>
+                <a:cs typeface="Lato"/>
+                <a:sym typeface="Lato"/>
+              </a:rPr>
+              <a:t>  </a:t>
+            </a:r>
+            <a:r>
+              <a:rPr lang="en-US" b="1" dirty="0" err="1">
+                <a:solidFill>
+                  <a:srgbClr val="6AA84F"/>
+                </a:solidFill>
+                <a:latin typeface="Lato"/>
+                <a:ea typeface="Lato"/>
+                <a:cs typeface="Lato"/>
+                <a:sym typeface="Lato"/>
+              </a:rPr>
+              <a:t>salesrep_employeenumber</a:t>
+            </a:r>
+            <a:r>
+              <a:rPr lang="en-US" b="1" dirty="0">
+                <a:solidFill>
+                  <a:srgbClr val="6AA84F"/>
+                </a:solidFill>
+                <a:latin typeface="Lato"/>
+                <a:ea typeface="Lato"/>
+                <a:cs typeface="Lato"/>
+                <a:sym typeface="Lato"/>
+              </a:rPr>
+              <a:t> INT </a:t>
+            </a:r>
+            <a:r>
+              <a:rPr lang="en-US" b="1" dirty="0">
+                <a:solidFill>
+                  <a:srgbClr val="3D85C6"/>
+                </a:solidFill>
+                <a:latin typeface="Lato"/>
+                <a:ea typeface="Lato"/>
+                <a:cs typeface="Lato"/>
+                <a:sym typeface="Lato"/>
+              </a:rPr>
+              <a:t>DEFAULT NULL,</a:t>
+            </a:r>
+            <a:br>
+              <a:rPr lang="en-US" b="1" dirty="0">
+                <a:solidFill>
+                  <a:srgbClr val="6AA84F"/>
+                </a:solidFill>
+                <a:latin typeface="Lato"/>
+                <a:ea typeface="Lato"/>
+                <a:cs typeface="Lato"/>
+                <a:sym typeface="Lato"/>
+              </a:rPr>
+            </a:br>
+            <a:r>
+              <a:rPr lang="en-US" b="1" dirty="0">
+                <a:solidFill>
+                  <a:srgbClr val="6AA84F"/>
+                </a:solidFill>
+                <a:latin typeface="Lato"/>
+                <a:ea typeface="Lato"/>
+                <a:cs typeface="Lato"/>
+                <a:sym typeface="Lato"/>
+              </a:rPr>
+              <a:t>  </a:t>
+            </a:r>
+            <a:r>
+              <a:rPr lang="en-US" b="1" dirty="0" err="1">
+                <a:solidFill>
+                  <a:srgbClr val="6AA84F"/>
+                </a:solidFill>
+                <a:latin typeface="Lato"/>
+                <a:ea typeface="Lato"/>
+                <a:cs typeface="Lato"/>
+                <a:sym typeface="Lato"/>
+              </a:rPr>
+              <a:t>creditlimit</a:t>
+            </a:r>
+            <a:r>
+              <a:rPr lang="en-US" b="1" dirty="0">
+                <a:solidFill>
+                  <a:srgbClr val="6AA84F"/>
+                </a:solidFill>
+                <a:latin typeface="Lato"/>
+                <a:ea typeface="Lato"/>
+                <a:cs typeface="Lato"/>
+                <a:sym typeface="Lato"/>
+              </a:rPr>
+              <a:t> DECIMAL(10,2) </a:t>
+            </a:r>
+            <a:r>
+              <a:rPr lang="en-US" b="1" dirty="0">
+                <a:solidFill>
+                  <a:srgbClr val="3D85C6"/>
+                </a:solidFill>
+                <a:latin typeface="Lato"/>
+                <a:ea typeface="Lato"/>
+                <a:cs typeface="Lato"/>
+                <a:sym typeface="Lato"/>
+              </a:rPr>
+              <a:t>CHECK (</a:t>
+            </a:r>
+            <a:r>
+              <a:rPr lang="en-US" b="1" dirty="0" err="1">
+                <a:solidFill>
+                  <a:srgbClr val="3D85C6"/>
+                </a:solidFill>
+                <a:latin typeface="Lato"/>
+                <a:ea typeface="Lato"/>
+                <a:cs typeface="Lato"/>
+                <a:sym typeface="Lato"/>
+              </a:rPr>
+              <a:t>creditlimit</a:t>
+            </a:r>
+            <a:r>
+              <a:rPr lang="en-US" b="1" dirty="0">
+                <a:solidFill>
+                  <a:srgbClr val="3D85C6"/>
+                </a:solidFill>
+                <a:latin typeface="Lato"/>
+                <a:ea typeface="Lato"/>
+                <a:cs typeface="Lato"/>
+                <a:sym typeface="Lato"/>
+              </a:rPr>
+              <a:t> &lt; 1000000), </a:t>
+            </a:r>
+            <a:br>
+              <a:rPr lang="en-US" b="1" dirty="0">
+                <a:solidFill>
+                  <a:srgbClr val="6AA84F"/>
+                </a:solidFill>
+                <a:latin typeface="Lato"/>
+                <a:ea typeface="Lato"/>
+                <a:cs typeface="Lato"/>
+                <a:sym typeface="Lato"/>
+              </a:rPr>
+            </a:br>
+            <a:r>
+              <a:rPr lang="en-US" dirty="0">
+                <a:solidFill>
+                  <a:schemeClr val="accent1"/>
+                </a:solidFill>
+                <a:latin typeface="Lato"/>
+                <a:ea typeface="Lato"/>
+                <a:cs typeface="Lato"/>
+                <a:sym typeface="Lato"/>
+              </a:rPr>
+              <a:t>  </a:t>
+            </a:r>
+            <a:r>
+              <a:rPr lang="en-US" b="1" dirty="0">
+                <a:solidFill>
+                  <a:srgbClr val="FF9900"/>
+                </a:solidFill>
+                <a:latin typeface="Lato"/>
+                <a:ea typeface="Lato"/>
+                <a:cs typeface="Lato"/>
+                <a:sym typeface="Lato"/>
+              </a:rPr>
+              <a:t>PRIMARY KEY (</a:t>
+            </a:r>
+            <a:r>
+              <a:rPr lang="en-US" b="1" dirty="0" err="1">
+                <a:solidFill>
+                  <a:srgbClr val="FF9900"/>
+                </a:solidFill>
+                <a:latin typeface="Lato"/>
+                <a:ea typeface="Lato"/>
+                <a:cs typeface="Lato"/>
+                <a:sym typeface="Lato"/>
+              </a:rPr>
+              <a:t>customer_number</a:t>
+            </a:r>
+            <a:r>
+              <a:rPr lang="en-US" b="1" dirty="0">
+                <a:solidFill>
+                  <a:srgbClr val="FF9900"/>
+                </a:solidFill>
+                <a:latin typeface="Lato"/>
+                <a:ea typeface="Lato"/>
+                <a:cs typeface="Lato"/>
+                <a:sym typeface="Lato"/>
+              </a:rPr>
+              <a:t>));</a:t>
+            </a:r>
+          </a:p>
+          <a:p>
+            <a:pPr marL="0" lvl="0" indent="0" algn="l" rtl="0">
+              <a:lnSpc>
+                <a:spcPct val="115000"/>
+              </a:lnSpc>
+              <a:spcBef>
+                <a:spcPts val="0"/>
+              </a:spcBef>
+              <a:spcAft>
+                <a:spcPts val="0"/>
+              </a:spcAft>
+              <a:buNone/>
+            </a:pPr>
+            <a:endParaRPr sz="2000" dirty="0">
+              <a:solidFill>
+                <a:schemeClr val="accent1"/>
+              </a:solidFill>
+              <a:latin typeface="Lato"/>
+              <a:ea typeface="Lato"/>
+              <a:cs typeface="Lato"/>
+              <a:sym typeface="Lato"/>
+            </a:endParaRPr>
+          </a:p>
+          <a:p>
+            <a:pPr marL="0" lvl="0" indent="0" algn="l" rtl="0">
+              <a:lnSpc>
+                <a:spcPct val="115000"/>
+              </a:lnSpc>
+              <a:spcBef>
+                <a:spcPts val="0"/>
+              </a:spcBef>
+              <a:spcAft>
+                <a:spcPts val="0"/>
+              </a:spcAft>
+              <a:buNone/>
+            </a:pPr>
+            <a:endParaRPr sz="2000" dirty="0">
+              <a:solidFill>
+                <a:schemeClr val="accent1"/>
+              </a:solidFill>
+              <a:latin typeface="Lato"/>
+              <a:ea typeface="Lato"/>
+              <a:cs typeface="Lato"/>
+              <a:sym typeface="Lato"/>
+            </a:endParaRPr>
+          </a:p>
+        </p:txBody>
+      </p:sp>
+      <p:sp>
+        <p:nvSpPr>
+          <p:cNvPr id="236" name="Google Shape;236;p34"/>
+          <p:cNvSpPr txBox="1"/>
+          <p:nvPr/>
+        </p:nvSpPr>
+        <p:spPr>
+          <a:xfrm>
+            <a:off x="207500" y="2854050"/>
+            <a:ext cx="1452900" cy="3000000"/>
+          </a:xfrm>
+          <a:prstGeom prst="rect">
+            <a:avLst/>
+          </a:prstGeom>
+          <a:noFill/>
+          <a:ln>
+            <a:noFill/>
+          </a:ln>
+        </p:spPr>
+        <p:txBody>
+          <a:bodyPr spcFirstLastPara="1" wrap="square" lIns="91425" tIns="91425" rIns="91425" bIns="91425" anchor="t" anchorCtr="0">
+            <a:noAutofit/>
+          </a:bodyPr>
+          <a:lstStyle/>
+          <a:p>
+            <a:pPr marL="0" lvl="0" indent="0" algn="l" rtl="0">
+              <a:lnSpc>
+                <a:spcPct val="115000"/>
+              </a:lnSpc>
+              <a:spcBef>
+                <a:spcPts val="0"/>
+              </a:spcBef>
+              <a:spcAft>
+                <a:spcPts val="0"/>
+              </a:spcAft>
+              <a:buNone/>
+            </a:pPr>
+            <a:r>
+              <a:rPr lang="en-US" sz="1500" b="1" dirty="0">
+                <a:solidFill>
+                  <a:srgbClr val="6AA84F"/>
+                </a:solidFill>
+                <a:latin typeface="Lato"/>
+                <a:ea typeface="Lato"/>
+                <a:cs typeface="Lato"/>
+                <a:sym typeface="Lato"/>
+              </a:rPr>
+              <a:t>Table &amp; Field Names</a:t>
+            </a:r>
+            <a:endParaRPr sz="1500" b="1" dirty="0">
+              <a:solidFill>
+                <a:srgbClr val="6AA84F"/>
+              </a:solidFill>
+              <a:latin typeface="Lato"/>
+              <a:ea typeface="Lato"/>
+              <a:cs typeface="Lato"/>
+              <a:sym typeface="Lato"/>
+            </a:endParaRPr>
+          </a:p>
+          <a:p>
+            <a:pPr marL="0" lvl="0" indent="0" algn="l" rtl="0">
+              <a:lnSpc>
+                <a:spcPct val="115000"/>
+              </a:lnSpc>
+              <a:spcBef>
+                <a:spcPts val="0"/>
+              </a:spcBef>
+              <a:spcAft>
+                <a:spcPts val="0"/>
+              </a:spcAft>
+              <a:buNone/>
+            </a:pPr>
+            <a:endParaRPr sz="1500" b="1" dirty="0">
+              <a:solidFill>
+                <a:srgbClr val="6AA84F"/>
+              </a:solidFill>
+              <a:latin typeface="Lato"/>
+              <a:ea typeface="Lato"/>
+              <a:cs typeface="Lato"/>
+              <a:sym typeface="Lato"/>
+            </a:endParaRPr>
+          </a:p>
+          <a:p>
+            <a:pPr marL="0" lvl="0" indent="0" algn="l" rtl="0">
+              <a:lnSpc>
+                <a:spcPct val="115000"/>
+              </a:lnSpc>
+              <a:spcBef>
+                <a:spcPts val="0"/>
+              </a:spcBef>
+              <a:spcAft>
+                <a:spcPts val="0"/>
+              </a:spcAft>
+              <a:buNone/>
+            </a:pPr>
+            <a:endParaRPr sz="1500" b="1" dirty="0">
+              <a:solidFill>
+                <a:srgbClr val="6AA84F"/>
+              </a:solidFill>
+              <a:latin typeface="Lato"/>
+              <a:ea typeface="Lato"/>
+              <a:cs typeface="Lato"/>
+              <a:sym typeface="Lato"/>
+            </a:endParaRPr>
+          </a:p>
+          <a:p>
+            <a:pPr marL="0" lvl="0" indent="0" algn="l" rtl="0">
+              <a:lnSpc>
+                <a:spcPct val="115000"/>
+              </a:lnSpc>
+              <a:spcBef>
+                <a:spcPts val="0"/>
+              </a:spcBef>
+              <a:spcAft>
+                <a:spcPts val="0"/>
+              </a:spcAft>
+              <a:buNone/>
+            </a:pPr>
+            <a:r>
+              <a:rPr lang="en-US" sz="1500" b="1" dirty="0">
+                <a:solidFill>
+                  <a:srgbClr val="3D85C6"/>
+                </a:solidFill>
+                <a:latin typeface="Lato"/>
+                <a:ea typeface="Lato"/>
+                <a:cs typeface="Lato"/>
+                <a:sym typeface="Lato"/>
+              </a:rPr>
+              <a:t>Constraints</a:t>
+            </a:r>
+            <a:endParaRPr sz="1500" b="1" dirty="0">
+              <a:solidFill>
+                <a:srgbClr val="3D85C6"/>
+              </a:solidFill>
+              <a:latin typeface="Lato"/>
+              <a:ea typeface="Lato"/>
+              <a:cs typeface="Lato"/>
+              <a:sym typeface="Lato"/>
+            </a:endParaRPr>
+          </a:p>
+          <a:p>
+            <a:pPr marL="0" lvl="0" indent="0" algn="l" rtl="0">
+              <a:lnSpc>
+                <a:spcPct val="115000"/>
+              </a:lnSpc>
+              <a:spcBef>
+                <a:spcPts val="0"/>
+              </a:spcBef>
+              <a:spcAft>
+                <a:spcPts val="0"/>
+              </a:spcAft>
+              <a:buNone/>
+            </a:pPr>
+            <a:endParaRPr sz="1500" b="1" dirty="0">
+              <a:solidFill>
+                <a:srgbClr val="3D85C6"/>
+              </a:solidFill>
+              <a:latin typeface="Lato"/>
+              <a:ea typeface="Lato"/>
+              <a:cs typeface="Lato"/>
+              <a:sym typeface="Lato"/>
+            </a:endParaRPr>
+          </a:p>
+          <a:p>
+            <a:pPr marL="0" lvl="0" indent="0" algn="l" rtl="0">
+              <a:lnSpc>
+                <a:spcPct val="115000"/>
+              </a:lnSpc>
+              <a:spcBef>
+                <a:spcPts val="0"/>
+              </a:spcBef>
+              <a:spcAft>
+                <a:spcPts val="0"/>
+              </a:spcAft>
+              <a:buNone/>
+            </a:pPr>
+            <a:endParaRPr sz="1500" b="1" dirty="0">
+              <a:solidFill>
+                <a:srgbClr val="3D85C6"/>
+              </a:solidFill>
+              <a:latin typeface="Lato"/>
+              <a:ea typeface="Lato"/>
+              <a:cs typeface="Lato"/>
+              <a:sym typeface="Lato"/>
+            </a:endParaRPr>
+          </a:p>
+          <a:p>
+            <a:pPr marL="0" lvl="0" indent="0" algn="l" rtl="0">
+              <a:lnSpc>
+                <a:spcPct val="115000"/>
+              </a:lnSpc>
+              <a:spcBef>
+                <a:spcPts val="0"/>
+              </a:spcBef>
+              <a:spcAft>
+                <a:spcPts val="0"/>
+              </a:spcAft>
+              <a:buNone/>
+            </a:pPr>
+            <a:r>
+              <a:rPr lang="en-US" sz="1500" b="1" dirty="0">
+                <a:solidFill>
+                  <a:srgbClr val="FF9900"/>
+                </a:solidFill>
+                <a:latin typeface="Lato"/>
+                <a:ea typeface="Lato"/>
+                <a:cs typeface="Lato"/>
+                <a:sym typeface="Lato"/>
+              </a:rPr>
+              <a:t>Table Keys - Primary &amp; Foreign</a:t>
+            </a:r>
+            <a:endParaRPr sz="1500" b="1" dirty="0">
+              <a:solidFill>
+                <a:srgbClr val="FF9900"/>
+              </a:solidFill>
+              <a:latin typeface="Lato"/>
+              <a:ea typeface="Lato"/>
+              <a:cs typeface="Lato"/>
+              <a:sym typeface="Lato"/>
+            </a:endParaRPr>
+          </a:p>
+          <a:p>
+            <a:pPr marL="0" lvl="0" indent="0" algn="l" rtl="0">
+              <a:lnSpc>
+                <a:spcPct val="115000"/>
+              </a:lnSpc>
+              <a:spcBef>
+                <a:spcPts val="0"/>
+              </a:spcBef>
+              <a:spcAft>
+                <a:spcPts val="0"/>
+              </a:spcAft>
+              <a:buNone/>
+            </a:pPr>
+            <a:endParaRPr b="1" dirty="0">
+              <a:solidFill>
+                <a:srgbClr val="6AA84F"/>
+              </a:solidFill>
+              <a:latin typeface="Lato"/>
+              <a:ea typeface="Lato"/>
+              <a:cs typeface="Lato"/>
+              <a:sym typeface="Lato"/>
+            </a:endParaRPr>
+          </a:p>
+          <a:p>
+            <a:pPr marL="0" lvl="0" indent="0" algn="l" rtl="0">
+              <a:lnSpc>
+                <a:spcPct val="115000"/>
+              </a:lnSpc>
+              <a:spcBef>
+                <a:spcPts val="0"/>
+              </a:spcBef>
+              <a:spcAft>
+                <a:spcPts val="0"/>
+              </a:spcAft>
+              <a:buNone/>
+            </a:pPr>
+            <a:endParaRPr b="1" dirty="0">
+              <a:solidFill>
+                <a:srgbClr val="6AA84F"/>
+              </a:solidFill>
+              <a:latin typeface="Lato"/>
+              <a:ea typeface="Lato"/>
+              <a:cs typeface="Lato"/>
+              <a:sym typeface="Lato"/>
+            </a:endParaRPr>
+          </a:p>
+          <a:p>
+            <a:pPr marL="0" lvl="0" indent="0" algn="l" rtl="0">
+              <a:lnSpc>
+                <a:spcPct val="115000"/>
+              </a:lnSpc>
+              <a:spcBef>
+                <a:spcPts val="0"/>
+              </a:spcBef>
+              <a:spcAft>
+                <a:spcPts val="0"/>
+              </a:spcAft>
+              <a:buNone/>
+            </a:pPr>
+            <a:endParaRPr b="1" dirty="0">
+              <a:solidFill>
+                <a:srgbClr val="6AA84F"/>
+              </a:solidFill>
+              <a:latin typeface="Lato"/>
+              <a:ea typeface="Lato"/>
+              <a:cs typeface="Lato"/>
+              <a:sym typeface="Lato"/>
+            </a:endParaRPr>
+          </a:p>
+        </p:txBody>
+      </p:sp>
+      <p:pic>
+        <p:nvPicPr>
+          <p:cNvPr id="3" name="Picture 2">
+            <a:extLst>
+              <a:ext uri="{FF2B5EF4-FFF2-40B4-BE49-F238E27FC236}">
+                <a16:creationId xmlns:a16="http://schemas.microsoft.com/office/drawing/2014/main" id="{CE39D413-AAD9-45B0-98FA-EA2A572679F6}"/>
+              </a:ext>
+            </a:extLst>
+          </p:cNvPr>
+          <p:cNvPicPr>
+            <a:picLocks noChangeAspect="1"/>
+          </p:cNvPicPr>
+          <p:nvPr/>
+        </p:nvPicPr>
+        <p:blipFill>
+          <a:blip r:embed="rId3"/>
+          <a:stretch>
+            <a:fillRect/>
+          </a:stretch>
+        </p:blipFill>
+        <p:spPr>
+          <a:xfrm>
+            <a:off x="7468186" y="2349436"/>
+            <a:ext cx="2774852" cy="3629464"/>
+          </a:xfrm>
+          <a:prstGeom prst="rect">
+            <a:avLst/>
+          </a:prstGeom>
+        </p:spPr>
+      </p:pic>
+    </p:spTree>
+  </p:cSld>
+  <p:clrMapOvr>
+    <a:masterClrMapping/>
+  </p:clrMapOvr>
+</p:sld>
+</file>
+
+<file path=ppt/slides/slide7.xml><?xml version="1.0" encoding="utf-8"?>
+<p:sld xmlns:a="http://schemas.openxmlformats.org/drawingml/2006/main" xmlns:r="http://schemas.openxmlformats.org/officeDocument/2006/relationships" xmlns:p="http://schemas.openxmlformats.org/presentationml/2006/main">
+  <p:cSld>
+    <p:spTree>
+      <p:nvGrpSpPr>
         <p:cNvPr id="1" name="Shape 234"/>
         <p:cNvGrpSpPr/>
         <p:nvPr/>
@@ -19045,1290 +20524,12 @@
           </a:p>
         </p:txBody>
       </p:sp>
-    </p:spTree>
-  </p:cSld>
-  <p:clrMapOvr>
-    <a:masterClrMapping/>
-  </p:clrMapOvr>
-</p:sld>
-</file>
-
-<file path=ppt/slides/slide7.xml><?xml version="1.0" encoding="utf-8"?>
-<p:sld xmlns:a="http://schemas.openxmlformats.org/drawingml/2006/main" xmlns:r="http://schemas.openxmlformats.org/officeDocument/2006/relationships" xmlns:p="http://schemas.openxmlformats.org/presentationml/2006/main">
-  <p:cSld>
-    <p:spTree>
-      <p:nvGrpSpPr>
-        <p:cNvPr id="1" name="Shape 233"/>
-        <p:cNvGrpSpPr/>
-        <p:nvPr/>
-      </p:nvGrpSpPr>
-      <p:grpSpPr>
-        <a:xfrm>
-          <a:off x="0" y="0"/>
-          <a:ext cx="0" cy="0"/>
-          <a:chOff x="0" y="0"/>
-          <a:chExt cx="0" cy="0"/>
-        </a:xfrm>
-      </p:grpSpPr>
       <p:sp>
         <p:nvSpPr>
-          <p:cNvPr id="234" name="Google Shape;234;p34"/>
-          <p:cNvSpPr txBox="1">
-            <a:spLocks noGrp="1"/>
-          </p:cNvSpPr>
-          <p:nvPr>
-            <p:ph type="ctrTitle"/>
-          </p:nvPr>
-        </p:nvSpPr>
-        <p:spPr>
-          <a:xfrm>
-            <a:off x="913795" y="609600"/>
-            <a:ext cx="10353900" cy="970500"/>
-          </a:xfrm>
-          <a:prstGeom prst="rect">
-            <a:avLst/>
-          </a:prstGeom>
-          <a:noFill/>
-          <a:ln>
-            <a:noFill/>
-          </a:ln>
-          <a:effectLst>
-            <a:outerShdw blurRad="25400">
-              <a:srgbClr val="000000">
-                <a:alpha val="45880"/>
-              </a:srgbClr>
-            </a:outerShdw>
-          </a:effectLst>
-        </p:spPr>
-        <p:txBody>
-          <a:bodyPr spcFirstLastPara="1" wrap="square" lIns="91425" tIns="45700" rIns="91425" bIns="45700" anchor="ctr" anchorCtr="0">
-            <a:noAutofit/>
-          </a:bodyPr>
-          <a:lstStyle/>
-          <a:p>
-            <a:pPr marL="0" lvl="0" indent="0" algn="l" rtl="0">
-              <a:spcBef>
-                <a:spcPts val="0"/>
-              </a:spcBef>
-              <a:spcAft>
-                <a:spcPts val="0"/>
-              </a:spcAft>
-              <a:buClr>
-                <a:schemeClr val="lt2"/>
-              </a:buClr>
-              <a:buSzPts val="4000"/>
-              <a:buFont typeface="Lustria"/>
-              <a:buNone/>
-            </a:pPr>
-            <a:r>
-              <a:rPr lang="en-US" sz="3600" dirty="0"/>
-              <a:t>Creating Tables</a:t>
-            </a:r>
-            <a:endParaRPr sz="3600" dirty="0"/>
-          </a:p>
-        </p:txBody>
-      </p:sp>
-      <p:sp>
-        <p:nvSpPr>
-          <p:cNvPr id="235" name="Google Shape;235;p34"/>
-          <p:cNvSpPr txBox="1"/>
-          <p:nvPr/>
-        </p:nvSpPr>
-        <p:spPr>
-          <a:xfrm>
-            <a:off x="1045875" y="1688574"/>
-            <a:ext cx="10178400" cy="4559825"/>
-          </a:xfrm>
-          <a:prstGeom prst="rect">
-            <a:avLst/>
-          </a:prstGeom>
-          <a:noFill/>
-          <a:ln>
-            <a:noFill/>
-          </a:ln>
-        </p:spPr>
-        <p:txBody>
-          <a:bodyPr spcFirstLastPara="1" wrap="square" lIns="91425" tIns="91425" rIns="91425" bIns="91425" anchor="t" anchorCtr="0">
-            <a:noAutofit/>
-          </a:bodyPr>
-          <a:lstStyle/>
-          <a:p>
-            <a:pPr marL="0" lvl="0" indent="0" algn="l" rtl="0">
-              <a:lnSpc>
-                <a:spcPct val="115000"/>
-              </a:lnSpc>
-              <a:spcBef>
-                <a:spcPts val="0"/>
-              </a:spcBef>
-              <a:spcAft>
-                <a:spcPts val="0"/>
-              </a:spcAft>
-              <a:buNone/>
-            </a:pPr>
-            <a:r>
-              <a:rPr lang="en-US" sz="2000" dirty="0">
-                <a:solidFill>
-                  <a:schemeClr val="accent1"/>
-                </a:solidFill>
-                <a:latin typeface="Lato"/>
-                <a:ea typeface="Lato"/>
-                <a:cs typeface="Lato"/>
-                <a:sym typeface="Lato"/>
-              </a:rPr>
-              <a:t>Purpose -  Creating a tabular structure for persistent Data Storage &amp; Retrieval.</a:t>
-            </a:r>
-            <a:endParaRPr sz="2000" dirty="0">
-              <a:solidFill>
-                <a:schemeClr val="accent1"/>
-              </a:solidFill>
-              <a:latin typeface="Lato"/>
-              <a:ea typeface="Lato"/>
-              <a:cs typeface="Lato"/>
-              <a:sym typeface="Lato"/>
-            </a:endParaRPr>
-          </a:p>
-          <a:p>
-            <a:pPr marL="457200" lvl="0" indent="0" algn="l" rtl="0">
-              <a:lnSpc>
-                <a:spcPct val="115000"/>
-              </a:lnSpc>
-              <a:spcBef>
-                <a:spcPts val="0"/>
-              </a:spcBef>
-              <a:spcAft>
-                <a:spcPts val="0"/>
-              </a:spcAft>
-              <a:buNone/>
-            </a:pPr>
-            <a:r>
-              <a:rPr lang="en-US" b="1" dirty="0">
-                <a:latin typeface="Lato"/>
-                <a:ea typeface="Lato"/>
-                <a:cs typeface="Lato"/>
-                <a:sym typeface="Lato"/>
-              </a:rPr>
-              <a:t>use </a:t>
-            </a:r>
-            <a:r>
-              <a:rPr lang="en-US" b="1" dirty="0" err="1">
-                <a:latin typeface="Lato"/>
-                <a:ea typeface="Lato"/>
-                <a:cs typeface="Lato"/>
-                <a:sym typeface="Lato"/>
-              </a:rPr>
-              <a:t>classicmodels</a:t>
-            </a:r>
-            <a:r>
-              <a:rPr lang="en-US" b="1" dirty="0">
-                <a:latin typeface="Lato"/>
-                <a:ea typeface="Lato"/>
-                <a:cs typeface="Lato"/>
-                <a:sym typeface="Lato"/>
-              </a:rPr>
-              <a:t>;</a:t>
-            </a:r>
-            <a:endParaRPr b="1" dirty="0">
-              <a:latin typeface="Lato"/>
-              <a:ea typeface="Lato"/>
-              <a:cs typeface="Lato"/>
-              <a:sym typeface="Lato"/>
-            </a:endParaRPr>
-          </a:p>
-          <a:p>
-            <a:pPr marL="457200" lvl="0">
-              <a:lnSpc>
-                <a:spcPct val="115000"/>
-              </a:lnSpc>
-            </a:pPr>
-            <a:r>
-              <a:rPr lang="en-US" b="1" dirty="0">
-                <a:solidFill>
-                  <a:srgbClr val="6AA84F"/>
-                </a:solidFill>
-                <a:latin typeface="Lato"/>
-                <a:ea typeface="Lato"/>
-                <a:cs typeface="Lato"/>
-                <a:sym typeface="Lato"/>
-              </a:rPr>
-              <a:t>CREATE TABLE </a:t>
-            </a:r>
-            <a:r>
-              <a:rPr lang="en-US" b="1" dirty="0" err="1">
-                <a:solidFill>
-                  <a:srgbClr val="6AA84F"/>
-                </a:solidFill>
-                <a:latin typeface="Lato"/>
-                <a:ea typeface="Lato"/>
-                <a:cs typeface="Lato"/>
-                <a:sym typeface="Lato"/>
-              </a:rPr>
-              <a:t>classicmodels.customers</a:t>
-            </a:r>
-            <a:r>
-              <a:rPr lang="en-US" b="1" dirty="0">
-                <a:solidFill>
-                  <a:srgbClr val="6AA84F"/>
-                </a:solidFill>
-                <a:latin typeface="Lato"/>
-                <a:ea typeface="Lato"/>
-                <a:cs typeface="Lato"/>
-                <a:sym typeface="Lato"/>
-              </a:rPr>
-              <a:t> (</a:t>
-            </a:r>
-            <a:br>
-              <a:rPr lang="en-US" b="1" dirty="0">
-                <a:solidFill>
-                  <a:srgbClr val="6AA84F"/>
-                </a:solidFill>
-                <a:latin typeface="Lato"/>
-                <a:ea typeface="Lato"/>
-                <a:cs typeface="Lato"/>
-                <a:sym typeface="Lato"/>
-              </a:rPr>
-            </a:br>
-            <a:r>
-              <a:rPr lang="en-US" b="1" dirty="0">
-                <a:solidFill>
-                  <a:srgbClr val="6AA84F"/>
-                </a:solidFill>
-                <a:latin typeface="Lato"/>
-                <a:ea typeface="Lato"/>
-                <a:cs typeface="Lato"/>
-                <a:sym typeface="Lato"/>
-              </a:rPr>
-              <a:t>  </a:t>
-            </a:r>
-            <a:r>
-              <a:rPr lang="en-US" b="1" dirty="0" err="1">
-                <a:solidFill>
-                  <a:srgbClr val="6AA84F"/>
-                </a:solidFill>
-                <a:latin typeface="Lato"/>
-                <a:ea typeface="Lato"/>
-                <a:cs typeface="Lato"/>
-                <a:sym typeface="Lato"/>
-              </a:rPr>
-              <a:t>customer_number</a:t>
-            </a:r>
-            <a:r>
-              <a:rPr lang="en-US" b="1" dirty="0">
-                <a:solidFill>
-                  <a:srgbClr val="6AA84F"/>
-                </a:solidFill>
-                <a:latin typeface="Lato"/>
-                <a:ea typeface="Lato"/>
-                <a:cs typeface="Lato"/>
-                <a:sym typeface="Lato"/>
-              </a:rPr>
-              <a:t> INT </a:t>
-            </a:r>
-            <a:r>
-              <a:rPr lang="en-US" b="1" dirty="0">
-                <a:solidFill>
-                  <a:srgbClr val="3D85C6"/>
-                </a:solidFill>
-                <a:latin typeface="Lato"/>
-                <a:ea typeface="Lato"/>
-                <a:cs typeface="Lato"/>
-                <a:sym typeface="Lato"/>
-              </a:rPr>
-              <a:t>NOT NULL,</a:t>
-            </a:r>
-            <a:br>
-              <a:rPr lang="en-US" b="1" dirty="0">
-                <a:solidFill>
-                  <a:srgbClr val="6AA84F"/>
-                </a:solidFill>
-                <a:latin typeface="Lato"/>
-                <a:ea typeface="Lato"/>
-                <a:cs typeface="Lato"/>
-                <a:sym typeface="Lato"/>
-              </a:rPr>
-            </a:br>
-            <a:r>
-              <a:rPr lang="en-US" b="1" dirty="0">
-                <a:solidFill>
-                  <a:srgbClr val="6AA84F"/>
-                </a:solidFill>
-                <a:latin typeface="Lato"/>
-                <a:ea typeface="Lato"/>
-                <a:cs typeface="Lato"/>
-                <a:sym typeface="Lato"/>
-              </a:rPr>
-              <a:t>  </a:t>
-            </a:r>
-            <a:r>
-              <a:rPr lang="en-US" b="1" dirty="0" err="1">
-                <a:solidFill>
-                  <a:srgbClr val="6AA84F"/>
-                </a:solidFill>
-                <a:latin typeface="Lato"/>
-                <a:ea typeface="Lato"/>
-                <a:cs typeface="Lato"/>
-                <a:sym typeface="Lato"/>
-              </a:rPr>
-              <a:t>customer_name</a:t>
-            </a:r>
-            <a:r>
-              <a:rPr lang="en-US" b="1" dirty="0">
-                <a:solidFill>
-                  <a:srgbClr val="6AA84F"/>
-                </a:solidFill>
-                <a:latin typeface="Lato"/>
-                <a:ea typeface="Lato"/>
-                <a:cs typeface="Lato"/>
-                <a:sym typeface="Lato"/>
-              </a:rPr>
-              <a:t> VARCHAR(50) </a:t>
-            </a:r>
-            <a:r>
-              <a:rPr lang="en-US" b="1" dirty="0">
-                <a:solidFill>
-                  <a:srgbClr val="3D85C6"/>
-                </a:solidFill>
-                <a:latin typeface="Lato"/>
-                <a:ea typeface="Lato"/>
-                <a:cs typeface="Lato"/>
-                <a:sym typeface="Lato"/>
-              </a:rPr>
-              <a:t>NOT NULL,</a:t>
-            </a:r>
-            <a:br>
-              <a:rPr lang="en-US" b="1" dirty="0">
-                <a:solidFill>
-                  <a:srgbClr val="3D85C6"/>
-                </a:solidFill>
-                <a:latin typeface="Lato"/>
-                <a:ea typeface="Lato"/>
-                <a:cs typeface="Lato"/>
-                <a:sym typeface="Lato"/>
-              </a:rPr>
-            </a:br>
-            <a:r>
-              <a:rPr lang="en-US" b="1" dirty="0">
-                <a:solidFill>
-                  <a:srgbClr val="6AA84F"/>
-                </a:solidFill>
-                <a:latin typeface="Lato"/>
-                <a:ea typeface="Lato"/>
-                <a:cs typeface="Lato"/>
-                <a:sym typeface="Lato"/>
-              </a:rPr>
-              <a:t>  </a:t>
-            </a:r>
-            <a:r>
-              <a:rPr lang="en-US" b="1" dirty="0" err="1">
-                <a:solidFill>
-                  <a:srgbClr val="6AA84F"/>
-                </a:solidFill>
-                <a:latin typeface="Lato"/>
-                <a:ea typeface="Lato"/>
-                <a:cs typeface="Lato"/>
-                <a:sym typeface="Lato"/>
-              </a:rPr>
-              <a:t>contact_lastname</a:t>
-            </a:r>
-            <a:r>
-              <a:rPr lang="en-US" b="1" dirty="0">
-                <a:solidFill>
-                  <a:srgbClr val="6AA84F"/>
-                </a:solidFill>
-                <a:latin typeface="Lato"/>
-                <a:ea typeface="Lato"/>
-                <a:cs typeface="Lato"/>
-                <a:sym typeface="Lato"/>
-              </a:rPr>
-              <a:t> VARCHAR(50) </a:t>
-            </a:r>
-            <a:r>
-              <a:rPr lang="en-US" b="1" dirty="0">
-                <a:solidFill>
-                  <a:srgbClr val="3D85C6"/>
-                </a:solidFill>
-                <a:latin typeface="Lato"/>
-                <a:ea typeface="Lato"/>
-                <a:cs typeface="Lato"/>
-                <a:sym typeface="Lato"/>
-              </a:rPr>
-              <a:t>NOT NULL,</a:t>
-            </a:r>
-            <a:br>
-              <a:rPr lang="en-US" b="1" dirty="0">
-                <a:solidFill>
-                  <a:srgbClr val="3D85C6"/>
-                </a:solidFill>
-                <a:latin typeface="Lato"/>
-                <a:ea typeface="Lato"/>
-                <a:cs typeface="Lato"/>
-                <a:sym typeface="Lato"/>
-              </a:rPr>
-            </a:br>
-            <a:r>
-              <a:rPr lang="en-US" b="1" dirty="0">
-                <a:solidFill>
-                  <a:srgbClr val="6AA84F"/>
-                </a:solidFill>
-                <a:latin typeface="Lato"/>
-                <a:ea typeface="Lato"/>
-                <a:cs typeface="Lato"/>
-                <a:sym typeface="Lato"/>
-              </a:rPr>
-              <a:t>  </a:t>
-            </a:r>
-            <a:r>
-              <a:rPr lang="en-US" b="1" dirty="0" err="1">
-                <a:solidFill>
-                  <a:srgbClr val="6AA84F"/>
-                </a:solidFill>
-                <a:latin typeface="Lato"/>
-                <a:ea typeface="Lato"/>
-                <a:cs typeface="Lato"/>
-                <a:sym typeface="Lato"/>
-              </a:rPr>
-              <a:t>contact_firstname</a:t>
-            </a:r>
-            <a:r>
-              <a:rPr lang="en-US" b="1" dirty="0">
-                <a:solidFill>
-                  <a:srgbClr val="6AA84F"/>
-                </a:solidFill>
-                <a:latin typeface="Lato"/>
-                <a:ea typeface="Lato"/>
-                <a:cs typeface="Lato"/>
-                <a:sym typeface="Lato"/>
-              </a:rPr>
-              <a:t> VARCHAR(50) </a:t>
-            </a:r>
-            <a:r>
-              <a:rPr lang="en-US" b="1" dirty="0">
-                <a:solidFill>
-                  <a:srgbClr val="3C78D8"/>
-                </a:solidFill>
-                <a:latin typeface="Lato"/>
-                <a:ea typeface="Lato"/>
-                <a:cs typeface="Lato"/>
-                <a:sym typeface="Lato"/>
-              </a:rPr>
-              <a:t>NOT NULL,</a:t>
-            </a:r>
-            <a:br>
-              <a:rPr lang="en-US" b="1" dirty="0">
-                <a:solidFill>
-                  <a:srgbClr val="3C78D8"/>
-                </a:solidFill>
-                <a:latin typeface="Lato"/>
-                <a:ea typeface="Lato"/>
-                <a:cs typeface="Lato"/>
-                <a:sym typeface="Lato"/>
-              </a:rPr>
-            </a:br>
-            <a:r>
-              <a:rPr lang="en-US" b="1" dirty="0">
-                <a:solidFill>
-                  <a:srgbClr val="6AA84F"/>
-                </a:solidFill>
-                <a:latin typeface="Lato"/>
-                <a:ea typeface="Lato"/>
-                <a:cs typeface="Lato"/>
-                <a:sym typeface="Lato"/>
-              </a:rPr>
-              <a:t>  phone VARCHAR(50) </a:t>
-            </a:r>
-            <a:r>
-              <a:rPr lang="en-US" b="1" dirty="0">
-                <a:solidFill>
-                  <a:srgbClr val="3C78D8"/>
-                </a:solidFill>
-                <a:latin typeface="Lato"/>
-                <a:ea typeface="Lato"/>
-                <a:cs typeface="Lato"/>
-                <a:sym typeface="Lato"/>
-              </a:rPr>
-              <a:t>NOT NULL,</a:t>
-            </a:r>
-            <a:br>
-              <a:rPr lang="en-US" b="1" dirty="0">
-                <a:solidFill>
-                  <a:srgbClr val="3C78D8"/>
-                </a:solidFill>
-                <a:latin typeface="Lato"/>
-                <a:ea typeface="Lato"/>
-                <a:cs typeface="Lato"/>
-                <a:sym typeface="Lato"/>
-              </a:rPr>
-            </a:br>
-            <a:r>
-              <a:rPr lang="en-US" b="1" dirty="0">
-                <a:solidFill>
-                  <a:srgbClr val="6AA84F"/>
-                </a:solidFill>
-                <a:latin typeface="Lato"/>
-                <a:ea typeface="Lato"/>
-                <a:cs typeface="Lato"/>
-                <a:sym typeface="Lato"/>
-              </a:rPr>
-              <a:t>  addressline1 VARCHAR(50) </a:t>
-            </a:r>
-            <a:r>
-              <a:rPr lang="en-US" b="1" dirty="0">
-                <a:solidFill>
-                  <a:srgbClr val="3C78D8"/>
-                </a:solidFill>
-                <a:latin typeface="Lato"/>
-                <a:ea typeface="Lato"/>
-                <a:cs typeface="Lato"/>
-                <a:sym typeface="Lato"/>
-              </a:rPr>
-              <a:t>NOT NULL,</a:t>
-            </a:r>
-            <a:br>
-              <a:rPr lang="en-US" b="1" dirty="0">
-                <a:solidFill>
-                  <a:srgbClr val="3C78D8"/>
-                </a:solidFill>
-                <a:latin typeface="Lato"/>
-                <a:ea typeface="Lato"/>
-                <a:cs typeface="Lato"/>
-                <a:sym typeface="Lato"/>
-              </a:rPr>
-            </a:br>
-            <a:r>
-              <a:rPr lang="en-US" b="1" dirty="0">
-                <a:solidFill>
-                  <a:srgbClr val="6AA84F"/>
-                </a:solidFill>
-                <a:latin typeface="Lato"/>
-                <a:ea typeface="Lato"/>
-                <a:cs typeface="Lato"/>
-                <a:sym typeface="Lato"/>
-              </a:rPr>
-              <a:t>  addressline2 VARCHAR(50) </a:t>
-            </a:r>
-            <a:r>
-              <a:rPr lang="en-US" b="1" dirty="0">
-                <a:solidFill>
-                  <a:srgbClr val="3D85C6"/>
-                </a:solidFill>
-                <a:latin typeface="Lato"/>
-                <a:ea typeface="Lato"/>
-                <a:cs typeface="Lato"/>
-                <a:sym typeface="Lato"/>
-              </a:rPr>
-              <a:t>DEFAULT NULL,</a:t>
-            </a:r>
-            <a:br>
-              <a:rPr lang="en-US" b="1" dirty="0">
-                <a:solidFill>
-                  <a:srgbClr val="6AA84F"/>
-                </a:solidFill>
-                <a:latin typeface="Lato"/>
-                <a:ea typeface="Lato"/>
-                <a:cs typeface="Lato"/>
-                <a:sym typeface="Lato"/>
-              </a:rPr>
-            </a:br>
-            <a:r>
-              <a:rPr lang="en-US" b="1" dirty="0">
-                <a:solidFill>
-                  <a:srgbClr val="6AA84F"/>
-                </a:solidFill>
-                <a:latin typeface="Lato"/>
-                <a:ea typeface="Lato"/>
-                <a:cs typeface="Lato"/>
-                <a:sym typeface="Lato"/>
-              </a:rPr>
-              <a:t>  city VARCHAR(50) </a:t>
-            </a:r>
-            <a:r>
-              <a:rPr lang="en-US" b="1" dirty="0">
-                <a:solidFill>
-                  <a:srgbClr val="3C78D8"/>
-                </a:solidFill>
-                <a:latin typeface="Lato"/>
-                <a:ea typeface="Lato"/>
-                <a:cs typeface="Lato"/>
-                <a:sym typeface="Lato"/>
-              </a:rPr>
-              <a:t>NOT NULL,</a:t>
-            </a:r>
-            <a:br>
-              <a:rPr lang="en-US" b="1" dirty="0">
-                <a:solidFill>
-                  <a:srgbClr val="3C78D8"/>
-                </a:solidFill>
-                <a:latin typeface="Lato"/>
-                <a:ea typeface="Lato"/>
-                <a:cs typeface="Lato"/>
-                <a:sym typeface="Lato"/>
-              </a:rPr>
-            </a:br>
-            <a:r>
-              <a:rPr lang="en-US" b="1" dirty="0">
-                <a:solidFill>
-                  <a:srgbClr val="6AA84F"/>
-                </a:solidFill>
-                <a:latin typeface="Lato"/>
-                <a:ea typeface="Lato"/>
-                <a:cs typeface="Lato"/>
-                <a:sym typeface="Lato"/>
-              </a:rPr>
-              <a:t>  state CHAR(2) </a:t>
-            </a:r>
-            <a:r>
-              <a:rPr lang="en-US" b="1" dirty="0">
-                <a:solidFill>
-                  <a:srgbClr val="3D85C6"/>
-                </a:solidFill>
-                <a:latin typeface="Lato"/>
-                <a:ea typeface="Lato"/>
-                <a:cs typeface="Lato"/>
-                <a:sym typeface="Lato"/>
-              </a:rPr>
-              <a:t>DEFAULT ‘NE’,</a:t>
-            </a:r>
-            <a:br>
-              <a:rPr lang="en-US" b="1" dirty="0">
-                <a:solidFill>
-                  <a:srgbClr val="6AA84F"/>
-                </a:solidFill>
-                <a:latin typeface="Lato"/>
-                <a:ea typeface="Lato"/>
-                <a:cs typeface="Lato"/>
-                <a:sym typeface="Lato"/>
-              </a:rPr>
-            </a:br>
-            <a:r>
-              <a:rPr lang="en-US" b="1" dirty="0">
-                <a:solidFill>
-                  <a:srgbClr val="6AA84F"/>
-                </a:solidFill>
-                <a:latin typeface="Lato"/>
-                <a:ea typeface="Lato"/>
-                <a:cs typeface="Lato"/>
-                <a:sym typeface="Lato"/>
-              </a:rPr>
-              <a:t>  </a:t>
-            </a:r>
-            <a:r>
-              <a:rPr lang="en-US" b="1" dirty="0" err="1">
-                <a:solidFill>
-                  <a:srgbClr val="6AA84F"/>
-                </a:solidFill>
-                <a:latin typeface="Lato"/>
-                <a:ea typeface="Lato"/>
-                <a:cs typeface="Lato"/>
-                <a:sym typeface="Lato"/>
-              </a:rPr>
-              <a:t>postalcode</a:t>
-            </a:r>
-            <a:r>
-              <a:rPr lang="en-US" b="1" dirty="0">
-                <a:solidFill>
-                  <a:srgbClr val="6AA84F"/>
-                </a:solidFill>
-                <a:latin typeface="Lato"/>
-                <a:ea typeface="Lato"/>
-                <a:cs typeface="Lato"/>
-                <a:sym typeface="Lato"/>
-              </a:rPr>
-              <a:t> VARCHAR(15) </a:t>
-            </a:r>
-            <a:r>
-              <a:rPr lang="en-US" b="1" dirty="0">
-                <a:solidFill>
-                  <a:srgbClr val="3D85C6"/>
-                </a:solidFill>
-                <a:latin typeface="Lato"/>
-                <a:ea typeface="Lato"/>
-                <a:cs typeface="Lato"/>
-                <a:sym typeface="Lato"/>
-              </a:rPr>
-              <a:t>DEFAULT NULL,</a:t>
-            </a:r>
-            <a:br>
-              <a:rPr lang="en-US" b="1" dirty="0">
-                <a:solidFill>
-                  <a:srgbClr val="6AA84F"/>
-                </a:solidFill>
-                <a:latin typeface="Lato"/>
-                <a:ea typeface="Lato"/>
-                <a:cs typeface="Lato"/>
-                <a:sym typeface="Lato"/>
-              </a:rPr>
-            </a:br>
-            <a:r>
-              <a:rPr lang="en-US" b="1" dirty="0">
-                <a:solidFill>
-                  <a:srgbClr val="6AA84F"/>
-                </a:solidFill>
-                <a:latin typeface="Lato"/>
-                <a:ea typeface="Lato"/>
-                <a:cs typeface="Lato"/>
-                <a:sym typeface="Lato"/>
-              </a:rPr>
-              <a:t>  country CHAR(3)</a:t>
-            </a:r>
-            <a:r>
-              <a:rPr lang="en-US" b="1" dirty="0">
-                <a:solidFill>
-                  <a:srgbClr val="3C78D8"/>
-                </a:solidFill>
-                <a:latin typeface="Lato"/>
-                <a:ea typeface="Lato"/>
-                <a:cs typeface="Lato"/>
-                <a:sym typeface="Lato"/>
-              </a:rPr>
-              <a:t>NOT NULL DEFAULT 'USA', </a:t>
-            </a:r>
-            <a:br>
-              <a:rPr lang="en-US" b="1" dirty="0">
-                <a:solidFill>
-                  <a:srgbClr val="3C78D8"/>
-                </a:solidFill>
-                <a:latin typeface="Lato"/>
-                <a:ea typeface="Lato"/>
-                <a:cs typeface="Lato"/>
-                <a:sym typeface="Lato"/>
-              </a:rPr>
-            </a:br>
-            <a:r>
-              <a:rPr lang="en-US" b="1" dirty="0">
-                <a:solidFill>
-                  <a:srgbClr val="6AA84F"/>
-                </a:solidFill>
-                <a:latin typeface="Lato"/>
-                <a:ea typeface="Lato"/>
-                <a:cs typeface="Lato"/>
-                <a:sym typeface="Lato"/>
-              </a:rPr>
-              <a:t>  </a:t>
-            </a:r>
-            <a:r>
-              <a:rPr lang="en-US" b="1" dirty="0" err="1">
-                <a:solidFill>
-                  <a:srgbClr val="6AA84F"/>
-                </a:solidFill>
-                <a:latin typeface="Lato"/>
-                <a:ea typeface="Lato"/>
-                <a:cs typeface="Lato"/>
-                <a:sym typeface="Lato"/>
-              </a:rPr>
-              <a:t>salesrep_employeenumber</a:t>
-            </a:r>
-            <a:r>
-              <a:rPr lang="en-US" b="1" dirty="0">
-                <a:solidFill>
-                  <a:srgbClr val="6AA84F"/>
-                </a:solidFill>
-                <a:latin typeface="Lato"/>
-                <a:ea typeface="Lato"/>
-                <a:cs typeface="Lato"/>
-                <a:sym typeface="Lato"/>
-              </a:rPr>
-              <a:t> INT </a:t>
-            </a:r>
-            <a:r>
-              <a:rPr lang="en-US" b="1" dirty="0">
-                <a:solidFill>
-                  <a:srgbClr val="3D85C6"/>
-                </a:solidFill>
-                <a:latin typeface="Lato"/>
-                <a:ea typeface="Lato"/>
-                <a:cs typeface="Lato"/>
-                <a:sym typeface="Lato"/>
-              </a:rPr>
-              <a:t>DEFAULT NULL,</a:t>
-            </a:r>
-            <a:br>
-              <a:rPr lang="en-US" b="1" dirty="0">
-                <a:solidFill>
-                  <a:srgbClr val="6AA84F"/>
-                </a:solidFill>
-                <a:latin typeface="Lato"/>
-                <a:ea typeface="Lato"/>
-                <a:cs typeface="Lato"/>
-                <a:sym typeface="Lato"/>
-              </a:rPr>
-            </a:br>
-            <a:r>
-              <a:rPr lang="en-US" b="1" dirty="0">
-                <a:solidFill>
-                  <a:srgbClr val="6AA84F"/>
-                </a:solidFill>
-                <a:latin typeface="Lato"/>
-                <a:ea typeface="Lato"/>
-                <a:cs typeface="Lato"/>
-                <a:sym typeface="Lato"/>
-              </a:rPr>
-              <a:t>  </a:t>
-            </a:r>
-            <a:r>
-              <a:rPr lang="en-US" b="1" dirty="0" err="1">
-                <a:solidFill>
-                  <a:srgbClr val="6AA84F"/>
-                </a:solidFill>
-                <a:latin typeface="Lato"/>
-                <a:ea typeface="Lato"/>
-                <a:cs typeface="Lato"/>
-                <a:sym typeface="Lato"/>
-              </a:rPr>
-              <a:t>creditlimit</a:t>
-            </a:r>
-            <a:r>
-              <a:rPr lang="en-US" b="1" dirty="0">
-                <a:solidFill>
-                  <a:srgbClr val="6AA84F"/>
-                </a:solidFill>
-                <a:latin typeface="Lato"/>
-                <a:ea typeface="Lato"/>
-                <a:cs typeface="Lato"/>
-                <a:sym typeface="Lato"/>
-              </a:rPr>
-              <a:t> DECIMAL(10,2) </a:t>
-            </a:r>
-            <a:r>
-              <a:rPr lang="en-US" b="1" dirty="0">
-                <a:solidFill>
-                  <a:srgbClr val="3D85C6"/>
-                </a:solidFill>
-                <a:latin typeface="Lato"/>
-                <a:ea typeface="Lato"/>
-                <a:cs typeface="Lato"/>
-                <a:sym typeface="Lato"/>
-              </a:rPr>
-              <a:t>CHECK (</a:t>
-            </a:r>
-            <a:r>
-              <a:rPr lang="en-US" b="1" dirty="0" err="1">
-                <a:solidFill>
-                  <a:srgbClr val="3D85C6"/>
-                </a:solidFill>
-                <a:latin typeface="Lato"/>
-                <a:ea typeface="Lato"/>
-                <a:cs typeface="Lato"/>
-                <a:sym typeface="Lato"/>
-              </a:rPr>
-              <a:t>creditlimit</a:t>
-            </a:r>
-            <a:r>
-              <a:rPr lang="en-US" b="1" dirty="0">
-                <a:solidFill>
-                  <a:srgbClr val="3D85C6"/>
-                </a:solidFill>
-                <a:latin typeface="Lato"/>
-                <a:ea typeface="Lato"/>
-                <a:cs typeface="Lato"/>
-                <a:sym typeface="Lato"/>
-              </a:rPr>
-              <a:t> &lt; 1000000), </a:t>
-            </a:r>
-            <a:br>
-              <a:rPr lang="en-US" b="1" dirty="0">
-                <a:solidFill>
-                  <a:srgbClr val="6AA84F"/>
-                </a:solidFill>
-                <a:latin typeface="Lato"/>
-                <a:ea typeface="Lato"/>
-                <a:cs typeface="Lato"/>
-                <a:sym typeface="Lato"/>
-              </a:rPr>
-            </a:br>
-            <a:r>
-              <a:rPr lang="en-US" dirty="0">
-                <a:solidFill>
-                  <a:schemeClr val="accent1"/>
-                </a:solidFill>
-                <a:latin typeface="Lato"/>
-                <a:ea typeface="Lato"/>
-                <a:cs typeface="Lato"/>
-                <a:sym typeface="Lato"/>
-              </a:rPr>
-              <a:t>  </a:t>
-            </a:r>
-            <a:r>
-              <a:rPr lang="en-US" b="1" dirty="0">
-                <a:solidFill>
-                  <a:srgbClr val="FF9900"/>
-                </a:solidFill>
-                <a:latin typeface="Lato"/>
-                <a:ea typeface="Lato"/>
-                <a:cs typeface="Lato"/>
-                <a:sym typeface="Lato"/>
-              </a:rPr>
-              <a:t>PRIMARY KEY (</a:t>
-            </a:r>
-            <a:r>
-              <a:rPr lang="en-US" b="1" dirty="0" err="1">
-                <a:solidFill>
-                  <a:srgbClr val="FF9900"/>
-                </a:solidFill>
-                <a:latin typeface="Lato"/>
-                <a:ea typeface="Lato"/>
-                <a:cs typeface="Lato"/>
-                <a:sym typeface="Lato"/>
-              </a:rPr>
-              <a:t>customer_number</a:t>
-            </a:r>
-            <a:r>
-              <a:rPr lang="en-US" b="1" dirty="0">
-                <a:solidFill>
-                  <a:srgbClr val="FF9900"/>
-                </a:solidFill>
-                <a:latin typeface="Lato"/>
-                <a:ea typeface="Lato"/>
-                <a:cs typeface="Lato"/>
-                <a:sym typeface="Lato"/>
-              </a:rPr>
-              <a:t>));</a:t>
-            </a:r>
-          </a:p>
-          <a:p>
-            <a:pPr marL="0" lvl="0" indent="0" algn="l" rtl="0">
-              <a:lnSpc>
-                <a:spcPct val="115000"/>
-              </a:lnSpc>
-              <a:spcBef>
-                <a:spcPts val="0"/>
-              </a:spcBef>
-              <a:spcAft>
-                <a:spcPts val="0"/>
-              </a:spcAft>
-              <a:buNone/>
-            </a:pPr>
-            <a:endParaRPr sz="2000" dirty="0">
-              <a:solidFill>
-                <a:schemeClr val="accent1"/>
-              </a:solidFill>
-              <a:latin typeface="Lato"/>
-              <a:ea typeface="Lato"/>
-              <a:cs typeface="Lato"/>
-              <a:sym typeface="Lato"/>
-            </a:endParaRPr>
-          </a:p>
-          <a:p>
-            <a:pPr marL="0" lvl="0" indent="0" algn="l" rtl="0">
-              <a:lnSpc>
-                <a:spcPct val="115000"/>
-              </a:lnSpc>
-              <a:spcBef>
-                <a:spcPts val="0"/>
-              </a:spcBef>
-              <a:spcAft>
-                <a:spcPts val="0"/>
-              </a:spcAft>
-              <a:buNone/>
-            </a:pPr>
-            <a:endParaRPr sz="2000" dirty="0">
-              <a:solidFill>
-                <a:schemeClr val="accent1"/>
-              </a:solidFill>
-              <a:latin typeface="Lato"/>
-              <a:ea typeface="Lato"/>
-              <a:cs typeface="Lato"/>
-              <a:sym typeface="Lato"/>
-            </a:endParaRPr>
-          </a:p>
-        </p:txBody>
-      </p:sp>
-      <p:sp>
-        <p:nvSpPr>
-          <p:cNvPr id="236" name="Google Shape;236;p34"/>
-          <p:cNvSpPr txBox="1"/>
-          <p:nvPr/>
-        </p:nvSpPr>
-        <p:spPr>
-          <a:xfrm>
-            <a:off x="207500" y="2854050"/>
-            <a:ext cx="1452900" cy="3000000"/>
-          </a:xfrm>
-          <a:prstGeom prst="rect">
-            <a:avLst/>
-          </a:prstGeom>
-          <a:noFill/>
-          <a:ln>
-            <a:noFill/>
-          </a:ln>
-        </p:spPr>
-        <p:txBody>
-          <a:bodyPr spcFirstLastPara="1" wrap="square" lIns="91425" tIns="91425" rIns="91425" bIns="91425" anchor="t" anchorCtr="0">
-            <a:noAutofit/>
-          </a:bodyPr>
-          <a:lstStyle/>
-          <a:p>
-            <a:pPr marL="0" lvl="0" indent="0" algn="l" rtl="0">
-              <a:lnSpc>
-                <a:spcPct val="115000"/>
-              </a:lnSpc>
-              <a:spcBef>
-                <a:spcPts val="0"/>
-              </a:spcBef>
-              <a:spcAft>
-                <a:spcPts val="0"/>
-              </a:spcAft>
-              <a:buNone/>
-            </a:pPr>
-            <a:r>
-              <a:rPr lang="en-US" sz="1500" b="1" dirty="0">
-                <a:solidFill>
-                  <a:srgbClr val="6AA84F"/>
-                </a:solidFill>
-                <a:latin typeface="Lato"/>
-                <a:ea typeface="Lato"/>
-                <a:cs typeface="Lato"/>
-                <a:sym typeface="Lato"/>
-              </a:rPr>
-              <a:t>Table &amp; Field Names</a:t>
-            </a:r>
-            <a:endParaRPr sz="1500" b="1" dirty="0">
-              <a:solidFill>
-                <a:srgbClr val="6AA84F"/>
-              </a:solidFill>
-              <a:latin typeface="Lato"/>
-              <a:ea typeface="Lato"/>
-              <a:cs typeface="Lato"/>
-              <a:sym typeface="Lato"/>
-            </a:endParaRPr>
-          </a:p>
-          <a:p>
-            <a:pPr marL="0" lvl="0" indent="0" algn="l" rtl="0">
-              <a:lnSpc>
-                <a:spcPct val="115000"/>
-              </a:lnSpc>
-              <a:spcBef>
-                <a:spcPts val="0"/>
-              </a:spcBef>
-              <a:spcAft>
-                <a:spcPts val="0"/>
-              </a:spcAft>
-              <a:buNone/>
-            </a:pPr>
-            <a:endParaRPr sz="1500" b="1" dirty="0">
-              <a:solidFill>
-                <a:srgbClr val="6AA84F"/>
-              </a:solidFill>
-              <a:latin typeface="Lato"/>
-              <a:ea typeface="Lato"/>
-              <a:cs typeface="Lato"/>
-              <a:sym typeface="Lato"/>
-            </a:endParaRPr>
-          </a:p>
-          <a:p>
-            <a:pPr marL="0" lvl="0" indent="0" algn="l" rtl="0">
-              <a:lnSpc>
-                <a:spcPct val="115000"/>
-              </a:lnSpc>
-              <a:spcBef>
-                <a:spcPts val="0"/>
-              </a:spcBef>
-              <a:spcAft>
-                <a:spcPts val="0"/>
-              </a:spcAft>
-              <a:buNone/>
-            </a:pPr>
-            <a:endParaRPr sz="1500" b="1" dirty="0">
-              <a:solidFill>
-                <a:srgbClr val="6AA84F"/>
-              </a:solidFill>
-              <a:latin typeface="Lato"/>
-              <a:ea typeface="Lato"/>
-              <a:cs typeface="Lato"/>
-              <a:sym typeface="Lato"/>
-            </a:endParaRPr>
-          </a:p>
-          <a:p>
-            <a:pPr marL="0" lvl="0" indent="0" algn="l" rtl="0">
-              <a:lnSpc>
-                <a:spcPct val="115000"/>
-              </a:lnSpc>
-              <a:spcBef>
-                <a:spcPts val="0"/>
-              </a:spcBef>
-              <a:spcAft>
-                <a:spcPts val="0"/>
-              </a:spcAft>
-              <a:buNone/>
-            </a:pPr>
-            <a:r>
-              <a:rPr lang="en-US" sz="1500" b="1" dirty="0">
-                <a:solidFill>
-                  <a:srgbClr val="3D85C6"/>
-                </a:solidFill>
-                <a:latin typeface="Lato"/>
-                <a:ea typeface="Lato"/>
-                <a:cs typeface="Lato"/>
-                <a:sym typeface="Lato"/>
-              </a:rPr>
-              <a:t>Constraints</a:t>
-            </a:r>
-            <a:endParaRPr sz="1500" b="1" dirty="0">
-              <a:solidFill>
-                <a:srgbClr val="3D85C6"/>
-              </a:solidFill>
-              <a:latin typeface="Lato"/>
-              <a:ea typeface="Lato"/>
-              <a:cs typeface="Lato"/>
-              <a:sym typeface="Lato"/>
-            </a:endParaRPr>
-          </a:p>
-          <a:p>
-            <a:pPr marL="0" lvl="0" indent="0" algn="l" rtl="0">
-              <a:lnSpc>
-                <a:spcPct val="115000"/>
-              </a:lnSpc>
-              <a:spcBef>
-                <a:spcPts val="0"/>
-              </a:spcBef>
-              <a:spcAft>
-                <a:spcPts val="0"/>
-              </a:spcAft>
-              <a:buNone/>
-            </a:pPr>
-            <a:endParaRPr sz="1500" b="1" dirty="0">
-              <a:solidFill>
-                <a:srgbClr val="3D85C6"/>
-              </a:solidFill>
-              <a:latin typeface="Lato"/>
-              <a:ea typeface="Lato"/>
-              <a:cs typeface="Lato"/>
-              <a:sym typeface="Lato"/>
-            </a:endParaRPr>
-          </a:p>
-          <a:p>
-            <a:pPr marL="0" lvl="0" indent="0" algn="l" rtl="0">
-              <a:lnSpc>
-                <a:spcPct val="115000"/>
-              </a:lnSpc>
-              <a:spcBef>
-                <a:spcPts val="0"/>
-              </a:spcBef>
-              <a:spcAft>
-                <a:spcPts val="0"/>
-              </a:spcAft>
-              <a:buNone/>
-            </a:pPr>
-            <a:endParaRPr sz="1500" b="1" dirty="0">
-              <a:solidFill>
-                <a:srgbClr val="3D85C6"/>
-              </a:solidFill>
-              <a:latin typeface="Lato"/>
-              <a:ea typeface="Lato"/>
-              <a:cs typeface="Lato"/>
-              <a:sym typeface="Lato"/>
-            </a:endParaRPr>
-          </a:p>
-          <a:p>
-            <a:pPr marL="0" lvl="0" indent="0" algn="l" rtl="0">
-              <a:lnSpc>
-                <a:spcPct val="115000"/>
-              </a:lnSpc>
-              <a:spcBef>
-                <a:spcPts val="0"/>
-              </a:spcBef>
-              <a:spcAft>
-                <a:spcPts val="0"/>
-              </a:spcAft>
-              <a:buNone/>
-            </a:pPr>
-            <a:r>
-              <a:rPr lang="en-US" sz="1500" b="1" dirty="0">
-                <a:solidFill>
-                  <a:srgbClr val="FF9900"/>
-                </a:solidFill>
-                <a:latin typeface="Lato"/>
-                <a:ea typeface="Lato"/>
-                <a:cs typeface="Lato"/>
-                <a:sym typeface="Lato"/>
-              </a:rPr>
-              <a:t>Table Keys - Primary &amp; Foreign</a:t>
-            </a:r>
-            <a:endParaRPr sz="1500" b="1" dirty="0">
-              <a:solidFill>
-                <a:srgbClr val="FF9900"/>
-              </a:solidFill>
-              <a:latin typeface="Lato"/>
-              <a:ea typeface="Lato"/>
-              <a:cs typeface="Lato"/>
-              <a:sym typeface="Lato"/>
-            </a:endParaRPr>
-          </a:p>
-          <a:p>
-            <a:pPr marL="0" lvl="0" indent="0" algn="l" rtl="0">
-              <a:lnSpc>
-                <a:spcPct val="115000"/>
-              </a:lnSpc>
-              <a:spcBef>
-                <a:spcPts val="0"/>
-              </a:spcBef>
-              <a:spcAft>
-                <a:spcPts val="0"/>
-              </a:spcAft>
-              <a:buNone/>
-            </a:pPr>
-            <a:endParaRPr b="1" dirty="0">
-              <a:solidFill>
-                <a:srgbClr val="6AA84F"/>
-              </a:solidFill>
-              <a:latin typeface="Lato"/>
-              <a:ea typeface="Lato"/>
-              <a:cs typeface="Lato"/>
-              <a:sym typeface="Lato"/>
-            </a:endParaRPr>
-          </a:p>
-          <a:p>
-            <a:pPr marL="0" lvl="0" indent="0" algn="l" rtl="0">
-              <a:lnSpc>
-                <a:spcPct val="115000"/>
-              </a:lnSpc>
-              <a:spcBef>
-                <a:spcPts val="0"/>
-              </a:spcBef>
-              <a:spcAft>
-                <a:spcPts val="0"/>
-              </a:spcAft>
-              <a:buNone/>
-            </a:pPr>
-            <a:endParaRPr b="1" dirty="0">
-              <a:solidFill>
-                <a:srgbClr val="6AA84F"/>
-              </a:solidFill>
-              <a:latin typeface="Lato"/>
-              <a:ea typeface="Lato"/>
-              <a:cs typeface="Lato"/>
-              <a:sym typeface="Lato"/>
-            </a:endParaRPr>
-          </a:p>
-          <a:p>
-            <a:pPr marL="0" lvl="0" indent="0" algn="l" rtl="0">
-              <a:lnSpc>
-                <a:spcPct val="115000"/>
-              </a:lnSpc>
-              <a:spcBef>
-                <a:spcPts val="0"/>
-              </a:spcBef>
-              <a:spcAft>
-                <a:spcPts val="0"/>
-              </a:spcAft>
-              <a:buNone/>
-            </a:pPr>
-            <a:endParaRPr b="1" dirty="0">
-              <a:solidFill>
-                <a:srgbClr val="6AA84F"/>
-              </a:solidFill>
-              <a:latin typeface="Lato"/>
-              <a:ea typeface="Lato"/>
-              <a:cs typeface="Lato"/>
-              <a:sym typeface="Lato"/>
-            </a:endParaRPr>
-          </a:p>
-        </p:txBody>
-      </p:sp>
-      <p:sp>
-        <p:nvSpPr>
-          <p:cNvPr id="2" name="Rectangle 1">
+          <p:cNvPr id="6" name="Rectangle 5">
             <a:extLst>
               <a:ext uri="{FF2B5EF4-FFF2-40B4-BE49-F238E27FC236}">
-                <a16:creationId xmlns:a16="http://schemas.microsoft.com/office/drawing/2014/main" id="{768AB280-A6F8-4E2C-9614-0B308D7503A3}"/>
+                <a16:creationId xmlns:a16="http://schemas.microsoft.com/office/drawing/2014/main" id="{8FE9ABE9-C6C5-4EF3-9CDC-221B226E20A2}"/>
               </a:ext>
             </a:extLst>
           </p:cNvPr>
@@ -20337,7 +20538,7 @@
         </p:nvSpPr>
         <p:spPr>
           <a:xfrm>
-            <a:off x="6239932" y="5849400"/>
+            <a:off x="6253200" y="6179254"/>
             <a:ext cx="7078133" cy="532133"/>
           </a:xfrm>
           <a:prstGeom prst="rect">
@@ -20396,36 +20597,6 @@
           </a:p>
         </p:txBody>
       </p:sp>
-      <p:pic>
-        <p:nvPicPr>
-          <p:cNvPr id="3" name="Picture 2">
-            <a:extLst>
-              <a:ext uri="{FF2B5EF4-FFF2-40B4-BE49-F238E27FC236}">
-                <a16:creationId xmlns:a16="http://schemas.microsoft.com/office/drawing/2014/main" id="{CE39D413-AAD9-45B0-98FA-EA2A572679F6}"/>
-              </a:ext>
-            </a:extLst>
-          </p:cNvPr>
-          <p:cNvPicPr>
-            <a:picLocks noChangeAspect="1"/>
-          </p:cNvPicPr>
-          <p:nvPr/>
-        </p:nvPicPr>
-        <p:blipFill>
-          <a:blip r:embed="rId4"/>
-          <a:stretch>
-            <a:fillRect/>
-          </a:stretch>
-        </p:blipFill>
-        <p:spPr>
-          <a:xfrm>
-            <a:off x="7468186" y="2349436"/>
-            <a:ext cx="2774852" cy="3629464"/>
-          </a:xfrm>
-          <a:prstGeom prst="rect">
-            <a:avLst/>
-          </a:prstGeom>
-        </p:spPr>
-      </p:pic>
     </p:spTree>
   </p:cSld>
   <p:clrMapOvr>
@@ -20517,8 +20688,8 @@
         </p:nvSpPr>
         <p:spPr>
           <a:xfrm>
-            <a:off x="1045875" y="1688575"/>
-            <a:ext cx="10178400" cy="3000000"/>
+            <a:off x="1045875" y="1688574"/>
+            <a:ext cx="10178400" cy="5072225"/>
           </a:xfrm>
           <a:prstGeom prst="rect">
             <a:avLst/>
@@ -21127,7 +21298,7 @@
               <a:buSzPts val="1100"/>
             </a:pPr>
             <a:r>
-              <a:rPr lang="en-US" u="sng" dirty="0">
+              <a:rPr lang="en-US" b="1" dirty="0">
                 <a:solidFill>
                   <a:schemeClr val="accent1"/>
                 </a:solidFill>
@@ -21136,7 +21307,7 @@
                 <a:cs typeface="Lato"/>
                 <a:sym typeface="Lato"/>
               </a:rPr>
-              <a:t>INSERT</a:t>
+              <a:t>INSERT INTO</a:t>
             </a:r>
             <a:r>
               <a:rPr lang="en-US" dirty="0">
@@ -21148,10 +21319,10 @@
                 <a:cs typeface="Lato"/>
                 <a:sym typeface="Lato"/>
               </a:rPr>
-              <a:t>  INTO </a:t>
-            </a:r>
-            <a:r>
-              <a:rPr lang="en-US" u="sng" dirty="0" err="1">
+              <a:t> </a:t>
+            </a:r>
+            <a:r>
+              <a:rPr lang="en-US" dirty="0" err="1">
                 <a:solidFill>
                   <a:schemeClr val="accent1"/>
                 </a:solidFill>
@@ -21163,7 +21334,7 @@
               <a:t>classicmodels.customers</a:t>
             </a:r>
             <a:r>
-              <a:rPr lang="en-US" u="sng" dirty="0">
+              <a:rPr lang="en-US" dirty="0">
                 <a:solidFill>
                   <a:schemeClr val="accent1"/>
                 </a:solidFill>
@@ -21172,19 +21343,7 @@
                 <a:cs typeface="Lato"/>
                 <a:sym typeface="Lato"/>
               </a:rPr>
-              <a:t> </a:t>
-            </a:r>
-            <a:r>
-              <a:rPr lang="en-US" dirty="0">
-                <a:solidFill>
-                  <a:schemeClr val="accent1"/>
-                </a:solidFill>
-                <a:latin typeface="Lato"/>
-                <a:ea typeface="Lato"/>
-                <a:cs typeface="Lato"/>
-                <a:sym typeface="Lato"/>
-              </a:rPr>
-              <a:t>(</a:t>
+              <a:t> (</a:t>
             </a:r>
             <a:r>
               <a:rPr lang="en-US" dirty="0" err="1">
@@ -21391,7 +21550,7 @@
               <a:buNone/>
             </a:pPr>
             <a:r>
-              <a:rPr lang="en-US" u="sng" dirty="0">
+              <a:rPr lang="en-US" b="1" dirty="0">
                 <a:solidFill>
                   <a:schemeClr val="accent1"/>
                 </a:solidFill>
@@ -21400,19 +21559,7 @@
                 <a:cs typeface="Lato"/>
                 <a:sym typeface="Lato"/>
               </a:rPr>
-              <a:t>VALUES</a:t>
-            </a:r>
-            <a:r>
-              <a:rPr lang="en-US" dirty="0">
-                <a:solidFill>
-                  <a:schemeClr val="accent1"/>
-                </a:solidFill>
-                <a:latin typeface="Lato"/>
-                <a:ea typeface="Lato"/>
-                <a:cs typeface="Lato"/>
-                <a:sym typeface="Lato"/>
-              </a:rPr>
-              <a:t> </a:t>
+              <a:t>VALUES </a:t>
             </a:r>
           </a:p>
           <a:p>
@@ -21555,7 +21702,7 @@
                 <a:cs typeface="Lato"/>
                 <a:sym typeface="Lato"/>
               </a:rPr>
-              <a:t> Vegas','NV','83030','USA',1166,'71800.00’)</a:t>
+              <a:t> Vegas','NV','83030','USA',1166,'71800.00')</a:t>
             </a:r>
             <a:endParaRPr lang="en-US" dirty="0">
               <a:solidFill>
@@ -21625,7 +21772,7 @@
                 <a:cs typeface="Lato"/>
                 <a:sym typeface="Lato"/>
               </a:rPr>
-              <a:t>:  Select * from customers</a:t>
+              <a:t>:  SELECT * FROM customers</a:t>
             </a:r>
             <a:endParaRPr sz="2000" dirty="0">
               <a:solidFill>

--- a/Lectures/(3) Extracting & Storing Data.pptx
+++ b/Lectures/(3) Extracting & Storing Data.pptx
@@ -5,7 +5,7 @@
     <p:sldMasterId id="2147483672" r:id="rId1"/>
   </p:sldMasterIdLst>
   <p:notesMasterIdLst>
-    <p:notesMasterId r:id="rId19"/>
+    <p:notesMasterId r:id="rId20"/>
   </p:notesMasterIdLst>
   <p:sldIdLst>
     <p:sldId id="256" r:id="rId2"/>
@@ -17,52 +17,53 @@
     <p:sldId id="273" r:id="rId8"/>
     <p:sldId id="264" r:id="rId9"/>
     <p:sldId id="265" r:id="rId10"/>
-    <p:sldId id="266" r:id="rId11"/>
-    <p:sldId id="267" r:id="rId12"/>
-    <p:sldId id="268" r:id="rId13"/>
-    <p:sldId id="269" r:id="rId14"/>
-    <p:sldId id="258" r:id="rId15"/>
-    <p:sldId id="299" r:id="rId16"/>
-    <p:sldId id="270" r:id="rId17"/>
-    <p:sldId id="298" r:id="rId18"/>
+    <p:sldId id="300" r:id="rId11"/>
+    <p:sldId id="266" r:id="rId12"/>
+    <p:sldId id="267" r:id="rId13"/>
+    <p:sldId id="268" r:id="rId14"/>
+    <p:sldId id="269" r:id="rId15"/>
+    <p:sldId id="258" r:id="rId16"/>
+    <p:sldId id="299" r:id="rId17"/>
+    <p:sldId id="270" r:id="rId18"/>
+    <p:sldId id="298" r:id="rId19"/>
   </p:sldIdLst>
   <p:sldSz cx="12192000" cy="6858000"/>
   <p:notesSz cx="6858000" cy="9144000"/>
   <p:embeddedFontLst>
     <p:embeddedFont>
       <p:font typeface="Calibri" panose="020F0502020204030204" pitchFamily="34" charset="0"/>
-      <p:regular r:id="rId20"/>
-      <p:bold r:id="rId21"/>
-      <p:italic r:id="rId22"/>
-      <p:boldItalic r:id="rId23"/>
+      <p:regular r:id="rId21"/>
+      <p:bold r:id="rId22"/>
+      <p:italic r:id="rId23"/>
+      <p:boldItalic r:id="rId24"/>
     </p:embeddedFont>
     <p:embeddedFont>
       <p:font typeface="Lato" panose="020F0502020204030203" pitchFamily="34" charset="0"/>
-      <p:regular r:id="rId24"/>
-      <p:bold r:id="rId25"/>
-      <p:italic r:id="rId26"/>
-      <p:boldItalic r:id="rId27"/>
+      <p:regular r:id="rId25"/>
+      <p:bold r:id="rId26"/>
+      <p:italic r:id="rId27"/>
+      <p:boldItalic r:id="rId28"/>
     </p:embeddedFont>
     <p:embeddedFont>
       <p:font typeface="Raleway" pitchFamily="2" charset="0"/>
-      <p:regular r:id="rId28"/>
-      <p:bold r:id="rId29"/>
-      <p:italic r:id="rId30"/>
-      <p:boldItalic r:id="rId31"/>
+      <p:regular r:id="rId29"/>
+      <p:bold r:id="rId30"/>
+      <p:italic r:id="rId31"/>
+      <p:boldItalic r:id="rId32"/>
     </p:embeddedFont>
     <p:embeddedFont>
       <p:font typeface="Roboto" panose="02000000000000000000" pitchFamily="2" charset="0"/>
-      <p:regular r:id="rId32"/>
-      <p:bold r:id="rId33"/>
-      <p:italic r:id="rId34"/>
-      <p:boldItalic r:id="rId35"/>
+      <p:regular r:id="rId33"/>
+      <p:bold r:id="rId34"/>
+      <p:italic r:id="rId35"/>
+      <p:boldItalic r:id="rId36"/>
     </p:embeddedFont>
     <p:embeddedFont>
       <p:font typeface="Verdana" panose="020B0604030504040204" pitchFamily="34" charset="0"/>
-      <p:regular r:id="rId36"/>
-      <p:bold r:id="rId37"/>
-      <p:italic r:id="rId38"/>
-      <p:boldItalic r:id="rId39"/>
+      <p:regular r:id="rId37"/>
+      <p:bold r:id="rId38"/>
+      <p:italic r:id="rId39"/>
+      <p:boldItalic r:id="rId40"/>
     </p:embeddedFont>
   </p:embeddedFontLst>
   <p:defaultTextStyle>
@@ -305,7 +306,7 @@
 <file path=ppt/revisionInfo.xml><?xml version="1.0" encoding="utf-8"?>
 <p1510:revInfo xmlns:a="http://schemas.openxmlformats.org/drawingml/2006/main" xmlns:r="http://schemas.openxmlformats.org/officeDocument/2006/relationships" xmlns:p1510="http://schemas.microsoft.com/office/powerpoint/2015/10/main">
   <p1510:revLst>
-    <p1510:client id="{4E682352-887D-4C9C-ABA3-1D0EBE0E1B3B}" v="13" dt="2021-10-27T16:22:41.766"/>
+    <p1510:client id="{4E682352-887D-4C9C-ABA3-1D0EBE0E1B3B}" v="16" dt="2021-10-31T17:31:33.207"/>
   </p1510:revLst>
 </p1510:revInfo>
 </file>
@@ -736,6 +737,86 @@
     </pc:docChg>
   </pc:docChgLst>
   <pc:docChgLst>
+    <pc:chgData name="Jeremy Bergmann" userId="c2589a63-7d35-4bd4-b1d6-7fbcacc677e5" providerId="ADAL" clId="{4E682352-887D-4C9C-ABA3-1D0EBE0E1B3B}"/>
+    <pc:docChg chg="undo custSel addSld modSld">
+      <pc:chgData name="Jeremy Bergmann" userId="c2589a63-7d35-4bd4-b1d6-7fbcacc677e5" providerId="ADAL" clId="{4E682352-887D-4C9C-ABA3-1D0EBE0E1B3B}" dt="2021-11-01T19:42:29.592" v="292" actId="20577"/>
+      <pc:docMkLst>
+        <pc:docMk/>
+      </pc:docMkLst>
+      <pc:sldChg chg="addSp delSp modSp add mod modNotesTx">
+        <pc:chgData name="Jeremy Bergmann" userId="c2589a63-7d35-4bd4-b1d6-7fbcacc677e5" providerId="ADAL" clId="{4E682352-887D-4C9C-ABA3-1D0EBE0E1B3B}" dt="2021-11-01T19:42:29.592" v="292" actId="20577"/>
+        <pc:sldMkLst>
+          <pc:docMk/>
+          <pc:sldMk cId="1842050391" sldId="300"/>
+        </pc:sldMkLst>
+        <pc:spChg chg="add mod">
+          <ac:chgData name="Jeremy Bergmann" userId="c2589a63-7d35-4bd4-b1d6-7fbcacc677e5" providerId="ADAL" clId="{4E682352-887D-4C9C-ABA3-1D0EBE0E1B3B}" dt="2021-10-31T17:32:46.812" v="272" actId="14100"/>
+          <ac:spMkLst>
+            <pc:docMk/>
+            <pc:sldMk cId="1842050391" sldId="300"/>
+            <ac:spMk id="11" creationId="{BA685467-E32A-4CB6-B6B0-F81CF08A8C8E}"/>
+          </ac:spMkLst>
+        </pc:spChg>
+        <pc:spChg chg="mod">
+          <ac:chgData name="Jeremy Bergmann" userId="c2589a63-7d35-4bd4-b1d6-7fbcacc677e5" providerId="ADAL" clId="{4E682352-887D-4C9C-ABA3-1D0EBE0E1B3B}" dt="2021-11-01T19:42:29.592" v="292" actId="20577"/>
+          <ac:spMkLst>
+            <pc:docMk/>
+            <pc:sldMk cId="1842050391" sldId="300"/>
+            <ac:spMk id="252" creationId="{00000000-0000-0000-0000-000000000000}"/>
+          </ac:spMkLst>
+        </pc:spChg>
+        <pc:spChg chg="mod">
+          <ac:chgData name="Jeremy Bergmann" userId="c2589a63-7d35-4bd4-b1d6-7fbcacc677e5" providerId="ADAL" clId="{4E682352-887D-4C9C-ABA3-1D0EBE0E1B3B}" dt="2021-10-31T17:32:44.036" v="271" actId="20577"/>
+          <ac:spMkLst>
+            <pc:docMk/>
+            <pc:sldMk cId="1842050391" sldId="300"/>
+            <ac:spMk id="253" creationId="{00000000-0000-0000-0000-000000000000}"/>
+          </ac:spMkLst>
+        </pc:spChg>
+        <pc:picChg chg="del">
+          <ac:chgData name="Jeremy Bergmann" userId="c2589a63-7d35-4bd4-b1d6-7fbcacc677e5" providerId="ADAL" clId="{4E682352-887D-4C9C-ABA3-1D0EBE0E1B3B}" dt="2021-10-31T17:21:03.291" v="205" actId="478"/>
+          <ac:picMkLst>
+            <pc:docMk/>
+            <pc:sldMk cId="1842050391" sldId="300"/>
+            <ac:picMk id="2" creationId="{E3A20A80-02C1-483E-9E9F-B513D89FB9FD}"/>
+          </ac:picMkLst>
+        </pc:picChg>
+        <pc:picChg chg="add del">
+          <ac:chgData name="Jeremy Bergmann" userId="c2589a63-7d35-4bd4-b1d6-7fbcacc677e5" providerId="ADAL" clId="{4E682352-887D-4C9C-ABA3-1D0EBE0E1B3B}" dt="2021-10-31T17:30:23.787" v="253" actId="22"/>
+          <ac:picMkLst>
+            <pc:docMk/>
+            <pc:sldMk cId="1842050391" sldId="300"/>
+            <ac:picMk id="4" creationId="{4C54C7AC-C72A-4922-9541-4D0C2C4ED2CD}"/>
+          </ac:picMkLst>
+        </pc:picChg>
+        <pc:picChg chg="add mod">
+          <ac:chgData name="Jeremy Bergmann" userId="c2589a63-7d35-4bd4-b1d6-7fbcacc677e5" providerId="ADAL" clId="{4E682352-887D-4C9C-ABA3-1D0EBE0E1B3B}" dt="2021-10-31T17:30:58.984" v="258" actId="1076"/>
+          <ac:picMkLst>
+            <pc:docMk/>
+            <pc:sldMk cId="1842050391" sldId="300"/>
+            <ac:picMk id="6" creationId="{D5AF4964-0430-40B8-B11F-F1F97F09A525}"/>
+          </ac:picMkLst>
+        </pc:picChg>
+        <pc:cxnChg chg="add mod">
+          <ac:chgData name="Jeremy Bergmann" userId="c2589a63-7d35-4bd4-b1d6-7fbcacc677e5" providerId="ADAL" clId="{4E682352-887D-4C9C-ABA3-1D0EBE0E1B3B}" dt="2021-10-31T17:33:00.844" v="274" actId="13822"/>
+          <ac:cxnSpMkLst>
+            <pc:docMk/>
+            <pc:sldMk cId="1842050391" sldId="300"/>
+            <ac:cxnSpMk id="9" creationId="{FAEE9D66-878F-4F4B-9ED1-5AF92397C2F6}"/>
+          </ac:cxnSpMkLst>
+        </pc:cxnChg>
+        <pc:cxnChg chg="add mod">
+          <ac:chgData name="Jeremy Bergmann" userId="c2589a63-7d35-4bd4-b1d6-7fbcacc677e5" providerId="ADAL" clId="{4E682352-887D-4C9C-ABA3-1D0EBE0E1B3B}" dt="2021-10-31T17:31:39.594" v="267" actId="14100"/>
+          <ac:cxnSpMkLst>
+            <pc:docMk/>
+            <pc:sldMk cId="1842050391" sldId="300"/>
+            <ac:cxnSpMk id="12" creationId="{77FBEFD9-2839-4BE9-9A10-AE598A28E1DF}"/>
+          </ac:cxnSpMkLst>
+        </pc:cxnChg>
+      </pc:sldChg>
+    </pc:docChg>
+  </pc:docChgLst>
+  <pc:docChgLst>
     <pc:chgData name="Jeremy Bergmann" userId="c2589a63-7d35-4bd4-b1d6-7fbcacc677e5" providerId="ADAL" clId="{DB850C8C-EF03-47EF-9891-38054A360123}"/>
     <pc:docChg chg="undo custSel addSld delSld modSld delMainMaster">
       <pc:chgData name="Jeremy Bergmann" userId="c2589a63-7d35-4bd4-b1d6-7fbcacc677e5" providerId="ADAL" clId="{DB850C8C-EF03-47EF-9891-38054A360123}" dt="2020-05-26T14:42:39.714" v="1037" actId="20577"/>
@@ -2361,6 +2442,115 @@
   <p:cSld>
     <p:spTree>
       <p:nvGrpSpPr>
+        <p:cNvPr id="1" name="Shape 248"/>
+        <p:cNvGrpSpPr/>
+        <p:nvPr/>
+      </p:nvGrpSpPr>
+      <p:grpSpPr>
+        <a:xfrm>
+          <a:off x="0" y="0"/>
+          <a:ext cx="0" cy="0"/>
+          <a:chOff x="0" y="0"/>
+          <a:chExt cx="0" cy="0"/>
+        </a:xfrm>
+      </p:grpSpPr>
+      <p:sp>
+        <p:nvSpPr>
+          <p:cNvPr id="249" name="Google Shape;249;g5076864104_0_148:notes"/>
+          <p:cNvSpPr txBox="1">
+            <a:spLocks noGrp="1"/>
+          </p:cNvSpPr>
+          <p:nvPr>
+            <p:ph type="body" idx="1"/>
+          </p:nvPr>
+        </p:nvSpPr>
+        <p:spPr>
+          <a:xfrm>
+            <a:off x="685800" y="4400550"/>
+            <a:ext cx="5486400" cy="3600600"/>
+          </a:xfrm>
+          <a:prstGeom prst="rect">
+            <a:avLst/>
+          </a:prstGeom>
+        </p:spPr>
+        <p:txBody>
+          <a:bodyPr spcFirstLastPara="1" wrap="square" lIns="91425" tIns="45700" rIns="91425" bIns="45700" anchor="t" anchorCtr="0">
+            <a:noAutofit/>
+          </a:bodyPr>
+          <a:lstStyle/>
+          <a:p>
+            <a:pPr marL="0" lvl="0" indent="0" algn="l" rtl="0">
+              <a:spcBef>
+                <a:spcPts val="0"/>
+              </a:spcBef>
+              <a:spcAft>
+                <a:spcPts val="0"/>
+              </a:spcAft>
+              <a:buNone/>
+            </a:pPr>
+            <a:endParaRPr dirty="0"/>
+          </a:p>
+        </p:txBody>
+      </p:sp>
+      <p:sp>
+        <p:nvSpPr>
+          <p:cNvPr id="250" name="Google Shape;250;g5076864104_0_148:notes"/>
+          <p:cNvSpPr>
+            <a:spLocks noGrp="1" noRot="1" noChangeAspect="1"/>
+          </p:cNvSpPr>
+          <p:nvPr>
+            <p:ph type="sldImg" idx="2"/>
+          </p:nvPr>
+        </p:nvSpPr>
+        <p:spPr>
+          <a:xfrm>
+            <a:off x="685800" y="1143000"/>
+            <a:ext cx="5486400" cy="3086100"/>
+          </a:xfrm>
+          <a:custGeom>
+            <a:avLst/>
+            <a:gdLst/>
+            <a:ahLst/>
+            <a:cxnLst/>
+            <a:rect l="l" t="t" r="r" b="b"/>
+            <a:pathLst>
+              <a:path w="120000" h="120000" extrusionOk="0">
+                <a:moveTo>
+                  <a:pt x="0" y="0"/>
+                </a:moveTo>
+                <a:lnTo>
+                  <a:pt x="120000" y="0"/>
+                </a:lnTo>
+                <a:lnTo>
+                  <a:pt x="120000" y="120000"/>
+                </a:lnTo>
+                <a:lnTo>
+                  <a:pt x="0" y="120000"/>
+                </a:lnTo>
+                <a:close/>
+              </a:path>
+            </a:pathLst>
+          </a:custGeom>
+        </p:spPr>
+      </p:sp>
+    </p:spTree>
+    <p:extLst>
+      <p:ext uri="{BB962C8B-B14F-4D97-AF65-F5344CB8AC3E}">
+        <p14:creationId xmlns:p14="http://schemas.microsoft.com/office/powerpoint/2010/main" val="123285429"/>
+      </p:ext>
+    </p:extLst>
+  </p:cSld>
+  <p:clrMapOvr>
+    <a:masterClrMapping/>
+  </p:clrMapOvr>
+</p:notes>
+</file>
+
+<file path=ppt/notesSlides/notesSlide11.xml><?xml version="1.0" encoding="utf-8"?>
+<p:notes xmlns:a="http://schemas.openxmlformats.org/drawingml/2006/main" xmlns:r="http://schemas.openxmlformats.org/officeDocument/2006/relationships" xmlns:p="http://schemas.openxmlformats.org/presentationml/2006/main" showMasterSp="0" showMasterPhAnim="0">
+  <p:cSld>
+    <p:spTree>
+      <p:nvGrpSpPr>
         <p:cNvPr id="1" name="Shape 255"/>
         <p:cNvGrpSpPr/>
         <p:nvPr/>
@@ -2590,7 +2780,7 @@
 </p:notes>
 </file>
 
-<file path=ppt/notesSlides/notesSlide11.xml><?xml version="1.0" encoding="utf-8"?>
+<file path=ppt/notesSlides/notesSlide12.xml><?xml version="1.0" encoding="utf-8"?>
 <p:notes xmlns:a="http://schemas.openxmlformats.org/drawingml/2006/main" xmlns:r="http://schemas.openxmlformats.org/officeDocument/2006/relationships" xmlns:p="http://schemas.openxmlformats.org/presentationml/2006/main" showMasterSp="0" showMasterPhAnim="0">
   <p:cSld>
     <p:spTree>
@@ -2834,7 +3024,7 @@
 </p:notes>
 </file>
 
-<file path=ppt/notesSlides/notesSlide12.xml><?xml version="1.0" encoding="utf-8"?>
+<file path=ppt/notesSlides/notesSlide13.xml><?xml version="1.0" encoding="utf-8"?>
 <p:notes xmlns:a="http://schemas.openxmlformats.org/drawingml/2006/main" xmlns:r="http://schemas.openxmlformats.org/officeDocument/2006/relationships" xmlns:p="http://schemas.openxmlformats.org/presentationml/2006/main" showMasterSp="0" showMasterPhAnim="0">
   <p:cSld>
     <p:spTree>
@@ -3176,7 +3366,7 @@
 </p:notes>
 </file>
 
-<file path=ppt/notesSlides/notesSlide13.xml><?xml version="1.0" encoding="utf-8"?>
+<file path=ppt/notesSlides/notesSlide14.xml><?xml version="1.0" encoding="utf-8"?>
 <p:notes xmlns:a="http://schemas.openxmlformats.org/drawingml/2006/main" xmlns:r="http://schemas.openxmlformats.org/officeDocument/2006/relationships" xmlns:p="http://schemas.openxmlformats.org/presentationml/2006/main" showMasterSp="0" showMasterPhAnim="0">
   <p:cSld>
     <p:spTree>
@@ -3442,7 +3632,7 @@
             </a:pPr>
             <a:fld id="{00000000-1234-1234-1234-123412341234}" type="slidenum">
               <a:rPr lang="en-US"/>
-              <a:t>13</a:t>
+              <a:t>14</a:t>
             </a:fld>
             <a:endParaRPr/>
           </a:p>
@@ -3456,7 +3646,7 @@
 </p:notes>
 </file>
 
-<file path=ppt/notesSlides/notesSlide14.xml><?xml version="1.0" encoding="utf-8"?>
+<file path=ppt/notesSlides/notesSlide15.xml><?xml version="1.0" encoding="utf-8"?>
 <p:notes xmlns:a="http://schemas.openxmlformats.org/drawingml/2006/main" xmlns:r="http://schemas.openxmlformats.org/officeDocument/2006/relationships" xmlns:p="http://schemas.openxmlformats.org/presentationml/2006/main" showMasterSp="0" showMasterPhAnim="0">
   <p:cSld>
     <p:spTree>
@@ -3578,7 +3768,7 @@
 </p:notes>
 </file>
 
-<file path=ppt/notesSlides/notesSlide15.xml><?xml version="1.0" encoding="utf-8"?>
+<file path=ppt/notesSlides/notesSlide16.xml><?xml version="1.0" encoding="utf-8"?>
 <p:notes xmlns:a="http://schemas.openxmlformats.org/drawingml/2006/main" xmlns:r="http://schemas.openxmlformats.org/officeDocument/2006/relationships" xmlns:p="http://schemas.openxmlformats.org/presentationml/2006/main" showMasterSp="0" showMasterPhAnim="0">
   <p:cSld>
     <p:spTree>
@@ -3735,7 +3925,7 @@
             </a:pPr>
             <a:fld id="{00000000-1234-1234-1234-123412341234}" type="slidenum">
               <a:rPr lang="en-US"/>
-              <a:t>15</a:t>
+              <a:t>16</a:t>
             </a:fld>
             <a:endParaRPr/>
           </a:p>
@@ -3749,7 +3939,7 @@
 </p:notes>
 </file>
 
-<file path=ppt/notesSlides/notesSlide16.xml><?xml version="1.0" encoding="utf-8"?>
+<file path=ppt/notesSlides/notesSlide17.xml><?xml version="1.0" encoding="utf-8"?>
 <p:notes xmlns:a="http://schemas.openxmlformats.org/drawingml/2006/main" xmlns:r="http://schemas.openxmlformats.org/officeDocument/2006/relationships" xmlns:p="http://schemas.openxmlformats.org/presentationml/2006/main" showMasterSp="0" showMasterPhAnim="0">
   <p:cSld>
     <p:spTree>
@@ -3870,7 +4060,7 @@
 </p:notes>
 </file>
 
-<file path=ppt/notesSlides/notesSlide17.xml><?xml version="1.0" encoding="utf-8"?>
+<file path=ppt/notesSlides/notesSlide18.xml><?xml version="1.0" encoding="utf-8"?>
 <p:notes xmlns:a="http://schemas.openxmlformats.org/drawingml/2006/main" xmlns:r="http://schemas.openxmlformats.org/officeDocument/2006/relationships" xmlns:p="http://schemas.openxmlformats.org/presentationml/2006/main" showMasterSp="0" showMasterPhAnim="0">
   <p:cSld>
     <p:spTree>
@@ -13064,6 +13254,870 @@
   <p:cSld>
     <p:spTree>
       <p:nvGrpSpPr>
+        <p:cNvPr id="1" name="Shape 251"/>
+        <p:cNvGrpSpPr/>
+        <p:nvPr/>
+      </p:nvGrpSpPr>
+      <p:grpSpPr>
+        <a:xfrm>
+          <a:off x="0" y="0"/>
+          <a:ext cx="0" cy="0"/>
+          <a:chOff x="0" y="0"/>
+          <a:chExt cx="0" cy="0"/>
+        </a:xfrm>
+      </p:grpSpPr>
+      <p:sp>
+        <p:nvSpPr>
+          <p:cNvPr id="252" name="Google Shape;252;p36"/>
+          <p:cNvSpPr txBox="1">
+            <a:spLocks noGrp="1"/>
+          </p:cNvSpPr>
+          <p:nvPr>
+            <p:ph type="ctrTitle"/>
+          </p:nvPr>
+        </p:nvSpPr>
+        <p:spPr>
+          <a:xfrm>
+            <a:off x="913795" y="609600"/>
+            <a:ext cx="10353900" cy="970500"/>
+          </a:xfrm>
+          <a:prstGeom prst="rect">
+            <a:avLst/>
+          </a:prstGeom>
+          <a:noFill/>
+          <a:ln>
+            <a:noFill/>
+          </a:ln>
+          <a:effectLst>
+            <a:outerShdw blurRad="25400">
+              <a:srgbClr val="000000">
+                <a:alpha val="45880"/>
+              </a:srgbClr>
+            </a:outerShdw>
+          </a:effectLst>
+        </p:spPr>
+        <p:txBody>
+          <a:bodyPr spcFirstLastPara="1" wrap="square" lIns="91425" tIns="45700" rIns="91425" bIns="45700" anchor="ctr" anchorCtr="0">
+            <a:noAutofit/>
+          </a:bodyPr>
+          <a:lstStyle/>
+          <a:p>
+            <a:pPr marL="0" lvl="0" indent="0" algn="l" rtl="0">
+              <a:spcBef>
+                <a:spcPts val="0"/>
+              </a:spcBef>
+              <a:spcAft>
+                <a:spcPts val="0"/>
+              </a:spcAft>
+              <a:buClr>
+                <a:schemeClr val="lt2"/>
+              </a:buClr>
+              <a:buSzPts val="4000"/>
+              <a:buFont typeface="Lustria"/>
+              <a:buNone/>
+            </a:pPr>
+            <a:r>
+              <a:rPr lang="en-US" sz="3600" dirty="0"/>
+              <a:t>Insert Values into Table </a:t>
+            </a:r>
+            <a:r>
+              <a:rPr lang="en-US" sz="3600"/>
+              <a:t>from Query</a:t>
+            </a:r>
+            <a:endParaRPr sz="3600" dirty="0"/>
+          </a:p>
+        </p:txBody>
+      </p:sp>
+      <p:sp>
+        <p:nvSpPr>
+          <p:cNvPr id="253" name="Google Shape;253;p36"/>
+          <p:cNvSpPr txBox="1"/>
+          <p:nvPr/>
+        </p:nvSpPr>
+        <p:spPr>
+          <a:xfrm>
+            <a:off x="229346" y="1580100"/>
+            <a:ext cx="8321409" cy="4921545"/>
+          </a:xfrm>
+          <a:prstGeom prst="rect">
+            <a:avLst/>
+          </a:prstGeom>
+          <a:noFill/>
+          <a:ln>
+            <a:noFill/>
+          </a:ln>
+        </p:spPr>
+        <p:txBody>
+          <a:bodyPr spcFirstLastPara="1" wrap="square" lIns="91425" tIns="91425" rIns="91425" bIns="91425" anchor="t" anchorCtr="0">
+            <a:noAutofit/>
+          </a:bodyPr>
+          <a:lstStyle/>
+          <a:p>
+            <a:pPr marL="0" lvl="0" indent="0" algn="l" rtl="0">
+              <a:lnSpc>
+                <a:spcPct val="115000"/>
+              </a:lnSpc>
+              <a:spcBef>
+                <a:spcPts val="0"/>
+              </a:spcBef>
+              <a:spcAft>
+                <a:spcPts val="0"/>
+              </a:spcAft>
+              <a:buNone/>
+            </a:pPr>
+            <a:r>
+              <a:rPr lang="en-US" sz="2000" u="sng" dirty="0">
+                <a:solidFill>
+                  <a:schemeClr val="accent1"/>
+                </a:solidFill>
+                <a:latin typeface="Lato"/>
+                <a:ea typeface="Lato"/>
+                <a:cs typeface="Lato"/>
+                <a:sym typeface="Lato"/>
+              </a:rPr>
+              <a:t>Purpose</a:t>
+            </a:r>
+            <a:r>
+              <a:rPr lang="en-US" sz="2000" dirty="0">
+                <a:solidFill>
+                  <a:schemeClr val="accent1"/>
+                </a:solidFill>
+                <a:latin typeface="Lato"/>
+                <a:ea typeface="Lato"/>
+                <a:cs typeface="Lato"/>
+                <a:sym typeface="Lato"/>
+              </a:rPr>
+              <a:t> -  Create a query then store those records in a persistent table</a:t>
+            </a:r>
+            <a:endParaRPr sz="2000" dirty="0">
+              <a:solidFill>
+                <a:schemeClr val="accent1"/>
+              </a:solidFill>
+              <a:latin typeface="Lato"/>
+              <a:ea typeface="Lato"/>
+              <a:cs typeface="Lato"/>
+              <a:sym typeface="Lato"/>
+            </a:endParaRPr>
+          </a:p>
+          <a:p>
+            <a:pPr lvl="0">
+              <a:lnSpc>
+                <a:spcPct val="115000"/>
+              </a:lnSpc>
+              <a:buSzPts val="1100"/>
+            </a:pPr>
+            <a:endParaRPr lang="en-US" dirty="0">
+              <a:solidFill>
+                <a:schemeClr val="accent1"/>
+              </a:solidFill>
+              <a:latin typeface="Lato"/>
+              <a:ea typeface="Lato"/>
+              <a:cs typeface="Lato"/>
+              <a:sym typeface="Lato"/>
+            </a:endParaRPr>
+          </a:p>
+          <a:p>
+            <a:pPr lvl="0">
+              <a:lnSpc>
+                <a:spcPct val="115000"/>
+              </a:lnSpc>
+              <a:buSzPts val="1100"/>
+            </a:pPr>
+            <a:r>
+              <a:rPr lang="en-US" sz="2000" b="1" dirty="0">
+                <a:solidFill>
+                  <a:schemeClr val="bg2"/>
+                </a:solidFill>
+                <a:latin typeface="Lato"/>
+                <a:ea typeface="Lato"/>
+                <a:cs typeface="Lato"/>
+                <a:sym typeface="Lato"/>
+              </a:rPr>
+              <a:t>Step 1) Create Table to store values</a:t>
+            </a:r>
+          </a:p>
+          <a:p>
+            <a:pPr marL="0" lvl="0" indent="0" algn="l" rtl="0">
+              <a:lnSpc>
+                <a:spcPct val="115000"/>
+              </a:lnSpc>
+              <a:spcBef>
+                <a:spcPts val="0"/>
+              </a:spcBef>
+              <a:spcAft>
+                <a:spcPts val="0"/>
+              </a:spcAft>
+              <a:buClr>
+                <a:srgbClr val="000000"/>
+              </a:buClr>
+              <a:buSzPts val="1100"/>
+              <a:buFont typeface="Arial"/>
+              <a:buNone/>
+            </a:pPr>
+            <a:r>
+              <a:rPr lang="en-US" sz="2000" dirty="0">
+                <a:solidFill>
+                  <a:schemeClr val="bg2"/>
+                </a:solidFill>
+                <a:latin typeface="Lato"/>
+                <a:ea typeface="Lato"/>
+                <a:cs typeface="Lato"/>
+                <a:sym typeface="Lato"/>
+              </a:rPr>
+              <a:t>CREATE TABLE jbergmann.us (  </a:t>
+            </a:r>
+          </a:p>
+          <a:p>
+            <a:pPr marL="0" lvl="0" indent="0" algn="l" rtl="0">
+              <a:lnSpc>
+                <a:spcPct val="115000"/>
+              </a:lnSpc>
+              <a:spcBef>
+                <a:spcPts val="0"/>
+              </a:spcBef>
+              <a:spcAft>
+                <a:spcPts val="0"/>
+              </a:spcAft>
+              <a:buClr>
+                <a:srgbClr val="000000"/>
+              </a:buClr>
+              <a:buSzPts val="1100"/>
+              <a:buFont typeface="Arial"/>
+              <a:buNone/>
+            </a:pPr>
+            <a:r>
+              <a:rPr lang="en-US" sz="2000" dirty="0">
+                <a:solidFill>
+                  <a:schemeClr val="bg2"/>
+                </a:solidFill>
+                <a:latin typeface="Lato"/>
+                <a:ea typeface="Lato"/>
+                <a:cs typeface="Lato"/>
+                <a:sym typeface="Lato"/>
+              </a:rPr>
+              <a:t>`date` DATETIME DEFAULT NULL,  </a:t>
+            </a:r>
+          </a:p>
+          <a:p>
+            <a:pPr marL="0" lvl="0" indent="0" algn="l" rtl="0">
+              <a:lnSpc>
+                <a:spcPct val="115000"/>
+              </a:lnSpc>
+              <a:spcBef>
+                <a:spcPts val="0"/>
+              </a:spcBef>
+              <a:spcAft>
+                <a:spcPts val="0"/>
+              </a:spcAft>
+              <a:buClr>
+                <a:srgbClr val="000000"/>
+              </a:buClr>
+              <a:buSzPts val="1100"/>
+              <a:buFont typeface="Arial"/>
+              <a:buNone/>
+            </a:pPr>
+            <a:r>
+              <a:rPr lang="en-US" sz="2000" dirty="0">
+                <a:solidFill>
+                  <a:schemeClr val="bg2"/>
+                </a:solidFill>
+                <a:latin typeface="Lato"/>
+                <a:ea typeface="Lato"/>
+                <a:cs typeface="Lato"/>
+                <a:sym typeface="Lato"/>
+              </a:rPr>
+              <a:t>`cases` INT DEFAULT NULL,  </a:t>
+            </a:r>
+          </a:p>
+          <a:p>
+            <a:pPr marL="0" lvl="0" indent="0" algn="l" rtl="0">
+              <a:lnSpc>
+                <a:spcPct val="115000"/>
+              </a:lnSpc>
+              <a:spcBef>
+                <a:spcPts val="0"/>
+              </a:spcBef>
+              <a:spcAft>
+                <a:spcPts val="0"/>
+              </a:spcAft>
+              <a:buClr>
+                <a:srgbClr val="000000"/>
+              </a:buClr>
+              <a:buSzPts val="1100"/>
+              <a:buFont typeface="Arial"/>
+              <a:buNone/>
+            </a:pPr>
+            <a:r>
+              <a:rPr lang="en-US" sz="2000" dirty="0">
+                <a:solidFill>
+                  <a:schemeClr val="bg2"/>
+                </a:solidFill>
+                <a:latin typeface="Lato"/>
+                <a:ea typeface="Lato"/>
+                <a:cs typeface="Lato"/>
+                <a:sym typeface="Lato"/>
+              </a:rPr>
+              <a:t>`deaths` INT DEFAULT NULL</a:t>
+            </a:r>
+          </a:p>
+          <a:p>
+            <a:pPr marL="0" lvl="0" indent="0" algn="l" rtl="0">
+              <a:lnSpc>
+                <a:spcPct val="115000"/>
+              </a:lnSpc>
+              <a:spcBef>
+                <a:spcPts val="0"/>
+              </a:spcBef>
+              <a:spcAft>
+                <a:spcPts val="0"/>
+              </a:spcAft>
+              <a:buClr>
+                <a:srgbClr val="000000"/>
+              </a:buClr>
+              <a:buSzPts val="1100"/>
+              <a:buFont typeface="Arial"/>
+              <a:buNone/>
+            </a:pPr>
+            <a:r>
+              <a:rPr lang="en-US" sz="2000" dirty="0">
+                <a:solidFill>
+                  <a:schemeClr val="bg2"/>
+                </a:solidFill>
+                <a:latin typeface="Lato"/>
+                <a:ea typeface="Lato"/>
+                <a:cs typeface="Lato"/>
+                <a:sym typeface="Lato"/>
+              </a:rPr>
+              <a:t>);</a:t>
+            </a:r>
+          </a:p>
+          <a:p>
+            <a:pPr marL="0" lvl="0" indent="0" algn="l" rtl="0">
+              <a:lnSpc>
+                <a:spcPct val="115000"/>
+              </a:lnSpc>
+              <a:spcBef>
+                <a:spcPts val="0"/>
+              </a:spcBef>
+              <a:spcAft>
+                <a:spcPts val="0"/>
+              </a:spcAft>
+              <a:buNone/>
+            </a:pPr>
+            <a:endParaRPr lang="en-US" sz="2000" u="sng" dirty="0">
+              <a:solidFill>
+                <a:schemeClr val="bg2"/>
+              </a:solidFill>
+              <a:latin typeface="Lato"/>
+              <a:ea typeface="Lato"/>
+              <a:cs typeface="Lato"/>
+              <a:sym typeface="Lato"/>
+            </a:endParaRPr>
+          </a:p>
+          <a:p>
+            <a:pPr marL="0" lvl="0" indent="0" algn="l" rtl="0">
+              <a:lnSpc>
+                <a:spcPct val="115000"/>
+              </a:lnSpc>
+              <a:spcBef>
+                <a:spcPts val="0"/>
+              </a:spcBef>
+              <a:spcAft>
+                <a:spcPts val="0"/>
+              </a:spcAft>
+              <a:buNone/>
+            </a:pPr>
+            <a:r>
+              <a:rPr lang="en-US" sz="2000" b="1" dirty="0">
+                <a:solidFill>
+                  <a:schemeClr val="accent1"/>
+                </a:solidFill>
+                <a:latin typeface="Lato"/>
+                <a:ea typeface="Lato"/>
+                <a:cs typeface="Lato"/>
+                <a:sym typeface="Lato"/>
+              </a:rPr>
+              <a:t>Step 2) create query for records to store in the covide19.us table</a:t>
+            </a:r>
+          </a:p>
+          <a:p>
+            <a:pPr marL="0" lvl="0" indent="0" algn="l" rtl="0">
+              <a:lnSpc>
+                <a:spcPct val="115000"/>
+              </a:lnSpc>
+              <a:spcBef>
+                <a:spcPts val="0"/>
+              </a:spcBef>
+              <a:spcAft>
+                <a:spcPts val="0"/>
+              </a:spcAft>
+              <a:buNone/>
+            </a:pPr>
+            <a:r>
+              <a:rPr lang="en-US" sz="2000" dirty="0">
+                <a:solidFill>
+                  <a:schemeClr val="accent1"/>
+                </a:solidFill>
+                <a:latin typeface="Lato"/>
+                <a:ea typeface="Lato"/>
+                <a:cs typeface="Lato"/>
+                <a:sym typeface="Lato"/>
+              </a:rPr>
+              <a:t>INSERT INTO jbergmann.us (`date`,</a:t>
+            </a:r>
+            <a:r>
+              <a:rPr lang="en-US" sz="2000" dirty="0" err="1">
+                <a:solidFill>
+                  <a:schemeClr val="accent1"/>
+                </a:solidFill>
+                <a:latin typeface="Lato"/>
+                <a:ea typeface="Lato"/>
+                <a:cs typeface="Lato"/>
+                <a:sym typeface="Lato"/>
+              </a:rPr>
+              <a:t>cases,deaths</a:t>
+            </a:r>
+            <a:r>
+              <a:rPr lang="en-US" sz="2000" dirty="0">
+                <a:solidFill>
+                  <a:schemeClr val="accent1"/>
+                </a:solidFill>
+                <a:latin typeface="Lato"/>
+                <a:ea typeface="Lato"/>
+                <a:cs typeface="Lato"/>
+                <a:sym typeface="Lato"/>
+              </a:rPr>
+              <a:t>) </a:t>
+            </a:r>
+          </a:p>
+          <a:p>
+            <a:pPr marL="0" lvl="0" indent="0" algn="l" rtl="0">
+              <a:lnSpc>
+                <a:spcPct val="115000"/>
+              </a:lnSpc>
+              <a:spcBef>
+                <a:spcPts val="0"/>
+              </a:spcBef>
+              <a:spcAft>
+                <a:spcPts val="0"/>
+              </a:spcAft>
+              <a:buNone/>
+            </a:pPr>
+            <a:r>
+              <a:rPr lang="en-US" sz="2000" dirty="0">
+                <a:solidFill>
+                  <a:schemeClr val="accent1"/>
+                </a:solidFill>
+                <a:latin typeface="Lato"/>
+                <a:ea typeface="Lato"/>
+                <a:cs typeface="Lato"/>
+                <a:sym typeface="Lato"/>
+              </a:rPr>
+              <a:t>SELECT `</a:t>
+            </a:r>
+            <a:r>
+              <a:rPr lang="en-US" sz="2000" dirty="0" err="1">
+                <a:solidFill>
+                  <a:schemeClr val="accent1"/>
+                </a:solidFill>
+                <a:latin typeface="Lato"/>
+                <a:ea typeface="Lato"/>
+                <a:cs typeface="Lato"/>
+                <a:sym typeface="Lato"/>
+              </a:rPr>
+              <a:t>date`,cases</a:t>
+            </a:r>
+            <a:r>
+              <a:rPr lang="en-US" sz="2000" dirty="0">
+                <a:solidFill>
+                  <a:schemeClr val="accent1"/>
+                </a:solidFill>
+                <a:latin typeface="Lato"/>
+                <a:ea typeface="Lato"/>
+                <a:cs typeface="Lato"/>
+                <a:sym typeface="Lato"/>
+              </a:rPr>
+              <a:t>, deaths</a:t>
+            </a:r>
+          </a:p>
+          <a:p>
+            <a:pPr marL="0" lvl="0" indent="0" algn="l" rtl="0">
+              <a:lnSpc>
+                <a:spcPct val="115000"/>
+              </a:lnSpc>
+              <a:spcBef>
+                <a:spcPts val="0"/>
+              </a:spcBef>
+              <a:spcAft>
+                <a:spcPts val="0"/>
+              </a:spcAft>
+              <a:buNone/>
+            </a:pPr>
+            <a:r>
+              <a:rPr lang="en-US" sz="2000" dirty="0">
+                <a:solidFill>
+                  <a:schemeClr val="accent1"/>
+                </a:solidFill>
+                <a:latin typeface="Lato"/>
+                <a:ea typeface="Lato"/>
+                <a:cs typeface="Lato"/>
+                <a:sym typeface="Lato"/>
+              </a:rPr>
+              <a:t>FROM covid_19.us;</a:t>
+            </a:r>
+          </a:p>
+          <a:p>
+            <a:pPr marL="0" lvl="0" indent="0" algn="l" rtl="0">
+              <a:lnSpc>
+                <a:spcPct val="115000"/>
+              </a:lnSpc>
+              <a:spcBef>
+                <a:spcPts val="0"/>
+              </a:spcBef>
+              <a:spcAft>
+                <a:spcPts val="0"/>
+              </a:spcAft>
+              <a:buNone/>
+            </a:pPr>
+            <a:endParaRPr lang="en-US" sz="2000" dirty="0">
+              <a:solidFill>
+                <a:schemeClr val="accent1"/>
+              </a:solidFill>
+              <a:latin typeface="Lato"/>
+              <a:ea typeface="Lato"/>
+              <a:cs typeface="Lato"/>
+              <a:sym typeface="Lato"/>
+            </a:endParaRPr>
+          </a:p>
+          <a:p>
+            <a:pPr marL="0" lvl="0" indent="0" algn="l" rtl="0">
+              <a:lnSpc>
+                <a:spcPct val="115000"/>
+              </a:lnSpc>
+              <a:spcBef>
+                <a:spcPts val="0"/>
+              </a:spcBef>
+              <a:spcAft>
+                <a:spcPts val="0"/>
+              </a:spcAft>
+              <a:buNone/>
+            </a:pPr>
+            <a:r>
+              <a:rPr lang="en-US" sz="2000" b="1" dirty="0">
+                <a:solidFill>
+                  <a:schemeClr val="accent1"/>
+                </a:solidFill>
+                <a:latin typeface="Lato"/>
+                <a:ea typeface="Lato"/>
+                <a:cs typeface="Lato"/>
+                <a:sym typeface="Lato"/>
+              </a:rPr>
+              <a:t>Result</a:t>
+            </a:r>
+            <a:r>
+              <a:rPr lang="en-US" sz="2000" dirty="0">
+                <a:solidFill>
+                  <a:schemeClr val="accent1"/>
+                </a:solidFill>
+                <a:latin typeface="Lato"/>
+                <a:ea typeface="Lato"/>
+                <a:cs typeface="Lato"/>
+                <a:sym typeface="Lato"/>
+              </a:rPr>
+              <a:t>:  SELECT * FROM jbergmann.us</a:t>
+            </a:r>
+            <a:endParaRPr sz="2000" dirty="0">
+              <a:solidFill>
+                <a:schemeClr val="accent1"/>
+              </a:solidFill>
+              <a:latin typeface="Lato"/>
+              <a:ea typeface="Lato"/>
+              <a:cs typeface="Lato"/>
+              <a:sym typeface="Lato"/>
+            </a:endParaRPr>
+          </a:p>
+          <a:p>
+            <a:pPr marL="0" lvl="0" indent="0" algn="l" rtl="0">
+              <a:lnSpc>
+                <a:spcPct val="115000"/>
+              </a:lnSpc>
+              <a:spcBef>
+                <a:spcPts val="0"/>
+              </a:spcBef>
+              <a:spcAft>
+                <a:spcPts val="0"/>
+              </a:spcAft>
+              <a:buNone/>
+            </a:pPr>
+            <a:endParaRPr sz="2000" dirty="0">
+              <a:solidFill>
+                <a:schemeClr val="accent1"/>
+              </a:solidFill>
+              <a:latin typeface="Lato"/>
+              <a:ea typeface="Lato"/>
+              <a:cs typeface="Lato"/>
+              <a:sym typeface="Lato"/>
+            </a:endParaRPr>
+          </a:p>
+          <a:p>
+            <a:pPr marL="0" lvl="0" indent="0" algn="l" rtl="0">
+              <a:lnSpc>
+                <a:spcPct val="115000"/>
+              </a:lnSpc>
+              <a:spcBef>
+                <a:spcPts val="0"/>
+              </a:spcBef>
+              <a:spcAft>
+                <a:spcPts val="0"/>
+              </a:spcAft>
+              <a:buNone/>
+            </a:pPr>
+            <a:endParaRPr sz="2000" dirty="0">
+              <a:solidFill>
+                <a:schemeClr val="accent1"/>
+              </a:solidFill>
+              <a:latin typeface="Lato"/>
+              <a:ea typeface="Lato"/>
+              <a:cs typeface="Lato"/>
+              <a:sym typeface="Lato"/>
+            </a:endParaRPr>
+          </a:p>
+          <a:p>
+            <a:pPr marL="0" lvl="0" indent="0" algn="l" rtl="0">
+              <a:lnSpc>
+                <a:spcPct val="115000"/>
+              </a:lnSpc>
+              <a:spcBef>
+                <a:spcPts val="0"/>
+              </a:spcBef>
+              <a:spcAft>
+                <a:spcPts val="0"/>
+              </a:spcAft>
+              <a:buNone/>
+            </a:pPr>
+            <a:endParaRPr sz="2000" dirty="0">
+              <a:solidFill>
+                <a:schemeClr val="accent1"/>
+              </a:solidFill>
+              <a:latin typeface="Lato"/>
+              <a:ea typeface="Lato"/>
+              <a:cs typeface="Lato"/>
+              <a:sym typeface="Lato"/>
+            </a:endParaRPr>
+          </a:p>
+          <a:p>
+            <a:pPr marL="0" lvl="0" indent="0" algn="l" rtl="0">
+              <a:lnSpc>
+                <a:spcPct val="115000"/>
+              </a:lnSpc>
+              <a:spcBef>
+                <a:spcPts val="0"/>
+              </a:spcBef>
+              <a:spcAft>
+                <a:spcPts val="0"/>
+              </a:spcAft>
+              <a:buNone/>
+            </a:pPr>
+            <a:r>
+              <a:rPr lang="en-US" sz="2000" dirty="0">
+                <a:solidFill>
+                  <a:schemeClr val="accent1"/>
+                </a:solidFill>
+                <a:latin typeface="Lato"/>
+                <a:ea typeface="Lato"/>
+                <a:cs typeface="Lato"/>
+                <a:sym typeface="Lato"/>
+              </a:rPr>
+              <a:t>=</a:t>
+            </a:r>
+            <a:endParaRPr sz="2000" dirty="0">
+              <a:solidFill>
+                <a:schemeClr val="accent1"/>
+              </a:solidFill>
+              <a:latin typeface="Lato"/>
+              <a:ea typeface="Lato"/>
+              <a:cs typeface="Lato"/>
+              <a:sym typeface="Lato"/>
+            </a:endParaRPr>
+          </a:p>
+        </p:txBody>
+      </p:sp>
+      <p:pic>
+        <p:nvPicPr>
+          <p:cNvPr id="6" name="Picture 5">
+            <a:extLst>
+              <a:ext uri="{FF2B5EF4-FFF2-40B4-BE49-F238E27FC236}">
+                <a16:creationId xmlns:a16="http://schemas.microsoft.com/office/drawing/2014/main" id="{D5AF4964-0430-40B8-B11F-F1F97F09A525}"/>
+              </a:ext>
+            </a:extLst>
+          </p:cNvPr>
+          <p:cNvPicPr>
+            <a:picLocks noChangeAspect="1"/>
+          </p:cNvPicPr>
+          <p:nvPr/>
+        </p:nvPicPr>
+        <p:blipFill>
+          <a:blip r:embed="rId3"/>
+          <a:stretch>
+            <a:fillRect/>
+          </a:stretch>
+        </p:blipFill>
+        <p:spPr>
+          <a:xfrm>
+            <a:off x="8164068" y="2435127"/>
+            <a:ext cx="3660901" cy="3675905"/>
+          </a:xfrm>
+          <a:prstGeom prst="rect">
+            <a:avLst/>
+          </a:prstGeom>
+        </p:spPr>
+      </p:pic>
+      <p:cxnSp>
+        <p:nvCxnSpPr>
+          <p:cNvPr id="9" name="Google Shape;247;p35">
+            <a:extLst>
+              <a:ext uri="{FF2B5EF4-FFF2-40B4-BE49-F238E27FC236}">
+                <a16:creationId xmlns:a16="http://schemas.microsoft.com/office/drawing/2014/main" id="{FAEE9D66-878F-4F4B-9ED1-5AF92397C2F6}"/>
+              </a:ext>
+            </a:extLst>
+          </p:cNvPr>
+          <p:cNvCxnSpPr>
+            <a:cxnSpLocks/>
+          </p:cNvCxnSpPr>
+          <p:nvPr/>
+        </p:nvCxnSpPr>
+        <p:spPr>
+          <a:xfrm flipV="1">
+            <a:off x="3580482" y="5453349"/>
+            <a:ext cx="4583586" cy="407624"/>
+          </a:xfrm>
+          <a:prstGeom prst="straightConnector1">
+            <a:avLst/>
+          </a:prstGeom>
+          <a:ln>
+            <a:headEnd type="none" w="med" len="med"/>
+            <a:tailEnd type="triangle" w="med" len="med"/>
+          </a:ln>
+        </p:spPr>
+        <p:style>
+          <a:lnRef idx="2">
+            <a:schemeClr val="dk1"/>
+          </a:lnRef>
+          <a:fillRef idx="0">
+            <a:schemeClr val="dk1"/>
+          </a:fillRef>
+          <a:effectRef idx="1">
+            <a:schemeClr val="dk1"/>
+          </a:effectRef>
+          <a:fontRef idx="minor">
+            <a:schemeClr val="tx1"/>
+          </a:fontRef>
+        </p:style>
+      </p:cxnSp>
+      <p:cxnSp>
+        <p:nvCxnSpPr>
+          <p:cNvPr id="12" name="Google Shape;247;p35">
+            <a:extLst>
+              <a:ext uri="{FF2B5EF4-FFF2-40B4-BE49-F238E27FC236}">
+                <a16:creationId xmlns:a16="http://schemas.microsoft.com/office/drawing/2014/main" id="{77FBEFD9-2839-4BE9-9A10-AE598A28E1DF}"/>
+              </a:ext>
+            </a:extLst>
+          </p:cNvPr>
+          <p:cNvCxnSpPr>
+            <a:cxnSpLocks/>
+          </p:cNvCxnSpPr>
+          <p:nvPr/>
+        </p:nvCxnSpPr>
+        <p:spPr>
+          <a:xfrm flipH="1">
+            <a:off x="5828207" y="5062736"/>
+            <a:ext cx="2335861" cy="215164"/>
+          </a:xfrm>
+          <a:prstGeom prst="straightConnector1">
+            <a:avLst/>
+          </a:prstGeom>
+          <a:noFill/>
+          <a:ln w="9525" cap="flat" cmpd="sng">
+            <a:solidFill>
+              <a:schemeClr val="dk2"/>
+            </a:solidFill>
+            <a:prstDash val="solid"/>
+            <a:round/>
+            <a:headEnd type="none" w="med" len="med"/>
+            <a:tailEnd type="triangle" w="med" len="med"/>
+          </a:ln>
+        </p:spPr>
+      </p:cxnSp>
+      <p:sp>
+        <p:nvSpPr>
+          <p:cNvPr id="11" name="Rectangle 10">
+            <a:extLst>
+              <a:ext uri="{FF2B5EF4-FFF2-40B4-BE49-F238E27FC236}">
+                <a16:creationId xmlns:a16="http://schemas.microsoft.com/office/drawing/2014/main" id="{BA685467-E32A-4CB6-B6B0-F81CF08A8C8E}"/>
+              </a:ext>
+            </a:extLst>
+          </p:cNvPr>
+          <p:cNvSpPr/>
+          <p:nvPr/>
+        </p:nvSpPr>
+        <p:spPr>
+          <a:xfrm>
+            <a:off x="229346" y="5453349"/>
+            <a:ext cx="3351136" cy="657683"/>
+          </a:xfrm>
+          <a:prstGeom prst="rect">
+            <a:avLst/>
+          </a:prstGeom>
+          <a:noFill/>
+          <a:ln>
+            <a:solidFill>
+              <a:srgbClr val="00B050"/>
+            </a:solidFill>
+          </a:ln>
+        </p:spPr>
+        <p:style>
+          <a:lnRef idx="2">
+            <a:schemeClr val="accent1">
+              <a:shade val="50000"/>
+            </a:schemeClr>
+          </a:lnRef>
+          <a:fillRef idx="1">
+            <a:schemeClr val="accent1"/>
+          </a:fillRef>
+          <a:effectRef idx="0">
+            <a:schemeClr val="accent1"/>
+          </a:effectRef>
+          <a:fontRef idx="minor">
+            <a:schemeClr val="lt1"/>
+          </a:fontRef>
+        </p:style>
+        <p:txBody>
+          <a:bodyPr rtlCol="0" anchor="ctr"/>
+          <a:lstStyle/>
+          <a:p>
+            <a:pPr algn="ctr"/>
+            <a:endParaRPr lang="en-US"/>
+          </a:p>
+        </p:txBody>
+      </p:sp>
+    </p:spTree>
+    <p:extLst>
+      <p:ext uri="{BB962C8B-B14F-4D97-AF65-F5344CB8AC3E}">
+        <p14:creationId xmlns:p14="http://schemas.microsoft.com/office/powerpoint/2010/main" val="1842050391"/>
+      </p:ext>
+    </p:extLst>
+  </p:cSld>
+  <p:clrMapOvr>
+    <a:masterClrMapping/>
+  </p:clrMapOvr>
+</p:sld>
+</file>
+
+<file path=ppt/slides/slide11.xml><?xml version="1.0" encoding="utf-8"?>
+<p:sld xmlns:a="http://schemas.openxmlformats.org/drawingml/2006/main" xmlns:r="http://schemas.openxmlformats.org/officeDocument/2006/relationships" xmlns:p="http://schemas.openxmlformats.org/presentationml/2006/main">
+  <p:cSld>
+    <p:spTree>
+      <p:nvGrpSpPr>
         <p:cNvPr id="1" name="Shape 258"/>
         <p:cNvGrpSpPr/>
         <p:nvPr/>
@@ -13127,10 +14181,10 @@
               <a:buNone/>
             </a:pPr>
             <a:r>
-              <a:rPr lang="en-US" sz="3600"/>
+              <a:rPr lang="en-US" sz="3600" dirty="0"/>
               <a:t>Update Existing Values in Table</a:t>
             </a:r>
-            <a:endParaRPr sz="3600"/>
+            <a:endParaRPr sz="3600" dirty="0"/>
           </a:p>
         </p:txBody>
       </p:sp>
@@ -13663,7 +14717,7 @@
 </p:sld>
 </file>
 
-<file path=ppt/slides/slide11.xml><?xml version="1.0" encoding="utf-8"?>
+<file path=ppt/slides/slide12.xml><?xml version="1.0" encoding="utf-8"?>
 <p:sld xmlns:a="http://schemas.openxmlformats.org/drawingml/2006/main" xmlns:r="http://schemas.openxmlformats.org/officeDocument/2006/relationships" xmlns:p="http://schemas.openxmlformats.org/presentationml/2006/main">
   <p:cSld>
     <p:spTree>
@@ -14325,7 +15379,7 @@
 </p:sld>
 </file>
 
-<file path=ppt/slides/slide12.xml><?xml version="1.0" encoding="utf-8"?>
+<file path=ppt/slides/slide13.xml><?xml version="1.0" encoding="utf-8"?>
 <p:sld xmlns:a="http://schemas.openxmlformats.org/drawingml/2006/main" xmlns:r="http://schemas.openxmlformats.org/officeDocument/2006/relationships" xmlns:p="http://schemas.openxmlformats.org/presentationml/2006/main">
   <p:cSld>
     <p:spTree>
@@ -15199,7 +16253,7 @@
 </p:sld>
 </file>
 
-<file path=ppt/slides/slide13.xml><?xml version="1.0" encoding="utf-8"?>
+<file path=ppt/slides/slide14.xml><?xml version="1.0" encoding="utf-8"?>
 <p:sld xmlns:a="http://schemas.openxmlformats.org/drawingml/2006/main" xmlns:r="http://schemas.openxmlformats.org/officeDocument/2006/relationships" xmlns:p="http://schemas.openxmlformats.org/presentationml/2006/main">
   <p:cSld>
     <p:spTree>
@@ -15725,7 +16779,7 @@
 </p:sld>
 </file>
 
-<file path=ppt/slides/slide14.xml><?xml version="1.0" encoding="utf-8"?>
+<file path=ppt/slides/slide15.xml><?xml version="1.0" encoding="utf-8"?>
 <p:sld xmlns:a="http://schemas.openxmlformats.org/drawingml/2006/main" xmlns:r="http://schemas.openxmlformats.org/officeDocument/2006/relationships" xmlns:p="http://schemas.openxmlformats.org/presentationml/2006/main">
   <p:cSld>
     <p:spTree>
@@ -16074,7 +17128,7 @@
 </p:sld>
 </file>
 
-<file path=ppt/slides/slide15.xml><?xml version="1.0" encoding="utf-8"?>
+<file path=ppt/slides/slide16.xml><?xml version="1.0" encoding="utf-8"?>
 <p:sld xmlns:a="http://schemas.openxmlformats.org/drawingml/2006/main" xmlns:r="http://schemas.openxmlformats.org/officeDocument/2006/relationships" xmlns:p="http://schemas.openxmlformats.org/presentationml/2006/main">
   <p:cSld>
     <p:spTree>
@@ -16452,7 +17506,7 @@
 </p:sld>
 </file>
 
-<file path=ppt/slides/slide16.xml><?xml version="1.0" encoding="utf-8"?>
+<file path=ppt/slides/slide17.xml><?xml version="1.0" encoding="utf-8"?>
 <p:sld xmlns:a="http://schemas.openxmlformats.org/drawingml/2006/main" xmlns:r="http://schemas.openxmlformats.org/officeDocument/2006/relationships" xmlns:p="http://schemas.openxmlformats.org/presentationml/2006/main">
   <p:cSld>
     <p:spTree>
@@ -17093,7 +18147,7 @@
 </p:sld>
 </file>
 
-<file path=ppt/slides/slide17.xml><?xml version="1.0" encoding="utf-8"?>
+<file path=ppt/slides/slide18.xml><?xml version="1.0" encoding="utf-8"?>
 <p:sld xmlns:a="http://schemas.openxmlformats.org/drawingml/2006/main" xmlns:r="http://schemas.openxmlformats.org/officeDocument/2006/relationships" xmlns:p="http://schemas.openxmlformats.org/presentationml/2006/main">
   <p:cSld>
     <p:spTree>
